--- a/ppt/90_基礎資料結構與演算法.pptx
+++ b/ppt/90_基礎資料結構與演算法.pptx
@@ -9,6 +9,8 @@
     <p:sldId id="331" r:id="rId3"/>
     <p:sldId id="334" r:id="rId4"/>
     <p:sldId id="335" r:id="rId5"/>
+    <p:sldId id="337" r:id="rId6"/>
+    <p:sldId id="336" r:id="rId7"/>
   </p:sldIdLst>
   <p:sldSz cx="12192000" cy="6858000"/>
   <p:notesSz cx="6858000" cy="9144000"/>
@@ -5325,6 +5327,3850 @@
 </p:sld>
 </file>
 
+<file path=ppt/slides/slide5.xml><?xml version="1.0" encoding="utf-8"?>
+<p:sld xmlns:a="http://schemas.openxmlformats.org/drawingml/2006/main" xmlns:r="http://schemas.openxmlformats.org/officeDocument/2006/relationships" xmlns:p="http://schemas.openxmlformats.org/presentationml/2006/main">
+  <p:cSld>
+    <p:spTree>
+      <p:nvGrpSpPr>
+        <p:cNvPr id="1" name=""/>
+        <p:cNvGrpSpPr/>
+        <p:nvPr/>
+      </p:nvGrpSpPr>
+      <p:grpSpPr>
+        <a:xfrm>
+          <a:off x="0" y="0"/>
+          <a:ext cx="0" cy="0"/>
+          <a:chOff x="0" y="0"/>
+          <a:chExt cx="0" cy="0"/>
+        </a:xfrm>
+      </p:grpSpPr>
+      <p:grpSp>
+        <p:nvGrpSpPr>
+          <p:cNvPr id="15" name="群組 14">
+            <a:extLst>
+              <a:ext uri="{FF2B5EF4-FFF2-40B4-BE49-F238E27FC236}">
+                <a16:creationId xmlns:a16="http://schemas.microsoft.com/office/drawing/2014/main" id="{E50928EE-E1CD-4A0D-A658-BB7DEE5748A6}"/>
+              </a:ext>
+            </a:extLst>
+          </p:cNvPr>
+          <p:cNvGrpSpPr/>
+          <p:nvPr/>
+        </p:nvGrpSpPr>
+        <p:grpSpPr>
+          <a:xfrm>
+            <a:off x="838199" y="3994622"/>
+            <a:ext cx="10515599" cy="2308325"/>
+            <a:chOff x="838199" y="4093237"/>
+            <a:chExt cx="10515599" cy="2308325"/>
+          </a:xfrm>
+        </p:grpSpPr>
+        <p:sp>
+          <p:nvSpPr>
+            <p:cNvPr id="4" name="Rectangle 1">
+              <a:extLst>
+                <a:ext uri="{FF2B5EF4-FFF2-40B4-BE49-F238E27FC236}">
+                  <a16:creationId xmlns:a16="http://schemas.microsoft.com/office/drawing/2014/main" id="{E2B4AF38-32C0-4D5C-95E6-2887C9E95C71}"/>
+                </a:ext>
+              </a:extLst>
+            </p:cNvPr>
+            <p:cNvSpPr>
+              <a:spLocks noChangeArrowheads="1"/>
+            </p:cNvSpPr>
+            <p:nvPr/>
+          </p:nvSpPr>
+          <p:spPr bwMode="auto">
+            <a:xfrm>
+              <a:off x="838199" y="4093237"/>
+              <a:ext cx="10515599" cy="2308324"/>
+            </a:xfrm>
+            <a:prstGeom prst="rect">
+              <a:avLst/>
+            </a:prstGeom>
+            <a:solidFill>
+              <a:srgbClr val="1E1F22"/>
+            </a:solidFill>
+            <a:ln>
+              <a:noFill/>
+            </a:ln>
+            <a:effectLst/>
+            <a:extLst>
+              <a:ext uri="{91240B29-F687-4F45-9708-019B960494DF}">
+                <a14:hiddenLine xmlns:a14="http://schemas.microsoft.com/office/drawing/2010/main" w="9525">
+                  <a:solidFill>
+                    <a:schemeClr val="tx1"/>
+                  </a:solidFill>
+                  <a:miter lim="800000"/>
+                  <a:headEnd/>
+                  <a:tailEnd/>
+                </a14:hiddenLine>
+              </a:ext>
+              <a:ext uri="{AF507438-7753-43E0-B8FC-AC1667EBCBE1}">
+                <a14:hiddenEffects xmlns:a14="http://schemas.microsoft.com/office/drawing/2010/main">
+                  <a:effectLst>
+                    <a:outerShdw dist="35921" dir="2700000" algn="ctr" rotWithShape="0">
+                      <a:schemeClr val="bg2"/>
+                    </a:outerShdw>
+                  </a:effectLst>
+                </a14:hiddenEffects>
+              </a:ext>
+            </a:extLst>
+          </p:spPr>
+          <p:txBody>
+            <a:bodyPr vert="horz" wrap="square" lIns="91440" tIns="45720" rIns="91440" bIns="45720" numCol="1" anchor="ctr" anchorCtr="0" compatLnSpc="1">
+              <a:prstTxWarp prst="textNoShape">
+                <a:avLst/>
+              </a:prstTxWarp>
+              <a:spAutoFit/>
+            </a:bodyPr>
+            <a:lstStyle/>
+            <a:p>
+              <a:pPr marL="0" marR="0" lvl="0" indent="0" algn="l" defTabSz="914400" rtl="0" eaLnBrk="0" fontAlgn="base" latinLnBrk="0" hangingPunct="0">
+                <a:lnSpc>
+                  <a:spcPct val="100000"/>
+                </a:lnSpc>
+                <a:spcBef>
+                  <a:spcPct val="0"/>
+                </a:spcBef>
+                <a:spcAft>
+                  <a:spcPct val="0"/>
+                </a:spcAft>
+                <a:buClrTx/>
+                <a:buSzTx/>
+                <a:buFontTx/>
+                <a:buNone/>
+                <a:tabLst/>
+              </a:pPr>
+              <a:r>
+                <a:rPr kumimoji="0" lang="zh-TW" altLang="zh-TW" sz="1600" b="0" i="0" u="none" strike="noStrike" cap="none" normalizeH="0" baseline="0">
+                  <a:ln>
+                    <a:noFill/>
+                  </a:ln>
+                  <a:solidFill>
+                    <a:srgbClr val="CF8E6D"/>
+                  </a:solidFill>
+                  <a:effectLst/>
+                  <a:latin typeface="+mj-lt"/>
+                  <a:cs typeface="JetBrains Mono" panose="02000009000000000000" pitchFamily="49" charset="0"/>
+                </a:rPr>
+                <a:t>import </a:t>
+              </a:r>
+              <a:r>
+                <a:rPr kumimoji="0" lang="zh-TW" altLang="zh-TW" sz="1600" b="0" i="0" u="none" strike="noStrike" cap="none" normalizeH="0" baseline="0">
+                  <a:ln>
+                    <a:noFill/>
+                  </a:ln>
+                  <a:solidFill>
+                    <a:srgbClr val="BCBEC4"/>
+                  </a:solidFill>
+                  <a:effectLst/>
+                  <a:latin typeface="+mj-lt"/>
+                  <a:cs typeface="JetBrains Mono" panose="02000009000000000000" pitchFamily="49" charset="0"/>
+                </a:rPr>
+                <a:t>java.util.Scanner;</a:t>
+              </a:r>
+              <a:br>
+                <a:rPr kumimoji="0" lang="zh-TW" altLang="zh-TW" sz="1600" b="0" i="0" u="none" strike="noStrike" cap="none" normalizeH="0" baseline="0">
+                  <a:ln>
+                    <a:noFill/>
+                  </a:ln>
+                  <a:solidFill>
+                    <a:srgbClr val="BCBEC4"/>
+                  </a:solidFill>
+                  <a:effectLst/>
+                  <a:latin typeface="+mj-lt"/>
+                  <a:cs typeface="JetBrains Mono" panose="02000009000000000000" pitchFamily="49" charset="0"/>
+                </a:rPr>
+              </a:br>
+              <a:br>
+                <a:rPr kumimoji="0" lang="zh-TW" altLang="zh-TW" sz="1600" b="0" i="0" u="none" strike="noStrike" cap="none" normalizeH="0" baseline="0">
+                  <a:ln>
+                    <a:noFill/>
+                  </a:ln>
+                  <a:solidFill>
+                    <a:srgbClr val="BCBEC4"/>
+                  </a:solidFill>
+                  <a:effectLst/>
+                  <a:latin typeface="+mj-lt"/>
+                  <a:cs typeface="JetBrains Mono" panose="02000009000000000000" pitchFamily="49" charset="0"/>
+                </a:rPr>
+              </a:br>
+              <a:r>
+                <a:rPr kumimoji="0" lang="zh-TW" altLang="zh-TW" sz="1600" b="0" i="0" u="none" strike="noStrike" cap="none" normalizeH="0" baseline="0">
+                  <a:ln>
+                    <a:noFill/>
+                  </a:ln>
+                  <a:solidFill>
+                    <a:srgbClr val="CF8E6D"/>
+                  </a:solidFill>
+                  <a:effectLst/>
+                  <a:latin typeface="+mj-lt"/>
+                  <a:cs typeface="JetBrains Mono" panose="02000009000000000000" pitchFamily="49" charset="0"/>
+                </a:rPr>
+                <a:t>public class </a:t>
+              </a:r>
+              <a:r>
+                <a:rPr kumimoji="0" lang="zh-TW" altLang="zh-TW" sz="1600" b="0" i="0" u="none" strike="noStrike" cap="none" normalizeH="0" baseline="0">
+                  <a:ln>
+                    <a:noFill/>
+                  </a:ln>
+                  <a:solidFill>
+                    <a:srgbClr val="BCBEC4"/>
+                  </a:solidFill>
+                  <a:effectLst/>
+                  <a:latin typeface="+mj-lt"/>
+                  <a:cs typeface="JetBrains Mono" panose="02000009000000000000" pitchFamily="49" charset="0"/>
+                </a:rPr>
+                <a:t>Main {</a:t>
+              </a:r>
+              <a:br>
+                <a:rPr kumimoji="0" lang="zh-TW" altLang="zh-TW" sz="1600" b="0" i="0" u="none" strike="noStrike" cap="none" normalizeH="0" baseline="0">
+                  <a:ln>
+                    <a:noFill/>
+                  </a:ln>
+                  <a:solidFill>
+                    <a:srgbClr val="BCBEC4"/>
+                  </a:solidFill>
+                  <a:effectLst/>
+                  <a:latin typeface="+mj-lt"/>
+                  <a:cs typeface="JetBrains Mono" panose="02000009000000000000" pitchFamily="49" charset="0"/>
+                </a:rPr>
+              </a:br>
+              <a:r>
+                <a:rPr kumimoji="0" lang="zh-TW" altLang="zh-TW" sz="1600" b="0" i="0" u="none" strike="noStrike" cap="none" normalizeH="0" baseline="0">
+                  <a:ln>
+                    <a:noFill/>
+                  </a:ln>
+                  <a:solidFill>
+                    <a:srgbClr val="BCBEC4"/>
+                  </a:solidFill>
+                  <a:effectLst/>
+                  <a:latin typeface="+mj-lt"/>
+                  <a:cs typeface="JetBrains Mono" panose="02000009000000000000" pitchFamily="49" charset="0"/>
+                </a:rPr>
+                <a:t>    </a:t>
+              </a:r>
+              <a:r>
+                <a:rPr kumimoji="0" lang="zh-TW" altLang="zh-TW" sz="1600" b="0" i="0" u="none" strike="noStrike" cap="none" normalizeH="0" baseline="0">
+                  <a:ln>
+                    <a:noFill/>
+                  </a:ln>
+                  <a:solidFill>
+                    <a:srgbClr val="CF8E6D"/>
+                  </a:solidFill>
+                  <a:effectLst/>
+                  <a:latin typeface="+mj-lt"/>
+                  <a:cs typeface="JetBrains Mono" panose="02000009000000000000" pitchFamily="49" charset="0"/>
+                </a:rPr>
+                <a:t>public static void </a:t>
+              </a:r>
+              <a:r>
+                <a:rPr kumimoji="0" lang="zh-TW" altLang="zh-TW" sz="1600" b="0" i="0" u="none" strike="noStrike" cap="none" normalizeH="0" baseline="0">
+                  <a:ln>
+                    <a:noFill/>
+                  </a:ln>
+                  <a:solidFill>
+                    <a:srgbClr val="56A8F5"/>
+                  </a:solidFill>
+                  <a:effectLst/>
+                  <a:latin typeface="+mj-lt"/>
+                  <a:cs typeface="JetBrains Mono" panose="02000009000000000000" pitchFamily="49" charset="0"/>
+                </a:rPr>
+                <a:t>main</a:t>
+              </a:r>
+              <a:r>
+                <a:rPr kumimoji="0" lang="zh-TW" altLang="zh-TW" sz="1600" b="0" i="0" u="none" strike="noStrike" cap="none" normalizeH="0" baseline="0">
+                  <a:ln>
+                    <a:noFill/>
+                  </a:ln>
+                  <a:solidFill>
+                    <a:srgbClr val="BCBEC4"/>
+                  </a:solidFill>
+                  <a:effectLst/>
+                  <a:latin typeface="+mj-lt"/>
+                  <a:cs typeface="JetBrains Mono" panose="02000009000000000000" pitchFamily="49" charset="0"/>
+                </a:rPr>
+                <a:t>(String[] args) {</a:t>
+              </a:r>
+              <a:br>
+                <a:rPr kumimoji="0" lang="zh-TW" altLang="zh-TW" sz="1600" b="0" i="0" u="none" strike="noStrike" cap="none" normalizeH="0" baseline="0">
+                  <a:ln>
+                    <a:noFill/>
+                  </a:ln>
+                  <a:solidFill>
+                    <a:srgbClr val="BCBEC4"/>
+                  </a:solidFill>
+                  <a:effectLst/>
+                  <a:latin typeface="+mj-lt"/>
+                  <a:cs typeface="JetBrains Mono" panose="02000009000000000000" pitchFamily="49" charset="0"/>
+                </a:rPr>
+              </a:br>
+              <a:r>
+                <a:rPr kumimoji="0" lang="zh-TW" altLang="zh-TW" sz="1600" b="0" i="0" u="none" strike="noStrike" cap="none" normalizeH="0" baseline="0">
+                  <a:ln>
+                    <a:noFill/>
+                  </a:ln>
+                  <a:solidFill>
+                    <a:srgbClr val="BCBEC4"/>
+                  </a:solidFill>
+                  <a:effectLst/>
+                  <a:latin typeface="+mj-lt"/>
+                  <a:cs typeface="JetBrains Mono" panose="02000009000000000000" pitchFamily="49" charset="0"/>
+                </a:rPr>
+                <a:t>        Scanner scanner = </a:t>
+              </a:r>
+              <a:r>
+                <a:rPr kumimoji="0" lang="zh-TW" altLang="zh-TW" sz="1600" b="0" i="0" u="none" strike="noStrike" cap="none" normalizeH="0" baseline="0">
+                  <a:ln>
+                    <a:noFill/>
+                  </a:ln>
+                  <a:solidFill>
+                    <a:srgbClr val="CF8E6D"/>
+                  </a:solidFill>
+                  <a:effectLst/>
+                  <a:latin typeface="+mj-lt"/>
+                  <a:cs typeface="JetBrains Mono" panose="02000009000000000000" pitchFamily="49" charset="0"/>
+                </a:rPr>
+                <a:t>new </a:t>
+              </a:r>
+              <a:r>
+                <a:rPr kumimoji="0" lang="zh-TW" altLang="zh-TW" sz="1600" b="0" i="0" u="none" strike="noStrike" cap="none" normalizeH="0" baseline="0">
+                  <a:ln>
+                    <a:noFill/>
+                  </a:ln>
+                  <a:solidFill>
+                    <a:srgbClr val="BCBEC4"/>
+                  </a:solidFill>
+                  <a:effectLst/>
+                  <a:latin typeface="+mj-lt"/>
+                  <a:cs typeface="JetBrains Mono" panose="02000009000000000000" pitchFamily="49" charset="0"/>
+                </a:rPr>
+                <a:t>Scanner(System.</a:t>
+              </a:r>
+              <a:r>
+                <a:rPr kumimoji="0" lang="zh-TW" altLang="zh-TW" sz="1600" b="0" i="1" u="none" strike="noStrike" cap="none" normalizeH="0" baseline="0">
+                  <a:ln>
+                    <a:noFill/>
+                  </a:ln>
+                  <a:solidFill>
+                    <a:srgbClr val="C77DBB"/>
+                  </a:solidFill>
+                  <a:effectLst/>
+                  <a:latin typeface="+mj-lt"/>
+                  <a:cs typeface="JetBrains Mono" panose="02000009000000000000" pitchFamily="49" charset="0"/>
+                </a:rPr>
+                <a:t>in</a:t>
+              </a:r>
+              <a:r>
+                <a:rPr kumimoji="0" lang="zh-TW" altLang="zh-TW" sz="1600" b="0" i="0" u="none" strike="noStrike" cap="none" normalizeH="0" baseline="0">
+                  <a:ln>
+                    <a:noFill/>
+                  </a:ln>
+                  <a:solidFill>
+                    <a:srgbClr val="BCBEC4"/>
+                  </a:solidFill>
+                  <a:effectLst/>
+                  <a:latin typeface="+mj-lt"/>
+                  <a:cs typeface="JetBrains Mono" panose="02000009000000000000" pitchFamily="49" charset="0"/>
+                </a:rPr>
+                <a:t>);</a:t>
+              </a:r>
+              <a:br>
+                <a:rPr kumimoji="0" lang="zh-TW" altLang="zh-TW" sz="1600" b="0" i="0" u="none" strike="noStrike" cap="none" normalizeH="0" baseline="0">
+                  <a:ln>
+                    <a:noFill/>
+                  </a:ln>
+                  <a:solidFill>
+                    <a:srgbClr val="BCBEC4"/>
+                  </a:solidFill>
+                  <a:effectLst/>
+                  <a:latin typeface="+mj-lt"/>
+                  <a:cs typeface="JetBrains Mono" panose="02000009000000000000" pitchFamily="49" charset="0"/>
+                </a:rPr>
+              </a:br>
+              <a:r>
+                <a:rPr kumimoji="0" lang="zh-TW" altLang="zh-TW" sz="1600" b="0" i="0" u="none" strike="noStrike" cap="none" normalizeH="0" baseline="0">
+                  <a:ln>
+                    <a:noFill/>
+                  </a:ln>
+                  <a:solidFill>
+                    <a:srgbClr val="BCBEC4"/>
+                  </a:solidFill>
+                  <a:effectLst/>
+                  <a:latin typeface="+mj-lt"/>
+                  <a:cs typeface="JetBrains Mono" panose="02000009000000000000" pitchFamily="49" charset="0"/>
+                </a:rPr>
+                <a:t>        </a:t>
+              </a:r>
+              <a:r>
+                <a:rPr kumimoji="0" lang="zh-TW" altLang="zh-TW" sz="1600" b="0" i="0" u="none" strike="noStrike" cap="none" normalizeH="0" baseline="0">
+                  <a:ln>
+                    <a:noFill/>
+                  </a:ln>
+                  <a:solidFill>
+                    <a:srgbClr val="CF8E6D"/>
+                  </a:solidFill>
+                  <a:effectLst/>
+                  <a:latin typeface="+mj-lt"/>
+                  <a:cs typeface="JetBrains Mono" panose="02000009000000000000" pitchFamily="49" charset="0"/>
+                </a:rPr>
+                <a:t>int </a:t>
+              </a:r>
+              <a:r>
+                <a:rPr kumimoji="0" lang="zh-TW" altLang="zh-TW" sz="1600" b="0" i="0" u="none" strike="noStrike" cap="none" normalizeH="0" baseline="0">
+                  <a:ln>
+                    <a:noFill/>
+                  </a:ln>
+                  <a:solidFill>
+                    <a:srgbClr val="BCBEC4"/>
+                  </a:solidFill>
+                  <a:effectLst/>
+                  <a:latin typeface="+mj-lt"/>
+                  <a:cs typeface="JetBrains Mono" panose="02000009000000000000" pitchFamily="49" charset="0"/>
+                </a:rPr>
+                <a:t>n = scanner.nextInt();</a:t>
+              </a:r>
+              <a:br>
+                <a:rPr kumimoji="0" lang="zh-TW" altLang="zh-TW" sz="1600" b="0" i="0" u="none" strike="noStrike" cap="none" normalizeH="0" baseline="0">
+                  <a:ln>
+                    <a:noFill/>
+                  </a:ln>
+                  <a:solidFill>
+                    <a:srgbClr val="BCBEC4"/>
+                  </a:solidFill>
+                  <a:effectLst/>
+                  <a:latin typeface="+mj-lt"/>
+                  <a:cs typeface="JetBrains Mono" panose="02000009000000000000" pitchFamily="49" charset="0"/>
+                </a:rPr>
+              </a:br>
+              <a:r>
+                <a:rPr kumimoji="0" lang="zh-TW" altLang="zh-TW" sz="1600" b="0" i="0" u="none" strike="noStrike" cap="none" normalizeH="0" baseline="0">
+                  <a:ln>
+                    <a:noFill/>
+                  </a:ln>
+                  <a:solidFill>
+                    <a:srgbClr val="BCBEC4"/>
+                  </a:solidFill>
+                  <a:effectLst/>
+                  <a:latin typeface="+mj-lt"/>
+                  <a:cs typeface="JetBrains Mono" panose="02000009000000000000" pitchFamily="49" charset="0"/>
+                </a:rPr>
+                <a:t>        System.</a:t>
+              </a:r>
+              <a:r>
+                <a:rPr kumimoji="0" lang="zh-TW" altLang="zh-TW" sz="1600" b="0" i="1" u="none" strike="noStrike" cap="none" normalizeH="0" baseline="0">
+                  <a:ln>
+                    <a:noFill/>
+                  </a:ln>
+                  <a:solidFill>
+                    <a:srgbClr val="C77DBB"/>
+                  </a:solidFill>
+                  <a:effectLst/>
+                  <a:latin typeface="+mj-lt"/>
+                  <a:cs typeface="JetBrains Mono" panose="02000009000000000000" pitchFamily="49" charset="0"/>
+                </a:rPr>
+                <a:t>out</a:t>
+              </a:r>
+              <a:r>
+                <a:rPr kumimoji="0" lang="zh-TW" altLang="zh-TW" sz="1600" b="0" i="0" u="none" strike="noStrike" cap="none" normalizeH="0" baseline="0">
+                  <a:ln>
+                    <a:noFill/>
+                  </a:ln>
+                  <a:solidFill>
+                    <a:srgbClr val="BCBEC4"/>
+                  </a:solidFill>
+                  <a:effectLst/>
+                  <a:latin typeface="+mj-lt"/>
+                  <a:cs typeface="JetBrains Mono" panose="02000009000000000000" pitchFamily="49" charset="0"/>
+                </a:rPr>
+                <a:t>.printf(</a:t>
+              </a:r>
+              <a:r>
+                <a:rPr kumimoji="0" lang="zh-TW" altLang="zh-TW" sz="1600" b="0" i="0" u="none" strike="noStrike" cap="none" normalizeH="0" baseline="0">
+                  <a:ln>
+                    <a:noFill/>
+                  </a:ln>
+                  <a:solidFill>
+                    <a:srgbClr val="6AAB73"/>
+                  </a:solidFill>
+                  <a:effectLst/>
+                  <a:latin typeface="+mj-lt"/>
+                  <a:cs typeface="JetBrains Mono" panose="02000009000000000000" pitchFamily="49" charset="0"/>
+                </a:rPr>
+                <a:t>"%d has %d digit(s)."</a:t>
+              </a:r>
+              <a:r>
+                <a:rPr kumimoji="0" lang="zh-TW" altLang="zh-TW" sz="1600" b="0" i="0" u="none" strike="noStrike" cap="none" normalizeH="0" baseline="0">
+                  <a:ln>
+                    <a:noFill/>
+                  </a:ln>
+                  <a:solidFill>
+                    <a:srgbClr val="BCBEC4"/>
+                  </a:solidFill>
+                  <a:effectLst/>
+                  <a:latin typeface="+mj-lt"/>
+                  <a:cs typeface="JetBrains Mono" panose="02000009000000000000" pitchFamily="49" charset="0"/>
+                </a:rPr>
+                <a:t>, n, (</a:t>
+              </a:r>
+              <a:r>
+                <a:rPr kumimoji="0" lang="zh-TW" altLang="zh-TW" sz="1600" b="0" i="0" u="none" strike="noStrike" cap="none" normalizeH="0" baseline="0">
+                  <a:ln>
+                    <a:noFill/>
+                  </a:ln>
+                  <a:solidFill>
+                    <a:srgbClr val="CF8E6D"/>
+                  </a:solidFill>
+                  <a:effectLst/>
+                  <a:latin typeface="+mj-lt"/>
+                  <a:cs typeface="JetBrains Mono" panose="02000009000000000000" pitchFamily="49" charset="0"/>
+                </a:rPr>
+                <a:t>int</a:t>
+              </a:r>
+              <a:r>
+                <a:rPr kumimoji="0" lang="zh-TW" altLang="zh-TW" sz="1600" b="0" i="0" u="none" strike="noStrike" cap="none" normalizeH="0" baseline="0">
+                  <a:ln>
+                    <a:noFill/>
+                  </a:ln>
+                  <a:solidFill>
+                    <a:srgbClr val="BCBEC4"/>
+                  </a:solidFill>
+                  <a:effectLst/>
+                  <a:latin typeface="+mj-lt"/>
+                  <a:cs typeface="JetBrains Mono" panose="02000009000000000000" pitchFamily="49" charset="0"/>
+                </a:rPr>
+                <a:t>) Math.</a:t>
+              </a:r>
+              <a:r>
+                <a:rPr kumimoji="0" lang="zh-TW" altLang="zh-TW" sz="1600" b="0" i="1" u="none" strike="noStrike" cap="none" normalizeH="0" baseline="0">
+                  <a:ln>
+                    <a:noFill/>
+                  </a:ln>
+                  <a:solidFill>
+                    <a:srgbClr val="BCBEC4"/>
+                  </a:solidFill>
+                  <a:effectLst/>
+                  <a:latin typeface="+mj-lt"/>
+                  <a:cs typeface="JetBrains Mono" panose="02000009000000000000" pitchFamily="49" charset="0"/>
+                </a:rPr>
+                <a:t>log10</a:t>
+              </a:r>
+              <a:r>
+                <a:rPr kumimoji="0" lang="zh-TW" altLang="zh-TW" sz="1600" b="0" i="0" u="none" strike="noStrike" cap="none" normalizeH="0" baseline="0">
+                  <a:ln>
+                    <a:noFill/>
+                  </a:ln>
+                  <a:solidFill>
+                    <a:srgbClr val="BCBEC4"/>
+                  </a:solidFill>
+                  <a:effectLst/>
+                  <a:latin typeface="+mj-lt"/>
+                  <a:cs typeface="JetBrains Mono" panose="02000009000000000000" pitchFamily="49" charset="0"/>
+                </a:rPr>
+                <a:t>(n) + </a:t>
+              </a:r>
+              <a:r>
+                <a:rPr kumimoji="0" lang="zh-TW" altLang="zh-TW" sz="1600" b="0" i="0" u="none" strike="noStrike" cap="none" normalizeH="0" baseline="0">
+                  <a:ln>
+                    <a:noFill/>
+                  </a:ln>
+                  <a:solidFill>
+                    <a:srgbClr val="2AACB8"/>
+                  </a:solidFill>
+                  <a:effectLst/>
+                  <a:latin typeface="+mj-lt"/>
+                  <a:cs typeface="JetBrains Mono" panose="02000009000000000000" pitchFamily="49" charset="0"/>
+                </a:rPr>
+                <a:t>1</a:t>
+              </a:r>
+              <a:r>
+                <a:rPr kumimoji="0" lang="zh-TW" altLang="zh-TW" sz="1600" b="0" i="0" u="none" strike="noStrike" cap="none" normalizeH="0" baseline="0">
+                  <a:ln>
+                    <a:noFill/>
+                  </a:ln>
+                  <a:solidFill>
+                    <a:srgbClr val="BCBEC4"/>
+                  </a:solidFill>
+                  <a:effectLst/>
+                  <a:latin typeface="+mj-lt"/>
+                  <a:cs typeface="JetBrains Mono" panose="02000009000000000000" pitchFamily="49" charset="0"/>
+                </a:rPr>
+                <a:t>);</a:t>
+              </a:r>
+              <a:br>
+                <a:rPr kumimoji="0" lang="zh-TW" altLang="zh-TW" sz="1600" b="0" i="0" u="none" strike="noStrike" cap="none" normalizeH="0" baseline="0">
+                  <a:ln>
+                    <a:noFill/>
+                  </a:ln>
+                  <a:solidFill>
+                    <a:srgbClr val="BCBEC4"/>
+                  </a:solidFill>
+                  <a:effectLst/>
+                  <a:latin typeface="+mj-lt"/>
+                  <a:cs typeface="JetBrains Mono" panose="02000009000000000000" pitchFamily="49" charset="0"/>
+                </a:rPr>
+              </a:br>
+              <a:r>
+                <a:rPr kumimoji="0" lang="zh-TW" altLang="zh-TW" sz="1600" b="0" i="0" u="none" strike="noStrike" cap="none" normalizeH="0" baseline="0">
+                  <a:ln>
+                    <a:noFill/>
+                  </a:ln>
+                  <a:solidFill>
+                    <a:srgbClr val="BCBEC4"/>
+                  </a:solidFill>
+                  <a:effectLst/>
+                  <a:latin typeface="+mj-lt"/>
+                  <a:cs typeface="JetBrains Mono" panose="02000009000000000000" pitchFamily="49" charset="0"/>
+                </a:rPr>
+                <a:t>    }</a:t>
+              </a:r>
+              <a:br>
+                <a:rPr kumimoji="0" lang="zh-TW" altLang="zh-TW" sz="1600" b="0" i="0" u="none" strike="noStrike" cap="none" normalizeH="0" baseline="0">
+                  <a:ln>
+                    <a:noFill/>
+                  </a:ln>
+                  <a:solidFill>
+                    <a:srgbClr val="BCBEC4"/>
+                  </a:solidFill>
+                  <a:effectLst/>
+                  <a:latin typeface="+mj-lt"/>
+                  <a:cs typeface="JetBrains Mono" panose="02000009000000000000" pitchFamily="49" charset="0"/>
+                </a:rPr>
+              </a:br>
+              <a:r>
+                <a:rPr kumimoji="0" lang="zh-TW" altLang="zh-TW" sz="1600" b="0" i="0" u="none" strike="noStrike" cap="none" normalizeH="0" baseline="0">
+                  <a:ln>
+                    <a:noFill/>
+                  </a:ln>
+                  <a:solidFill>
+                    <a:srgbClr val="BCBEC4"/>
+                  </a:solidFill>
+                  <a:effectLst/>
+                  <a:latin typeface="+mj-lt"/>
+                  <a:cs typeface="JetBrains Mono" panose="02000009000000000000" pitchFamily="49" charset="0"/>
+                </a:rPr>
+                <a:t>}</a:t>
+              </a:r>
+              <a:endParaRPr kumimoji="0" lang="zh-TW" altLang="zh-TW" sz="2400" b="0" i="0" u="none" strike="noStrike" cap="none" normalizeH="0" baseline="0">
+                <a:ln>
+                  <a:noFill/>
+                </a:ln>
+                <a:solidFill>
+                  <a:schemeClr val="tx1"/>
+                </a:solidFill>
+                <a:effectLst/>
+                <a:latin typeface="+mj-lt"/>
+              </a:endParaRPr>
+            </a:p>
+          </p:txBody>
+        </p:sp>
+        <p:sp>
+          <p:nvSpPr>
+            <p:cNvPr id="13" name="文字方塊 12">
+              <a:extLst>
+                <a:ext uri="{FF2B5EF4-FFF2-40B4-BE49-F238E27FC236}">
+                  <a16:creationId xmlns:a16="http://schemas.microsoft.com/office/drawing/2014/main" id="{3A269F88-FF18-432D-9BEA-ABF6FC20F4D5}"/>
+                </a:ext>
+              </a:extLst>
+            </p:cNvPr>
+            <p:cNvSpPr txBox="1"/>
+            <p:nvPr/>
+          </p:nvSpPr>
+          <p:spPr>
+            <a:xfrm>
+              <a:off x="10662583" y="6032230"/>
+              <a:ext cx="691215" cy="369332"/>
+            </a:xfrm>
+            <a:prstGeom prst="rect">
+              <a:avLst/>
+            </a:prstGeom>
+            <a:noFill/>
+          </p:spPr>
+          <p:txBody>
+            <a:bodyPr wrap="none" rtlCol="0">
+              <a:spAutoFit/>
+            </a:bodyPr>
+            <a:lstStyle/>
+            <a:p>
+              <a:r>
+                <a:rPr lang="en-US" altLang="zh-TW">
+                  <a:solidFill>
+                    <a:schemeClr val="accent2"/>
+                  </a:solidFill>
+                </a:rPr>
+                <a:t>java</a:t>
+              </a:r>
+              <a:endParaRPr lang="zh-TW" altLang="en-US">
+                <a:solidFill>
+                  <a:schemeClr val="accent2"/>
+                </a:solidFill>
+              </a:endParaRPr>
+            </a:p>
+          </p:txBody>
+        </p:sp>
+        <p:pic>
+          <p:nvPicPr>
+            <p:cNvPr id="14" name="圖片 13">
+              <a:hlinkClick r:id="rId2"/>
+              <a:extLst>
+                <a:ext uri="{FF2B5EF4-FFF2-40B4-BE49-F238E27FC236}">
+                  <a16:creationId xmlns:a16="http://schemas.microsoft.com/office/drawing/2014/main" id="{185F91FC-8ED2-4F76-8208-6D5D29213E0E}"/>
+                </a:ext>
+              </a:extLst>
+            </p:cNvPr>
+            <p:cNvPicPr>
+              <a:picLocks noChangeAspect="1"/>
+            </p:cNvPicPr>
+            <p:nvPr/>
+          </p:nvPicPr>
+          <p:blipFill>
+            <a:blip r:embed="rId3">
+              <a:extLst>
+                <a:ext uri="{28A0092B-C50C-407E-A947-70E740481C1C}">
+                  <a14:useLocalDpi xmlns:a14="http://schemas.microsoft.com/office/drawing/2010/main" val="0"/>
+                </a:ext>
+              </a:extLst>
+            </a:blip>
+            <a:stretch>
+              <a:fillRect/>
+            </a:stretch>
+          </p:blipFill>
+          <p:spPr>
+            <a:xfrm>
+              <a:off x="10814898" y="5505046"/>
+              <a:ext cx="538900" cy="527184"/>
+            </a:xfrm>
+            <a:prstGeom prst="rect">
+              <a:avLst/>
+            </a:prstGeom>
+          </p:spPr>
+        </p:pic>
+      </p:grpSp>
+      <p:sp>
+        <p:nvSpPr>
+          <p:cNvPr id="2" name="標題 1">
+            <a:extLst>
+              <a:ext uri="{FF2B5EF4-FFF2-40B4-BE49-F238E27FC236}">
+                <a16:creationId xmlns:a16="http://schemas.microsoft.com/office/drawing/2014/main" id="{17C07717-11BB-4B0D-BD09-E53CF365FB17}"/>
+              </a:ext>
+            </a:extLst>
+          </p:cNvPr>
+          <p:cNvSpPr>
+            <a:spLocks noGrp="1"/>
+          </p:cNvSpPr>
+          <p:nvPr>
+            <p:ph type="title"/>
+          </p:nvPr>
+        </p:nvSpPr>
+        <p:spPr>
+          <a:xfrm>
+            <a:off x="838200" y="365125"/>
+            <a:ext cx="10515600" cy="1325563"/>
+          </a:xfrm>
+        </p:spPr>
+        <p:txBody>
+          <a:bodyPr/>
+          <a:lstStyle/>
+          <a:p>
+            <a:r>
+              <a:rPr lang="zh-TW" altLang="en-US"/>
+              <a:t>獲取一正整數位數</a:t>
+            </a:r>
+          </a:p>
+        </p:txBody>
+      </p:sp>
+      <p:sp>
+        <p:nvSpPr>
+          <p:cNvPr id="6" name="內容版面配置區 5">
+            <a:extLst>
+              <a:ext uri="{FF2B5EF4-FFF2-40B4-BE49-F238E27FC236}">
+                <a16:creationId xmlns:a16="http://schemas.microsoft.com/office/drawing/2014/main" id="{FE30C978-42DA-4C64-A433-D54781963DBA}"/>
+              </a:ext>
+            </a:extLst>
+          </p:cNvPr>
+          <p:cNvSpPr>
+            <a:spLocks noGrp="1"/>
+          </p:cNvSpPr>
+          <p:nvPr>
+            <p:ph idx="1"/>
+          </p:nvPr>
+        </p:nvSpPr>
+        <p:spPr>
+          <a:xfrm>
+            <a:off x="838200" y="1727010"/>
+            <a:ext cx="10515600" cy="2148465"/>
+          </a:xfrm>
+        </p:spPr>
+        <p:txBody>
+          <a:bodyPr/>
+          <a:lstStyle/>
+          <a:p>
+            <a:r>
+              <a:rPr lang="zh-TW" altLang="en-US">
+                <a:latin typeface="Times New Roman" panose="02020603050405020304" pitchFamily="18" charset="0"/>
+                <a:cs typeface="Times New Roman" panose="02020603050405020304" pitchFamily="18" charset="0"/>
+              </a:rPr>
+              <a:t>若一正整數 </a:t>
+            </a:r>
+            <a:r>
+              <a:rPr lang="en-US" altLang="zh-TW">
+                <a:solidFill>
+                  <a:srgbClr val="92D050"/>
+                </a:solidFill>
+                <a:latin typeface="Times New Roman" panose="02020603050405020304" pitchFamily="18" charset="0"/>
+                <a:cs typeface="Times New Roman" panose="02020603050405020304" pitchFamily="18" charset="0"/>
+              </a:rPr>
+              <a:t>n</a:t>
+            </a:r>
+            <a:r>
+              <a:rPr lang="en-US" altLang="zh-TW">
+                <a:latin typeface="Times New Roman" panose="02020603050405020304" pitchFamily="18" charset="0"/>
+                <a:cs typeface="Times New Roman" panose="02020603050405020304" pitchFamily="18" charset="0"/>
+              </a:rPr>
+              <a:t> </a:t>
+            </a:r>
+            <a:r>
+              <a:rPr lang="zh-TW" altLang="en-US">
+                <a:latin typeface="Times New Roman" panose="02020603050405020304" pitchFamily="18" charset="0"/>
+                <a:cs typeface="Times New Roman" panose="02020603050405020304" pitchFamily="18" charset="0"/>
+              </a:rPr>
+              <a:t>滿足 </a:t>
+            </a:r>
+            <a:r>
+              <a:rPr lang="en-US" altLang="zh-TW">
+                <a:solidFill>
+                  <a:srgbClr val="92D050"/>
+                </a:solidFill>
+                <a:latin typeface="Times New Roman" panose="02020603050405020304" pitchFamily="18" charset="0"/>
+                <a:cs typeface="Times New Roman" panose="02020603050405020304" pitchFamily="18" charset="0"/>
+              </a:rPr>
+              <a:t>10</a:t>
+            </a:r>
+            <a:r>
+              <a:rPr lang="en-US" altLang="zh-TW" i="1" baseline="30000">
+                <a:solidFill>
+                  <a:srgbClr val="92D050"/>
+                </a:solidFill>
+                <a:latin typeface="Times New Roman" panose="02020603050405020304" pitchFamily="18" charset="0"/>
+                <a:cs typeface="Times New Roman" panose="02020603050405020304" pitchFamily="18" charset="0"/>
+              </a:rPr>
+              <a:t>n</a:t>
+            </a:r>
+            <a:r>
+              <a:rPr lang="en-US" altLang="zh-TW">
+                <a:solidFill>
+                  <a:srgbClr val="92D050"/>
+                </a:solidFill>
+                <a:latin typeface="Times New Roman" panose="02020603050405020304" pitchFamily="18" charset="0"/>
+                <a:cs typeface="Times New Roman" panose="02020603050405020304" pitchFamily="18" charset="0"/>
+              </a:rPr>
+              <a:t> </a:t>
+            </a:r>
+            <a:r>
+              <a:rPr lang="zh-TW" altLang="en-US">
+                <a:solidFill>
+                  <a:srgbClr val="92D050"/>
+                </a:solidFill>
+                <a:latin typeface="Times New Roman" panose="02020603050405020304" pitchFamily="18" charset="0"/>
+                <a:cs typeface="Times New Roman" panose="02020603050405020304" pitchFamily="18" charset="0"/>
+              </a:rPr>
+              <a:t>≦ </a:t>
+            </a:r>
+            <a:r>
+              <a:rPr lang="en-US" altLang="zh-TW" i="1">
+                <a:solidFill>
+                  <a:srgbClr val="92D050"/>
+                </a:solidFill>
+                <a:latin typeface="Times New Roman" panose="02020603050405020304" pitchFamily="18" charset="0"/>
+                <a:cs typeface="Times New Roman" panose="02020603050405020304" pitchFamily="18" charset="0"/>
+              </a:rPr>
+              <a:t>x</a:t>
+            </a:r>
+            <a:r>
+              <a:rPr lang="en-US" altLang="zh-TW">
+                <a:solidFill>
+                  <a:srgbClr val="92D050"/>
+                </a:solidFill>
+                <a:latin typeface="Times New Roman" panose="02020603050405020304" pitchFamily="18" charset="0"/>
+                <a:cs typeface="Times New Roman" panose="02020603050405020304" pitchFamily="18" charset="0"/>
+              </a:rPr>
+              <a:t> =</a:t>
+            </a:r>
+            <a:r>
+              <a:rPr lang="zh-TW" altLang="en-US">
+                <a:solidFill>
+                  <a:srgbClr val="92D050"/>
+                </a:solidFill>
+                <a:latin typeface="Times New Roman" panose="02020603050405020304" pitchFamily="18" charset="0"/>
+                <a:cs typeface="Times New Roman" panose="02020603050405020304" pitchFamily="18" charset="0"/>
+              </a:rPr>
+              <a:t> </a:t>
+            </a:r>
+            <a:r>
+              <a:rPr lang="en-US" altLang="zh-TW" i="1">
+                <a:solidFill>
+                  <a:srgbClr val="92D050"/>
+                </a:solidFill>
+                <a:latin typeface="Times New Roman" panose="02020603050405020304" pitchFamily="18" charset="0"/>
+                <a:cs typeface="Times New Roman" panose="02020603050405020304" pitchFamily="18" charset="0"/>
+              </a:rPr>
+              <a:t>a</a:t>
+            </a:r>
+            <a:r>
+              <a:rPr lang="en-US" altLang="zh-TW">
+                <a:solidFill>
+                  <a:srgbClr val="92D050"/>
+                </a:solidFill>
+                <a:latin typeface="Times New Roman" panose="02020603050405020304" pitchFamily="18" charset="0"/>
+                <a:cs typeface="Times New Roman" panose="02020603050405020304" pitchFamily="18" charset="0"/>
+              </a:rPr>
+              <a:t> ×</a:t>
+            </a:r>
+            <a:r>
+              <a:rPr lang="zh-TW" altLang="en-US">
+                <a:solidFill>
+                  <a:srgbClr val="92D050"/>
+                </a:solidFill>
+                <a:latin typeface="Times New Roman" panose="02020603050405020304" pitchFamily="18" charset="0"/>
+                <a:cs typeface="Times New Roman" panose="02020603050405020304" pitchFamily="18" charset="0"/>
+              </a:rPr>
+              <a:t> </a:t>
+            </a:r>
+            <a:r>
+              <a:rPr lang="en-US" altLang="zh-TW">
+                <a:solidFill>
+                  <a:srgbClr val="92D050"/>
+                </a:solidFill>
+                <a:latin typeface="Times New Roman" panose="02020603050405020304" pitchFamily="18" charset="0"/>
+                <a:cs typeface="Times New Roman" panose="02020603050405020304" pitchFamily="18" charset="0"/>
+              </a:rPr>
+              <a:t>10</a:t>
+            </a:r>
+            <a:r>
+              <a:rPr lang="en-US" altLang="zh-TW" i="1" baseline="30000">
+                <a:solidFill>
+                  <a:srgbClr val="92D050"/>
+                </a:solidFill>
+                <a:latin typeface="Times New Roman" panose="02020603050405020304" pitchFamily="18" charset="0"/>
+                <a:cs typeface="Times New Roman" panose="02020603050405020304" pitchFamily="18" charset="0"/>
+              </a:rPr>
+              <a:t>n</a:t>
+            </a:r>
+            <a:r>
+              <a:rPr lang="en-US" altLang="zh-TW">
+                <a:solidFill>
+                  <a:srgbClr val="92D050"/>
+                </a:solidFill>
+                <a:latin typeface="Times New Roman" panose="02020603050405020304" pitchFamily="18" charset="0"/>
+                <a:cs typeface="Times New Roman" panose="02020603050405020304" pitchFamily="18" charset="0"/>
+              </a:rPr>
+              <a:t> &lt; 10</a:t>
+            </a:r>
+            <a:r>
+              <a:rPr lang="en-US" altLang="zh-TW" i="1" baseline="30000">
+                <a:solidFill>
+                  <a:srgbClr val="92D050"/>
+                </a:solidFill>
+                <a:latin typeface="Times New Roman" panose="02020603050405020304" pitchFamily="18" charset="0"/>
+                <a:cs typeface="Times New Roman" panose="02020603050405020304" pitchFamily="18" charset="0"/>
+              </a:rPr>
+              <a:t>n</a:t>
+            </a:r>
+            <a:r>
+              <a:rPr lang="zh-TW" altLang="en-US" baseline="30000">
+                <a:solidFill>
+                  <a:srgbClr val="92D050"/>
+                </a:solidFill>
+                <a:latin typeface="Times New Roman" panose="02020603050405020304" pitchFamily="18" charset="0"/>
+                <a:cs typeface="Times New Roman" panose="02020603050405020304" pitchFamily="18" charset="0"/>
+              </a:rPr>
+              <a:t> </a:t>
+            </a:r>
+            <a:r>
+              <a:rPr lang="en-US" altLang="zh-TW" baseline="30000">
+                <a:solidFill>
+                  <a:srgbClr val="92D050"/>
+                </a:solidFill>
+                <a:latin typeface="Times New Roman" panose="02020603050405020304" pitchFamily="18" charset="0"/>
+                <a:cs typeface="Times New Roman" panose="02020603050405020304" pitchFamily="18" charset="0"/>
+              </a:rPr>
+              <a:t>+</a:t>
+            </a:r>
+            <a:r>
+              <a:rPr lang="zh-TW" altLang="en-US" baseline="30000">
+                <a:solidFill>
+                  <a:srgbClr val="92D050"/>
+                </a:solidFill>
+                <a:latin typeface="Times New Roman" panose="02020603050405020304" pitchFamily="18" charset="0"/>
+                <a:cs typeface="Times New Roman" panose="02020603050405020304" pitchFamily="18" charset="0"/>
+              </a:rPr>
+              <a:t> </a:t>
+            </a:r>
+            <a:r>
+              <a:rPr lang="en-US" altLang="zh-TW" baseline="30000">
+                <a:solidFill>
+                  <a:srgbClr val="92D050"/>
+                </a:solidFill>
+                <a:latin typeface="Times New Roman" panose="02020603050405020304" pitchFamily="18" charset="0"/>
+                <a:cs typeface="Times New Roman" panose="02020603050405020304" pitchFamily="18" charset="0"/>
+              </a:rPr>
+              <a:t>1</a:t>
+            </a:r>
+            <a:r>
+              <a:rPr lang="en-US" altLang="zh-TW">
+                <a:solidFill>
+                  <a:srgbClr val="92D050"/>
+                </a:solidFill>
+                <a:latin typeface="Times New Roman" panose="02020603050405020304" pitchFamily="18" charset="0"/>
+                <a:cs typeface="Times New Roman" panose="02020603050405020304" pitchFamily="18" charset="0"/>
+              </a:rPr>
+              <a:t> </a:t>
+            </a:r>
+            <a:r>
+              <a:rPr lang="en-US" altLang="zh-TW">
+                <a:solidFill>
+                  <a:srgbClr val="00B0F0"/>
+                </a:solidFill>
+                <a:latin typeface="Times New Roman" panose="02020603050405020304" pitchFamily="18" charset="0"/>
+                <a:cs typeface="Times New Roman" panose="02020603050405020304" pitchFamily="18" charset="0"/>
+              </a:rPr>
+              <a:t>(1</a:t>
+            </a:r>
+            <a:r>
+              <a:rPr lang="zh-TW" altLang="en-US">
+                <a:solidFill>
+                  <a:srgbClr val="00B0F0"/>
+                </a:solidFill>
+                <a:latin typeface="Times New Roman" panose="02020603050405020304" pitchFamily="18" charset="0"/>
+                <a:cs typeface="Times New Roman" panose="02020603050405020304" pitchFamily="18" charset="0"/>
+              </a:rPr>
+              <a:t> ≦ </a:t>
+            </a:r>
+            <a:r>
+              <a:rPr lang="en-US" altLang="zh-TW" i="1">
+                <a:solidFill>
+                  <a:srgbClr val="00B0F0"/>
+                </a:solidFill>
+                <a:latin typeface="Times New Roman" panose="02020603050405020304" pitchFamily="18" charset="0"/>
+                <a:cs typeface="Times New Roman" panose="02020603050405020304" pitchFamily="18" charset="0"/>
+              </a:rPr>
+              <a:t>a</a:t>
+            </a:r>
+            <a:r>
+              <a:rPr lang="zh-TW" altLang="en-US">
+                <a:solidFill>
+                  <a:srgbClr val="00B0F0"/>
+                </a:solidFill>
+                <a:latin typeface="Times New Roman" panose="02020603050405020304" pitchFamily="18" charset="0"/>
+                <a:cs typeface="Times New Roman" panose="02020603050405020304" pitchFamily="18" charset="0"/>
+              </a:rPr>
+              <a:t> </a:t>
+            </a:r>
+            <a:r>
+              <a:rPr lang="en-US" altLang="zh-TW">
+                <a:solidFill>
+                  <a:srgbClr val="00B0F0"/>
+                </a:solidFill>
+                <a:latin typeface="Times New Roman" panose="02020603050405020304" pitchFamily="18" charset="0"/>
+                <a:cs typeface="Times New Roman" panose="02020603050405020304" pitchFamily="18" charset="0"/>
+              </a:rPr>
+              <a:t>&lt;</a:t>
+            </a:r>
+            <a:r>
+              <a:rPr lang="zh-TW" altLang="en-US">
+                <a:solidFill>
+                  <a:srgbClr val="00B0F0"/>
+                </a:solidFill>
+                <a:latin typeface="Times New Roman" panose="02020603050405020304" pitchFamily="18" charset="0"/>
+                <a:cs typeface="Times New Roman" panose="02020603050405020304" pitchFamily="18" charset="0"/>
+              </a:rPr>
+              <a:t> </a:t>
+            </a:r>
+            <a:r>
+              <a:rPr lang="en-US" altLang="zh-TW">
+                <a:solidFill>
+                  <a:srgbClr val="00B0F0"/>
+                </a:solidFill>
+                <a:latin typeface="Times New Roman" panose="02020603050405020304" pitchFamily="18" charset="0"/>
+                <a:cs typeface="Times New Roman" panose="02020603050405020304" pitchFamily="18" charset="0"/>
+              </a:rPr>
+              <a:t>10)</a:t>
+            </a:r>
+          </a:p>
+          <a:p>
+            <a:r>
+              <a:rPr lang="zh-TW" altLang="en-US">
+                <a:latin typeface="Times New Roman" panose="02020603050405020304" pitchFamily="18" charset="0"/>
+                <a:cs typeface="Times New Roman" panose="02020603050405020304" pitchFamily="18" charset="0"/>
+              </a:rPr>
+              <a:t>則 </a:t>
+            </a:r>
+            <a:r>
+              <a:rPr lang="en-US" altLang="zh-TW">
+                <a:solidFill>
+                  <a:srgbClr val="92D050"/>
+                </a:solidFill>
+                <a:latin typeface="Times New Roman" panose="02020603050405020304" pitchFamily="18" charset="0"/>
+                <a:cs typeface="Times New Roman" panose="02020603050405020304" pitchFamily="18" charset="0"/>
+              </a:rPr>
+              <a:t>log (10</a:t>
+            </a:r>
+            <a:r>
+              <a:rPr lang="en-US" altLang="zh-TW" i="1" baseline="30000">
+                <a:solidFill>
+                  <a:srgbClr val="92D050"/>
+                </a:solidFill>
+                <a:latin typeface="Times New Roman" panose="02020603050405020304" pitchFamily="18" charset="0"/>
+                <a:cs typeface="Times New Roman" panose="02020603050405020304" pitchFamily="18" charset="0"/>
+              </a:rPr>
+              <a:t>n</a:t>
+            </a:r>
+            <a:r>
+              <a:rPr lang="en-US" altLang="zh-TW">
+                <a:solidFill>
+                  <a:srgbClr val="92D050"/>
+                </a:solidFill>
+                <a:latin typeface="Times New Roman" panose="02020603050405020304" pitchFamily="18" charset="0"/>
+                <a:cs typeface="Times New Roman" panose="02020603050405020304" pitchFamily="18" charset="0"/>
+              </a:rPr>
+              <a:t>) = </a:t>
+            </a:r>
+            <a:r>
+              <a:rPr lang="en-US" altLang="zh-TW" i="1">
+                <a:solidFill>
+                  <a:srgbClr val="92D050"/>
+                </a:solidFill>
+                <a:latin typeface="Times New Roman" panose="02020603050405020304" pitchFamily="18" charset="0"/>
+                <a:cs typeface="Times New Roman" panose="02020603050405020304" pitchFamily="18" charset="0"/>
+              </a:rPr>
+              <a:t>n</a:t>
+            </a:r>
+            <a:r>
+              <a:rPr lang="en-US" altLang="zh-TW">
+                <a:solidFill>
+                  <a:srgbClr val="92D050"/>
+                </a:solidFill>
+                <a:latin typeface="Times New Roman" panose="02020603050405020304" pitchFamily="18" charset="0"/>
+                <a:cs typeface="Times New Roman" panose="02020603050405020304" pitchFamily="18" charset="0"/>
+              </a:rPr>
+              <a:t> </a:t>
+            </a:r>
+            <a:r>
+              <a:rPr lang="zh-TW" altLang="en-US">
+                <a:solidFill>
+                  <a:srgbClr val="92D050"/>
+                </a:solidFill>
+                <a:latin typeface="Times New Roman" panose="02020603050405020304" pitchFamily="18" charset="0"/>
+                <a:cs typeface="Times New Roman" panose="02020603050405020304" pitchFamily="18" charset="0"/>
+              </a:rPr>
+              <a:t>≦ </a:t>
+            </a:r>
+            <a:r>
+              <a:rPr lang="en-US" altLang="zh-TW">
+                <a:solidFill>
+                  <a:srgbClr val="92D050"/>
+                </a:solidFill>
+                <a:latin typeface="Times New Roman" panose="02020603050405020304" pitchFamily="18" charset="0"/>
+                <a:cs typeface="Times New Roman" panose="02020603050405020304" pitchFamily="18" charset="0"/>
+              </a:rPr>
+              <a:t>log</a:t>
+            </a:r>
+            <a:r>
+              <a:rPr lang="zh-TW" altLang="en-US">
+                <a:solidFill>
+                  <a:srgbClr val="92D050"/>
+                </a:solidFill>
+                <a:latin typeface="Times New Roman" panose="02020603050405020304" pitchFamily="18" charset="0"/>
+                <a:cs typeface="Times New Roman" panose="02020603050405020304" pitchFamily="18" charset="0"/>
+              </a:rPr>
+              <a:t> </a:t>
+            </a:r>
+            <a:r>
+              <a:rPr lang="en-US" altLang="zh-TW">
+                <a:solidFill>
+                  <a:srgbClr val="92D050"/>
+                </a:solidFill>
+                <a:latin typeface="Times New Roman" panose="02020603050405020304" pitchFamily="18" charset="0"/>
+                <a:cs typeface="Times New Roman" panose="02020603050405020304" pitchFamily="18" charset="0"/>
+              </a:rPr>
+              <a:t>(</a:t>
+            </a:r>
+            <a:r>
+              <a:rPr lang="en-US" altLang="zh-TW" i="1">
+                <a:solidFill>
+                  <a:srgbClr val="92D050"/>
+                </a:solidFill>
+                <a:latin typeface="Times New Roman" panose="02020603050405020304" pitchFamily="18" charset="0"/>
+                <a:cs typeface="Times New Roman" panose="02020603050405020304" pitchFamily="18" charset="0"/>
+              </a:rPr>
+              <a:t>x</a:t>
+            </a:r>
+            <a:r>
+              <a:rPr lang="en-US" altLang="zh-TW">
+                <a:solidFill>
+                  <a:srgbClr val="92D050"/>
+                </a:solidFill>
+                <a:latin typeface="Times New Roman" panose="02020603050405020304" pitchFamily="18" charset="0"/>
+                <a:cs typeface="Times New Roman" panose="02020603050405020304" pitchFamily="18" charset="0"/>
+              </a:rPr>
+              <a:t>)</a:t>
+            </a:r>
+            <a:r>
+              <a:rPr lang="zh-TW" altLang="en-US">
+                <a:solidFill>
+                  <a:srgbClr val="92D050"/>
+                </a:solidFill>
+                <a:latin typeface="Times New Roman" panose="02020603050405020304" pitchFamily="18" charset="0"/>
+                <a:cs typeface="Times New Roman" panose="02020603050405020304" pitchFamily="18" charset="0"/>
+              </a:rPr>
+              <a:t> </a:t>
+            </a:r>
+            <a:r>
+              <a:rPr lang="en-US" altLang="zh-TW">
+                <a:solidFill>
+                  <a:srgbClr val="92D050"/>
+                </a:solidFill>
+                <a:latin typeface="Times New Roman" panose="02020603050405020304" pitchFamily="18" charset="0"/>
+                <a:cs typeface="Times New Roman" panose="02020603050405020304" pitchFamily="18" charset="0"/>
+              </a:rPr>
+              <a:t>=</a:t>
+            </a:r>
+            <a:r>
+              <a:rPr lang="zh-TW" altLang="en-US">
+                <a:solidFill>
+                  <a:srgbClr val="92D050"/>
+                </a:solidFill>
+                <a:latin typeface="Times New Roman" panose="02020603050405020304" pitchFamily="18" charset="0"/>
+                <a:cs typeface="Times New Roman" panose="02020603050405020304" pitchFamily="18" charset="0"/>
+              </a:rPr>
+              <a:t> </a:t>
+            </a:r>
+            <a:r>
+              <a:rPr lang="en-US" altLang="zh-TW" i="1">
+                <a:solidFill>
+                  <a:srgbClr val="92D050"/>
+                </a:solidFill>
+                <a:latin typeface="Times New Roman" panose="02020603050405020304" pitchFamily="18" charset="0"/>
+                <a:cs typeface="Times New Roman" panose="02020603050405020304" pitchFamily="18" charset="0"/>
+              </a:rPr>
+              <a:t>n</a:t>
+            </a:r>
+            <a:r>
+              <a:rPr lang="en-US" altLang="zh-TW">
+                <a:solidFill>
+                  <a:srgbClr val="92D050"/>
+                </a:solidFill>
+                <a:latin typeface="Times New Roman" panose="02020603050405020304" pitchFamily="18" charset="0"/>
+                <a:cs typeface="Times New Roman" panose="02020603050405020304" pitchFamily="18" charset="0"/>
+              </a:rPr>
+              <a:t> + log (</a:t>
+            </a:r>
+            <a:r>
+              <a:rPr lang="en-US" altLang="zh-TW" i="1">
+                <a:solidFill>
+                  <a:srgbClr val="92D050"/>
+                </a:solidFill>
+                <a:latin typeface="Times New Roman" panose="02020603050405020304" pitchFamily="18" charset="0"/>
+                <a:cs typeface="Times New Roman" panose="02020603050405020304" pitchFamily="18" charset="0"/>
+              </a:rPr>
+              <a:t>a</a:t>
+            </a:r>
+            <a:r>
+              <a:rPr lang="en-US" altLang="zh-TW">
+                <a:solidFill>
+                  <a:srgbClr val="92D050"/>
+                </a:solidFill>
+                <a:latin typeface="Times New Roman" panose="02020603050405020304" pitchFamily="18" charset="0"/>
+                <a:cs typeface="Times New Roman" panose="02020603050405020304" pitchFamily="18" charset="0"/>
+              </a:rPr>
+              <a:t>) &lt; log</a:t>
+            </a:r>
+            <a:r>
+              <a:rPr lang="zh-TW" altLang="en-US">
+                <a:solidFill>
+                  <a:srgbClr val="92D050"/>
+                </a:solidFill>
+                <a:latin typeface="Times New Roman" panose="02020603050405020304" pitchFamily="18" charset="0"/>
+                <a:cs typeface="Times New Roman" panose="02020603050405020304" pitchFamily="18" charset="0"/>
+              </a:rPr>
+              <a:t> </a:t>
+            </a:r>
+            <a:r>
+              <a:rPr lang="en-US" altLang="zh-TW">
+                <a:solidFill>
+                  <a:srgbClr val="92D050"/>
+                </a:solidFill>
+                <a:latin typeface="Times New Roman" panose="02020603050405020304" pitchFamily="18" charset="0"/>
+                <a:cs typeface="Times New Roman" panose="02020603050405020304" pitchFamily="18" charset="0"/>
+              </a:rPr>
+              <a:t>(10</a:t>
+            </a:r>
+            <a:r>
+              <a:rPr lang="en-US" altLang="zh-TW" i="1" baseline="30000">
+                <a:solidFill>
+                  <a:srgbClr val="92D050"/>
+                </a:solidFill>
+                <a:latin typeface="Times New Roman" panose="02020603050405020304" pitchFamily="18" charset="0"/>
+                <a:cs typeface="Times New Roman" panose="02020603050405020304" pitchFamily="18" charset="0"/>
+              </a:rPr>
+              <a:t>n</a:t>
+            </a:r>
+            <a:r>
+              <a:rPr lang="zh-TW" altLang="en-US" baseline="30000">
+                <a:solidFill>
+                  <a:srgbClr val="92D050"/>
+                </a:solidFill>
+                <a:latin typeface="Times New Roman" panose="02020603050405020304" pitchFamily="18" charset="0"/>
+                <a:cs typeface="Times New Roman" panose="02020603050405020304" pitchFamily="18" charset="0"/>
+              </a:rPr>
+              <a:t> </a:t>
+            </a:r>
+            <a:r>
+              <a:rPr lang="en-US" altLang="zh-TW" baseline="30000">
+                <a:solidFill>
+                  <a:srgbClr val="92D050"/>
+                </a:solidFill>
+                <a:latin typeface="Times New Roman" panose="02020603050405020304" pitchFamily="18" charset="0"/>
+                <a:cs typeface="Times New Roman" panose="02020603050405020304" pitchFamily="18" charset="0"/>
+              </a:rPr>
+              <a:t>+</a:t>
+            </a:r>
+            <a:r>
+              <a:rPr lang="zh-TW" altLang="en-US" baseline="30000">
+                <a:solidFill>
+                  <a:srgbClr val="92D050"/>
+                </a:solidFill>
+                <a:latin typeface="Times New Roman" panose="02020603050405020304" pitchFamily="18" charset="0"/>
+                <a:cs typeface="Times New Roman" panose="02020603050405020304" pitchFamily="18" charset="0"/>
+              </a:rPr>
+              <a:t> </a:t>
+            </a:r>
+            <a:r>
+              <a:rPr lang="en-US" altLang="zh-TW" baseline="30000">
+                <a:solidFill>
+                  <a:srgbClr val="92D050"/>
+                </a:solidFill>
+                <a:latin typeface="Times New Roman" panose="02020603050405020304" pitchFamily="18" charset="0"/>
+                <a:cs typeface="Times New Roman" panose="02020603050405020304" pitchFamily="18" charset="0"/>
+              </a:rPr>
+              <a:t>1</a:t>
+            </a:r>
+            <a:r>
+              <a:rPr lang="en-US" altLang="zh-TW">
+                <a:solidFill>
+                  <a:srgbClr val="92D050"/>
+                </a:solidFill>
+                <a:latin typeface="Times New Roman" panose="02020603050405020304" pitchFamily="18" charset="0"/>
+                <a:cs typeface="Times New Roman" panose="02020603050405020304" pitchFamily="18" charset="0"/>
+              </a:rPr>
+              <a:t>)</a:t>
+            </a:r>
+            <a:r>
+              <a:rPr lang="zh-TW" altLang="en-US">
+                <a:solidFill>
+                  <a:srgbClr val="92D050"/>
+                </a:solidFill>
+                <a:latin typeface="Times New Roman" panose="02020603050405020304" pitchFamily="18" charset="0"/>
+                <a:cs typeface="Times New Roman" panose="02020603050405020304" pitchFamily="18" charset="0"/>
+              </a:rPr>
+              <a:t> </a:t>
+            </a:r>
+            <a:r>
+              <a:rPr lang="en-US" altLang="zh-TW">
+                <a:solidFill>
+                  <a:srgbClr val="92D050"/>
+                </a:solidFill>
+                <a:latin typeface="Times New Roman" panose="02020603050405020304" pitchFamily="18" charset="0"/>
+                <a:cs typeface="Times New Roman" panose="02020603050405020304" pitchFamily="18" charset="0"/>
+              </a:rPr>
+              <a:t>=</a:t>
+            </a:r>
+            <a:r>
+              <a:rPr lang="zh-TW" altLang="en-US">
+                <a:solidFill>
+                  <a:srgbClr val="92D050"/>
+                </a:solidFill>
+                <a:latin typeface="Times New Roman" panose="02020603050405020304" pitchFamily="18" charset="0"/>
+                <a:cs typeface="Times New Roman" panose="02020603050405020304" pitchFamily="18" charset="0"/>
+              </a:rPr>
+              <a:t> </a:t>
+            </a:r>
+            <a:r>
+              <a:rPr lang="en-US" altLang="zh-TW" i="1">
+                <a:solidFill>
+                  <a:srgbClr val="92D050"/>
+                </a:solidFill>
+                <a:latin typeface="Times New Roman" panose="02020603050405020304" pitchFamily="18" charset="0"/>
+                <a:cs typeface="Times New Roman" panose="02020603050405020304" pitchFamily="18" charset="0"/>
+              </a:rPr>
+              <a:t>n</a:t>
+            </a:r>
+            <a:r>
+              <a:rPr lang="zh-TW" altLang="en-US">
+                <a:solidFill>
+                  <a:srgbClr val="92D050"/>
+                </a:solidFill>
+                <a:latin typeface="Times New Roman" panose="02020603050405020304" pitchFamily="18" charset="0"/>
+                <a:cs typeface="Times New Roman" panose="02020603050405020304" pitchFamily="18" charset="0"/>
+              </a:rPr>
+              <a:t> </a:t>
+            </a:r>
+            <a:r>
+              <a:rPr lang="en-US" altLang="zh-TW">
+                <a:solidFill>
+                  <a:srgbClr val="92D050"/>
+                </a:solidFill>
+                <a:latin typeface="Times New Roman" panose="02020603050405020304" pitchFamily="18" charset="0"/>
+                <a:cs typeface="Times New Roman" panose="02020603050405020304" pitchFamily="18" charset="0"/>
+              </a:rPr>
+              <a:t>+</a:t>
+            </a:r>
+            <a:r>
+              <a:rPr lang="zh-TW" altLang="en-US">
+                <a:solidFill>
+                  <a:srgbClr val="92D050"/>
+                </a:solidFill>
+                <a:latin typeface="Times New Roman" panose="02020603050405020304" pitchFamily="18" charset="0"/>
+                <a:cs typeface="Times New Roman" panose="02020603050405020304" pitchFamily="18" charset="0"/>
+              </a:rPr>
+              <a:t> </a:t>
+            </a:r>
+            <a:r>
+              <a:rPr lang="en-US" altLang="zh-TW">
+                <a:solidFill>
+                  <a:srgbClr val="92D050"/>
+                </a:solidFill>
+                <a:latin typeface="Times New Roman" panose="02020603050405020304" pitchFamily="18" charset="0"/>
+                <a:cs typeface="Times New Roman" panose="02020603050405020304" pitchFamily="18" charset="0"/>
+              </a:rPr>
+              <a:t>1</a:t>
+            </a:r>
+            <a:endParaRPr lang="en-US" altLang="zh-TW">
+              <a:solidFill>
+                <a:srgbClr val="00B0F0"/>
+              </a:solidFill>
+              <a:latin typeface="Times New Roman" panose="02020603050405020304" pitchFamily="18" charset="0"/>
+              <a:cs typeface="Times New Roman" panose="02020603050405020304" pitchFamily="18" charset="0"/>
+            </a:endParaRPr>
+          </a:p>
+          <a:p>
+            <a:r>
+              <a:rPr lang="zh-TW" altLang="en-US">
+                <a:latin typeface="Times New Roman" panose="02020603050405020304" pitchFamily="18" charset="0"/>
+                <a:cs typeface="Times New Roman" panose="02020603050405020304" pitchFamily="18" charset="0"/>
+              </a:rPr>
+              <a:t>又 </a:t>
+            </a:r>
+            <a:r>
+              <a:rPr lang="en-US" altLang="zh-TW">
+                <a:solidFill>
+                  <a:srgbClr val="92D050"/>
+                </a:solidFill>
+                <a:latin typeface="Times New Roman" panose="02020603050405020304" pitchFamily="18" charset="0"/>
+                <a:cs typeface="Times New Roman" panose="02020603050405020304" pitchFamily="18" charset="0"/>
+              </a:rPr>
+              <a:t>0</a:t>
+            </a:r>
+            <a:r>
+              <a:rPr lang="zh-TW" altLang="en-US">
+                <a:latin typeface="Times New Roman" panose="02020603050405020304" pitchFamily="18" charset="0"/>
+                <a:cs typeface="Times New Roman" panose="02020603050405020304" pitchFamily="18" charset="0"/>
+              </a:rPr>
+              <a:t> </a:t>
+            </a:r>
+            <a:r>
+              <a:rPr lang="zh-TW" altLang="en-US">
+                <a:solidFill>
+                  <a:srgbClr val="92D050"/>
+                </a:solidFill>
+                <a:latin typeface="Times New Roman" panose="02020603050405020304" pitchFamily="18" charset="0"/>
+                <a:cs typeface="Times New Roman" panose="02020603050405020304" pitchFamily="18" charset="0"/>
+              </a:rPr>
+              <a:t>≦</a:t>
+            </a:r>
+            <a:r>
+              <a:rPr lang="zh-TW" altLang="en-US">
+                <a:latin typeface="Times New Roman" panose="02020603050405020304" pitchFamily="18" charset="0"/>
+                <a:cs typeface="Times New Roman" panose="02020603050405020304" pitchFamily="18" charset="0"/>
+              </a:rPr>
+              <a:t> </a:t>
+            </a:r>
+            <a:r>
+              <a:rPr lang="en-US" altLang="zh-TW">
+                <a:solidFill>
+                  <a:srgbClr val="92D050"/>
+                </a:solidFill>
+                <a:latin typeface="Times New Roman" panose="02020603050405020304" pitchFamily="18" charset="0"/>
+                <a:cs typeface="Times New Roman" panose="02020603050405020304" pitchFamily="18" charset="0"/>
+              </a:rPr>
+              <a:t>log (</a:t>
+            </a:r>
+            <a:r>
+              <a:rPr lang="en-US" altLang="zh-TW" i="1">
+                <a:solidFill>
+                  <a:srgbClr val="92D050"/>
+                </a:solidFill>
+                <a:latin typeface="Times New Roman" panose="02020603050405020304" pitchFamily="18" charset="0"/>
+                <a:cs typeface="Times New Roman" panose="02020603050405020304" pitchFamily="18" charset="0"/>
+              </a:rPr>
+              <a:t>a</a:t>
+            </a:r>
+            <a:r>
+              <a:rPr lang="en-US" altLang="zh-TW">
+                <a:solidFill>
+                  <a:srgbClr val="92D050"/>
+                </a:solidFill>
+                <a:latin typeface="Times New Roman" panose="02020603050405020304" pitchFamily="18" charset="0"/>
+                <a:cs typeface="Times New Roman" panose="02020603050405020304" pitchFamily="18" charset="0"/>
+              </a:rPr>
+              <a:t>)</a:t>
+            </a:r>
+            <a:r>
+              <a:rPr lang="zh-TW" altLang="en-US">
+                <a:solidFill>
+                  <a:srgbClr val="92D050"/>
+                </a:solidFill>
+                <a:latin typeface="Times New Roman" panose="02020603050405020304" pitchFamily="18" charset="0"/>
+                <a:cs typeface="Times New Roman" panose="02020603050405020304" pitchFamily="18" charset="0"/>
+              </a:rPr>
+              <a:t> </a:t>
+            </a:r>
+            <a:r>
+              <a:rPr lang="en-US" altLang="zh-TW">
+                <a:solidFill>
+                  <a:srgbClr val="92D050"/>
+                </a:solidFill>
+                <a:latin typeface="Times New Roman" panose="02020603050405020304" pitchFamily="18" charset="0"/>
+                <a:cs typeface="Times New Roman" panose="02020603050405020304" pitchFamily="18" charset="0"/>
+              </a:rPr>
+              <a:t>&lt;</a:t>
+            </a:r>
+            <a:r>
+              <a:rPr lang="zh-TW" altLang="en-US">
+                <a:solidFill>
+                  <a:srgbClr val="92D050"/>
+                </a:solidFill>
+                <a:latin typeface="Times New Roman" panose="02020603050405020304" pitchFamily="18" charset="0"/>
+                <a:cs typeface="Times New Roman" panose="02020603050405020304" pitchFamily="18" charset="0"/>
+              </a:rPr>
+              <a:t> </a:t>
+            </a:r>
+            <a:r>
+              <a:rPr lang="en-US" altLang="zh-TW">
+                <a:solidFill>
+                  <a:srgbClr val="92D050"/>
+                </a:solidFill>
+                <a:latin typeface="Times New Roman" panose="02020603050405020304" pitchFamily="18" charset="0"/>
+                <a:cs typeface="Times New Roman" panose="02020603050405020304" pitchFamily="18" charset="0"/>
+              </a:rPr>
+              <a:t>1</a:t>
+            </a:r>
+            <a:r>
+              <a:rPr lang="zh-TW" altLang="en-US">
+                <a:latin typeface="Times New Roman" panose="02020603050405020304" pitchFamily="18" charset="0"/>
+                <a:cs typeface="Times New Roman" panose="02020603050405020304" pitchFamily="18" charset="0"/>
+              </a:rPr>
+              <a:t>，得 </a:t>
+            </a:r>
+            <a:r>
+              <a:rPr lang="en-US" altLang="zh-TW">
+                <a:solidFill>
+                  <a:srgbClr val="92D050"/>
+                </a:solidFill>
+                <a:latin typeface="Times New Roman" panose="02020603050405020304" pitchFamily="18" charset="0"/>
+                <a:cs typeface="Times New Roman" panose="02020603050405020304" pitchFamily="18" charset="0"/>
+              </a:rPr>
+              <a:t>[log</a:t>
+            </a:r>
+            <a:r>
+              <a:rPr lang="zh-TW" altLang="en-US">
+                <a:solidFill>
+                  <a:srgbClr val="92D050"/>
+                </a:solidFill>
+                <a:latin typeface="Times New Roman" panose="02020603050405020304" pitchFamily="18" charset="0"/>
+                <a:cs typeface="Times New Roman" panose="02020603050405020304" pitchFamily="18" charset="0"/>
+              </a:rPr>
+              <a:t> </a:t>
+            </a:r>
+            <a:r>
+              <a:rPr lang="en-US" altLang="zh-TW">
+                <a:solidFill>
+                  <a:srgbClr val="92D050"/>
+                </a:solidFill>
+                <a:latin typeface="Times New Roman" panose="02020603050405020304" pitchFamily="18" charset="0"/>
+                <a:cs typeface="Times New Roman" panose="02020603050405020304" pitchFamily="18" charset="0"/>
+              </a:rPr>
+              <a:t>(</a:t>
+            </a:r>
+            <a:r>
+              <a:rPr lang="en-US" altLang="zh-TW" i="1">
+                <a:solidFill>
+                  <a:srgbClr val="92D050"/>
+                </a:solidFill>
+                <a:latin typeface="Times New Roman" panose="02020603050405020304" pitchFamily="18" charset="0"/>
+                <a:cs typeface="Times New Roman" panose="02020603050405020304" pitchFamily="18" charset="0"/>
+              </a:rPr>
+              <a:t>x</a:t>
+            </a:r>
+            <a:r>
+              <a:rPr lang="en-US" altLang="zh-TW">
+                <a:solidFill>
+                  <a:srgbClr val="92D050"/>
+                </a:solidFill>
+                <a:latin typeface="Times New Roman" panose="02020603050405020304" pitchFamily="18" charset="0"/>
+                <a:cs typeface="Times New Roman" panose="02020603050405020304" pitchFamily="18" charset="0"/>
+              </a:rPr>
+              <a:t>)]</a:t>
+            </a:r>
+            <a:r>
+              <a:rPr lang="zh-TW" altLang="en-US">
+                <a:solidFill>
+                  <a:srgbClr val="92D050"/>
+                </a:solidFill>
+                <a:latin typeface="Times New Roman" panose="02020603050405020304" pitchFamily="18" charset="0"/>
+                <a:cs typeface="Times New Roman" panose="02020603050405020304" pitchFamily="18" charset="0"/>
+              </a:rPr>
+              <a:t> </a:t>
+            </a:r>
+            <a:r>
+              <a:rPr lang="en-US" altLang="zh-TW">
+                <a:solidFill>
+                  <a:srgbClr val="92D050"/>
+                </a:solidFill>
+                <a:latin typeface="Times New Roman" panose="02020603050405020304" pitchFamily="18" charset="0"/>
+                <a:cs typeface="Times New Roman" panose="02020603050405020304" pitchFamily="18" charset="0"/>
+              </a:rPr>
+              <a:t>=</a:t>
+            </a:r>
+            <a:r>
+              <a:rPr lang="zh-TW" altLang="en-US">
+                <a:solidFill>
+                  <a:srgbClr val="92D050"/>
+                </a:solidFill>
+                <a:latin typeface="Times New Roman" panose="02020603050405020304" pitchFamily="18" charset="0"/>
+                <a:cs typeface="Times New Roman" panose="02020603050405020304" pitchFamily="18" charset="0"/>
+              </a:rPr>
+              <a:t> </a:t>
+            </a:r>
+            <a:r>
+              <a:rPr lang="en-US" altLang="zh-TW" i="1">
+                <a:solidFill>
+                  <a:srgbClr val="92D050"/>
+                </a:solidFill>
+                <a:latin typeface="Times New Roman" panose="02020603050405020304" pitchFamily="18" charset="0"/>
+                <a:cs typeface="Times New Roman" panose="02020603050405020304" pitchFamily="18" charset="0"/>
+              </a:rPr>
+              <a:t>n</a:t>
+            </a:r>
+            <a:r>
+              <a:rPr lang="zh-TW" altLang="en-US">
+                <a:solidFill>
+                  <a:srgbClr val="92D050"/>
+                </a:solidFill>
+                <a:latin typeface="Times New Roman" panose="02020603050405020304" pitchFamily="18" charset="0"/>
+                <a:cs typeface="Times New Roman" panose="02020603050405020304" pitchFamily="18" charset="0"/>
+              </a:rPr>
+              <a:t>   </a:t>
+            </a:r>
+            <a:r>
+              <a:rPr lang="en-US" altLang="zh-TW" sz="2000">
+                <a:solidFill>
+                  <a:srgbClr val="00B0F0"/>
+                </a:solidFill>
+                <a:latin typeface="Times New Roman" panose="02020603050405020304" pitchFamily="18" charset="0"/>
+                <a:cs typeface="Times New Roman" panose="02020603050405020304" pitchFamily="18" charset="0"/>
+              </a:rPr>
+              <a:t>(</a:t>
+            </a:r>
+            <a:r>
+              <a:rPr lang="zh-TW" altLang="en-US" sz="2000">
+                <a:solidFill>
+                  <a:srgbClr val="00B0F0"/>
+                </a:solidFill>
+                <a:latin typeface="Times New Roman" panose="02020603050405020304" pitchFamily="18" charset="0"/>
+                <a:cs typeface="Times New Roman" panose="02020603050405020304" pitchFamily="18" charset="0"/>
+              </a:rPr>
+              <a:t>註：</a:t>
+            </a:r>
+            <a:r>
+              <a:rPr lang="en-US" altLang="zh-TW" sz="2000">
+                <a:solidFill>
+                  <a:srgbClr val="00B0F0"/>
+                </a:solidFill>
+                <a:latin typeface="Times New Roman" panose="02020603050405020304" pitchFamily="18" charset="0"/>
+                <a:cs typeface="Times New Roman" panose="02020603050405020304" pitchFamily="18" charset="0"/>
+              </a:rPr>
+              <a:t>[</a:t>
+            </a:r>
+            <a:r>
+              <a:rPr lang="en-US" altLang="zh-TW" sz="2000" i="1">
+                <a:solidFill>
+                  <a:srgbClr val="00B0F0"/>
+                </a:solidFill>
+                <a:latin typeface="Times New Roman" panose="02020603050405020304" pitchFamily="18" charset="0"/>
+                <a:cs typeface="Times New Roman" panose="02020603050405020304" pitchFamily="18" charset="0"/>
+              </a:rPr>
+              <a:t>m</a:t>
+            </a:r>
+            <a:r>
+              <a:rPr lang="en-US" altLang="zh-TW" sz="2000">
+                <a:solidFill>
+                  <a:srgbClr val="00B0F0"/>
+                </a:solidFill>
+                <a:latin typeface="Times New Roman" panose="02020603050405020304" pitchFamily="18" charset="0"/>
+                <a:cs typeface="Times New Roman" panose="02020603050405020304" pitchFamily="18" charset="0"/>
+              </a:rPr>
+              <a:t>]</a:t>
+            </a:r>
+            <a:r>
+              <a:rPr lang="zh-TW" altLang="en-US" sz="2000">
+                <a:solidFill>
+                  <a:srgbClr val="00B0F0"/>
+                </a:solidFill>
+                <a:latin typeface="Times New Roman" panose="02020603050405020304" pitchFamily="18" charset="0"/>
+                <a:cs typeface="Times New Roman" panose="02020603050405020304" pitchFamily="18" charset="0"/>
+              </a:rPr>
+              <a:t> 為下取整函數，如 </a:t>
+            </a:r>
+            <a:r>
+              <a:rPr lang="en-US" altLang="zh-TW" sz="2000">
+                <a:solidFill>
+                  <a:srgbClr val="00B0F0"/>
+                </a:solidFill>
+                <a:latin typeface="Times New Roman" panose="02020603050405020304" pitchFamily="18" charset="0"/>
+                <a:cs typeface="Times New Roman" panose="02020603050405020304" pitchFamily="18" charset="0"/>
+              </a:rPr>
+              <a:t>[2.7]</a:t>
+            </a:r>
+            <a:r>
+              <a:rPr lang="zh-TW" altLang="en-US" sz="2000">
+                <a:solidFill>
+                  <a:srgbClr val="00B0F0"/>
+                </a:solidFill>
+                <a:latin typeface="Times New Roman" panose="02020603050405020304" pitchFamily="18" charset="0"/>
+                <a:cs typeface="Times New Roman" panose="02020603050405020304" pitchFamily="18" charset="0"/>
+              </a:rPr>
+              <a:t> </a:t>
+            </a:r>
+            <a:r>
+              <a:rPr lang="en-US" altLang="zh-TW" sz="2000">
+                <a:solidFill>
+                  <a:srgbClr val="00B0F0"/>
+                </a:solidFill>
+                <a:latin typeface="Times New Roman" panose="02020603050405020304" pitchFamily="18" charset="0"/>
+                <a:cs typeface="Times New Roman" panose="02020603050405020304" pitchFamily="18" charset="0"/>
+              </a:rPr>
+              <a:t>=</a:t>
+            </a:r>
+            <a:r>
+              <a:rPr lang="zh-TW" altLang="en-US" sz="2000">
+                <a:solidFill>
+                  <a:srgbClr val="00B0F0"/>
+                </a:solidFill>
+                <a:latin typeface="Times New Roman" panose="02020603050405020304" pitchFamily="18" charset="0"/>
+                <a:cs typeface="Times New Roman" panose="02020603050405020304" pitchFamily="18" charset="0"/>
+              </a:rPr>
+              <a:t> </a:t>
+            </a:r>
+            <a:r>
+              <a:rPr lang="en-US" altLang="zh-TW" sz="2000">
+                <a:solidFill>
+                  <a:srgbClr val="00B0F0"/>
+                </a:solidFill>
+                <a:latin typeface="Times New Roman" panose="02020603050405020304" pitchFamily="18" charset="0"/>
+                <a:cs typeface="Times New Roman" panose="02020603050405020304" pitchFamily="18" charset="0"/>
+              </a:rPr>
+              <a:t>2)</a:t>
+            </a:r>
+          </a:p>
+          <a:p>
+            <a:r>
+              <a:rPr lang="zh-TW" altLang="en-US">
+                <a:latin typeface="Times New Roman" panose="02020603050405020304" pitchFamily="18" charset="0"/>
+                <a:cs typeface="Times New Roman" panose="02020603050405020304" pitchFamily="18" charset="0"/>
+              </a:rPr>
+              <a:t>又已知 </a:t>
+            </a:r>
+            <a:r>
+              <a:rPr lang="en-US" altLang="zh-TW">
+                <a:solidFill>
+                  <a:srgbClr val="92D050"/>
+                </a:solidFill>
+                <a:latin typeface="Times New Roman" panose="02020603050405020304" pitchFamily="18" charset="0"/>
+                <a:cs typeface="Times New Roman" panose="02020603050405020304" pitchFamily="18" charset="0"/>
+              </a:rPr>
+              <a:t>10</a:t>
+            </a:r>
+            <a:r>
+              <a:rPr lang="en-US" altLang="zh-TW" i="1" baseline="30000">
+                <a:solidFill>
+                  <a:srgbClr val="92D050"/>
+                </a:solidFill>
+                <a:latin typeface="Times New Roman" panose="02020603050405020304" pitchFamily="18" charset="0"/>
+                <a:cs typeface="Times New Roman" panose="02020603050405020304" pitchFamily="18" charset="0"/>
+              </a:rPr>
+              <a:t>n</a:t>
+            </a:r>
+            <a:r>
+              <a:rPr lang="en-US" altLang="zh-TW">
+                <a:latin typeface="Times New Roman" panose="02020603050405020304" pitchFamily="18" charset="0"/>
+                <a:cs typeface="Times New Roman" panose="02020603050405020304" pitchFamily="18" charset="0"/>
+              </a:rPr>
+              <a:t> </a:t>
+            </a:r>
+            <a:r>
+              <a:rPr lang="zh-TW" altLang="en-US">
+                <a:latin typeface="Times New Roman" panose="02020603050405020304" pitchFamily="18" charset="0"/>
+                <a:cs typeface="Times New Roman" panose="02020603050405020304" pitchFamily="18" charset="0"/>
+              </a:rPr>
+              <a:t>為 </a:t>
+            </a:r>
+            <a:r>
+              <a:rPr lang="en-US" altLang="zh-TW" i="1">
+                <a:solidFill>
+                  <a:srgbClr val="92D050"/>
+                </a:solidFill>
+                <a:latin typeface="Times New Roman" panose="02020603050405020304" pitchFamily="18" charset="0"/>
+                <a:cs typeface="Times New Roman" panose="02020603050405020304" pitchFamily="18" charset="0"/>
+              </a:rPr>
+              <a:t>n</a:t>
+            </a:r>
+            <a:r>
+              <a:rPr lang="en-US" altLang="zh-TW">
+                <a:solidFill>
+                  <a:srgbClr val="92D050"/>
+                </a:solidFill>
+                <a:latin typeface="Times New Roman" panose="02020603050405020304" pitchFamily="18" charset="0"/>
+                <a:cs typeface="Times New Roman" panose="02020603050405020304" pitchFamily="18" charset="0"/>
+              </a:rPr>
+              <a:t> + 1</a:t>
+            </a:r>
+            <a:r>
+              <a:rPr lang="en-US" altLang="zh-TW">
+                <a:latin typeface="Times New Roman" panose="02020603050405020304" pitchFamily="18" charset="0"/>
+                <a:cs typeface="Times New Roman" panose="02020603050405020304" pitchFamily="18" charset="0"/>
+              </a:rPr>
+              <a:t> </a:t>
+            </a:r>
+            <a:r>
+              <a:rPr lang="zh-TW" altLang="en-US">
+                <a:latin typeface="Times New Roman" panose="02020603050405020304" pitchFamily="18" charset="0"/>
+                <a:cs typeface="Times New Roman" panose="02020603050405020304" pitchFamily="18" charset="0"/>
+              </a:rPr>
+              <a:t>位數，故 </a:t>
+            </a:r>
+            <a:r>
+              <a:rPr lang="en-US" altLang="zh-TW" i="1">
+                <a:solidFill>
+                  <a:srgbClr val="92D050"/>
+                </a:solidFill>
+                <a:latin typeface="Times New Roman" panose="02020603050405020304" pitchFamily="18" charset="0"/>
+                <a:cs typeface="Times New Roman" panose="02020603050405020304" pitchFamily="18" charset="0"/>
+              </a:rPr>
+              <a:t>x</a:t>
+            </a:r>
+            <a:r>
+              <a:rPr lang="en-US" altLang="zh-TW">
+                <a:latin typeface="Times New Roman" panose="02020603050405020304" pitchFamily="18" charset="0"/>
+                <a:cs typeface="Times New Roman" panose="02020603050405020304" pitchFamily="18" charset="0"/>
+              </a:rPr>
+              <a:t> </a:t>
+            </a:r>
+            <a:r>
+              <a:rPr lang="zh-TW" altLang="en-US">
+                <a:latin typeface="Times New Roman" panose="02020603050405020304" pitchFamily="18" charset="0"/>
+                <a:cs typeface="Times New Roman" panose="02020603050405020304" pitchFamily="18" charset="0"/>
+              </a:rPr>
+              <a:t>為 </a:t>
+            </a:r>
+            <a:r>
+              <a:rPr lang="en-US" altLang="zh-TW" i="1">
+                <a:solidFill>
+                  <a:srgbClr val="92D050"/>
+                </a:solidFill>
+                <a:latin typeface="Times New Roman" panose="02020603050405020304" pitchFamily="18" charset="0"/>
+                <a:cs typeface="Times New Roman" panose="02020603050405020304" pitchFamily="18" charset="0"/>
+              </a:rPr>
+              <a:t>n</a:t>
+            </a:r>
+            <a:r>
+              <a:rPr lang="en-US" altLang="zh-TW">
+                <a:solidFill>
+                  <a:srgbClr val="92D050"/>
+                </a:solidFill>
+                <a:latin typeface="Times New Roman" panose="02020603050405020304" pitchFamily="18" charset="0"/>
+                <a:cs typeface="Times New Roman" panose="02020603050405020304" pitchFamily="18" charset="0"/>
+              </a:rPr>
+              <a:t> + 1</a:t>
+            </a:r>
+            <a:r>
+              <a:rPr lang="zh-TW" altLang="en-US">
+                <a:solidFill>
+                  <a:srgbClr val="92D050"/>
+                </a:solidFill>
+                <a:latin typeface="Times New Roman" panose="02020603050405020304" pitchFamily="18" charset="0"/>
+                <a:cs typeface="Times New Roman" panose="02020603050405020304" pitchFamily="18" charset="0"/>
+              </a:rPr>
+              <a:t> </a:t>
+            </a:r>
+            <a:r>
+              <a:rPr lang="en-US" altLang="zh-TW">
+                <a:solidFill>
+                  <a:srgbClr val="92D050"/>
+                </a:solidFill>
+                <a:latin typeface="Times New Roman" panose="02020603050405020304" pitchFamily="18" charset="0"/>
+                <a:cs typeface="Times New Roman" panose="02020603050405020304" pitchFamily="18" charset="0"/>
+              </a:rPr>
+              <a:t>= [log</a:t>
+            </a:r>
+            <a:r>
+              <a:rPr lang="zh-TW" altLang="en-US">
+                <a:solidFill>
+                  <a:srgbClr val="92D050"/>
+                </a:solidFill>
+                <a:latin typeface="Times New Roman" panose="02020603050405020304" pitchFamily="18" charset="0"/>
+                <a:cs typeface="Times New Roman" panose="02020603050405020304" pitchFamily="18" charset="0"/>
+              </a:rPr>
+              <a:t> </a:t>
+            </a:r>
+            <a:r>
+              <a:rPr lang="en-US" altLang="zh-TW">
+                <a:solidFill>
+                  <a:srgbClr val="92D050"/>
+                </a:solidFill>
+                <a:latin typeface="Times New Roman" panose="02020603050405020304" pitchFamily="18" charset="0"/>
+                <a:cs typeface="Times New Roman" panose="02020603050405020304" pitchFamily="18" charset="0"/>
+              </a:rPr>
+              <a:t>(</a:t>
+            </a:r>
+            <a:r>
+              <a:rPr lang="en-US" altLang="zh-TW" i="1">
+                <a:solidFill>
+                  <a:srgbClr val="92D050"/>
+                </a:solidFill>
+                <a:latin typeface="Times New Roman" panose="02020603050405020304" pitchFamily="18" charset="0"/>
+                <a:cs typeface="Times New Roman" panose="02020603050405020304" pitchFamily="18" charset="0"/>
+              </a:rPr>
+              <a:t>x</a:t>
+            </a:r>
+            <a:r>
+              <a:rPr lang="en-US" altLang="zh-TW">
+                <a:solidFill>
+                  <a:srgbClr val="92D050"/>
+                </a:solidFill>
+                <a:latin typeface="Times New Roman" panose="02020603050405020304" pitchFamily="18" charset="0"/>
+                <a:cs typeface="Times New Roman" panose="02020603050405020304" pitchFamily="18" charset="0"/>
+              </a:rPr>
+              <a:t>)]</a:t>
+            </a:r>
+            <a:r>
+              <a:rPr lang="zh-TW" altLang="en-US">
+                <a:solidFill>
+                  <a:srgbClr val="92D050"/>
+                </a:solidFill>
+                <a:latin typeface="Times New Roman" panose="02020603050405020304" pitchFamily="18" charset="0"/>
+                <a:cs typeface="Times New Roman" panose="02020603050405020304" pitchFamily="18" charset="0"/>
+              </a:rPr>
+              <a:t> </a:t>
+            </a:r>
+            <a:r>
+              <a:rPr lang="en-US" altLang="zh-TW">
+                <a:solidFill>
+                  <a:srgbClr val="92D050"/>
+                </a:solidFill>
+                <a:latin typeface="Times New Roman" panose="02020603050405020304" pitchFamily="18" charset="0"/>
+                <a:cs typeface="Times New Roman" panose="02020603050405020304" pitchFamily="18" charset="0"/>
+              </a:rPr>
+              <a:t>+</a:t>
+            </a:r>
+            <a:r>
+              <a:rPr lang="zh-TW" altLang="en-US">
+                <a:solidFill>
+                  <a:srgbClr val="92D050"/>
+                </a:solidFill>
+                <a:latin typeface="Times New Roman" panose="02020603050405020304" pitchFamily="18" charset="0"/>
+                <a:cs typeface="Times New Roman" panose="02020603050405020304" pitchFamily="18" charset="0"/>
+              </a:rPr>
+              <a:t> </a:t>
+            </a:r>
+            <a:r>
+              <a:rPr lang="en-US" altLang="zh-TW">
+                <a:solidFill>
+                  <a:srgbClr val="92D050"/>
+                </a:solidFill>
+                <a:latin typeface="Times New Roman" panose="02020603050405020304" pitchFamily="18" charset="0"/>
+                <a:cs typeface="Times New Roman" panose="02020603050405020304" pitchFamily="18" charset="0"/>
+              </a:rPr>
+              <a:t>1 </a:t>
+            </a:r>
+            <a:r>
+              <a:rPr lang="zh-TW" altLang="en-US">
+                <a:latin typeface="Times New Roman" panose="02020603050405020304" pitchFamily="18" charset="0"/>
+                <a:cs typeface="Times New Roman" panose="02020603050405020304" pitchFamily="18" charset="0"/>
+              </a:rPr>
+              <a:t>位數</a:t>
+            </a:r>
+            <a:endParaRPr lang="en-US" altLang="zh-TW">
+              <a:latin typeface="Times New Roman" panose="02020603050405020304" pitchFamily="18" charset="0"/>
+              <a:cs typeface="Times New Roman" panose="02020603050405020304" pitchFamily="18" charset="0"/>
+            </a:endParaRPr>
+          </a:p>
+        </p:txBody>
+      </p:sp>
+      <p:grpSp>
+        <p:nvGrpSpPr>
+          <p:cNvPr id="7" name="群組 6">
+            <a:extLst>
+              <a:ext uri="{FF2B5EF4-FFF2-40B4-BE49-F238E27FC236}">
+                <a16:creationId xmlns:a16="http://schemas.microsoft.com/office/drawing/2014/main" id="{8897E4ED-8858-45E5-938A-A3E5E6911663}"/>
+              </a:ext>
+            </a:extLst>
+          </p:cNvPr>
+          <p:cNvGrpSpPr/>
+          <p:nvPr/>
+        </p:nvGrpSpPr>
+        <p:grpSpPr>
+          <a:xfrm>
+            <a:off x="7499912" y="3994622"/>
+            <a:ext cx="3853886" cy="646331"/>
+            <a:chOff x="1912804" y="3523166"/>
+            <a:chExt cx="3853886" cy="646331"/>
+          </a:xfrm>
+        </p:grpSpPr>
+        <p:sp>
+          <p:nvSpPr>
+            <p:cNvPr id="8" name="Rectangle 1">
+              <a:extLst>
+                <a:ext uri="{FF2B5EF4-FFF2-40B4-BE49-F238E27FC236}">
+                  <a16:creationId xmlns:a16="http://schemas.microsoft.com/office/drawing/2014/main" id="{FD2C2910-F700-4E4D-B3CF-53A5D960065C}"/>
+                </a:ext>
+              </a:extLst>
+            </p:cNvPr>
+            <p:cNvSpPr>
+              <a:spLocks noChangeArrowheads="1"/>
+            </p:cNvSpPr>
+            <p:nvPr/>
+          </p:nvSpPr>
+          <p:spPr bwMode="auto">
+            <a:xfrm>
+              <a:off x="1912804" y="3523166"/>
+              <a:ext cx="3853886" cy="646331"/>
+            </a:xfrm>
+            <a:prstGeom prst="rect">
+              <a:avLst/>
+            </a:prstGeom>
+            <a:solidFill>
+              <a:srgbClr val="1E1F22"/>
+            </a:solidFill>
+            <a:ln w="9525">
+              <a:solidFill>
+                <a:schemeClr val="tx1"/>
+              </a:solidFill>
+              <a:miter lim="800000"/>
+              <a:headEnd/>
+              <a:tailEnd/>
+            </a:ln>
+            <a:effectLst/>
+            <a:extLst>
+              <a:ext uri="{AF507438-7753-43E0-B8FC-AC1667EBCBE1}">
+                <a14:hiddenEffects xmlns:a14="http://schemas.microsoft.com/office/drawing/2010/main">
+                  <a:effectLst>
+                    <a:outerShdw dist="35921" dir="2700000" algn="ctr" rotWithShape="0">
+                      <a:schemeClr val="bg2"/>
+                    </a:outerShdw>
+                  </a:effectLst>
+                </a14:hiddenEffects>
+              </a:ext>
+            </a:extLst>
+          </p:spPr>
+          <p:txBody>
+            <a:bodyPr vert="horz" wrap="square" lIns="91440" tIns="45720" rIns="91440" bIns="45720" numCol="1" anchor="ctr" anchorCtr="0" compatLnSpc="1">
+              <a:prstTxWarp prst="textNoShape">
+                <a:avLst/>
+              </a:prstTxWarp>
+              <a:spAutoFit/>
+            </a:bodyPr>
+            <a:lstStyle/>
+            <a:p>
+              <a:pPr marL="0" marR="0" lvl="0" indent="0" algn="l" defTabSz="914400" rtl="0" eaLnBrk="0" fontAlgn="base" latinLnBrk="0" hangingPunct="0">
+                <a:lnSpc>
+                  <a:spcPct val="100000"/>
+                </a:lnSpc>
+                <a:spcBef>
+                  <a:spcPct val="0"/>
+                </a:spcBef>
+                <a:spcAft>
+                  <a:spcPct val="0"/>
+                </a:spcAft>
+                <a:buClrTx/>
+                <a:buSzTx/>
+                <a:buFontTx/>
+                <a:buNone/>
+                <a:tabLst/>
+              </a:pPr>
+              <a:r>
+                <a:rPr kumimoji="0" lang="en-US" altLang="zh-TW" b="0" i="0" u="none" strike="noStrike" cap="none" normalizeH="0" baseline="0">
+                  <a:ln>
+                    <a:noFill/>
+                  </a:ln>
+                  <a:solidFill>
+                    <a:srgbClr val="92D050"/>
+                  </a:solidFill>
+                  <a:effectLst/>
+                  <a:latin typeface="+mj-lt"/>
+                  <a:cs typeface="JetBrains Mono" panose="02000009000000000000" pitchFamily="49" charset="0"/>
+                </a:rPr>
+                <a:t>900999</a:t>
+              </a:r>
+            </a:p>
+            <a:p>
+              <a:pPr marL="0" marR="0" lvl="0" indent="0" algn="l" defTabSz="914400" rtl="0" eaLnBrk="0" fontAlgn="base" latinLnBrk="0" hangingPunct="0">
+                <a:lnSpc>
+                  <a:spcPct val="100000"/>
+                </a:lnSpc>
+                <a:spcBef>
+                  <a:spcPct val="0"/>
+                </a:spcBef>
+                <a:spcAft>
+                  <a:spcPct val="0"/>
+                </a:spcAft>
+                <a:buClrTx/>
+                <a:buSzTx/>
+                <a:buFontTx/>
+                <a:buNone/>
+                <a:tabLst/>
+              </a:pPr>
+              <a:r>
+                <a:rPr lang="en-US" altLang="zh-TW">
+                  <a:solidFill>
+                    <a:srgbClr val="BCBEC4"/>
+                  </a:solidFill>
+                  <a:latin typeface="+mj-lt"/>
+                  <a:cs typeface="JetBrains Mono" panose="02000009000000000000" pitchFamily="49" charset="0"/>
+                </a:rPr>
+                <a:t>900999 has 6 digit(s).</a:t>
+              </a:r>
+              <a:endParaRPr lang="zh-TW" altLang="zh-TW">
+                <a:solidFill>
+                  <a:srgbClr val="BCBEC4"/>
+                </a:solidFill>
+                <a:latin typeface="+mj-lt"/>
+                <a:cs typeface="JetBrains Mono" panose="02000009000000000000" pitchFamily="49" charset="0"/>
+              </a:endParaRPr>
+            </a:p>
+          </p:txBody>
+        </p:sp>
+        <p:sp>
+          <p:nvSpPr>
+            <p:cNvPr id="9" name="文字方塊 8">
+              <a:extLst>
+                <a:ext uri="{FF2B5EF4-FFF2-40B4-BE49-F238E27FC236}">
+                  <a16:creationId xmlns:a16="http://schemas.microsoft.com/office/drawing/2014/main" id="{C7394F7E-FC2D-4D95-A44E-A5D3C07479BA}"/>
+                </a:ext>
+              </a:extLst>
+            </p:cNvPr>
+            <p:cNvSpPr txBox="1"/>
+            <p:nvPr/>
+          </p:nvSpPr>
+          <p:spPr>
+            <a:xfrm>
+              <a:off x="4886321" y="3861720"/>
+              <a:ext cx="880369" cy="307777"/>
+            </a:xfrm>
+            <a:prstGeom prst="rect">
+              <a:avLst/>
+            </a:prstGeom>
+            <a:noFill/>
+          </p:spPr>
+          <p:txBody>
+            <a:bodyPr wrap="none" rtlCol="0">
+              <a:spAutoFit/>
+            </a:bodyPr>
+            <a:lstStyle/>
+            <a:p>
+              <a:r>
+                <a:rPr lang="en-US" altLang="zh-TW" sz="1400">
+                  <a:solidFill>
+                    <a:schemeClr val="accent2"/>
+                  </a:solidFill>
+                </a:rPr>
+                <a:t>console</a:t>
+              </a:r>
+              <a:endParaRPr lang="zh-TW" altLang="en-US" sz="1400">
+                <a:solidFill>
+                  <a:schemeClr val="accent2"/>
+                </a:solidFill>
+              </a:endParaRPr>
+            </a:p>
+          </p:txBody>
+        </p:sp>
+      </p:grpSp>
+      <p:grpSp>
+        <p:nvGrpSpPr>
+          <p:cNvPr id="10" name="群組 9">
+            <a:extLst>
+              <a:ext uri="{FF2B5EF4-FFF2-40B4-BE49-F238E27FC236}">
+                <a16:creationId xmlns:a16="http://schemas.microsoft.com/office/drawing/2014/main" id="{C47B717F-EAD7-43F8-9CA3-65C743F7B0A4}"/>
+              </a:ext>
+            </a:extLst>
+          </p:cNvPr>
+          <p:cNvGrpSpPr/>
+          <p:nvPr/>
+        </p:nvGrpSpPr>
+        <p:grpSpPr>
+          <a:xfrm>
+            <a:off x="7499912" y="4640953"/>
+            <a:ext cx="3853886" cy="646331"/>
+            <a:chOff x="1912804" y="3523166"/>
+            <a:chExt cx="3853886" cy="646331"/>
+          </a:xfrm>
+        </p:grpSpPr>
+        <p:sp>
+          <p:nvSpPr>
+            <p:cNvPr id="11" name="Rectangle 1">
+              <a:extLst>
+                <a:ext uri="{FF2B5EF4-FFF2-40B4-BE49-F238E27FC236}">
+                  <a16:creationId xmlns:a16="http://schemas.microsoft.com/office/drawing/2014/main" id="{802D03C1-5A13-4A17-BC61-3F993C887347}"/>
+                </a:ext>
+              </a:extLst>
+            </p:cNvPr>
+            <p:cNvSpPr>
+              <a:spLocks noChangeArrowheads="1"/>
+            </p:cNvSpPr>
+            <p:nvPr/>
+          </p:nvSpPr>
+          <p:spPr bwMode="auto">
+            <a:xfrm>
+              <a:off x="1912804" y="3523166"/>
+              <a:ext cx="3853886" cy="646331"/>
+            </a:xfrm>
+            <a:prstGeom prst="rect">
+              <a:avLst/>
+            </a:prstGeom>
+            <a:solidFill>
+              <a:srgbClr val="1E1F22"/>
+            </a:solidFill>
+            <a:ln w="9525">
+              <a:solidFill>
+                <a:schemeClr val="tx1"/>
+              </a:solidFill>
+              <a:miter lim="800000"/>
+              <a:headEnd/>
+              <a:tailEnd/>
+            </a:ln>
+            <a:effectLst/>
+            <a:extLst>
+              <a:ext uri="{AF507438-7753-43E0-B8FC-AC1667EBCBE1}">
+                <a14:hiddenEffects xmlns:a14="http://schemas.microsoft.com/office/drawing/2010/main">
+                  <a:effectLst>
+                    <a:outerShdw dist="35921" dir="2700000" algn="ctr" rotWithShape="0">
+                      <a:schemeClr val="bg2"/>
+                    </a:outerShdw>
+                  </a:effectLst>
+                </a14:hiddenEffects>
+              </a:ext>
+            </a:extLst>
+          </p:spPr>
+          <p:txBody>
+            <a:bodyPr vert="horz" wrap="square" lIns="91440" tIns="45720" rIns="91440" bIns="45720" numCol="1" anchor="ctr" anchorCtr="0" compatLnSpc="1">
+              <a:prstTxWarp prst="textNoShape">
+                <a:avLst/>
+              </a:prstTxWarp>
+              <a:spAutoFit/>
+            </a:bodyPr>
+            <a:lstStyle/>
+            <a:p>
+              <a:pPr marL="0" marR="0" lvl="0" indent="0" algn="l" defTabSz="914400" rtl="0" eaLnBrk="0" fontAlgn="base" latinLnBrk="0" hangingPunct="0">
+                <a:lnSpc>
+                  <a:spcPct val="100000"/>
+                </a:lnSpc>
+                <a:spcBef>
+                  <a:spcPct val="0"/>
+                </a:spcBef>
+                <a:spcAft>
+                  <a:spcPct val="0"/>
+                </a:spcAft>
+                <a:buClrTx/>
+                <a:buSzTx/>
+                <a:buFontTx/>
+                <a:buNone/>
+                <a:tabLst/>
+              </a:pPr>
+              <a:r>
+                <a:rPr kumimoji="0" lang="en-US" altLang="zh-TW" b="0" i="0" u="none" strike="noStrike" cap="none" normalizeH="0" baseline="0">
+                  <a:ln>
+                    <a:noFill/>
+                  </a:ln>
+                  <a:solidFill>
+                    <a:srgbClr val="92D050"/>
+                  </a:solidFill>
+                  <a:effectLst/>
+                  <a:latin typeface="+mj-lt"/>
+                  <a:cs typeface="JetBrains Mono" panose="02000009000000000000" pitchFamily="49" charset="0"/>
+                </a:rPr>
+                <a:t>123</a:t>
+              </a:r>
+            </a:p>
+            <a:p>
+              <a:pPr marL="0" marR="0" lvl="0" indent="0" algn="l" defTabSz="914400" rtl="0" eaLnBrk="0" fontAlgn="base" latinLnBrk="0" hangingPunct="0">
+                <a:lnSpc>
+                  <a:spcPct val="100000"/>
+                </a:lnSpc>
+                <a:spcBef>
+                  <a:spcPct val="0"/>
+                </a:spcBef>
+                <a:spcAft>
+                  <a:spcPct val="0"/>
+                </a:spcAft>
+                <a:buClrTx/>
+                <a:buSzTx/>
+                <a:buFontTx/>
+                <a:buNone/>
+                <a:tabLst/>
+              </a:pPr>
+              <a:r>
+                <a:rPr lang="en-US" altLang="zh-TW">
+                  <a:solidFill>
+                    <a:srgbClr val="BCBEC4"/>
+                  </a:solidFill>
+                  <a:latin typeface="+mj-lt"/>
+                  <a:cs typeface="JetBrains Mono" panose="02000009000000000000" pitchFamily="49" charset="0"/>
+                </a:rPr>
+                <a:t>123 has 3 digit(s).</a:t>
+              </a:r>
+              <a:endParaRPr lang="zh-TW" altLang="zh-TW">
+                <a:solidFill>
+                  <a:srgbClr val="BCBEC4"/>
+                </a:solidFill>
+                <a:latin typeface="+mj-lt"/>
+                <a:cs typeface="JetBrains Mono" panose="02000009000000000000" pitchFamily="49" charset="0"/>
+              </a:endParaRPr>
+            </a:p>
+          </p:txBody>
+        </p:sp>
+        <p:sp>
+          <p:nvSpPr>
+            <p:cNvPr id="12" name="文字方塊 11">
+              <a:extLst>
+                <a:ext uri="{FF2B5EF4-FFF2-40B4-BE49-F238E27FC236}">
+                  <a16:creationId xmlns:a16="http://schemas.microsoft.com/office/drawing/2014/main" id="{8EDB5124-D388-451D-8BB2-96AF0A7C27A5}"/>
+                </a:ext>
+              </a:extLst>
+            </p:cNvPr>
+            <p:cNvSpPr txBox="1"/>
+            <p:nvPr/>
+          </p:nvSpPr>
+          <p:spPr>
+            <a:xfrm>
+              <a:off x="4886321" y="3861720"/>
+              <a:ext cx="880369" cy="307777"/>
+            </a:xfrm>
+            <a:prstGeom prst="rect">
+              <a:avLst/>
+            </a:prstGeom>
+            <a:noFill/>
+          </p:spPr>
+          <p:txBody>
+            <a:bodyPr wrap="none" rtlCol="0">
+              <a:spAutoFit/>
+            </a:bodyPr>
+            <a:lstStyle/>
+            <a:p>
+              <a:r>
+                <a:rPr lang="en-US" altLang="zh-TW" sz="1400">
+                  <a:solidFill>
+                    <a:schemeClr val="accent2"/>
+                  </a:solidFill>
+                </a:rPr>
+                <a:t>console</a:t>
+              </a:r>
+              <a:endParaRPr lang="zh-TW" altLang="en-US" sz="1400">
+                <a:solidFill>
+                  <a:schemeClr val="accent2"/>
+                </a:solidFill>
+              </a:endParaRPr>
+            </a:p>
+          </p:txBody>
+        </p:sp>
+      </p:grpSp>
+    </p:spTree>
+    <p:extLst>
+      <p:ext uri="{BB962C8B-B14F-4D97-AF65-F5344CB8AC3E}">
+        <p14:creationId xmlns:p14="http://schemas.microsoft.com/office/powerpoint/2010/main" val="3231109529"/>
+      </p:ext>
+    </p:extLst>
+  </p:cSld>
+  <p:clrMapOvr>
+    <a:masterClrMapping/>
+  </p:clrMapOvr>
+  <p:transition spd="slow">
+    <p:push dir="u"/>
+  </p:transition>
+</p:sld>
+</file>
+
+<file path=ppt/slides/slide6.xml><?xml version="1.0" encoding="utf-8"?>
+<p:sld xmlns:a="http://schemas.openxmlformats.org/drawingml/2006/main" xmlns:r="http://schemas.openxmlformats.org/officeDocument/2006/relationships" xmlns:p="http://schemas.openxmlformats.org/presentationml/2006/main">
+  <p:cSld>
+    <p:spTree>
+      <p:nvGrpSpPr>
+        <p:cNvPr id="1" name=""/>
+        <p:cNvGrpSpPr/>
+        <p:nvPr/>
+      </p:nvGrpSpPr>
+      <p:grpSpPr>
+        <a:xfrm>
+          <a:off x="0" y="0"/>
+          <a:ext cx="0" cy="0"/>
+          <a:chOff x="0" y="0"/>
+          <a:chExt cx="0" cy="0"/>
+        </a:xfrm>
+      </p:grpSpPr>
+      <p:sp>
+        <p:nvSpPr>
+          <p:cNvPr id="2" name="標題 1">
+            <a:extLst>
+              <a:ext uri="{FF2B5EF4-FFF2-40B4-BE49-F238E27FC236}">
+                <a16:creationId xmlns:a16="http://schemas.microsoft.com/office/drawing/2014/main" id="{465EAAF8-A6CC-4681-BBF8-AF763FC20B9F}"/>
+              </a:ext>
+            </a:extLst>
+          </p:cNvPr>
+          <p:cNvSpPr>
+            <a:spLocks noGrp="1"/>
+          </p:cNvSpPr>
+          <p:nvPr>
+            <p:ph type="title"/>
+          </p:nvPr>
+        </p:nvSpPr>
+        <p:spPr>
+          <a:xfrm>
+            <a:off x="838200" y="365125"/>
+            <a:ext cx="10515600" cy="1325563"/>
+          </a:xfrm>
+        </p:spPr>
+        <p:txBody>
+          <a:bodyPr/>
+          <a:lstStyle/>
+          <a:p>
+            <a:r>
+              <a:rPr lang="zh-TW" altLang="en-US"/>
+              <a:t>獲取一正整數之每一位數</a:t>
+            </a:r>
+          </a:p>
+        </p:txBody>
+      </p:sp>
+      <p:sp>
+        <p:nvSpPr>
+          <p:cNvPr id="14" name="內容版面配置區 13">
+            <a:extLst>
+              <a:ext uri="{FF2B5EF4-FFF2-40B4-BE49-F238E27FC236}">
+                <a16:creationId xmlns:a16="http://schemas.microsoft.com/office/drawing/2014/main" id="{94A70821-23C6-48D0-8B15-0F93EB0EF470}"/>
+              </a:ext>
+            </a:extLst>
+          </p:cNvPr>
+          <p:cNvSpPr>
+            <a:spLocks noGrp="1"/>
+          </p:cNvSpPr>
+          <p:nvPr>
+            <p:ph idx="1"/>
+          </p:nvPr>
+        </p:nvSpPr>
+        <p:spPr>
+          <a:xfrm>
+            <a:off x="838200" y="1470727"/>
+            <a:ext cx="10515600" cy="1064841"/>
+          </a:xfrm>
+        </p:spPr>
+        <p:txBody>
+          <a:bodyPr/>
+          <a:lstStyle/>
+          <a:p>
+            <a:r>
+              <a:rPr lang="zh-TW" altLang="en-US"/>
+              <a:t>末位數字即為該正整數除以 </a:t>
+            </a:r>
+            <a:r>
+              <a:rPr lang="en-US" altLang="zh-TW"/>
+              <a:t>10 </a:t>
+            </a:r>
+            <a:r>
+              <a:rPr lang="zh-TW" altLang="en-US"/>
+              <a:t>的餘數</a:t>
+            </a:r>
+            <a:endParaRPr lang="en-US" altLang="zh-TW"/>
+          </a:p>
+          <a:p>
+            <a:r>
+              <a:rPr lang="zh-TW" altLang="en-US"/>
+              <a:t>該正整數除以 </a:t>
+            </a:r>
+            <a:r>
+              <a:rPr lang="en-US" altLang="zh-TW"/>
+              <a:t>10 </a:t>
+            </a:r>
+            <a:r>
+              <a:rPr lang="zh-TW" altLang="en-US"/>
+              <a:t>的商即為去除末位數字後的其他位數字</a:t>
+            </a:r>
+          </a:p>
+        </p:txBody>
+      </p:sp>
+      <p:sp>
+        <p:nvSpPr>
+          <p:cNvPr id="4" name="Rectangle 1">
+            <a:extLst>
+              <a:ext uri="{FF2B5EF4-FFF2-40B4-BE49-F238E27FC236}">
+                <a16:creationId xmlns:a16="http://schemas.microsoft.com/office/drawing/2014/main" id="{80F5C30A-7528-47AE-B333-B053851160E6}"/>
+              </a:ext>
+            </a:extLst>
+          </p:cNvPr>
+          <p:cNvSpPr>
+            <a:spLocks noChangeArrowheads="1"/>
+          </p:cNvSpPr>
+          <p:nvPr/>
+        </p:nvSpPr>
+        <p:spPr bwMode="auto">
+          <a:xfrm>
+            <a:off x="838200" y="2526519"/>
+            <a:ext cx="10515600" cy="3785652"/>
+          </a:xfrm>
+          <a:prstGeom prst="rect">
+            <a:avLst/>
+          </a:prstGeom>
+          <a:solidFill>
+            <a:srgbClr val="1E1F22"/>
+          </a:solidFill>
+          <a:ln>
+            <a:noFill/>
+          </a:ln>
+          <a:effectLst/>
+          <a:extLst>
+            <a:ext uri="{91240B29-F687-4F45-9708-019B960494DF}">
+              <a14:hiddenLine xmlns:a14="http://schemas.microsoft.com/office/drawing/2010/main" w="9525">
+                <a:solidFill>
+                  <a:schemeClr val="tx1"/>
+                </a:solidFill>
+                <a:miter lim="800000"/>
+                <a:headEnd/>
+                <a:tailEnd/>
+              </a14:hiddenLine>
+            </a:ext>
+            <a:ext uri="{AF507438-7753-43E0-B8FC-AC1667EBCBE1}">
+              <a14:hiddenEffects xmlns:a14="http://schemas.microsoft.com/office/drawing/2010/main">
+                <a:effectLst>
+                  <a:outerShdw dist="35921" dir="2700000" algn="ctr" rotWithShape="0">
+                    <a:schemeClr val="bg2"/>
+                  </a:outerShdw>
+                </a:effectLst>
+              </a14:hiddenEffects>
+            </a:ext>
+          </a:extLst>
+        </p:spPr>
+        <p:txBody>
+          <a:bodyPr vert="horz" wrap="square" lIns="91440" tIns="45720" rIns="91440" bIns="45720" numCol="1" anchor="ctr" anchorCtr="0" compatLnSpc="1">
+            <a:prstTxWarp prst="textNoShape">
+              <a:avLst/>
+            </a:prstTxWarp>
+            <a:spAutoFit/>
+          </a:bodyPr>
+          <a:lstStyle/>
+          <a:p>
+            <a:pPr marL="0" marR="0" lvl="0" indent="0" algn="l" defTabSz="914400" rtl="0" eaLnBrk="0" fontAlgn="base" latinLnBrk="0" hangingPunct="0">
+              <a:lnSpc>
+                <a:spcPct val="100000"/>
+              </a:lnSpc>
+              <a:spcBef>
+                <a:spcPct val="0"/>
+              </a:spcBef>
+              <a:spcAft>
+                <a:spcPct val="0"/>
+              </a:spcAft>
+              <a:buClrTx/>
+              <a:buSzTx/>
+              <a:buFontTx/>
+              <a:buNone/>
+              <a:tabLst/>
+            </a:pPr>
+            <a:r>
+              <a:rPr kumimoji="0" lang="zh-TW" altLang="zh-TW" sz="2000" b="0" i="0" u="none" strike="noStrike" cap="none" normalizeH="0" baseline="0">
+                <a:ln>
+                  <a:noFill/>
+                </a:ln>
+                <a:solidFill>
+                  <a:srgbClr val="CF8E6D"/>
+                </a:solidFill>
+                <a:effectLst/>
+                <a:latin typeface="+mj-lt"/>
+                <a:cs typeface="JetBrains Mono" panose="02000009000000000000" pitchFamily="49" charset="0"/>
+              </a:rPr>
+              <a:t>import </a:t>
+            </a:r>
+            <a:r>
+              <a:rPr kumimoji="0" lang="zh-TW" altLang="zh-TW" sz="2000" b="0" i="0" u="none" strike="noStrike" cap="none" normalizeH="0" baseline="0">
+                <a:ln>
+                  <a:noFill/>
+                </a:ln>
+                <a:solidFill>
+                  <a:srgbClr val="BCBEC4"/>
+                </a:solidFill>
+                <a:effectLst/>
+                <a:latin typeface="+mj-lt"/>
+                <a:cs typeface="JetBrains Mono" panose="02000009000000000000" pitchFamily="49" charset="0"/>
+              </a:rPr>
+              <a:t>java.util.Scanner;</a:t>
+            </a:r>
+            <a:br>
+              <a:rPr kumimoji="0" lang="zh-TW" altLang="zh-TW" sz="2000" b="0" i="0" u="none" strike="noStrike" cap="none" normalizeH="0" baseline="0">
+                <a:ln>
+                  <a:noFill/>
+                </a:ln>
+                <a:solidFill>
+                  <a:srgbClr val="BCBEC4"/>
+                </a:solidFill>
+                <a:effectLst/>
+                <a:latin typeface="+mj-lt"/>
+                <a:cs typeface="JetBrains Mono" panose="02000009000000000000" pitchFamily="49" charset="0"/>
+              </a:rPr>
+            </a:br>
+            <a:br>
+              <a:rPr kumimoji="0" lang="zh-TW" altLang="zh-TW" sz="2000" b="0" i="0" u="none" strike="noStrike" cap="none" normalizeH="0" baseline="0">
+                <a:ln>
+                  <a:noFill/>
+                </a:ln>
+                <a:solidFill>
+                  <a:srgbClr val="BCBEC4"/>
+                </a:solidFill>
+                <a:effectLst/>
+                <a:latin typeface="+mj-lt"/>
+                <a:cs typeface="JetBrains Mono" panose="02000009000000000000" pitchFamily="49" charset="0"/>
+              </a:rPr>
+            </a:br>
+            <a:r>
+              <a:rPr kumimoji="0" lang="zh-TW" altLang="zh-TW" sz="2000" b="0" i="0" u="none" strike="noStrike" cap="none" normalizeH="0" baseline="0">
+                <a:ln>
+                  <a:noFill/>
+                </a:ln>
+                <a:solidFill>
+                  <a:srgbClr val="CF8E6D"/>
+                </a:solidFill>
+                <a:effectLst/>
+                <a:latin typeface="+mj-lt"/>
+                <a:cs typeface="JetBrains Mono" panose="02000009000000000000" pitchFamily="49" charset="0"/>
+              </a:rPr>
+              <a:t>public class </a:t>
+            </a:r>
+            <a:r>
+              <a:rPr kumimoji="0" lang="zh-TW" altLang="zh-TW" sz="2000" b="0" i="0" u="none" strike="noStrike" cap="none" normalizeH="0" baseline="0">
+                <a:ln>
+                  <a:noFill/>
+                </a:ln>
+                <a:solidFill>
+                  <a:srgbClr val="BCBEC4"/>
+                </a:solidFill>
+                <a:effectLst/>
+                <a:latin typeface="+mj-lt"/>
+                <a:cs typeface="JetBrains Mono" panose="02000009000000000000" pitchFamily="49" charset="0"/>
+              </a:rPr>
+              <a:t>Main {</a:t>
+            </a:r>
+            <a:br>
+              <a:rPr kumimoji="0" lang="zh-TW" altLang="zh-TW" sz="2000" b="0" i="0" u="none" strike="noStrike" cap="none" normalizeH="0" baseline="0">
+                <a:ln>
+                  <a:noFill/>
+                </a:ln>
+                <a:solidFill>
+                  <a:srgbClr val="BCBEC4"/>
+                </a:solidFill>
+                <a:effectLst/>
+                <a:latin typeface="+mj-lt"/>
+                <a:cs typeface="JetBrains Mono" panose="02000009000000000000" pitchFamily="49" charset="0"/>
+              </a:rPr>
+            </a:br>
+            <a:r>
+              <a:rPr kumimoji="0" lang="zh-TW" altLang="zh-TW" sz="2000" b="0" i="0" u="none" strike="noStrike" cap="none" normalizeH="0" baseline="0">
+                <a:ln>
+                  <a:noFill/>
+                </a:ln>
+                <a:solidFill>
+                  <a:srgbClr val="BCBEC4"/>
+                </a:solidFill>
+                <a:effectLst/>
+                <a:latin typeface="+mj-lt"/>
+                <a:cs typeface="JetBrains Mono" panose="02000009000000000000" pitchFamily="49" charset="0"/>
+              </a:rPr>
+              <a:t>    </a:t>
+            </a:r>
+            <a:r>
+              <a:rPr kumimoji="0" lang="zh-TW" altLang="zh-TW" sz="2000" b="0" i="0" u="none" strike="noStrike" cap="none" normalizeH="0" baseline="0">
+                <a:ln>
+                  <a:noFill/>
+                </a:ln>
+                <a:solidFill>
+                  <a:srgbClr val="CF8E6D"/>
+                </a:solidFill>
+                <a:effectLst/>
+                <a:latin typeface="+mj-lt"/>
+                <a:cs typeface="JetBrains Mono" panose="02000009000000000000" pitchFamily="49" charset="0"/>
+              </a:rPr>
+              <a:t>public static void </a:t>
+            </a:r>
+            <a:r>
+              <a:rPr kumimoji="0" lang="zh-TW" altLang="zh-TW" sz="2000" b="0" i="0" u="none" strike="noStrike" cap="none" normalizeH="0" baseline="0">
+                <a:ln>
+                  <a:noFill/>
+                </a:ln>
+                <a:solidFill>
+                  <a:srgbClr val="56A8F5"/>
+                </a:solidFill>
+                <a:effectLst/>
+                <a:latin typeface="+mj-lt"/>
+                <a:cs typeface="JetBrains Mono" panose="02000009000000000000" pitchFamily="49" charset="0"/>
+              </a:rPr>
+              <a:t>main</a:t>
+            </a:r>
+            <a:r>
+              <a:rPr kumimoji="0" lang="zh-TW" altLang="zh-TW" sz="2000" b="0" i="0" u="none" strike="noStrike" cap="none" normalizeH="0" baseline="0">
+                <a:ln>
+                  <a:noFill/>
+                </a:ln>
+                <a:solidFill>
+                  <a:srgbClr val="BCBEC4"/>
+                </a:solidFill>
+                <a:effectLst/>
+                <a:latin typeface="+mj-lt"/>
+                <a:cs typeface="JetBrains Mono" panose="02000009000000000000" pitchFamily="49" charset="0"/>
+              </a:rPr>
+              <a:t>(String[] args) {</a:t>
+            </a:r>
+            <a:br>
+              <a:rPr kumimoji="0" lang="zh-TW" altLang="zh-TW" sz="2000" b="0" i="0" u="none" strike="noStrike" cap="none" normalizeH="0" baseline="0">
+                <a:ln>
+                  <a:noFill/>
+                </a:ln>
+                <a:solidFill>
+                  <a:srgbClr val="BCBEC4"/>
+                </a:solidFill>
+                <a:effectLst/>
+                <a:latin typeface="+mj-lt"/>
+                <a:cs typeface="JetBrains Mono" panose="02000009000000000000" pitchFamily="49" charset="0"/>
+              </a:rPr>
+            </a:br>
+            <a:r>
+              <a:rPr kumimoji="0" lang="zh-TW" altLang="zh-TW" sz="2000" b="0" i="0" u="none" strike="noStrike" cap="none" normalizeH="0" baseline="0">
+                <a:ln>
+                  <a:noFill/>
+                </a:ln>
+                <a:solidFill>
+                  <a:srgbClr val="BCBEC4"/>
+                </a:solidFill>
+                <a:effectLst/>
+                <a:latin typeface="+mj-lt"/>
+                <a:cs typeface="JetBrains Mono" panose="02000009000000000000" pitchFamily="49" charset="0"/>
+              </a:rPr>
+              <a:t>        Scanner scanner = </a:t>
+            </a:r>
+            <a:r>
+              <a:rPr kumimoji="0" lang="zh-TW" altLang="zh-TW" sz="2000" b="0" i="0" u="none" strike="noStrike" cap="none" normalizeH="0" baseline="0">
+                <a:ln>
+                  <a:noFill/>
+                </a:ln>
+                <a:solidFill>
+                  <a:srgbClr val="CF8E6D"/>
+                </a:solidFill>
+                <a:effectLst/>
+                <a:latin typeface="+mj-lt"/>
+                <a:cs typeface="JetBrains Mono" panose="02000009000000000000" pitchFamily="49" charset="0"/>
+              </a:rPr>
+              <a:t>new </a:t>
+            </a:r>
+            <a:r>
+              <a:rPr kumimoji="0" lang="zh-TW" altLang="zh-TW" sz="2000" b="0" i="0" u="none" strike="noStrike" cap="none" normalizeH="0" baseline="0">
+                <a:ln>
+                  <a:noFill/>
+                </a:ln>
+                <a:solidFill>
+                  <a:srgbClr val="BCBEC4"/>
+                </a:solidFill>
+                <a:effectLst/>
+                <a:latin typeface="+mj-lt"/>
+                <a:cs typeface="JetBrains Mono" panose="02000009000000000000" pitchFamily="49" charset="0"/>
+              </a:rPr>
+              <a:t>Scanner(System.</a:t>
+            </a:r>
+            <a:r>
+              <a:rPr kumimoji="0" lang="zh-TW" altLang="zh-TW" sz="2000" b="0" i="1" u="none" strike="noStrike" cap="none" normalizeH="0" baseline="0">
+                <a:ln>
+                  <a:noFill/>
+                </a:ln>
+                <a:solidFill>
+                  <a:srgbClr val="C77DBB"/>
+                </a:solidFill>
+                <a:effectLst/>
+                <a:latin typeface="+mj-lt"/>
+                <a:cs typeface="JetBrains Mono" panose="02000009000000000000" pitchFamily="49" charset="0"/>
+              </a:rPr>
+              <a:t>in</a:t>
+            </a:r>
+            <a:r>
+              <a:rPr kumimoji="0" lang="zh-TW" altLang="zh-TW" sz="2000" b="0" i="0" u="none" strike="noStrike" cap="none" normalizeH="0" baseline="0">
+                <a:ln>
+                  <a:noFill/>
+                </a:ln>
+                <a:solidFill>
+                  <a:srgbClr val="BCBEC4"/>
+                </a:solidFill>
+                <a:effectLst/>
+                <a:latin typeface="+mj-lt"/>
+                <a:cs typeface="JetBrains Mono" panose="02000009000000000000" pitchFamily="49" charset="0"/>
+              </a:rPr>
+              <a:t>);</a:t>
+            </a:r>
+            <a:br>
+              <a:rPr kumimoji="0" lang="zh-TW" altLang="zh-TW" sz="2000" b="0" i="0" u="none" strike="noStrike" cap="none" normalizeH="0" baseline="0">
+                <a:ln>
+                  <a:noFill/>
+                </a:ln>
+                <a:solidFill>
+                  <a:srgbClr val="BCBEC4"/>
+                </a:solidFill>
+                <a:effectLst/>
+                <a:latin typeface="+mj-lt"/>
+                <a:cs typeface="JetBrains Mono" panose="02000009000000000000" pitchFamily="49" charset="0"/>
+              </a:rPr>
+            </a:br>
+            <a:r>
+              <a:rPr kumimoji="0" lang="zh-TW" altLang="zh-TW" sz="2000" b="0" i="0" u="none" strike="noStrike" cap="none" normalizeH="0" baseline="0">
+                <a:ln>
+                  <a:noFill/>
+                </a:ln>
+                <a:solidFill>
+                  <a:srgbClr val="BCBEC4"/>
+                </a:solidFill>
+                <a:effectLst/>
+                <a:latin typeface="+mj-lt"/>
+                <a:cs typeface="JetBrains Mono" panose="02000009000000000000" pitchFamily="49" charset="0"/>
+              </a:rPr>
+              <a:t>        </a:t>
+            </a:r>
+            <a:r>
+              <a:rPr kumimoji="0" lang="zh-TW" altLang="zh-TW" sz="2000" b="0" i="0" u="none" strike="noStrike" cap="none" normalizeH="0" baseline="0">
+                <a:ln>
+                  <a:noFill/>
+                </a:ln>
+                <a:solidFill>
+                  <a:srgbClr val="CF8E6D"/>
+                </a:solidFill>
+                <a:effectLst/>
+                <a:latin typeface="+mj-lt"/>
+                <a:cs typeface="JetBrains Mono" panose="02000009000000000000" pitchFamily="49" charset="0"/>
+              </a:rPr>
+              <a:t>int </a:t>
+            </a:r>
+            <a:r>
+              <a:rPr kumimoji="0" lang="zh-TW" altLang="zh-TW" sz="2000" b="0" i="0" u="none" strike="noStrike" cap="none" normalizeH="0" baseline="0">
+                <a:ln>
+                  <a:noFill/>
+                </a:ln>
+                <a:solidFill>
+                  <a:srgbClr val="BCBEC4"/>
+                </a:solidFill>
+                <a:effectLst/>
+                <a:latin typeface="+mj-lt"/>
+                <a:cs typeface="JetBrains Mono" panose="02000009000000000000" pitchFamily="49" charset="0"/>
+              </a:rPr>
+              <a:t>n = scanner.nextInt();</a:t>
+            </a:r>
+            <a:br>
+              <a:rPr kumimoji="0" lang="zh-TW" altLang="zh-TW" sz="2000" b="0" i="0" u="none" strike="noStrike" cap="none" normalizeH="0" baseline="0">
+                <a:ln>
+                  <a:noFill/>
+                </a:ln>
+                <a:solidFill>
+                  <a:srgbClr val="BCBEC4"/>
+                </a:solidFill>
+                <a:effectLst/>
+                <a:latin typeface="+mj-lt"/>
+                <a:cs typeface="JetBrains Mono" panose="02000009000000000000" pitchFamily="49" charset="0"/>
+              </a:rPr>
+            </a:br>
+            <a:r>
+              <a:rPr kumimoji="0" lang="zh-TW" altLang="zh-TW" sz="2000" b="0" i="0" u="none" strike="noStrike" cap="none" normalizeH="0" baseline="0">
+                <a:ln>
+                  <a:noFill/>
+                </a:ln>
+                <a:solidFill>
+                  <a:srgbClr val="BCBEC4"/>
+                </a:solidFill>
+                <a:effectLst/>
+                <a:latin typeface="+mj-lt"/>
+                <a:cs typeface="JetBrains Mono" panose="02000009000000000000" pitchFamily="49" charset="0"/>
+              </a:rPr>
+              <a:t>        </a:t>
+            </a:r>
+            <a:r>
+              <a:rPr kumimoji="0" lang="zh-TW" altLang="zh-TW" sz="2000" b="0" i="0" u="none" strike="noStrike" cap="none" normalizeH="0" baseline="0">
+                <a:ln>
+                  <a:noFill/>
+                </a:ln>
+                <a:solidFill>
+                  <a:srgbClr val="CF8E6D"/>
+                </a:solidFill>
+                <a:effectLst/>
+                <a:latin typeface="+mj-lt"/>
+                <a:cs typeface="JetBrains Mono" panose="02000009000000000000" pitchFamily="49" charset="0"/>
+              </a:rPr>
+              <a:t>while </a:t>
+            </a:r>
+            <a:r>
+              <a:rPr kumimoji="0" lang="zh-TW" altLang="zh-TW" sz="2000" b="0" i="0" u="none" strike="noStrike" cap="none" normalizeH="0" baseline="0">
+                <a:ln>
+                  <a:noFill/>
+                </a:ln>
+                <a:solidFill>
+                  <a:srgbClr val="BCBEC4"/>
+                </a:solidFill>
+                <a:effectLst/>
+                <a:latin typeface="+mj-lt"/>
+                <a:cs typeface="JetBrains Mono" panose="02000009000000000000" pitchFamily="49" charset="0"/>
+              </a:rPr>
+              <a:t>(n != </a:t>
+            </a:r>
+            <a:r>
+              <a:rPr kumimoji="0" lang="zh-TW" altLang="zh-TW" sz="2000" b="0" i="0" u="none" strike="noStrike" cap="none" normalizeH="0" baseline="0">
+                <a:ln>
+                  <a:noFill/>
+                </a:ln>
+                <a:solidFill>
+                  <a:srgbClr val="2AACB8"/>
+                </a:solidFill>
+                <a:effectLst/>
+                <a:latin typeface="+mj-lt"/>
+                <a:cs typeface="JetBrains Mono" panose="02000009000000000000" pitchFamily="49" charset="0"/>
+              </a:rPr>
+              <a:t>0</a:t>
+            </a:r>
+            <a:r>
+              <a:rPr kumimoji="0" lang="zh-TW" altLang="zh-TW" sz="2000" b="0" i="0" u="none" strike="noStrike" cap="none" normalizeH="0" baseline="0">
+                <a:ln>
+                  <a:noFill/>
+                </a:ln>
+                <a:solidFill>
+                  <a:srgbClr val="BCBEC4"/>
+                </a:solidFill>
+                <a:effectLst/>
+                <a:latin typeface="+mj-lt"/>
+                <a:cs typeface="JetBrains Mono" panose="02000009000000000000" pitchFamily="49" charset="0"/>
+              </a:rPr>
+              <a:t>) {</a:t>
+            </a:r>
+            <a:br>
+              <a:rPr kumimoji="0" lang="zh-TW" altLang="zh-TW" sz="2000" b="0" i="0" u="none" strike="noStrike" cap="none" normalizeH="0" baseline="0">
+                <a:ln>
+                  <a:noFill/>
+                </a:ln>
+                <a:solidFill>
+                  <a:srgbClr val="BCBEC4"/>
+                </a:solidFill>
+                <a:effectLst/>
+                <a:latin typeface="+mj-lt"/>
+                <a:cs typeface="JetBrains Mono" panose="02000009000000000000" pitchFamily="49" charset="0"/>
+              </a:rPr>
+            </a:br>
+            <a:r>
+              <a:rPr kumimoji="0" lang="zh-TW" altLang="zh-TW" sz="2000" b="0" i="0" u="none" strike="noStrike" cap="none" normalizeH="0" baseline="0">
+                <a:ln>
+                  <a:noFill/>
+                </a:ln>
+                <a:solidFill>
+                  <a:srgbClr val="BCBEC4"/>
+                </a:solidFill>
+                <a:effectLst/>
+                <a:latin typeface="+mj-lt"/>
+                <a:cs typeface="JetBrains Mono" panose="02000009000000000000" pitchFamily="49" charset="0"/>
+              </a:rPr>
+              <a:t>            System.</a:t>
+            </a:r>
+            <a:r>
+              <a:rPr kumimoji="0" lang="zh-TW" altLang="zh-TW" sz="2000" b="0" i="1" u="none" strike="noStrike" cap="none" normalizeH="0" baseline="0">
+                <a:ln>
+                  <a:noFill/>
+                </a:ln>
+                <a:solidFill>
+                  <a:srgbClr val="C77DBB"/>
+                </a:solidFill>
+                <a:effectLst/>
+                <a:latin typeface="+mj-lt"/>
+                <a:cs typeface="JetBrains Mono" panose="02000009000000000000" pitchFamily="49" charset="0"/>
+              </a:rPr>
+              <a:t>out</a:t>
+            </a:r>
+            <a:r>
+              <a:rPr kumimoji="0" lang="zh-TW" altLang="zh-TW" sz="2000" b="0" i="0" u="none" strike="noStrike" cap="none" normalizeH="0" baseline="0">
+                <a:ln>
+                  <a:noFill/>
+                </a:ln>
+                <a:solidFill>
+                  <a:srgbClr val="BCBEC4"/>
+                </a:solidFill>
+                <a:effectLst/>
+                <a:latin typeface="+mj-lt"/>
+                <a:cs typeface="JetBrains Mono" panose="02000009000000000000" pitchFamily="49" charset="0"/>
+              </a:rPr>
+              <a:t>.println(n % </a:t>
+            </a:r>
+            <a:r>
+              <a:rPr kumimoji="0" lang="zh-TW" altLang="zh-TW" sz="2000" b="0" i="0" u="none" strike="noStrike" cap="none" normalizeH="0" baseline="0">
+                <a:ln>
+                  <a:noFill/>
+                </a:ln>
+                <a:solidFill>
+                  <a:srgbClr val="2AACB8"/>
+                </a:solidFill>
+                <a:effectLst/>
+                <a:latin typeface="+mj-lt"/>
+                <a:cs typeface="JetBrains Mono" panose="02000009000000000000" pitchFamily="49" charset="0"/>
+              </a:rPr>
+              <a:t>10</a:t>
+            </a:r>
+            <a:r>
+              <a:rPr kumimoji="0" lang="zh-TW" altLang="zh-TW" sz="2000" b="0" i="0" u="none" strike="noStrike" cap="none" normalizeH="0" baseline="0">
+                <a:ln>
+                  <a:noFill/>
+                </a:ln>
+                <a:solidFill>
+                  <a:srgbClr val="BCBEC4"/>
+                </a:solidFill>
+                <a:effectLst/>
+                <a:latin typeface="+mj-lt"/>
+                <a:cs typeface="JetBrains Mono" panose="02000009000000000000" pitchFamily="49" charset="0"/>
+              </a:rPr>
+              <a:t>);</a:t>
+            </a:r>
+            <a:br>
+              <a:rPr kumimoji="0" lang="zh-TW" altLang="zh-TW" sz="2000" b="0" i="0" u="none" strike="noStrike" cap="none" normalizeH="0" baseline="0">
+                <a:ln>
+                  <a:noFill/>
+                </a:ln>
+                <a:solidFill>
+                  <a:srgbClr val="BCBEC4"/>
+                </a:solidFill>
+                <a:effectLst/>
+                <a:latin typeface="+mj-lt"/>
+                <a:cs typeface="JetBrains Mono" panose="02000009000000000000" pitchFamily="49" charset="0"/>
+              </a:rPr>
+            </a:br>
+            <a:r>
+              <a:rPr kumimoji="0" lang="zh-TW" altLang="zh-TW" sz="2000" b="0" i="0" u="none" strike="noStrike" cap="none" normalizeH="0" baseline="0">
+                <a:ln>
+                  <a:noFill/>
+                </a:ln>
+                <a:solidFill>
+                  <a:srgbClr val="BCBEC4"/>
+                </a:solidFill>
+                <a:effectLst/>
+                <a:latin typeface="+mj-lt"/>
+                <a:cs typeface="JetBrains Mono" panose="02000009000000000000" pitchFamily="49" charset="0"/>
+              </a:rPr>
+              <a:t>            n /= </a:t>
+            </a:r>
+            <a:r>
+              <a:rPr kumimoji="0" lang="zh-TW" altLang="zh-TW" sz="2000" b="0" i="0" u="none" strike="noStrike" cap="none" normalizeH="0" baseline="0">
+                <a:ln>
+                  <a:noFill/>
+                </a:ln>
+                <a:solidFill>
+                  <a:srgbClr val="2AACB8"/>
+                </a:solidFill>
+                <a:effectLst/>
+                <a:latin typeface="+mj-lt"/>
+                <a:cs typeface="JetBrains Mono" panose="02000009000000000000" pitchFamily="49" charset="0"/>
+              </a:rPr>
+              <a:t>10</a:t>
+            </a:r>
+            <a:r>
+              <a:rPr kumimoji="0" lang="zh-TW" altLang="zh-TW" sz="2000" b="0" i="0" u="none" strike="noStrike" cap="none" normalizeH="0" baseline="0">
+                <a:ln>
+                  <a:noFill/>
+                </a:ln>
+                <a:solidFill>
+                  <a:srgbClr val="BCBEC4"/>
+                </a:solidFill>
+                <a:effectLst/>
+                <a:latin typeface="+mj-lt"/>
+                <a:cs typeface="JetBrains Mono" panose="02000009000000000000" pitchFamily="49" charset="0"/>
+              </a:rPr>
+              <a:t>;</a:t>
+            </a:r>
+            <a:br>
+              <a:rPr kumimoji="0" lang="zh-TW" altLang="zh-TW" sz="2000" b="0" i="0" u="none" strike="noStrike" cap="none" normalizeH="0" baseline="0">
+                <a:ln>
+                  <a:noFill/>
+                </a:ln>
+                <a:solidFill>
+                  <a:srgbClr val="BCBEC4"/>
+                </a:solidFill>
+                <a:effectLst/>
+                <a:latin typeface="+mj-lt"/>
+                <a:cs typeface="JetBrains Mono" panose="02000009000000000000" pitchFamily="49" charset="0"/>
+              </a:rPr>
+            </a:br>
+            <a:r>
+              <a:rPr kumimoji="0" lang="zh-TW" altLang="zh-TW" sz="2000" b="0" i="0" u="none" strike="noStrike" cap="none" normalizeH="0" baseline="0">
+                <a:ln>
+                  <a:noFill/>
+                </a:ln>
+                <a:solidFill>
+                  <a:srgbClr val="BCBEC4"/>
+                </a:solidFill>
+                <a:effectLst/>
+                <a:latin typeface="+mj-lt"/>
+                <a:cs typeface="JetBrains Mono" panose="02000009000000000000" pitchFamily="49" charset="0"/>
+              </a:rPr>
+              <a:t>        }</a:t>
+            </a:r>
+            <a:br>
+              <a:rPr kumimoji="0" lang="zh-TW" altLang="zh-TW" sz="2000" b="0" i="0" u="none" strike="noStrike" cap="none" normalizeH="0" baseline="0">
+                <a:ln>
+                  <a:noFill/>
+                </a:ln>
+                <a:solidFill>
+                  <a:srgbClr val="BCBEC4"/>
+                </a:solidFill>
+                <a:effectLst/>
+                <a:latin typeface="+mj-lt"/>
+                <a:cs typeface="JetBrains Mono" panose="02000009000000000000" pitchFamily="49" charset="0"/>
+              </a:rPr>
+            </a:br>
+            <a:r>
+              <a:rPr kumimoji="0" lang="zh-TW" altLang="zh-TW" sz="2000" b="0" i="0" u="none" strike="noStrike" cap="none" normalizeH="0" baseline="0">
+                <a:ln>
+                  <a:noFill/>
+                </a:ln>
+                <a:solidFill>
+                  <a:srgbClr val="BCBEC4"/>
+                </a:solidFill>
+                <a:effectLst/>
+                <a:latin typeface="+mj-lt"/>
+                <a:cs typeface="JetBrains Mono" panose="02000009000000000000" pitchFamily="49" charset="0"/>
+              </a:rPr>
+              <a:t>    }</a:t>
+            </a:r>
+            <a:br>
+              <a:rPr kumimoji="0" lang="zh-TW" altLang="zh-TW" sz="2000" b="0" i="0" u="none" strike="noStrike" cap="none" normalizeH="0" baseline="0">
+                <a:ln>
+                  <a:noFill/>
+                </a:ln>
+                <a:solidFill>
+                  <a:srgbClr val="BCBEC4"/>
+                </a:solidFill>
+                <a:effectLst/>
+                <a:latin typeface="+mj-lt"/>
+                <a:cs typeface="JetBrains Mono" panose="02000009000000000000" pitchFamily="49" charset="0"/>
+              </a:rPr>
+            </a:br>
+            <a:r>
+              <a:rPr kumimoji="0" lang="zh-TW" altLang="zh-TW" sz="2000" b="0" i="0" u="none" strike="noStrike" cap="none" normalizeH="0" baseline="0">
+                <a:ln>
+                  <a:noFill/>
+                </a:ln>
+                <a:solidFill>
+                  <a:srgbClr val="BCBEC4"/>
+                </a:solidFill>
+                <a:effectLst/>
+                <a:latin typeface="+mj-lt"/>
+                <a:cs typeface="JetBrains Mono" panose="02000009000000000000" pitchFamily="49" charset="0"/>
+              </a:rPr>
+              <a:t>}</a:t>
+            </a:r>
+            <a:endParaRPr kumimoji="0" lang="zh-TW" altLang="zh-TW" sz="3200" b="0" i="0" u="none" strike="noStrike" cap="none" normalizeH="0" baseline="0">
+              <a:ln>
+                <a:noFill/>
+              </a:ln>
+              <a:solidFill>
+                <a:schemeClr val="tx1"/>
+              </a:solidFill>
+              <a:effectLst/>
+              <a:latin typeface="+mj-lt"/>
+            </a:endParaRPr>
+          </a:p>
+        </p:txBody>
+      </p:sp>
+      <p:grpSp>
+        <p:nvGrpSpPr>
+          <p:cNvPr id="5" name="群組 4">
+            <a:extLst>
+              <a:ext uri="{FF2B5EF4-FFF2-40B4-BE49-F238E27FC236}">
+                <a16:creationId xmlns:a16="http://schemas.microsoft.com/office/drawing/2014/main" id="{25C23C55-DC5F-44A3-A8D5-9B62123BA17C}"/>
+              </a:ext>
+            </a:extLst>
+          </p:cNvPr>
+          <p:cNvGrpSpPr/>
+          <p:nvPr/>
+        </p:nvGrpSpPr>
+        <p:grpSpPr>
+          <a:xfrm>
+            <a:off x="8807825" y="3755149"/>
+            <a:ext cx="1272988" cy="1754326"/>
+            <a:chOff x="4493702" y="2969169"/>
+            <a:chExt cx="1272988" cy="1754326"/>
+          </a:xfrm>
+        </p:grpSpPr>
+        <p:sp>
+          <p:nvSpPr>
+            <p:cNvPr id="6" name="Rectangle 1">
+              <a:extLst>
+                <a:ext uri="{FF2B5EF4-FFF2-40B4-BE49-F238E27FC236}">
+                  <a16:creationId xmlns:a16="http://schemas.microsoft.com/office/drawing/2014/main" id="{6155B0D5-FB4E-4EA9-8180-674BDCE02FB3}"/>
+                </a:ext>
+              </a:extLst>
+            </p:cNvPr>
+            <p:cNvSpPr>
+              <a:spLocks noChangeArrowheads="1"/>
+            </p:cNvSpPr>
+            <p:nvPr/>
+          </p:nvSpPr>
+          <p:spPr bwMode="auto">
+            <a:xfrm>
+              <a:off x="4493702" y="2969169"/>
+              <a:ext cx="1272987" cy="1754326"/>
+            </a:xfrm>
+            <a:prstGeom prst="rect">
+              <a:avLst/>
+            </a:prstGeom>
+            <a:solidFill>
+              <a:srgbClr val="1E1F22"/>
+            </a:solidFill>
+            <a:ln w="9525">
+              <a:solidFill>
+                <a:schemeClr val="tx1"/>
+              </a:solidFill>
+              <a:miter lim="800000"/>
+              <a:headEnd/>
+              <a:tailEnd/>
+            </a:ln>
+            <a:effectLst/>
+            <a:extLst>
+              <a:ext uri="{AF507438-7753-43E0-B8FC-AC1667EBCBE1}">
+                <a14:hiddenEffects xmlns:a14="http://schemas.microsoft.com/office/drawing/2010/main">
+                  <a:effectLst>
+                    <a:outerShdw dist="35921" dir="2700000" algn="ctr" rotWithShape="0">
+                      <a:schemeClr val="bg2"/>
+                    </a:outerShdw>
+                  </a:effectLst>
+                </a14:hiddenEffects>
+              </a:ext>
+            </a:extLst>
+          </p:spPr>
+          <p:txBody>
+            <a:bodyPr vert="horz" wrap="square" lIns="91440" tIns="45720" rIns="91440" bIns="45720" numCol="1" anchor="ctr" anchorCtr="0" compatLnSpc="1">
+              <a:prstTxWarp prst="textNoShape">
+                <a:avLst/>
+              </a:prstTxWarp>
+              <a:spAutoFit/>
+            </a:bodyPr>
+            <a:lstStyle/>
+            <a:p>
+              <a:pPr marL="0" marR="0" lvl="0" indent="0" algn="l" defTabSz="914400" rtl="0" eaLnBrk="0" fontAlgn="base" latinLnBrk="0" hangingPunct="0">
+                <a:lnSpc>
+                  <a:spcPct val="100000"/>
+                </a:lnSpc>
+                <a:spcBef>
+                  <a:spcPct val="0"/>
+                </a:spcBef>
+                <a:spcAft>
+                  <a:spcPct val="0"/>
+                </a:spcAft>
+                <a:buClrTx/>
+                <a:buSzTx/>
+                <a:buFontTx/>
+                <a:buNone/>
+                <a:tabLst/>
+              </a:pPr>
+              <a:r>
+                <a:rPr kumimoji="0" lang="en-US" altLang="zh-TW" b="0" i="0" u="none" strike="noStrike" cap="none" normalizeH="0" baseline="0">
+                  <a:ln>
+                    <a:noFill/>
+                  </a:ln>
+                  <a:solidFill>
+                    <a:srgbClr val="92D050"/>
+                  </a:solidFill>
+                  <a:effectLst/>
+                  <a:latin typeface="+mj-lt"/>
+                  <a:cs typeface="JetBrains Mono" panose="02000009000000000000" pitchFamily="49" charset="0"/>
+                </a:rPr>
+                <a:t>12345</a:t>
+              </a:r>
+            </a:p>
+            <a:p>
+              <a:pPr marL="0" marR="0" lvl="0" indent="0" algn="l" defTabSz="914400" rtl="0" eaLnBrk="0" fontAlgn="base" latinLnBrk="0" hangingPunct="0">
+                <a:lnSpc>
+                  <a:spcPct val="100000"/>
+                </a:lnSpc>
+                <a:spcBef>
+                  <a:spcPct val="0"/>
+                </a:spcBef>
+                <a:spcAft>
+                  <a:spcPct val="0"/>
+                </a:spcAft>
+                <a:buClrTx/>
+                <a:buSzTx/>
+                <a:buFontTx/>
+                <a:buNone/>
+                <a:tabLst/>
+              </a:pPr>
+              <a:r>
+                <a:rPr lang="en-US" altLang="zh-TW">
+                  <a:solidFill>
+                    <a:srgbClr val="BCBEC4"/>
+                  </a:solidFill>
+                  <a:latin typeface="+mj-lt"/>
+                  <a:cs typeface="JetBrains Mono" panose="02000009000000000000" pitchFamily="49" charset="0"/>
+                </a:rPr>
+                <a:t>5</a:t>
+              </a:r>
+            </a:p>
+            <a:p>
+              <a:pPr marL="0" marR="0" lvl="0" indent="0" algn="l" defTabSz="914400" rtl="0" eaLnBrk="0" fontAlgn="base" latinLnBrk="0" hangingPunct="0">
+                <a:lnSpc>
+                  <a:spcPct val="100000"/>
+                </a:lnSpc>
+                <a:spcBef>
+                  <a:spcPct val="0"/>
+                </a:spcBef>
+                <a:spcAft>
+                  <a:spcPct val="0"/>
+                </a:spcAft>
+                <a:buClrTx/>
+                <a:buSzTx/>
+                <a:buFontTx/>
+                <a:buNone/>
+                <a:tabLst/>
+              </a:pPr>
+              <a:r>
+                <a:rPr lang="en-US" altLang="zh-TW">
+                  <a:solidFill>
+                    <a:srgbClr val="BCBEC4"/>
+                  </a:solidFill>
+                  <a:latin typeface="+mj-lt"/>
+                  <a:cs typeface="JetBrains Mono" panose="02000009000000000000" pitchFamily="49" charset="0"/>
+                </a:rPr>
+                <a:t>4</a:t>
+              </a:r>
+            </a:p>
+            <a:p>
+              <a:pPr marL="0" marR="0" lvl="0" indent="0" algn="l" defTabSz="914400" rtl="0" eaLnBrk="0" fontAlgn="base" latinLnBrk="0" hangingPunct="0">
+                <a:lnSpc>
+                  <a:spcPct val="100000"/>
+                </a:lnSpc>
+                <a:spcBef>
+                  <a:spcPct val="0"/>
+                </a:spcBef>
+                <a:spcAft>
+                  <a:spcPct val="0"/>
+                </a:spcAft>
+                <a:buClrTx/>
+                <a:buSzTx/>
+                <a:buFontTx/>
+                <a:buNone/>
+                <a:tabLst/>
+              </a:pPr>
+              <a:r>
+                <a:rPr lang="en-US" altLang="zh-TW">
+                  <a:solidFill>
+                    <a:srgbClr val="BCBEC4"/>
+                  </a:solidFill>
+                  <a:latin typeface="+mj-lt"/>
+                  <a:cs typeface="JetBrains Mono" panose="02000009000000000000" pitchFamily="49" charset="0"/>
+                </a:rPr>
+                <a:t>3</a:t>
+              </a:r>
+            </a:p>
+            <a:p>
+              <a:pPr marL="0" marR="0" lvl="0" indent="0" algn="l" defTabSz="914400" rtl="0" eaLnBrk="0" fontAlgn="base" latinLnBrk="0" hangingPunct="0">
+                <a:lnSpc>
+                  <a:spcPct val="100000"/>
+                </a:lnSpc>
+                <a:spcBef>
+                  <a:spcPct val="0"/>
+                </a:spcBef>
+                <a:spcAft>
+                  <a:spcPct val="0"/>
+                </a:spcAft>
+                <a:buClrTx/>
+                <a:buSzTx/>
+                <a:buFontTx/>
+                <a:buNone/>
+                <a:tabLst/>
+              </a:pPr>
+              <a:r>
+                <a:rPr lang="en-US" altLang="zh-TW">
+                  <a:solidFill>
+                    <a:srgbClr val="BCBEC4"/>
+                  </a:solidFill>
+                  <a:latin typeface="+mj-lt"/>
+                  <a:cs typeface="JetBrains Mono" panose="02000009000000000000" pitchFamily="49" charset="0"/>
+                </a:rPr>
+                <a:t>2</a:t>
+              </a:r>
+            </a:p>
+            <a:p>
+              <a:pPr marL="0" marR="0" lvl="0" indent="0" algn="l" defTabSz="914400" rtl="0" eaLnBrk="0" fontAlgn="base" latinLnBrk="0" hangingPunct="0">
+                <a:lnSpc>
+                  <a:spcPct val="100000"/>
+                </a:lnSpc>
+                <a:spcBef>
+                  <a:spcPct val="0"/>
+                </a:spcBef>
+                <a:spcAft>
+                  <a:spcPct val="0"/>
+                </a:spcAft>
+                <a:buClrTx/>
+                <a:buSzTx/>
+                <a:buFontTx/>
+                <a:buNone/>
+                <a:tabLst/>
+              </a:pPr>
+              <a:r>
+                <a:rPr lang="en-US" altLang="zh-TW">
+                  <a:solidFill>
+                    <a:srgbClr val="BCBEC4"/>
+                  </a:solidFill>
+                  <a:latin typeface="+mj-lt"/>
+                  <a:cs typeface="JetBrains Mono" panose="02000009000000000000" pitchFamily="49" charset="0"/>
+                </a:rPr>
+                <a:t>1</a:t>
+              </a:r>
+              <a:endParaRPr lang="zh-TW" altLang="zh-TW">
+                <a:solidFill>
+                  <a:srgbClr val="BCBEC4"/>
+                </a:solidFill>
+                <a:latin typeface="+mj-lt"/>
+                <a:cs typeface="JetBrains Mono" panose="02000009000000000000" pitchFamily="49" charset="0"/>
+              </a:endParaRPr>
+            </a:p>
+          </p:txBody>
+        </p:sp>
+        <p:sp>
+          <p:nvSpPr>
+            <p:cNvPr id="7" name="文字方塊 6">
+              <a:extLst>
+                <a:ext uri="{FF2B5EF4-FFF2-40B4-BE49-F238E27FC236}">
+                  <a16:creationId xmlns:a16="http://schemas.microsoft.com/office/drawing/2014/main" id="{C7F17C27-D6FD-4391-8FFE-A04D7A2E10BC}"/>
+                </a:ext>
+              </a:extLst>
+            </p:cNvPr>
+            <p:cNvSpPr txBox="1"/>
+            <p:nvPr/>
+          </p:nvSpPr>
+          <p:spPr>
+            <a:xfrm>
+              <a:off x="4886321" y="4415718"/>
+              <a:ext cx="880369" cy="307777"/>
+            </a:xfrm>
+            <a:prstGeom prst="rect">
+              <a:avLst/>
+            </a:prstGeom>
+            <a:noFill/>
+          </p:spPr>
+          <p:txBody>
+            <a:bodyPr wrap="none" rtlCol="0">
+              <a:spAutoFit/>
+            </a:bodyPr>
+            <a:lstStyle/>
+            <a:p>
+              <a:r>
+                <a:rPr lang="en-US" altLang="zh-TW" sz="1400">
+                  <a:solidFill>
+                    <a:schemeClr val="accent2"/>
+                  </a:solidFill>
+                </a:rPr>
+                <a:t>console</a:t>
+              </a:r>
+              <a:endParaRPr lang="zh-TW" altLang="en-US" sz="1400">
+                <a:solidFill>
+                  <a:schemeClr val="accent2"/>
+                </a:solidFill>
+              </a:endParaRPr>
+            </a:p>
+          </p:txBody>
+        </p:sp>
+      </p:grpSp>
+      <p:grpSp>
+        <p:nvGrpSpPr>
+          <p:cNvPr id="8" name="群組 7">
+            <a:extLst>
+              <a:ext uri="{FF2B5EF4-FFF2-40B4-BE49-F238E27FC236}">
+                <a16:creationId xmlns:a16="http://schemas.microsoft.com/office/drawing/2014/main" id="{2EA18FF5-6612-4830-A8EB-0D6596AEC7D1}"/>
+              </a:ext>
+            </a:extLst>
+          </p:cNvPr>
+          <p:cNvGrpSpPr/>
+          <p:nvPr/>
+        </p:nvGrpSpPr>
+        <p:grpSpPr>
+          <a:xfrm>
+            <a:off x="10080812" y="3481967"/>
+            <a:ext cx="1272988" cy="2031325"/>
+            <a:chOff x="4493702" y="2830670"/>
+            <a:chExt cx="1272988" cy="2031325"/>
+          </a:xfrm>
+        </p:grpSpPr>
+        <p:sp>
+          <p:nvSpPr>
+            <p:cNvPr id="9" name="Rectangle 1">
+              <a:extLst>
+                <a:ext uri="{FF2B5EF4-FFF2-40B4-BE49-F238E27FC236}">
+                  <a16:creationId xmlns:a16="http://schemas.microsoft.com/office/drawing/2014/main" id="{507B5A09-EE68-4672-9B30-72E44AA0EF1C}"/>
+                </a:ext>
+              </a:extLst>
+            </p:cNvPr>
+            <p:cNvSpPr>
+              <a:spLocks noChangeArrowheads="1"/>
+            </p:cNvSpPr>
+            <p:nvPr/>
+          </p:nvSpPr>
+          <p:spPr bwMode="auto">
+            <a:xfrm>
+              <a:off x="4493702" y="2830670"/>
+              <a:ext cx="1272987" cy="2031325"/>
+            </a:xfrm>
+            <a:prstGeom prst="rect">
+              <a:avLst/>
+            </a:prstGeom>
+            <a:solidFill>
+              <a:srgbClr val="1E1F22"/>
+            </a:solidFill>
+            <a:ln w="9525">
+              <a:solidFill>
+                <a:schemeClr val="tx1"/>
+              </a:solidFill>
+              <a:miter lim="800000"/>
+              <a:headEnd/>
+              <a:tailEnd/>
+            </a:ln>
+            <a:effectLst/>
+            <a:extLst>
+              <a:ext uri="{AF507438-7753-43E0-B8FC-AC1667EBCBE1}">
+                <a14:hiddenEffects xmlns:a14="http://schemas.microsoft.com/office/drawing/2010/main">
+                  <a:effectLst>
+                    <a:outerShdw dist="35921" dir="2700000" algn="ctr" rotWithShape="0">
+                      <a:schemeClr val="bg2"/>
+                    </a:outerShdw>
+                  </a:effectLst>
+                </a14:hiddenEffects>
+              </a:ext>
+            </a:extLst>
+          </p:spPr>
+          <p:txBody>
+            <a:bodyPr vert="horz" wrap="square" lIns="91440" tIns="45720" rIns="91440" bIns="45720" numCol="1" anchor="ctr" anchorCtr="0" compatLnSpc="1">
+              <a:prstTxWarp prst="textNoShape">
+                <a:avLst/>
+              </a:prstTxWarp>
+              <a:spAutoFit/>
+            </a:bodyPr>
+            <a:lstStyle/>
+            <a:p>
+              <a:pPr marL="0" marR="0" lvl="0" indent="0" algn="l" defTabSz="914400" rtl="0" eaLnBrk="0" fontAlgn="base" latinLnBrk="0" hangingPunct="0">
+                <a:lnSpc>
+                  <a:spcPct val="100000"/>
+                </a:lnSpc>
+                <a:spcBef>
+                  <a:spcPct val="0"/>
+                </a:spcBef>
+                <a:spcAft>
+                  <a:spcPct val="0"/>
+                </a:spcAft>
+                <a:buClrTx/>
+                <a:buSzTx/>
+                <a:buFontTx/>
+                <a:buNone/>
+                <a:tabLst/>
+              </a:pPr>
+              <a:r>
+                <a:rPr kumimoji="0" lang="en-US" altLang="zh-TW" b="0" i="0" u="none" strike="noStrike" cap="none" normalizeH="0" baseline="0">
+                  <a:ln>
+                    <a:noFill/>
+                  </a:ln>
+                  <a:solidFill>
+                    <a:srgbClr val="92D050"/>
+                  </a:solidFill>
+                  <a:effectLst/>
+                  <a:latin typeface="+mj-lt"/>
+                  <a:cs typeface="JetBrains Mono" panose="02000009000000000000" pitchFamily="49" charset="0"/>
+                </a:rPr>
+                <a:t>114514</a:t>
+              </a:r>
+            </a:p>
+            <a:p>
+              <a:pPr eaLnBrk="0" fontAlgn="base" hangingPunct="0">
+                <a:spcBef>
+                  <a:spcPct val="0"/>
+                </a:spcBef>
+                <a:spcAft>
+                  <a:spcPct val="0"/>
+                </a:spcAft>
+              </a:pPr>
+              <a:r>
+                <a:rPr lang="en-US" altLang="zh-TW">
+                  <a:solidFill>
+                    <a:srgbClr val="BCBEC4"/>
+                  </a:solidFill>
+                  <a:latin typeface="+mj-lt"/>
+                  <a:cs typeface="JetBrains Mono" panose="02000009000000000000" pitchFamily="49" charset="0"/>
+                </a:rPr>
+                <a:t>4</a:t>
+              </a:r>
+            </a:p>
+            <a:p>
+              <a:pPr eaLnBrk="0" fontAlgn="base" hangingPunct="0">
+                <a:spcBef>
+                  <a:spcPct val="0"/>
+                </a:spcBef>
+                <a:spcAft>
+                  <a:spcPct val="0"/>
+                </a:spcAft>
+              </a:pPr>
+              <a:r>
+                <a:rPr lang="en-US" altLang="zh-TW">
+                  <a:solidFill>
+                    <a:srgbClr val="BCBEC4"/>
+                  </a:solidFill>
+                  <a:latin typeface="+mj-lt"/>
+                  <a:cs typeface="JetBrains Mono" panose="02000009000000000000" pitchFamily="49" charset="0"/>
+                </a:rPr>
+                <a:t>1</a:t>
+              </a:r>
+            </a:p>
+            <a:p>
+              <a:pPr eaLnBrk="0" fontAlgn="base" hangingPunct="0">
+                <a:spcBef>
+                  <a:spcPct val="0"/>
+                </a:spcBef>
+                <a:spcAft>
+                  <a:spcPct val="0"/>
+                </a:spcAft>
+              </a:pPr>
+              <a:r>
+                <a:rPr lang="en-US" altLang="zh-TW">
+                  <a:solidFill>
+                    <a:srgbClr val="BCBEC4"/>
+                  </a:solidFill>
+                  <a:latin typeface="+mj-lt"/>
+                  <a:cs typeface="JetBrains Mono" panose="02000009000000000000" pitchFamily="49" charset="0"/>
+                </a:rPr>
+                <a:t>5</a:t>
+              </a:r>
+            </a:p>
+            <a:p>
+              <a:pPr eaLnBrk="0" fontAlgn="base" hangingPunct="0">
+                <a:spcBef>
+                  <a:spcPct val="0"/>
+                </a:spcBef>
+                <a:spcAft>
+                  <a:spcPct val="0"/>
+                </a:spcAft>
+              </a:pPr>
+              <a:r>
+                <a:rPr lang="en-US" altLang="zh-TW">
+                  <a:solidFill>
+                    <a:srgbClr val="BCBEC4"/>
+                  </a:solidFill>
+                  <a:latin typeface="+mj-lt"/>
+                  <a:cs typeface="JetBrains Mono" panose="02000009000000000000" pitchFamily="49" charset="0"/>
+                </a:rPr>
+                <a:t>4</a:t>
+              </a:r>
+            </a:p>
+            <a:p>
+              <a:pPr eaLnBrk="0" fontAlgn="base" hangingPunct="0">
+                <a:spcBef>
+                  <a:spcPct val="0"/>
+                </a:spcBef>
+                <a:spcAft>
+                  <a:spcPct val="0"/>
+                </a:spcAft>
+              </a:pPr>
+              <a:r>
+                <a:rPr lang="en-US" altLang="zh-TW">
+                  <a:solidFill>
+                    <a:srgbClr val="BCBEC4"/>
+                  </a:solidFill>
+                  <a:latin typeface="+mj-lt"/>
+                  <a:cs typeface="JetBrains Mono" panose="02000009000000000000" pitchFamily="49" charset="0"/>
+                </a:rPr>
+                <a:t>1</a:t>
+              </a:r>
+            </a:p>
+            <a:p>
+              <a:pPr eaLnBrk="0" fontAlgn="base" hangingPunct="0">
+                <a:spcBef>
+                  <a:spcPct val="0"/>
+                </a:spcBef>
+                <a:spcAft>
+                  <a:spcPct val="0"/>
+                </a:spcAft>
+              </a:pPr>
+              <a:r>
+                <a:rPr lang="en-US" altLang="zh-TW">
+                  <a:solidFill>
+                    <a:srgbClr val="BCBEC4"/>
+                  </a:solidFill>
+                  <a:latin typeface="+mj-lt"/>
+                  <a:cs typeface="JetBrains Mono" panose="02000009000000000000" pitchFamily="49" charset="0"/>
+                </a:rPr>
+                <a:t>1</a:t>
+              </a:r>
+              <a:endParaRPr lang="zh-TW" altLang="zh-TW">
+                <a:solidFill>
+                  <a:srgbClr val="BCBEC4"/>
+                </a:solidFill>
+                <a:latin typeface="+mj-lt"/>
+                <a:cs typeface="JetBrains Mono" panose="02000009000000000000" pitchFamily="49" charset="0"/>
+              </a:endParaRPr>
+            </a:p>
+          </p:txBody>
+        </p:sp>
+        <p:sp>
+          <p:nvSpPr>
+            <p:cNvPr id="10" name="文字方塊 9">
+              <a:extLst>
+                <a:ext uri="{FF2B5EF4-FFF2-40B4-BE49-F238E27FC236}">
+                  <a16:creationId xmlns:a16="http://schemas.microsoft.com/office/drawing/2014/main" id="{38F03E52-061D-4554-BD33-204925F312E6}"/>
+                </a:ext>
+              </a:extLst>
+            </p:cNvPr>
+            <p:cNvSpPr txBox="1"/>
+            <p:nvPr/>
+          </p:nvSpPr>
+          <p:spPr>
+            <a:xfrm>
+              <a:off x="4886321" y="4550401"/>
+              <a:ext cx="880369" cy="307777"/>
+            </a:xfrm>
+            <a:prstGeom prst="rect">
+              <a:avLst/>
+            </a:prstGeom>
+            <a:noFill/>
+          </p:spPr>
+          <p:txBody>
+            <a:bodyPr wrap="none" rtlCol="0">
+              <a:spAutoFit/>
+            </a:bodyPr>
+            <a:lstStyle/>
+            <a:p>
+              <a:r>
+                <a:rPr lang="en-US" altLang="zh-TW" sz="1400">
+                  <a:solidFill>
+                    <a:schemeClr val="accent2"/>
+                  </a:solidFill>
+                </a:rPr>
+                <a:t>console</a:t>
+              </a:r>
+              <a:endParaRPr lang="zh-TW" altLang="en-US" sz="1400">
+                <a:solidFill>
+                  <a:schemeClr val="accent2"/>
+                </a:solidFill>
+              </a:endParaRPr>
+            </a:p>
+          </p:txBody>
+        </p:sp>
+      </p:grpSp>
+      <p:sp>
+        <p:nvSpPr>
+          <p:cNvPr id="11" name="文字方塊 10">
+            <a:extLst>
+              <a:ext uri="{FF2B5EF4-FFF2-40B4-BE49-F238E27FC236}">
+                <a16:creationId xmlns:a16="http://schemas.microsoft.com/office/drawing/2014/main" id="{C446ECCE-DDAA-483D-9493-67128A348CCE}"/>
+              </a:ext>
+            </a:extLst>
+          </p:cNvPr>
+          <p:cNvSpPr txBox="1"/>
+          <p:nvPr/>
+        </p:nvSpPr>
+        <p:spPr>
+          <a:xfrm>
+            <a:off x="10662585" y="5944122"/>
+            <a:ext cx="691215" cy="369332"/>
+          </a:xfrm>
+          <a:prstGeom prst="rect">
+            <a:avLst/>
+          </a:prstGeom>
+          <a:noFill/>
+        </p:spPr>
+        <p:txBody>
+          <a:bodyPr wrap="none" rtlCol="0">
+            <a:spAutoFit/>
+          </a:bodyPr>
+          <a:lstStyle/>
+          <a:p>
+            <a:r>
+              <a:rPr lang="en-US" altLang="zh-TW">
+                <a:solidFill>
+                  <a:schemeClr val="accent2"/>
+                </a:solidFill>
+              </a:rPr>
+              <a:t>java</a:t>
+            </a:r>
+            <a:endParaRPr lang="zh-TW" altLang="en-US">
+              <a:solidFill>
+                <a:schemeClr val="accent2"/>
+              </a:solidFill>
+            </a:endParaRPr>
+          </a:p>
+        </p:txBody>
+      </p:sp>
+      <p:pic>
+        <p:nvPicPr>
+          <p:cNvPr id="12" name="圖片 11">
+            <a:hlinkClick r:id="rId2"/>
+            <a:extLst>
+              <a:ext uri="{FF2B5EF4-FFF2-40B4-BE49-F238E27FC236}">
+                <a16:creationId xmlns:a16="http://schemas.microsoft.com/office/drawing/2014/main" id="{6D3E387A-4914-4ED8-A73E-4DD2B171BA73}"/>
+              </a:ext>
+            </a:extLst>
+          </p:cNvPr>
+          <p:cNvPicPr>
+            <a:picLocks noChangeAspect="1"/>
+          </p:cNvPicPr>
+          <p:nvPr/>
+        </p:nvPicPr>
+        <p:blipFill>
+          <a:blip r:embed="rId3">
+            <a:extLst>
+              <a:ext uri="{28A0092B-C50C-407E-A947-70E740481C1C}">
+                <a14:useLocalDpi xmlns:a14="http://schemas.microsoft.com/office/drawing/2010/main" val="0"/>
+              </a:ext>
+            </a:extLst>
+          </a:blip>
+          <a:stretch>
+            <a:fillRect/>
+          </a:stretch>
+        </p:blipFill>
+        <p:spPr>
+          <a:xfrm>
+            <a:off x="10814900" y="2523953"/>
+            <a:ext cx="538900" cy="527184"/>
+          </a:xfrm>
+          <a:prstGeom prst="rect">
+            <a:avLst/>
+          </a:prstGeom>
+        </p:spPr>
+      </p:pic>
+    </p:spTree>
+    <p:extLst>
+      <p:ext uri="{BB962C8B-B14F-4D97-AF65-F5344CB8AC3E}">
+        <p14:creationId xmlns:p14="http://schemas.microsoft.com/office/powerpoint/2010/main" val="3708733638"/>
+      </p:ext>
+    </p:extLst>
+  </p:cSld>
+  <p:clrMapOvr>
+    <a:masterClrMapping/>
+  </p:clrMapOvr>
+  <p:transition spd="slow">
+    <p:push dir="u"/>
+  </p:transition>
+</p:sld>
+</file>
+
 <file path=ppt/theme/theme1.xml><?xml version="1.0" encoding="utf-8"?>
 <a:theme xmlns:a="http://schemas.openxmlformats.org/drawingml/2006/main" name="TYIC">
   <a:themeElements>

--- a/ppt/90_基礎資料結構與演算法.pptx
+++ b/ppt/90_基礎資料結構與演算法.pptx
@@ -7725,6 +7725,788 @@
           <a:chExt cx="0" cy="0"/>
         </a:xfrm>
       </p:grpSpPr>
+      <p:grpSp>
+        <p:nvGrpSpPr>
+          <p:cNvPr id="3" name="群組 2">
+            <a:extLst>
+              <a:ext uri="{FF2B5EF4-FFF2-40B4-BE49-F238E27FC236}">
+                <a16:creationId xmlns:a16="http://schemas.microsoft.com/office/drawing/2014/main" id="{6477A573-2153-4DA0-9DDB-E8C1D854C2F7}"/>
+              </a:ext>
+            </a:extLst>
+          </p:cNvPr>
+          <p:cNvGrpSpPr/>
+          <p:nvPr/>
+        </p:nvGrpSpPr>
+        <p:grpSpPr>
+          <a:xfrm>
+            <a:off x="838200" y="2523953"/>
+            <a:ext cx="10515600" cy="3789501"/>
+            <a:chOff x="838200" y="2523953"/>
+            <a:chExt cx="10515600" cy="3789501"/>
+          </a:xfrm>
+        </p:grpSpPr>
+        <p:sp>
+          <p:nvSpPr>
+            <p:cNvPr id="4" name="Rectangle 1">
+              <a:extLst>
+                <a:ext uri="{FF2B5EF4-FFF2-40B4-BE49-F238E27FC236}">
+                  <a16:creationId xmlns:a16="http://schemas.microsoft.com/office/drawing/2014/main" id="{80F5C30A-7528-47AE-B333-B053851160E6}"/>
+                </a:ext>
+              </a:extLst>
+            </p:cNvPr>
+            <p:cNvSpPr>
+              <a:spLocks noChangeArrowheads="1"/>
+            </p:cNvSpPr>
+            <p:nvPr/>
+          </p:nvSpPr>
+          <p:spPr bwMode="auto">
+            <a:xfrm>
+              <a:off x="838200" y="2526519"/>
+              <a:ext cx="10515600" cy="3785652"/>
+            </a:xfrm>
+            <a:prstGeom prst="rect">
+              <a:avLst/>
+            </a:prstGeom>
+            <a:solidFill>
+              <a:srgbClr val="1E1F22"/>
+            </a:solidFill>
+            <a:ln>
+              <a:noFill/>
+            </a:ln>
+            <a:effectLst/>
+            <a:extLst>
+              <a:ext uri="{91240B29-F687-4F45-9708-019B960494DF}">
+                <a14:hiddenLine xmlns:a14="http://schemas.microsoft.com/office/drawing/2010/main" w="9525">
+                  <a:solidFill>
+                    <a:schemeClr val="tx1"/>
+                  </a:solidFill>
+                  <a:miter lim="800000"/>
+                  <a:headEnd/>
+                  <a:tailEnd/>
+                </a14:hiddenLine>
+              </a:ext>
+              <a:ext uri="{AF507438-7753-43E0-B8FC-AC1667EBCBE1}">
+                <a14:hiddenEffects xmlns:a14="http://schemas.microsoft.com/office/drawing/2010/main">
+                  <a:effectLst>
+                    <a:outerShdw dist="35921" dir="2700000" algn="ctr" rotWithShape="0">
+                      <a:schemeClr val="bg2"/>
+                    </a:outerShdw>
+                  </a:effectLst>
+                </a14:hiddenEffects>
+              </a:ext>
+            </a:extLst>
+          </p:spPr>
+          <p:txBody>
+            <a:bodyPr vert="horz" wrap="square" lIns="91440" tIns="45720" rIns="91440" bIns="45720" numCol="1" anchor="ctr" anchorCtr="0" compatLnSpc="1">
+              <a:prstTxWarp prst="textNoShape">
+                <a:avLst/>
+              </a:prstTxWarp>
+              <a:spAutoFit/>
+            </a:bodyPr>
+            <a:lstStyle/>
+            <a:p>
+              <a:pPr marL="0" marR="0" lvl="0" indent="0" algn="l" defTabSz="914400" rtl="0" eaLnBrk="0" fontAlgn="base" latinLnBrk="0" hangingPunct="0">
+                <a:lnSpc>
+                  <a:spcPct val="100000"/>
+                </a:lnSpc>
+                <a:spcBef>
+                  <a:spcPct val="0"/>
+                </a:spcBef>
+                <a:spcAft>
+                  <a:spcPct val="0"/>
+                </a:spcAft>
+                <a:buClrTx/>
+                <a:buSzTx/>
+                <a:buFontTx/>
+                <a:buNone/>
+                <a:tabLst/>
+              </a:pPr>
+              <a:r>
+                <a:rPr kumimoji="0" lang="zh-TW" altLang="zh-TW" sz="2000" b="0" i="0" u="none" strike="noStrike" cap="none" normalizeH="0" baseline="0">
+                  <a:ln>
+                    <a:noFill/>
+                  </a:ln>
+                  <a:solidFill>
+                    <a:srgbClr val="CF8E6D"/>
+                  </a:solidFill>
+                  <a:effectLst/>
+                  <a:latin typeface="+mj-lt"/>
+                  <a:cs typeface="JetBrains Mono" panose="02000009000000000000" pitchFamily="49" charset="0"/>
+                </a:rPr>
+                <a:t>import </a:t>
+              </a:r>
+              <a:r>
+                <a:rPr kumimoji="0" lang="zh-TW" altLang="zh-TW" sz="2000" b="0" i="0" u="none" strike="noStrike" cap="none" normalizeH="0" baseline="0">
+                  <a:ln>
+                    <a:noFill/>
+                  </a:ln>
+                  <a:solidFill>
+                    <a:srgbClr val="BCBEC4"/>
+                  </a:solidFill>
+                  <a:effectLst/>
+                  <a:latin typeface="+mj-lt"/>
+                  <a:cs typeface="JetBrains Mono" panose="02000009000000000000" pitchFamily="49" charset="0"/>
+                </a:rPr>
+                <a:t>java.util.Scanner;</a:t>
+              </a:r>
+              <a:br>
+                <a:rPr kumimoji="0" lang="zh-TW" altLang="zh-TW" sz="2000" b="0" i="0" u="none" strike="noStrike" cap="none" normalizeH="0" baseline="0">
+                  <a:ln>
+                    <a:noFill/>
+                  </a:ln>
+                  <a:solidFill>
+                    <a:srgbClr val="BCBEC4"/>
+                  </a:solidFill>
+                  <a:effectLst/>
+                  <a:latin typeface="+mj-lt"/>
+                  <a:cs typeface="JetBrains Mono" panose="02000009000000000000" pitchFamily="49" charset="0"/>
+                </a:rPr>
+              </a:br>
+              <a:br>
+                <a:rPr kumimoji="0" lang="zh-TW" altLang="zh-TW" sz="2000" b="0" i="0" u="none" strike="noStrike" cap="none" normalizeH="0" baseline="0">
+                  <a:ln>
+                    <a:noFill/>
+                  </a:ln>
+                  <a:solidFill>
+                    <a:srgbClr val="BCBEC4"/>
+                  </a:solidFill>
+                  <a:effectLst/>
+                  <a:latin typeface="+mj-lt"/>
+                  <a:cs typeface="JetBrains Mono" panose="02000009000000000000" pitchFamily="49" charset="0"/>
+                </a:rPr>
+              </a:br>
+              <a:r>
+                <a:rPr kumimoji="0" lang="zh-TW" altLang="zh-TW" sz="2000" b="0" i="0" u="none" strike="noStrike" cap="none" normalizeH="0" baseline="0">
+                  <a:ln>
+                    <a:noFill/>
+                  </a:ln>
+                  <a:solidFill>
+                    <a:srgbClr val="CF8E6D"/>
+                  </a:solidFill>
+                  <a:effectLst/>
+                  <a:latin typeface="+mj-lt"/>
+                  <a:cs typeface="JetBrains Mono" panose="02000009000000000000" pitchFamily="49" charset="0"/>
+                </a:rPr>
+                <a:t>public class </a:t>
+              </a:r>
+              <a:r>
+                <a:rPr kumimoji="0" lang="zh-TW" altLang="zh-TW" sz="2000" b="0" i="0" u="none" strike="noStrike" cap="none" normalizeH="0" baseline="0">
+                  <a:ln>
+                    <a:noFill/>
+                  </a:ln>
+                  <a:solidFill>
+                    <a:srgbClr val="BCBEC4"/>
+                  </a:solidFill>
+                  <a:effectLst/>
+                  <a:latin typeface="+mj-lt"/>
+                  <a:cs typeface="JetBrains Mono" panose="02000009000000000000" pitchFamily="49" charset="0"/>
+                </a:rPr>
+                <a:t>Main {</a:t>
+              </a:r>
+              <a:br>
+                <a:rPr kumimoji="0" lang="zh-TW" altLang="zh-TW" sz="2000" b="0" i="0" u="none" strike="noStrike" cap="none" normalizeH="0" baseline="0">
+                  <a:ln>
+                    <a:noFill/>
+                  </a:ln>
+                  <a:solidFill>
+                    <a:srgbClr val="BCBEC4"/>
+                  </a:solidFill>
+                  <a:effectLst/>
+                  <a:latin typeface="+mj-lt"/>
+                  <a:cs typeface="JetBrains Mono" panose="02000009000000000000" pitchFamily="49" charset="0"/>
+                </a:rPr>
+              </a:br>
+              <a:r>
+                <a:rPr kumimoji="0" lang="zh-TW" altLang="zh-TW" sz="2000" b="0" i="0" u="none" strike="noStrike" cap="none" normalizeH="0" baseline="0">
+                  <a:ln>
+                    <a:noFill/>
+                  </a:ln>
+                  <a:solidFill>
+                    <a:srgbClr val="BCBEC4"/>
+                  </a:solidFill>
+                  <a:effectLst/>
+                  <a:latin typeface="+mj-lt"/>
+                  <a:cs typeface="JetBrains Mono" panose="02000009000000000000" pitchFamily="49" charset="0"/>
+                </a:rPr>
+                <a:t>    </a:t>
+              </a:r>
+              <a:r>
+                <a:rPr kumimoji="0" lang="zh-TW" altLang="zh-TW" sz="2000" b="0" i="0" u="none" strike="noStrike" cap="none" normalizeH="0" baseline="0">
+                  <a:ln>
+                    <a:noFill/>
+                  </a:ln>
+                  <a:solidFill>
+                    <a:srgbClr val="CF8E6D"/>
+                  </a:solidFill>
+                  <a:effectLst/>
+                  <a:latin typeface="+mj-lt"/>
+                  <a:cs typeface="JetBrains Mono" panose="02000009000000000000" pitchFamily="49" charset="0"/>
+                </a:rPr>
+                <a:t>public static void </a:t>
+              </a:r>
+              <a:r>
+                <a:rPr kumimoji="0" lang="zh-TW" altLang="zh-TW" sz="2000" b="0" i="0" u="none" strike="noStrike" cap="none" normalizeH="0" baseline="0">
+                  <a:ln>
+                    <a:noFill/>
+                  </a:ln>
+                  <a:solidFill>
+                    <a:srgbClr val="56A8F5"/>
+                  </a:solidFill>
+                  <a:effectLst/>
+                  <a:latin typeface="+mj-lt"/>
+                  <a:cs typeface="JetBrains Mono" panose="02000009000000000000" pitchFamily="49" charset="0"/>
+                </a:rPr>
+                <a:t>main</a:t>
+              </a:r>
+              <a:r>
+                <a:rPr kumimoji="0" lang="zh-TW" altLang="zh-TW" sz="2000" b="0" i="0" u="none" strike="noStrike" cap="none" normalizeH="0" baseline="0">
+                  <a:ln>
+                    <a:noFill/>
+                  </a:ln>
+                  <a:solidFill>
+                    <a:srgbClr val="BCBEC4"/>
+                  </a:solidFill>
+                  <a:effectLst/>
+                  <a:latin typeface="+mj-lt"/>
+                  <a:cs typeface="JetBrains Mono" panose="02000009000000000000" pitchFamily="49" charset="0"/>
+                </a:rPr>
+                <a:t>(String[] args) {</a:t>
+              </a:r>
+              <a:br>
+                <a:rPr kumimoji="0" lang="zh-TW" altLang="zh-TW" sz="2000" b="0" i="0" u="none" strike="noStrike" cap="none" normalizeH="0" baseline="0">
+                  <a:ln>
+                    <a:noFill/>
+                  </a:ln>
+                  <a:solidFill>
+                    <a:srgbClr val="BCBEC4"/>
+                  </a:solidFill>
+                  <a:effectLst/>
+                  <a:latin typeface="+mj-lt"/>
+                  <a:cs typeface="JetBrains Mono" panose="02000009000000000000" pitchFamily="49" charset="0"/>
+                </a:rPr>
+              </a:br>
+              <a:r>
+                <a:rPr kumimoji="0" lang="zh-TW" altLang="zh-TW" sz="2000" b="0" i="0" u="none" strike="noStrike" cap="none" normalizeH="0" baseline="0">
+                  <a:ln>
+                    <a:noFill/>
+                  </a:ln>
+                  <a:solidFill>
+                    <a:srgbClr val="BCBEC4"/>
+                  </a:solidFill>
+                  <a:effectLst/>
+                  <a:latin typeface="+mj-lt"/>
+                  <a:cs typeface="JetBrains Mono" panose="02000009000000000000" pitchFamily="49" charset="0"/>
+                </a:rPr>
+                <a:t>        Scanner scanner = </a:t>
+              </a:r>
+              <a:r>
+                <a:rPr kumimoji="0" lang="zh-TW" altLang="zh-TW" sz="2000" b="0" i="0" u="none" strike="noStrike" cap="none" normalizeH="0" baseline="0">
+                  <a:ln>
+                    <a:noFill/>
+                  </a:ln>
+                  <a:solidFill>
+                    <a:srgbClr val="CF8E6D"/>
+                  </a:solidFill>
+                  <a:effectLst/>
+                  <a:latin typeface="+mj-lt"/>
+                  <a:cs typeface="JetBrains Mono" panose="02000009000000000000" pitchFamily="49" charset="0"/>
+                </a:rPr>
+                <a:t>new </a:t>
+              </a:r>
+              <a:r>
+                <a:rPr kumimoji="0" lang="zh-TW" altLang="zh-TW" sz="2000" b="0" i="0" u="none" strike="noStrike" cap="none" normalizeH="0" baseline="0">
+                  <a:ln>
+                    <a:noFill/>
+                  </a:ln>
+                  <a:solidFill>
+                    <a:srgbClr val="BCBEC4"/>
+                  </a:solidFill>
+                  <a:effectLst/>
+                  <a:latin typeface="+mj-lt"/>
+                  <a:cs typeface="JetBrains Mono" panose="02000009000000000000" pitchFamily="49" charset="0"/>
+                </a:rPr>
+                <a:t>Scanner(System.</a:t>
+              </a:r>
+              <a:r>
+                <a:rPr kumimoji="0" lang="zh-TW" altLang="zh-TW" sz="2000" b="0" i="1" u="none" strike="noStrike" cap="none" normalizeH="0" baseline="0">
+                  <a:ln>
+                    <a:noFill/>
+                  </a:ln>
+                  <a:solidFill>
+                    <a:srgbClr val="C77DBB"/>
+                  </a:solidFill>
+                  <a:effectLst/>
+                  <a:latin typeface="+mj-lt"/>
+                  <a:cs typeface="JetBrains Mono" panose="02000009000000000000" pitchFamily="49" charset="0"/>
+                </a:rPr>
+                <a:t>in</a:t>
+              </a:r>
+              <a:r>
+                <a:rPr kumimoji="0" lang="zh-TW" altLang="zh-TW" sz="2000" b="0" i="0" u="none" strike="noStrike" cap="none" normalizeH="0" baseline="0">
+                  <a:ln>
+                    <a:noFill/>
+                  </a:ln>
+                  <a:solidFill>
+                    <a:srgbClr val="BCBEC4"/>
+                  </a:solidFill>
+                  <a:effectLst/>
+                  <a:latin typeface="+mj-lt"/>
+                  <a:cs typeface="JetBrains Mono" panose="02000009000000000000" pitchFamily="49" charset="0"/>
+                </a:rPr>
+                <a:t>);</a:t>
+              </a:r>
+              <a:br>
+                <a:rPr kumimoji="0" lang="zh-TW" altLang="zh-TW" sz="2000" b="0" i="0" u="none" strike="noStrike" cap="none" normalizeH="0" baseline="0">
+                  <a:ln>
+                    <a:noFill/>
+                  </a:ln>
+                  <a:solidFill>
+                    <a:srgbClr val="BCBEC4"/>
+                  </a:solidFill>
+                  <a:effectLst/>
+                  <a:latin typeface="+mj-lt"/>
+                  <a:cs typeface="JetBrains Mono" panose="02000009000000000000" pitchFamily="49" charset="0"/>
+                </a:rPr>
+              </a:br>
+              <a:r>
+                <a:rPr kumimoji="0" lang="zh-TW" altLang="zh-TW" sz="2000" b="0" i="0" u="none" strike="noStrike" cap="none" normalizeH="0" baseline="0">
+                  <a:ln>
+                    <a:noFill/>
+                  </a:ln>
+                  <a:solidFill>
+                    <a:srgbClr val="BCBEC4"/>
+                  </a:solidFill>
+                  <a:effectLst/>
+                  <a:latin typeface="+mj-lt"/>
+                  <a:cs typeface="JetBrains Mono" panose="02000009000000000000" pitchFamily="49" charset="0"/>
+                </a:rPr>
+                <a:t>        </a:t>
+              </a:r>
+              <a:r>
+                <a:rPr kumimoji="0" lang="zh-TW" altLang="zh-TW" sz="2000" b="0" i="0" u="none" strike="noStrike" cap="none" normalizeH="0" baseline="0">
+                  <a:ln>
+                    <a:noFill/>
+                  </a:ln>
+                  <a:solidFill>
+                    <a:srgbClr val="CF8E6D"/>
+                  </a:solidFill>
+                  <a:effectLst/>
+                  <a:latin typeface="+mj-lt"/>
+                  <a:cs typeface="JetBrains Mono" panose="02000009000000000000" pitchFamily="49" charset="0"/>
+                </a:rPr>
+                <a:t>int </a:t>
+              </a:r>
+              <a:r>
+                <a:rPr kumimoji="0" lang="zh-TW" altLang="zh-TW" sz="2000" b="0" i="0" u="none" strike="noStrike" cap="none" normalizeH="0" baseline="0">
+                  <a:ln>
+                    <a:noFill/>
+                  </a:ln>
+                  <a:solidFill>
+                    <a:srgbClr val="BCBEC4"/>
+                  </a:solidFill>
+                  <a:effectLst/>
+                  <a:latin typeface="+mj-lt"/>
+                  <a:cs typeface="JetBrains Mono" panose="02000009000000000000" pitchFamily="49" charset="0"/>
+                </a:rPr>
+                <a:t>n = scanner.nextInt();</a:t>
+              </a:r>
+              <a:br>
+                <a:rPr kumimoji="0" lang="zh-TW" altLang="zh-TW" sz="2000" b="0" i="0" u="none" strike="noStrike" cap="none" normalizeH="0" baseline="0">
+                  <a:ln>
+                    <a:noFill/>
+                  </a:ln>
+                  <a:solidFill>
+                    <a:srgbClr val="BCBEC4"/>
+                  </a:solidFill>
+                  <a:effectLst/>
+                  <a:latin typeface="+mj-lt"/>
+                  <a:cs typeface="JetBrains Mono" panose="02000009000000000000" pitchFamily="49" charset="0"/>
+                </a:rPr>
+              </a:br>
+              <a:r>
+                <a:rPr kumimoji="0" lang="zh-TW" altLang="zh-TW" sz="2000" b="0" i="0" u="none" strike="noStrike" cap="none" normalizeH="0" baseline="0">
+                  <a:ln>
+                    <a:noFill/>
+                  </a:ln>
+                  <a:solidFill>
+                    <a:srgbClr val="BCBEC4"/>
+                  </a:solidFill>
+                  <a:effectLst/>
+                  <a:latin typeface="+mj-lt"/>
+                  <a:cs typeface="JetBrains Mono" panose="02000009000000000000" pitchFamily="49" charset="0"/>
+                </a:rPr>
+                <a:t>        </a:t>
+              </a:r>
+              <a:r>
+                <a:rPr kumimoji="0" lang="zh-TW" altLang="zh-TW" sz="2000" b="0" i="0" u="none" strike="noStrike" cap="none" normalizeH="0" baseline="0">
+                  <a:ln>
+                    <a:noFill/>
+                  </a:ln>
+                  <a:solidFill>
+                    <a:srgbClr val="CF8E6D"/>
+                  </a:solidFill>
+                  <a:effectLst/>
+                  <a:latin typeface="+mj-lt"/>
+                  <a:cs typeface="JetBrains Mono" panose="02000009000000000000" pitchFamily="49" charset="0"/>
+                </a:rPr>
+                <a:t>while </a:t>
+              </a:r>
+              <a:r>
+                <a:rPr kumimoji="0" lang="zh-TW" altLang="zh-TW" sz="2000" b="0" i="0" u="none" strike="noStrike" cap="none" normalizeH="0" baseline="0">
+                  <a:ln>
+                    <a:noFill/>
+                  </a:ln>
+                  <a:solidFill>
+                    <a:srgbClr val="BCBEC4"/>
+                  </a:solidFill>
+                  <a:effectLst/>
+                  <a:latin typeface="+mj-lt"/>
+                  <a:cs typeface="JetBrains Mono" panose="02000009000000000000" pitchFamily="49" charset="0"/>
+                </a:rPr>
+                <a:t>(n != </a:t>
+              </a:r>
+              <a:r>
+                <a:rPr kumimoji="0" lang="zh-TW" altLang="zh-TW" sz="2000" b="0" i="0" u="none" strike="noStrike" cap="none" normalizeH="0" baseline="0">
+                  <a:ln>
+                    <a:noFill/>
+                  </a:ln>
+                  <a:solidFill>
+                    <a:srgbClr val="2AACB8"/>
+                  </a:solidFill>
+                  <a:effectLst/>
+                  <a:latin typeface="+mj-lt"/>
+                  <a:cs typeface="JetBrains Mono" panose="02000009000000000000" pitchFamily="49" charset="0"/>
+                </a:rPr>
+                <a:t>0</a:t>
+              </a:r>
+              <a:r>
+                <a:rPr kumimoji="0" lang="zh-TW" altLang="zh-TW" sz="2000" b="0" i="0" u="none" strike="noStrike" cap="none" normalizeH="0" baseline="0">
+                  <a:ln>
+                    <a:noFill/>
+                  </a:ln>
+                  <a:solidFill>
+                    <a:srgbClr val="BCBEC4"/>
+                  </a:solidFill>
+                  <a:effectLst/>
+                  <a:latin typeface="+mj-lt"/>
+                  <a:cs typeface="JetBrains Mono" panose="02000009000000000000" pitchFamily="49" charset="0"/>
+                </a:rPr>
+                <a:t>) {</a:t>
+              </a:r>
+              <a:br>
+                <a:rPr kumimoji="0" lang="zh-TW" altLang="zh-TW" sz="2000" b="0" i="0" u="none" strike="noStrike" cap="none" normalizeH="0" baseline="0">
+                  <a:ln>
+                    <a:noFill/>
+                  </a:ln>
+                  <a:solidFill>
+                    <a:srgbClr val="BCBEC4"/>
+                  </a:solidFill>
+                  <a:effectLst/>
+                  <a:latin typeface="+mj-lt"/>
+                  <a:cs typeface="JetBrains Mono" panose="02000009000000000000" pitchFamily="49" charset="0"/>
+                </a:rPr>
+              </a:br>
+              <a:r>
+                <a:rPr kumimoji="0" lang="zh-TW" altLang="zh-TW" sz="2000" b="0" i="0" u="none" strike="noStrike" cap="none" normalizeH="0" baseline="0">
+                  <a:ln>
+                    <a:noFill/>
+                  </a:ln>
+                  <a:solidFill>
+                    <a:srgbClr val="BCBEC4"/>
+                  </a:solidFill>
+                  <a:effectLst/>
+                  <a:latin typeface="+mj-lt"/>
+                  <a:cs typeface="JetBrains Mono" panose="02000009000000000000" pitchFamily="49" charset="0"/>
+                </a:rPr>
+                <a:t>            System.</a:t>
+              </a:r>
+              <a:r>
+                <a:rPr kumimoji="0" lang="zh-TW" altLang="zh-TW" sz="2000" b="0" i="1" u="none" strike="noStrike" cap="none" normalizeH="0" baseline="0">
+                  <a:ln>
+                    <a:noFill/>
+                  </a:ln>
+                  <a:solidFill>
+                    <a:srgbClr val="C77DBB"/>
+                  </a:solidFill>
+                  <a:effectLst/>
+                  <a:latin typeface="+mj-lt"/>
+                  <a:cs typeface="JetBrains Mono" panose="02000009000000000000" pitchFamily="49" charset="0"/>
+                </a:rPr>
+                <a:t>out</a:t>
+              </a:r>
+              <a:r>
+                <a:rPr kumimoji="0" lang="zh-TW" altLang="zh-TW" sz="2000" b="0" i="0" u="none" strike="noStrike" cap="none" normalizeH="0" baseline="0">
+                  <a:ln>
+                    <a:noFill/>
+                  </a:ln>
+                  <a:solidFill>
+                    <a:srgbClr val="BCBEC4"/>
+                  </a:solidFill>
+                  <a:effectLst/>
+                  <a:latin typeface="+mj-lt"/>
+                  <a:cs typeface="JetBrains Mono" panose="02000009000000000000" pitchFamily="49" charset="0"/>
+                </a:rPr>
+                <a:t>.println(n % </a:t>
+              </a:r>
+              <a:r>
+                <a:rPr kumimoji="0" lang="zh-TW" altLang="zh-TW" sz="2000" b="0" i="0" u="none" strike="noStrike" cap="none" normalizeH="0" baseline="0">
+                  <a:ln>
+                    <a:noFill/>
+                  </a:ln>
+                  <a:solidFill>
+                    <a:srgbClr val="2AACB8"/>
+                  </a:solidFill>
+                  <a:effectLst/>
+                  <a:latin typeface="+mj-lt"/>
+                  <a:cs typeface="JetBrains Mono" panose="02000009000000000000" pitchFamily="49" charset="0"/>
+                </a:rPr>
+                <a:t>10</a:t>
+              </a:r>
+              <a:r>
+                <a:rPr kumimoji="0" lang="zh-TW" altLang="zh-TW" sz="2000" b="0" i="0" u="none" strike="noStrike" cap="none" normalizeH="0" baseline="0">
+                  <a:ln>
+                    <a:noFill/>
+                  </a:ln>
+                  <a:solidFill>
+                    <a:srgbClr val="BCBEC4"/>
+                  </a:solidFill>
+                  <a:effectLst/>
+                  <a:latin typeface="+mj-lt"/>
+                  <a:cs typeface="JetBrains Mono" panose="02000009000000000000" pitchFamily="49" charset="0"/>
+                </a:rPr>
+                <a:t>);</a:t>
+              </a:r>
+              <a:br>
+                <a:rPr kumimoji="0" lang="zh-TW" altLang="zh-TW" sz="2000" b="0" i="0" u="none" strike="noStrike" cap="none" normalizeH="0" baseline="0">
+                  <a:ln>
+                    <a:noFill/>
+                  </a:ln>
+                  <a:solidFill>
+                    <a:srgbClr val="BCBEC4"/>
+                  </a:solidFill>
+                  <a:effectLst/>
+                  <a:latin typeface="+mj-lt"/>
+                  <a:cs typeface="JetBrains Mono" panose="02000009000000000000" pitchFamily="49" charset="0"/>
+                </a:rPr>
+              </a:br>
+              <a:r>
+                <a:rPr kumimoji="0" lang="zh-TW" altLang="zh-TW" sz="2000" b="0" i="0" u="none" strike="noStrike" cap="none" normalizeH="0" baseline="0">
+                  <a:ln>
+                    <a:noFill/>
+                  </a:ln>
+                  <a:solidFill>
+                    <a:srgbClr val="BCBEC4"/>
+                  </a:solidFill>
+                  <a:effectLst/>
+                  <a:latin typeface="+mj-lt"/>
+                  <a:cs typeface="JetBrains Mono" panose="02000009000000000000" pitchFamily="49" charset="0"/>
+                </a:rPr>
+                <a:t>            n /= </a:t>
+              </a:r>
+              <a:r>
+                <a:rPr kumimoji="0" lang="zh-TW" altLang="zh-TW" sz="2000" b="0" i="0" u="none" strike="noStrike" cap="none" normalizeH="0" baseline="0">
+                  <a:ln>
+                    <a:noFill/>
+                  </a:ln>
+                  <a:solidFill>
+                    <a:srgbClr val="2AACB8"/>
+                  </a:solidFill>
+                  <a:effectLst/>
+                  <a:latin typeface="+mj-lt"/>
+                  <a:cs typeface="JetBrains Mono" panose="02000009000000000000" pitchFamily="49" charset="0"/>
+                </a:rPr>
+                <a:t>10</a:t>
+              </a:r>
+              <a:r>
+                <a:rPr kumimoji="0" lang="zh-TW" altLang="zh-TW" sz="2000" b="0" i="0" u="none" strike="noStrike" cap="none" normalizeH="0" baseline="0">
+                  <a:ln>
+                    <a:noFill/>
+                  </a:ln>
+                  <a:solidFill>
+                    <a:srgbClr val="BCBEC4"/>
+                  </a:solidFill>
+                  <a:effectLst/>
+                  <a:latin typeface="+mj-lt"/>
+                  <a:cs typeface="JetBrains Mono" panose="02000009000000000000" pitchFamily="49" charset="0"/>
+                </a:rPr>
+                <a:t>;</a:t>
+              </a:r>
+              <a:br>
+                <a:rPr kumimoji="0" lang="zh-TW" altLang="zh-TW" sz="2000" b="0" i="0" u="none" strike="noStrike" cap="none" normalizeH="0" baseline="0">
+                  <a:ln>
+                    <a:noFill/>
+                  </a:ln>
+                  <a:solidFill>
+                    <a:srgbClr val="BCBEC4"/>
+                  </a:solidFill>
+                  <a:effectLst/>
+                  <a:latin typeface="+mj-lt"/>
+                  <a:cs typeface="JetBrains Mono" panose="02000009000000000000" pitchFamily="49" charset="0"/>
+                </a:rPr>
+              </a:br>
+              <a:r>
+                <a:rPr kumimoji="0" lang="zh-TW" altLang="zh-TW" sz="2000" b="0" i="0" u="none" strike="noStrike" cap="none" normalizeH="0" baseline="0">
+                  <a:ln>
+                    <a:noFill/>
+                  </a:ln>
+                  <a:solidFill>
+                    <a:srgbClr val="BCBEC4"/>
+                  </a:solidFill>
+                  <a:effectLst/>
+                  <a:latin typeface="+mj-lt"/>
+                  <a:cs typeface="JetBrains Mono" panose="02000009000000000000" pitchFamily="49" charset="0"/>
+                </a:rPr>
+                <a:t>        }</a:t>
+              </a:r>
+              <a:br>
+                <a:rPr kumimoji="0" lang="zh-TW" altLang="zh-TW" sz="2000" b="0" i="0" u="none" strike="noStrike" cap="none" normalizeH="0" baseline="0">
+                  <a:ln>
+                    <a:noFill/>
+                  </a:ln>
+                  <a:solidFill>
+                    <a:srgbClr val="BCBEC4"/>
+                  </a:solidFill>
+                  <a:effectLst/>
+                  <a:latin typeface="+mj-lt"/>
+                  <a:cs typeface="JetBrains Mono" panose="02000009000000000000" pitchFamily="49" charset="0"/>
+                </a:rPr>
+              </a:br>
+              <a:r>
+                <a:rPr kumimoji="0" lang="zh-TW" altLang="zh-TW" sz="2000" b="0" i="0" u="none" strike="noStrike" cap="none" normalizeH="0" baseline="0">
+                  <a:ln>
+                    <a:noFill/>
+                  </a:ln>
+                  <a:solidFill>
+                    <a:srgbClr val="BCBEC4"/>
+                  </a:solidFill>
+                  <a:effectLst/>
+                  <a:latin typeface="+mj-lt"/>
+                  <a:cs typeface="JetBrains Mono" panose="02000009000000000000" pitchFamily="49" charset="0"/>
+                </a:rPr>
+                <a:t>    }</a:t>
+              </a:r>
+              <a:br>
+                <a:rPr kumimoji="0" lang="zh-TW" altLang="zh-TW" sz="2000" b="0" i="0" u="none" strike="noStrike" cap="none" normalizeH="0" baseline="0">
+                  <a:ln>
+                    <a:noFill/>
+                  </a:ln>
+                  <a:solidFill>
+                    <a:srgbClr val="BCBEC4"/>
+                  </a:solidFill>
+                  <a:effectLst/>
+                  <a:latin typeface="+mj-lt"/>
+                  <a:cs typeface="JetBrains Mono" panose="02000009000000000000" pitchFamily="49" charset="0"/>
+                </a:rPr>
+              </a:br>
+              <a:r>
+                <a:rPr kumimoji="0" lang="zh-TW" altLang="zh-TW" sz="2000" b="0" i="0" u="none" strike="noStrike" cap="none" normalizeH="0" baseline="0">
+                  <a:ln>
+                    <a:noFill/>
+                  </a:ln>
+                  <a:solidFill>
+                    <a:srgbClr val="BCBEC4"/>
+                  </a:solidFill>
+                  <a:effectLst/>
+                  <a:latin typeface="+mj-lt"/>
+                  <a:cs typeface="JetBrains Mono" panose="02000009000000000000" pitchFamily="49" charset="0"/>
+                </a:rPr>
+                <a:t>}</a:t>
+              </a:r>
+              <a:endParaRPr kumimoji="0" lang="zh-TW" altLang="zh-TW" sz="3200" b="0" i="0" u="none" strike="noStrike" cap="none" normalizeH="0" baseline="0">
+                <a:ln>
+                  <a:noFill/>
+                </a:ln>
+                <a:solidFill>
+                  <a:schemeClr val="tx1"/>
+                </a:solidFill>
+                <a:effectLst/>
+                <a:latin typeface="+mj-lt"/>
+              </a:endParaRPr>
+            </a:p>
+          </p:txBody>
+        </p:sp>
+        <p:sp>
+          <p:nvSpPr>
+            <p:cNvPr id="11" name="文字方塊 10">
+              <a:extLst>
+                <a:ext uri="{FF2B5EF4-FFF2-40B4-BE49-F238E27FC236}">
+                  <a16:creationId xmlns:a16="http://schemas.microsoft.com/office/drawing/2014/main" id="{C446ECCE-DDAA-483D-9493-67128A348CCE}"/>
+                </a:ext>
+              </a:extLst>
+            </p:cNvPr>
+            <p:cNvSpPr txBox="1"/>
+            <p:nvPr/>
+          </p:nvSpPr>
+          <p:spPr>
+            <a:xfrm>
+              <a:off x="10662585" y="5944122"/>
+              <a:ext cx="691215" cy="369332"/>
+            </a:xfrm>
+            <a:prstGeom prst="rect">
+              <a:avLst/>
+            </a:prstGeom>
+            <a:noFill/>
+          </p:spPr>
+          <p:txBody>
+            <a:bodyPr wrap="none" rtlCol="0">
+              <a:spAutoFit/>
+            </a:bodyPr>
+            <a:lstStyle/>
+            <a:p>
+              <a:r>
+                <a:rPr lang="en-US" altLang="zh-TW">
+                  <a:solidFill>
+                    <a:schemeClr val="accent2"/>
+                  </a:solidFill>
+                </a:rPr>
+                <a:t>java</a:t>
+              </a:r>
+              <a:endParaRPr lang="zh-TW" altLang="en-US">
+                <a:solidFill>
+                  <a:schemeClr val="accent2"/>
+                </a:solidFill>
+              </a:endParaRPr>
+            </a:p>
+          </p:txBody>
+        </p:sp>
+        <p:pic>
+          <p:nvPicPr>
+            <p:cNvPr id="12" name="圖片 11">
+              <a:hlinkClick r:id="rId2"/>
+              <a:extLst>
+                <a:ext uri="{FF2B5EF4-FFF2-40B4-BE49-F238E27FC236}">
+                  <a16:creationId xmlns:a16="http://schemas.microsoft.com/office/drawing/2014/main" id="{6D3E387A-4914-4ED8-A73E-4DD2B171BA73}"/>
+                </a:ext>
+              </a:extLst>
+            </p:cNvPr>
+            <p:cNvPicPr>
+              <a:picLocks noChangeAspect="1"/>
+            </p:cNvPicPr>
+            <p:nvPr/>
+          </p:nvPicPr>
+          <p:blipFill>
+            <a:blip r:embed="rId3">
+              <a:extLst>
+                <a:ext uri="{28A0092B-C50C-407E-A947-70E740481C1C}">
+                  <a14:useLocalDpi xmlns:a14="http://schemas.microsoft.com/office/drawing/2010/main" val="0"/>
+                </a:ext>
+              </a:extLst>
+            </a:blip>
+            <a:stretch>
+              <a:fillRect/>
+            </a:stretch>
+          </p:blipFill>
+          <p:spPr>
+            <a:xfrm>
+              <a:off x="10814900" y="2523953"/>
+              <a:ext cx="538900" cy="527184"/>
+            </a:xfrm>
+            <a:prstGeom prst="rect">
+              <a:avLst/>
+            </a:prstGeom>
+          </p:spPr>
+        </p:pic>
+      </p:grpSp>
       <p:sp>
         <p:nvSpPr>
           <p:cNvPr id="2" name="標題 1">
@@ -7811,686 +8593,6 @@
               <a:rPr lang="zh-TW" altLang="en-US"/>
               <a:t>的商即為去除末位數字後的其他位數字</a:t>
             </a:r>
-          </a:p>
-        </p:txBody>
-      </p:sp>
-      <p:sp>
-        <p:nvSpPr>
-          <p:cNvPr id="4" name="Rectangle 1">
-            <a:extLst>
-              <a:ext uri="{FF2B5EF4-FFF2-40B4-BE49-F238E27FC236}">
-                <a16:creationId xmlns:a16="http://schemas.microsoft.com/office/drawing/2014/main" id="{80F5C30A-7528-47AE-B333-B053851160E6}"/>
-              </a:ext>
-            </a:extLst>
-          </p:cNvPr>
-          <p:cNvSpPr>
-            <a:spLocks noChangeArrowheads="1"/>
-          </p:cNvSpPr>
-          <p:nvPr/>
-        </p:nvSpPr>
-        <p:spPr bwMode="auto">
-          <a:xfrm>
-            <a:off x="838200" y="2526519"/>
-            <a:ext cx="10515600" cy="3785652"/>
-          </a:xfrm>
-          <a:prstGeom prst="rect">
-            <a:avLst/>
-          </a:prstGeom>
-          <a:solidFill>
-            <a:srgbClr val="1E1F22"/>
-          </a:solidFill>
-          <a:ln>
-            <a:noFill/>
-          </a:ln>
-          <a:effectLst/>
-          <a:extLst>
-            <a:ext uri="{91240B29-F687-4F45-9708-019B960494DF}">
-              <a14:hiddenLine xmlns:a14="http://schemas.microsoft.com/office/drawing/2010/main" w="9525">
-                <a:solidFill>
-                  <a:schemeClr val="tx1"/>
-                </a:solidFill>
-                <a:miter lim="800000"/>
-                <a:headEnd/>
-                <a:tailEnd/>
-              </a14:hiddenLine>
-            </a:ext>
-            <a:ext uri="{AF507438-7753-43E0-B8FC-AC1667EBCBE1}">
-              <a14:hiddenEffects xmlns:a14="http://schemas.microsoft.com/office/drawing/2010/main">
-                <a:effectLst>
-                  <a:outerShdw dist="35921" dir="2700000" algn="ctr" rotWithShape="0">
-                    <a:schemeClr val="bg2"/>
-                  </a:outerShdw>
-                </a:effectLst>
-              </a14:hiddenEffects>
-            </a:ext>
-          </a:extLst>
-        </p:spPr>
-        <p:txBody>
-          <a:bodyPr vert="horz" wrap="square" lIns="91440" tIns="45720" rIns="91440" bIns="45720" numCol="1" anchor="ctr" anchorCtr="0" compatLnSpc="1">
-            <a:prstTxWarp prst="textNoShape">
-              <a:avLst/>
-            </a:prstTxWarp>
-            <a:spAutoFit/>
-          </a:bodyPr>
-          <a:lstStyle/>
-          <a:p>
-            <a:pPr marL="0" marR="0" lvl="0" indent="0" algn="l" defTabSz="914400" rtl="0" eaLnBrk="0" fontAlgn="base" latinLnBrk="0" hangingPunct="0">
-              <a:lnSpc>
-                <a:spcPct val="100000"/>
-              </a:lnSpc>
-              <a:spcBef>
-                <a:spcPct val="0"/>
-              </a:spcBef>
-              <a:spcAft>
-                <a:spcPct val="0"/>
-              </a:spcAft>
-              <a:buClrTx/>
-              <a:buSzTx/>
-              <a:buFontTx/>
-              <a:buNone/>
-              <a:tabLst/>
-            </a:pPr>
-            <a:r>
-              <a:rPr kumimoji="0" lang="zh-TW" altLang="zh-TW" sz="2000" b="0" i="0" u="none" strike="noStrike" cap="none" normalizeH="0" baseline="0">
-                <a:ln>
-                  <a:noFill/>
-                </a:ln>
-                <a:solidFill>
-                  <a:srgbClr val="CF8E6D"/>
-                </a:solidFill>
-                <a:effectLst/>
-                <a:latin typeface="+mj-lt"/>
-                <a:cs typeface="JetBrains Mono" panose="02000009000000000000" pitchFamily="49" charset="0"/>
-              </a:rPr>
-              <a:t>import </a:t>
-            </a:r>
-            <a:r>
-              <a:rPr kumimoji="0" lang="zh-TW" altLang="zh-TW" sz="2000" b="0" i="0" u="none" strike="noStrike" cap="none" normalizeH="0" baseline="0">
-                <a:ln>
-                  <a:noFill/>
-                </a:ln>
-                <a:solidFill>
-                  <a:srgbClr val="BCBEC4"/>
-                </a:solidFill>
-                <a:effectLst/>
-                <a:latin typeface="+mj-lt"/>
-                <a:cs typeface="JetBrains Mono" panose="02000009000000000000" pitchFamily="49" charset="0"/>
-              </a:rPr>
-              <a:t>java.util.Scanner;</a:t>
-            </a:r>
-            <a:br>
-              <a:rPr kumimoji="0" lang="zh-TW" altLang="zh-TW" sz="2000" b="0" i="0" u="none" strike="noStrike" cap="none" normalizeH="0" baseline="0">
-                <a:ln>
-                  <a:noFill/>
-                </a:ln>
-                <a:solidFill>
-                  <a:srgbClr val="BCBEC4"/>
-                </a:solidFill>
-                <a:effectLst/>
-                <a:latin typeface="+mj-lt"/>
-                <a:cs typeface="JetBrains Mono" panose="02000009000000000000" pitchFamily="49" charset="0"/>
-              </a:rPr>
-            </a:br>
-            <a:br>
-              <a:rPr kumimoji="0" lang="zh-TW" altLang="zh-TW" sz="2000" b="0" i="0" u="none" strike="noStrike" cap="none" normalizeH="0" baseline="0">
-                <a:ln>
-                  <a:noFill/>
-                </a:ln>
-                <a:solidFill>
-                  <a:srgbClr val="BCBEC4"/>
-                </a:solidFill>
-                <a:effectLst/>
-                <a:latin typeface="+mj-lt"/>
-                <a:cs typeface="JetBrains Mono" panose="02000009000000000000" pitchFamily="49" charset="0"/>
-              </a:rPr>
-            </a:br>
-            <a:r>
-              <a:rPr kumimoji="0" lang="zh-TW" altLang="zh-TW" sz="2000" b="0" i="0" u="none" strike="noStrike" cap="none" normalizeH="0" baseline="0">
-                <a:ln>
-                  <a:noFill/>
-                </a:ln>
-                <a:solidFill>
-                  <a:srgbClr val="CF8E6D"/>
-                </a:solidFill>
-                <a:effectLst/>
-                <a:latin typeface="+mj-lt"/>
-                <a:cs typeface="JetBrains Mono" panose="02000009000000000000" pitchFamily="49" charset="0"/>
-              </a:rPr>
-              <a:t>public class </a:t>
-            </a:r>
-            <a:r>
-              <a:rPr kumimoji="0" lang="zh-TW" altLang="zh-TW" sz="2000" b="0" i="0" u="none" strike="noStrike" cap="none" normalizeH="0" baseline="0">
-                <a:ln>
-                  <a:noFill/>
-                </a:ln>
-                <a:solidFill>
-                  <a:srgbClr val="BCBEC4"/>
-                </a:solidFill>
-                <a:effectLst/>
-                <a:latin typeface="+mj-lt"/>
-                <a:cs typeface="JetBrains Mono" panose="02000009000000000000" pitchFamily="49" charset="0"/>
-              </a:rPr>
-              <a:t>Main {</a:t>
-            </a:r>
-            <a:br>
-              <a:rPr kumimoji="0" lang="zh-TW" altLang="zh-TW" sz="2000" b="0" i="0" u="none" strike="noStrike" cap="none" normalizeH="0" baseline="0">
-                <a:ln>
-                  <a:noFill/>
-                </a:ln>
-                <a:solidFill>
-                  <a:srgbClr val="BCBEC4"/>
-                </a:solidFill>
-                <a:effectLst/>
-                <a:latin typeface="+mj-lt"/>
-                <a:cs typeface="JetBrains Mono" panose="02000009000000000000" pitchFamily="49" charset="0"/>
-              </a:rPr>
-            </a:br>
-            <a:r>
-              <a:rPr kumimoji="0" lang="zh-TW" altLang="zh-TW" sz="2000" b="0" i="0" u="none" strike="noStrike" cap="none" normalizeH="0" baseline="0">
-                <a:ln>
-                  <a:noFill/>
-                </a:ln>
-                <a:solidFill>
-                  <a:srgbClr val="BCBEC4"/>
-                </a:solidFill>
-                <a:effectLst/>
-                <a:latin typeface="+mj-lt"/>
-                <a:cs typeface="JetBrains Mono" panose="02000009000000000000" pitchFamily="49" charset="0"/>
-              </a:rPr>
-              <a:t>    </a:t>
-            </a:r>
-            <a:r>
-              <a:rPr kumimoji="0" lang="zh-TW" altLang="zh-TW" sz="2000" b="0" i="0" u="none" strike="noStrike" cap="none" normalizeH="0" baseline="0">
-                <a:ln>
-                  <a:noFill/>
-                </a:ln>
-                <a:solidFill>
-                  <a:srgbClr val="CF8E6D"/>
-                </a:solidFill>
-                <a:effectLst/>
-                <a:latin typeface="+mj-lt"/>
-                <a:cs typeface="JetBrains Mono" panose="02000009000000000000" pitchFamily="49" charset="0"/>
-              </a:rPr>
-              <a:t>public static void </a:t>
-            </a:r>
-            <a:r>
-              <a:rPr kumimoji="0" lang="zh-TW" altLang="zh-TW" sz="2000" b="0" i="0" u="none" strike="noStrike" cap="none" normalizeH="0" baseline="0">
-                <a:ln>
-                  <a:noFill/>
-                </a:ln>
-                <a:solidFill>
-                  <a:srgbClr val="56A8F5"/>
-                </a:solidFill>
-                <a:effectLst/>
-                <a:latin typeface="+mj-lt"/>
-                <a:cs typeface="JetBrains Mono" panose="02000009000000000000" pitchFamily="49" charset="0"/>
-              </a:rPr>
-              <a:t>main</a:t>
-            </a:r>
-            <a:r>
-              <a:rPr kumimoji="0" lang="zh-TW" altLang="zh-TW" sz="2000" b="0" i="0" u="none" strike="noStrike" cap="none" normalizeH="0" baseline="0">
-                <a:ln>
-                  <a:noFill/>
-                </a:ln>
-                <a:solidFill>
-                  <a:srgbClr val="BCBEC4"/>
-                </a:solidFill>
-                <a:effectLst/>
-                <a:latin typeface="+mj-lt"/>
-                <a:cs typeface="JetBrains Mono" panose="02000009000000000000" pitchFamily="49" charset="0"/>
-              </a:rPr>
-              <a:t>(String[] args) {</a:t>
-            </a:r>
-            <a:br>
-              <a:rPr kumimoji="0" lang="zh-TW" altLang="zh-TW" sz="2000" b="0" i="0" u="none" strike="noStrike" cap="none" normalizeH="0" baseline="0">
-                <a:ln>
-                  <a:noFill/>
-                </a:ln>
-                <a:solidFill>
-                  <a:srgbClr val="BCBEC4"/>
-                </a:solidFill>
-                <a:effectLst/>
-                <a:latin typeface="+mj-lt"/>
-                <a:cs typeface="JetBrains Mono" panose="02000009000000000000" pitchFamily="49" charset="0"/>
-              </a:rPr>
-            </a:br>
-            <a:r>
-              <a:rPr kumimoji="0" lang="zh-TW" altLang="zh-TW" sz="2000" b="0" i="0" u="none" strike="noStrike" cap="none" normalizeH="0" baseline="0">
-                <a:ln>
-                  <a:noFill/>
-                </a:ln>
-                <a:solidFill>
-                  <a:srgbClr val="BCBEC4"/>
-                </a:solidFill>
-                <a:effectLst/>
-                <a:latin typeface="+mj-lt"/>
-                <a:cs typeface="JetBrains Mono" panose="02000009000000000000" pitchFamily="49" charset="0"/>
-              </a:rPr>
-              <a:t>        Scanner scanner = </a:t>
-            </a:r>
-            <a:r>
-              <a:rPr kumimoji="0" lang="zh-TW" altLang="zh-TW" sz="2000" b="0" i="0" u="none" strike="noStrike" cap="none" normalizeH="0" baseline="0">
-                <a:ln>
-                  <a:noFill/>
-                </a:ln>
-                <a:solidFill>
-                  <a:srgbClr val="CF8E6D"/>
-                </a:solidFill>
-                <a:effectLst/>
-                <a:latin typeface="+mj-lt"/>
-                <a:cs typeface="JetBrains Mono" panose="02000009000000000000" pitchFamily="49" charset="0"/>
-              </a:rPr>
-              <a:t>new </a:t>
-            </a:r>
-            <a:r>
-              <a:rPr kumimoji="0" lang="zh-TW" altLang="zh-TW" sz="2000" b="0" i="0" u="none" strike="noStrike" cap="none" normalizeH="0" baseline="0">
-                <a:ln>
-                  <a:noFill/>
-                </a:ln>
-                <a:solidFill>
-                  <a:srgbClr val="BCBEC4"/>
-                </a:solidFill>
-                <a:effectLst/>
-                <a:latin typeface="+mj-lt"/>
-                <a:cs typeface="JetBrains Mono" panose="02000009000000000000" pitchFamily="49" charset="0"/>
-              </a:rPr>
-              <a:t>Scanner(System.</a:t>
-            </a:r>
-            <a:r>
-              <a:rPr kumimoji="0" lang="zh-TW" altLang="zh-TW" sz="2000" b="0" i="1" u="none" strike="noStrike" cap="none" normalizeH="0" baseline="0">
-                <a:ln>
-                  <a:noFill/>
-                </a:ln>
-                <a:solidFill>
-                  <a:srgbClr val="C77DBB"/>
-                </a:solidFill>
-                <a:effectLst/>
-                <a:latin typeface="+mj-lt"/>
-                <a:cs typeface="JetBrains Mono" panose="02000009000000000000" pitchFamily="49" charset="0"/>
-              </a:rPr>
-              <a:t>in</a:t>
-            </a:r>
-            <a:r>
-              <a:rPr kumimoji="0" lang="zh-TW" altLang="zh-TW" sz="2000" b="0" i="0" u="none" strike="noStrike" cap="none" normalizeH="0" baseline="0">
-                <a:ln>
-                  <a:noFill/>
-                </a:ln>
-                <a:solidFill>
-                  <a:srgbClr val="BCBEC4"/>
-                </a:solidFill>
-                <a:effectLst/>
-                <a:latin typeface="+mj-lt"/>
-                <a:cs typeface="JetBrains Mono" panose="02000009000000000000" pitchFamily="49" charset="0"/>
-              </a:rPr>
-              <a:t>);</a:t>
-            </a:r>
-            <a:br>
-              <a:rPr kumimoji="0" lang="zh-TW" altLang="zh-TW" sz="2000" b="0" i="0" u="none" strike="noStrike" cap="none" normalizeH="0" baseline="0">
-                <a:ln>
-                  <a:noFill/>
-                </a:ln>
-                <a:solidFill>
-                  <a:srgbClr val="BCBEC4"/>
-                </a:solidFill>
-                <a:effectLst/>
-                <a:latin typeface="+mj-lt"/>
-                <a:cs typeface="JetBrains Mono" panose="02000009000000000000" pitchFamily="49" charset="0"/>
-              </a:rPr>
-            </a:br>
-            <a:r>
-              <a:rPr kumimoji="0" lang="zh-TW" altLang="zh-TW" sz="2000" b="0" i="0" u="none" strike="noStrike" cap="none" normalizeH="0" baseline="0">
-                <a:ln>
-                  <a:noFill/>
-                </a:ln>
-                <a:solidFill>
-                  <a:srgbClr val="BCBEC4"/>
-                </a:solidFill>
-                <a:effectLst/>
-                <a:latin typeface="+mj-lt"/>
-                <a:cs typeface="JetBrains Mono" panose="02000009000000000000" pitchFamily="49" charset="0"/>
-              </a:rPr>
-              <a:t>        </a:t>
-            </a:r>
-            <a:r>
-              <a:rPr kumimoji="0" lang="zh-TW" altLang="zh-TW" sz="2000" b="0" i="0" u="none" strike="noStrike" cap="none" normalizeH="0" baseline="0">
-                <a:ln>
-                  <a:noFill/>
-                </a:ln>
-                <a:solidFill>
-                  <a:srgbClr val="CF8E6D"/>
-                </a:solidFill>
-                <a:effectLst/>
-                <a:latin typeface="+mj-lt"/>
-                <a:cs typeface="JetBrains Mono" panose="02000009000000000000" pitchFamily="49" charset="0"/>
-              </a:rPr>
-              <a:t>int </a:t>
-            </a:r>
-            <a:r>
-              <a:rPr kumimoji="0" lang="zh-TW" altLang="zh-TW" sz="2000" b="0" i="0" u="none" strike="noStrike" cap="none" normalizeH="0" baseline="0">
-                <a:ln>
-                  <a:noFill/>
-                </a:ln>
-                <a:solidFill>
-                  <a:srgbClr val="BCBEC4"/>
-                </a:solidFill>
-                <a:effectLst/>
-                <a:latin typeface="+mj-lt"/>
-                <a:cs typeface="JetBrains Mono" panose="02000009000000000000" pitchFamily="49" charset="0"/>
-              </a:rPr>
-              <a:t>n = scanner.nextInt();</a:t>
-            </a:r>
-            <a:br>
-              <a:rPr kumimoji="0" lang="zh-TW" altLang="zh-TW" sz="2000" b="0" i="0" u="none" strike="noStrike" cap="none" normalizeH="0" baseline="0">
-                <a:ln>
-                  <a:noFill/>
-                </a:ln>
-                <a:solidFill>
-                  <a:srgbClr val="BCBEC4"/>
-                </a:solidFill>
-                <a:effectLst/>
-                <a:latin typeface="+mj-lt"/>
-                <a:cs typeface="JetBrains Mono" panose="02000009000000000000" pitchFamily="49" charset="0"/>
-              </a:rPr>
-            </a:br>
-            <a:r>
-              <a:rPr kumimoji="0" lang="zh-TW" altLang="zh-TW" sz="2000" b="0" i="0" u="none" strike="noStrike" cap="none" normalizeH="0" baseline="0">
-                <a:ln>
-                  <a:noFill/>
-                </a:ln>
-                <a:solidFill>
-                  <a:srgbClr val="BCBEC4"/>
-                </a:solidFill>
-                <a:effectLst/>
-                <a:latin typeface="+mj-lt"/>
-                <a:cs typeface="JetBrains Mono" panose="02000009000000000000" pitchFamily="49" charset="0"/>
-              </a:rPr>
-              <a:t>        </a:t>
-            </a:r>
-            <a:r>
-              <a:rPr kumimoji="0" lang="zh-TW" altLang="zh-TW" sz="2000" b="0" i="0" u="none" strike="noStrike" cap="none" normalizeH="0" baseline="0">
-                <a:ln>
-                  <a:noFill/>
-                </a:ln>
-                <a:solidFill>
-                  <a:srgbClr val="CF8E6D"/>
-                </a:solidFill>
-                <a:effectLst/>
-                <a:latin typeface="+mj-lt"/>
-                <a:cs typeface="JetBrains Mono" panose="02000009000000000000" pitchFamily="49" charset="0"/>
-              </a:rPr>
-              <a:t>while </a:t>
-            </a:r>
-            <a:r>
-              <a:rPr kumimoji="0" lang="zh-TW" altLang="zh-TW" sz="2000" b="0" i="0" u="none" strike="noStrike" cap="none" normalizeH="0" baseline="0">
-                <a:ln>
-                  <a:noFill/>
-                </a:ln>
-                <a:solidFill>
-                  <a:srgbClr val="BCBEC4"/>
-                </a:solidFill>
-                <a:effectLst/>
-                <a:latin typeface="+mj-lt"/>
-                <a:cs typeface="JetBrains Mono" panose="02000009000000000000" pitchFamily="49" charset="0"/>
-              </a:rPr>
-              <a:t>(n != </a:t>
-            </a:r>
-            <a:r>
-              <a:rPr kumimoji="0" lang="zh-TW" altLang="zh-TW" sz="2000" b="0" i="0" u="none" strike="noStrike" cap="none" normalizeH="0" baseline="0">
-                <a:ln>
-                  <a:noFill/>
-                </a:ln>
-                <a:solidFill>
-                  <a:srgbClr val="2AACB8"/>
-                </a:solidFill>
-                <a:effectLst/>
-                <a:latin typeface="+mj-lt"/>
-                <a:cs typeface="JetBrains Mono" panose="02000009000000000000" pitchFamily="49" charset="0"/>
-              </a:rPr>
-              <a:t>0</a:t>
-            </a:r>
-            <a:r>
-              <a:rPr kumimoji="0" lang="zh-TW" altLang="zh-TW" sz="2000" b="0" i="0" u="none" strike="noStrike" cap="none" normalizeH="0" baseline="0">
-                <a:ln>
-                  <a:noFill/>
-                </a:ln>
-                <a:solidFill>
-                  <a:srgbClr val="BCBEC4"/>
-                </a:solidFill>
-                <a:effectLst/>
-                <a:latin typeface="+mj-lt"/>
-                <a:cs typeface="JetBrains Mono" panose="02000009000000000000" pitchFamily="49" charset="0"/>
-              </a:rPr>
-              <a:t>) {</a:t>
-            </a:r>
-            <a:br>
-              <a:rPr kumimoji="0" lang="zh-TW" altLang="zh-TW" sz="2000" b="0" i="0" u="none" strike="noStrike" cap="none" normalizeH="0" baseline="0">
-                <a:ln>
-                  <a:noFill/>
-                </a:ln>
-                <a:solidFill>
-                  <a:srgbClr val="BCBEC4"/>
-                </a:solidFill>
-                <a:effectLst/>
-                <a:latin typeface="+mj-lt"/>
-                <a:cs typeface="JetBrains Mono" panose="02000009000000000000" pitchFamily="49" charset="0"/>
-              </a:rPr>
-            </a:br>
-            <a:r>
-              <a:rPr kumimoji="0" lang="zh-TW" altLang="zh-TW" sz="2000" b="0" i="0" u="none" strike="noStrike" cap="none" normalizeH="0" baseline="0">
-                <a:ln>
-                  <a:noFill/>
-                </a:ln>
-                <a:solidFill>
-                  <a:srgbClr val="BCBEC4"/>
-                </a:solidFill>
-                <a:effectLst/>
-                <a:latin typeface="+mj-lt"/>
-                <a:cs typeface="JetBrains Mono" panose="02000009000000000000" pitchFamily="49" charset="0"/>
-              </a:rPr>
-              <a:t>            System.</a:t>
-            </a:r>
-            <a:r>
-              <a:rPr kumimoji="0" lang="zh-TW" altLang="zh-TW" sz="2000" b="0" i="1" u="none" strike="noStrike" cap="none" normalizeH="0" baseline="0">
-                <a:ln>
-                  <a:noFill/>
-                </a:ln>
-                <a:solidFill>
-                  <a:srgbClr val="C77DBB"/>
-                </a:solidFill>
-                <a:effectLst/>
-                <a:latin typeface="+mj-lt"/>
-                <a:cs typeface="JetBrains Mono" panose="02000009000000000000" pitchFamily="49" charset="0"/>
-              </a:rPr>
-              <a:t>out</a:t>
-            </a:r>
-            <a:r>
-              <a:rPr kumimoji="0" lang="zh-TW" altLang="zh-TW" sz="2000" b="0" i="0" u="none" strike="noStrike" cap="none" normalizeH="0" baseline="0">
-                <a:ln>
-                  <a:noFill/>
-                </a:ln>
-                <a:solidFill>
-                  <a:srgbClr val="BCBEC4"/>
-                </a:solidFill>
-                <a:effectLst/>
-                <a:latin typeface="+mj-lt"/>
-                <a:cs typeface="JetBrains Mono" panose="02000009000000000000" pitchFamily="49" charset="0"/>
-              </a:rPr>
-              <a:t>.println(n % </a:t>
-            </a:r>
-            <a:r>
-              <a:rPr kumimoji="0" lang="zh-TW" altLang="zh-TW" sz="2000" b="0" i="0" u="none" strike="noStrike" cap="none" normalizeH="0" baseline="0">
-                <a:ln>
-                  <a:noFill/>
-                </a:ln>
-                <a:solidFill>
-                  <a:srgbClr val="2AACB8"/>
-                </a:solidFill>
-                <a:effectLst/>
-                <a:latin typeface="+mj-lt"/>
-                <a:cs typeface="JetBrains Mono" panose="02000009000000000000" pitchFamily="49" charset="0"/>
-              </a:rPr>
-              <a:t>10</a:t>
-            </a:r>
-            <a:r>
-              <a:rPr kumimoji="0" lang="zh-TW" altLang="zh-TW" sz="2000" b="0" i="0" u="none" strike="noStrike" cap="none" normalizeH="0" baseline="0">
-                <a:ln>
-                  <a:noFill/>
-                </a:ln>
-                <a:solidFill>
-                  <a:srgbClr val="BCBEC4"/>
-                </a:solidFill>
-                <a:effectLst/>
-                <a:latin typeface="+mj-lt"/>
-                <a:cs typeface="JetBrains Mono" panose="02000009000000000000" pitchFamily="49" charset="0"/>
-              </a:rPr>
-              <a:t>);</a:t>
-            </a:r>
-            <a:br>
-              <a:rPr kumimoji="0" lang="zh-TW" altLang="zh-TW" sz="2000" b="0" i="0" u="none" strike="noStrike" cap="none" normalizeH="0" baseline="0">
-                <a:ln>
-                  <a:noFill/>
-                </a:ln>
-                <a:solidFill>
-                  <a:srgbClr val="BCBEC4"/>
-                </a:solidFill>
-                <a:effectLst/>
-                <a:latin typeface="+mj-lt"/>
-                <a:cs typeface="JetBrains Mono" panose="02000009000000000000" pitchFamily="49" charset="0"/>
-              </a:rPr>
-            </a:br>
-            <a:r>
-              <a:rPr kumimoji="0" lang="zh-TW" altLang="zh-TW" sz="2000" b="0" i="0" u="none" strike="noStrike" cap="none" normalizeH="0" baseline="0">
-                <a:ln>
-                  <a:noFill/>
-                </a:ln>
-                <a:solidFill>
-                  <a:srgbClr val="BCBEC4"/>
-                </a:solidFill>
-                <a:effectLst/>
-                <a:latin typeface="+mj-lt"/>
-                <a:cs typeface="JetBrains Mono" panose="02000009000000000000" pitchFamily="49" charset="0"/>
-              </a:rPr>
-              <a:t>            n /= </a:t>
-            </a:r>
-            <a:r>
-              <a:rPr kumimoji="0" lang="zh-TW" altLang="zh-TW" sz="2000" b="0" i="0" u="none" strike="noStrike" cap="none" normalizeH="0" baseline="0">
-                <a:ln>
-                  <a:noFill/>
-                </a:ln>
-                <a:solidFill>
-                  <a:srgbClr val="2AACB8"/>
-                </a:solidFill>
-                <a:effectLst/>
-                <a:latin typeface="+mj-lt"/>
-                <a:cs typeface="JetBrains Mono" panose="02000009000000000000" pitchFamily="49" charset="0"/>
-              </a:rPr>
-              <a:t>10</a:t>
-            </a:r>
-            <a:r>
-              <a:rPr kumimoji="0" lang="zh-TW" altLang="zh-TW" sz="2000" b="0" i="0" u="none" strike="noStrike" cap="none" normalizeH="0" baseline="0">
-                <a:ln>
-                  <a:noFill/>
-                </a:ln>
-                <a:solidFill>
-                  <a:srgbClr val="BCBEC4"/>
-                </a:solidFill>
-                <a:effectLst/>
-                <a:latin typeface="+mj-lt"/>
-                <a:cs typeface="JetBrains Mono" panose="02000009000000000000" pitchFamily="49" charset="0"/>
-              </a:rPr>
-              <a:t>;</a:t>
-            </a:r>
-            <a:br>
-              <a:rPr kumimoji="0" lang="zh-TW" altLang="zh-TW" sz="2000" b="0" i="0" u="none" strike="noStrike" cap="none" normalizeH="0" baseline="0">
-                <a:ln>
-                  <a:noFill/>
-                </a:ln>
-                <a:solidFill>
-                  <a:srgbClr val="BCBEC4"/>
-                </a:solidFill>
-                <a:effectLst/>
-                <a:latin typeface="+mj-lt"/>
-                <a:cs typeface="JetBrains Mono" panose="02000009000000000000" pitchFamily="49" charset="0"/>
-              </a:rPr>
-            </a:br>
-            <a:r>
-              <a:rPr kumimoji="0" lang="zh-TW" altLang="zh-TW" sz="2000" b="0" i="0" u="none" strike="noStrike" cap="none" normalizeH="0" baseline="0">
-                <a:ln>
-                  <a:noFill/>
-                </a:ln>
-                <a:solidFill>
-                  <a:srgbClr val="BCBEC4"/>
-                </a:solidFill>
-                <a:effectLst/>
-                <a:latin typeface="+mj-lt"/>
-                <a:cs typeface="JetBrains Mono" panose="02000009000000000000" pitchFamily="49" charset="0"/>
-              </a:rPr>
-              <a:t>        }</a:t>
-            </a:r>
-            <a:br>
-              <a:rPr kumimoji="0" lang="zh-TW" altLang="zh-TW" sz="2000" b="0" i="0" u="none" strike="noStrike" cap="none" normalizeH="0" baseline="0">
-                <a:ln>
-                  <a:noFill/>
-                </a:ln>
-                <a:solidFill>
-                  <a:srgbClr val="BCBEC4"/>
-                </a:solidFill>
-                <a:effectLst/>
-                <a:latin typeface="+mj-lt"/>
-                <a:cs typeface="JetBrains Mono" panose="02000009000000000000" pitchFamily="49" charset="0"/>
-              </a:rPr>
-            </a:br>
-            <a:r>
-              <a:rPr kumimoji="0" lang="zh-TW" altLang="zh-TW" sz="2000" b="0" i="0" u="none" strike="noStrike" cap="none" normalizeH="0" baseline="0">
-                <a:ln>
-                  <a:noFill/>
-                </a:ln>
-                <a:solidFill>
-                  <a:srgbClr val="BCBEC4"/>
-                </a:solidFill>
-                <a:effectLst/>
-                <a:latin typeface="+mj-lt"/>
-                <a:cs typeface="JetBrains Mono" panose="02000009000000000000" pitchFamily="49" charset="0"/>
-              </a:rPr>
-              <a:t>    }</a:t>
-            </a:r>
-            <a:br>
-              <a:rPr kumimoji="0" lang="zh-TW" altLang="zh-TW" sz="2000" b="0" i="0" u="none" strike="noStrike" cap="none" normalizeH="0" baseline="0">
-                <a:ln>
-                  <a:noFill/>
-                </a:ln>
-                <a:solidFill>
-                  <a:srgbClr val="BCBEC4"/>
-                </a:solidFill>
-                <a:effectLst/>
-                <a:latin typeface="+mj-lt"/>
-                <a:cs typeface="JetBrains Mono" panose="02000009000000000000" pitchFamily="49" charset="0"/>
-              </a:rPr>
-            </a:br>
-            <a:r>
-              <a:rPr kumimoji="0" lang="zh-TW" altLang="zh-TW" sz="2000" b="0" i="0" u="none" strike="noStrike" cap="none" normalizeH="0" baseline="0">
-                <a:ln>
-                  <a:noFill/>
-                </a:ln>
-                <a:solidFill>
-                  <a:srgbClr val="BCBEC4"/>
-                </a:solidFill>
-                <a:effectLst/>
-                <a:latin typeface="+mj-lt"/>
-                <a:cs typeface="JetBrains Mono" panose="02000009000000000000" pitchFamily="49" charset="0"/>
-              </a:rPr>
-              <a:t>}</a:t>
-            </a:r>
-            <a:endParaRPr kumimoji="0" lang="zh-TW" altLang="zh-TW" sz="3200" b="0" i="0" u="none" strike="noStrike" cap="none" normalizeH="0" baseline="0">
-              <a:ln>
-                <a:noFill/>
-              </a:ln>
-              <a:solidFill>
-                <a:schemeClr val="tx1"/>
-              </a:solidFill>
-              <a:effectLst/>
-              <a:latin typeface="+mj-lt"/>
-            </a:endParaRPr>
           </a:p>
         </p:txBody>
       </p:sp>
@@ -9074,87 +9176,6 @@
           </p:txBody>
         </p:sp>
       </p:grpSp>
-      <p:sp>
-        <p:nvSpPr>
-          <p:cNvPr id="11" name="文字方塊 10">
-            <a:extLst>
-              <a:ext uri="{FF2B5EF4-FFF2-40B4-BE49-F238E27FC236}">
-                <a16:creationId xmlns:a16="http://schemas.microsoft.com/office/drawing/2014/main" id="{C446ECCE-DDAA-483D-9493-67128A348CCE}"/>
-              </a:ext>
-            </a:extLst>
-          </p:cNvPr>
-          <p:cNvSpPr txBox="1"/>
-          <p:nvPr/>
-        </p:nvSpPr>
-        <p:spPr>
-          <a:xfrm>
-            <a:off x="10662585" y="5944122"/>
-            <a:ext cx="691215" cy="369332"/>
-          </a:xfrm>
-          <a:prstGeom prst="rect">
-            <a:avLst/>
-          </a:prstGeom>
-          <a:noFill/>
-        </p:spPr>
-        <p:txBody>
-          <a:bodyPr wrap="none" rtlCol="0">
-            <a:spAutoFit/>
-          </a:bodyPr>
-          <a:lstStyle/>
-          <a:p>
-            <a:r>
-              <a:rPr lang="en-US" altLang="zh-TW">
-                <a:solidFill>
-                  <a:schemeClr val="accent2"/>
-                </a:solidFill>
-              </a:rPr>
-              <a:t>java</a:t>
-            </a:r>
-            <a:endParaRPr lang="zh-TW" altLang="en-US">
-              <a:solidFill>
-                <a:schemeClr val="accent2"/>
-              </a:solidFill>
-            </a:endParaRPr>
-          </a:p>
-        </p:txBody>
-      </p:sp>
-      <p:pic>
-        <p:nvPicPr>
-          <p:cNvPr id="12" name="圖片 11">
-            <a:hlinkClick r:id="rId2"/>
-            <a:extLst>
-              <a:ext uri="{FF2B5EF4-FFF2-40B4-BE49-F238E27FC236}">
-                <a16:creationId xmlns:a16="http://schemas.microsoft.com/office/drawing/2014/main" id="{6D3E387A-4914-4ED8-A73E-4DD2B171BA73}"/>
-              </a:ext>
-            </a:extLst>
-          </p:cNvPr>
-          <p:cNvPicPr>
-            <a:picLocks noChangeAspect="1"/>
-          </p:cNvPicPr>
-          <p:nvPr/>
-        </p:nvPicPr>
-        <p:blipFill>
-          <a:blip r:embed="rId3">
-            <a:extLst>
-              <a:ext uri="{28A0092B-C50C-407E-A947-70E740481C1C}">
-                <a14:useLocalDpi xmlns:a14="http://schemas.microsoft.com/office/drawing/2010/main" val="0"/>
-              </a:ext>
-            </a:extLst>
-          </a:blip>
-          <a:stretch>
-            <a:fillRect/>
-          </a:stretch>
-        </p:blipFill>
-        <p:spPr>
-          <a:xfrm>
-            <a:off x="10814900" y="2523953"/>
-            <a:ext cx="538900" cy="527184"/>
-          </a:xfrm>
-          <a:prstGeom prst="rect">
-            <a:avLst/>
-          </a:prstGeom>
-        </p:spPr>
-      </p:pic>
     </p:spTree>
     <p:extLst>
       <p:ext uri="{BB962C8B-B14F-4D97-AF65-F5344CB8AC3E}">

--- a/ppt/90_基礎資料結構與演算法.pptx
+++ b/ppt/90_基礎資料結構與演算法.pptx
@@ -5,7 +5,7 @@
     <p:sldMasterId id="2147483660" r:id="rId1"/>
   </p:sldMasterIdLst>
   <p:notesMasterIdLst>
-    <p:notesMasterId r:id="rId24"/>
+    <p:notesMasterId r:id="rId25"/>
   </p:notesMasterIdLst>
   <p:sldIdLst>
     <p:sldId id="256" r:id="rId2"/>
@@ -23,13 +23,14 @@
     <p:sldId id="272" r:id="rId14"/>
     <p:sldId id="340" r:id="rId15"/>
     <p:sldId id="341" r:id="rId16"/>
-    <p:sldId id="339" r:id="rId17"/>
-    <p:sldId id="347" r:id="rId18"/>
-    <p:sldId id="298" r:id="rId19"/>
-    <p:sldId id="299" r:id="rId20"/>
-    <p:sldId id="338" r:id="rId21"/>
-    <p:sldId id="349" r:id="rId22"/>
-    <p:sldId id="348" r:id="rId23"/>
+    <p:sldId id="350" r:id="rId17"/>
+    <p:sldId id="339" r:id="rId18"/>
+    <p:sldId id="347" r:id="rId19"/>
+    <p:sldId id="298" r:id="rId20"/>
+    <p:sldId id="299" r:id="rId21"/>
+    <p:sldId id="338" r:id="rId22"/>
+    <p:sldId id="349" r:id="rId23"/>
+    <p:sldId id="348" r:id="rId24"/>
   </p:sldIdLst>
   <p:sldSz cx="12192000" cy="6858000"/>
   <p:notesSz cx="6858000" cy="9144000"/>
@@ -218,7 +219,7 @@
           <a:p>
             <a:fld id="{07ACFDB0-F52D-462E-9D32-2CE2805F8044}" type="datetimeFigureOut">
               <a:rPr lang="zh-TW" altLang="en-US" smtClean="0"/>
-              <a:t>2024/11/21</a:t>
+              <a:t>2024/11/22</a:t>
             </a:fld>
             <a:endParaRPr lang="zh-TW" altLang="en-US"/>
           </a:p>
@@ -3832,7 +3833,7 @@
                 <a:latin typeface="Times New Roman" panose="02020603050405020304" pitchFamily="18" charset="0"/>
                 <a:cs typeface="Times New Roman" panose="02020603050405020304" pitchFamily="18" charset="0"/>
               </a:rPr>
-              <a:t>log (</a:t>
+              <a:t>log(</a:t>
             </a:r>
             <a:r>
               <a:rPr lang="en-US" altLang="zh-TW" i="1">
@@ -3909,27 +3910,7 @@
                 <a:latin typeface="Times New Roman" panose="02020603050405020304" pitchFamily="18" charset="0"/>
                 <a:cs typeface="Times New Roman" panose="02020603050405020304" pitchFamily="18" charset="0"/>
               </a:rPr>
-              <a:t>[log</a:t>
-            </a:r>
-            <a:r>
-              <a:rPr lang="zh-TW" altLang="en-US">
-                <a:solidFill>
-                  <a:srgbClr val="92D050"/>
-                </a:solidFill>
-                <a:latin typeface="Times New Roman" panose="02020603050405020304" pitchFamily="18" charset="0"/>
-                <a:cs typeface="Times New Roman" panose="02020603050405020304" pitchFamily="18" charset="0"/>
-              </a:rPr>
-              <a:t> </a:t>
-            </a:r>
-            <a:r>
-              <a:rPr lang="en-US" altLang="zh-TW">
-                <a:solidFill>
-                  <a:srgbClr val="92D050"/>
-                </a:solidFill>
-                <a:latin typeface="Times New Roman" panose="02020603050405020304" pitchFamily="18" charset="0"/>
-                <a:cs typeface="Times New Roman" panose="02020603050405020304" pitchFamily="18" charset="0"/>
-              </a:rPr>
-              <a:t>(</a:t>
+              <a:t>[log(</a:t>
             </a:r>
             <a:r>
               <a:rPr lang="en-US" altLang="zh-TW" i="1">
@@ -4250,27 +4231,7 @@
                 <a:latin typeface="Times New Roman" panose="02020603050405020304" pitchFamily="18" charset="0"/>
                 <a:cs typeface="Times New Roman" panose="02020603050405020304" pitchFamily="18" charset="0"/>
               </a:rPr>
-              <a:t>= [log</a:t>
-            </a:r>
-            <a:r>
-              <a:rPr lang="zh-TW" altLang="en-US">
-                <a:solidFill>
-                  <a:srgbClr val="92D050"/>
-                </a:solidFill>
-                <a:latin typeface="Times New Roman" panose="02020603050405020304" pitchFamily="18" charset="0"/>
-                <a:cs typeface="Times New Roman" panose="02020603050405020304" pitchFamily="18" charset="0"/>
-              </a:rPr>
-              <a:t> </a:t>
-            </a:r>
-            <a:r>
-              <a:rPr lang="en-US" altLang="zh-TW">
-                <a:solidFill>
-                  <a:srgbClr val="92D050"/>
-                </a:solidFill>
-                <a:latin typeface="Times New Roman" panose="02020603050405020304" pitchFamily="18" charset="0"/>
-                <a:cs typeface="Times New Roman" panose="02020603050405020304" pitchFamily="18" charset="0"/>
-              </a:rPr>
-              <a:t>(</a:t>
+              <a:t>= [log(</a:t>
             </a:r>
             <a:r>
               <a:rPr lang="en-US" altLang="zh-TW" i="1">
@@ -13600,209 +13561,329 @@
           </a:p>
         </p:txBody>
       </p:sp>
-      <p:sp>
-        <p:nvSpPr>
-          <p:cNvPr id="3" name="內容版面配置區 2">
-            <a:extLst>
-              <a:ext uri="{FF2B5EF4-FFF2-40B4-BE49-F238E27FC236}">
-                <a16:creationId xmlns:a16="http://schemas.microsoft.com/office/drawing/2014/main" id="{94AF3F32-A83A-442B-B715-0AC64CDB1287}"/>
-              </a:ext>
-            </a:extLst>
-          </p:cNvPr>
-          <p:cNvSpPr>
-            <a:spLocks noGrp="1"/>
-          </p:cNvSpPr>
-          <p:nvPr>
-            <p:ph idx="1"/>
-          </p:nvPr>
-        </p:nvSpPr>
-        <p:spPr>
-          <a:xfrm>
-            <a:off x="838200" y="1898955"/>
-            <a:ext cx="10515600" cy="1498865"/>
-          </a:xfrm>
-        </p:spPr>
-        <p:txBody>
-          <a:bodyPr/>
-          <a:lstStyle/>
-          <a:p>
-            <a:r>
-              <a:rPr lang="zh-TW" altLang="en-US">
-                <a:solidFill>
-                  <a:srgbClr val="00B0F0"/>
-                </a:solidFill>
-              </a:rPr>
-              <a:t>最小公倍數</a:t>
-            </a:r>
-            <a:r>
-              <a:rPr lang="en-US" altLang="zh-TW">
-                <a:solidFill>
-                  <a:srgbClr val="00B0F0"/>
-                </a:solidFill>
-              </a:rPr>
-              <a:t>(least common multiple</a:t>
-            </a:r>
-            <a:r>
-              <a:rPr lang="zh-TW" altLang="en-US">
-                <a:solidFill>
-                  <a:srgbClr val="00B0F0"/>
-                </a:solidFill>
-              </a:rPr>
-              <a:t>，簡稱 </a:t>
-            </a:r>
-            <a:r>
-              <a:rPr lang="en-US" altLang="zh-TW">
-                <a:solidFill>
-                  <a:srgbClr val="00B0F0"/>
-                </a:solidFill>
-              </a:rPr>
-              <a:t>lcm)</a:t>
-            </a:r>
-          </a:p>
-          <a:p>
-            <a:r>
-              <a:rPr lang="zh-TW" altLang="en-US"/>
-              <a:t>程式實現常使用數學性質 </a:t>
-            </a:r>
-            <a:r>
-              <a:rPr lang="en-US" altLang="zh-TW">
-                <a:solidFill>
-                  <a:srgbClr val="92D050"/>
-                </a:solidFill>
-                <a:latin typeface="Times New Roman" panose="02020603050405020304" pitchFamily="18" charset="0"/>
-                <a:cs typeface="Times New Roman" panose="02020603050405020304" pitchFamily="18" charset="0"/>
-              </a:rPr>
-              <a:t>lcm(</a:t>
-            </a:r>
-            <a:r>
-              <a:rPr lang="en-US" altLang="zh-TW" i="1">
-                <a:solidFill>
-                  <a:srgbClr val="92D050"/>
-                </a:solidFill>
-                <a:latin typeface="Times New Roman" panose="02020603050405020304" pitchFamily="18" charset="0"/>
-                <a:cs typeface="Times New Roman" panose="02020603050405020304" pitchFamily="18" charset="0"/>
-              </a:rPr>
-              <a:t>a</a:t>
-            </a:r>
-            <a:r>
-              <a:rPr lang="en-US" altLang="zh-TW">
-                <a:solidFill>
-                  <a:srgbClr val="92D050"/>
-                </a:solidFill>
-                <a:latin typeface="Times New Roman" panose="02020603050405020304" pitchFamily="18" charset="0"/>
-                <a:cs typeface="Times New Roman" panose="02020603050405020304" pitchFamily="18" charset="0"/>
-              </a:rPr>
-              <a:t> , </a:t>
-            </a:r>
-            <a:r>
-              <a:rPr lang="en-US" altLang="zh-TW" i="1">
-                <a:solidFill>
-                  <a:srgbClr val="92D050"/>
-                </a:solidFill>
-                <a:latin typeface="Times New Roman" panose="02020603050405020304" pitchFamily="18" charset="0"/>
-                <a:cs typeface="Times New Roman" panose="02020603050405020304" pitchFamily="18" charset="0"/>
-              </a:rPr>
-              <a:t>b</a:t>
-            </a:r>
-            <a:r>
-              <a:rPr lang="en-US" altLang="zh-TW">
-                <a:solidFill>
-                  <a:srgbClr val="92D050"/>
-                </a:solidFill>
-                <a:latin typeface="Times New Roman" panose="02020603050405020304" pitchFamily="18" charset="0"/>
-                <a:cs typeface="Times New Roman" panose="02020603050405020304" pitchFamily="18" charset="0"/>
-              </a:rPr>
-              <a:t>) gcd(</a:t>
-            </a:r>
-            <a:r>
-              <a:rPr lang="en-US" altLang="zh-TW" i="1">
-                <a:solidFill>
-                  <a:srgbClr val="92D050"/>
-                </a:solidFill>
-                <a:latin typeface="Times New Roman" panose="02020603050405020304" pitchFamily="18" charset="0"/>
-                <a:cs typeface="Times New Roman" panose="02020603050405020304" pitchFamily="18" charset="0"/>
-              </a:rPr>
-              <a:t>a</a:t>
-            </a:r>
-            <a:r>
-              <a:rPr lang="en-US" altLang="zh-TW">
-                <a:solidFill>
-                  <a:srgbClr val="92D050"/>
-                </a:solidFill>
-                <a:latin typeface="Times New Roman" panose="02020603050405020304" pitchFamily="18" charset="0"/>
-                <a:cs typeface="Times New Roman" panose="02020603050405020304" pitchFamily="18" charset="0"/>
-              </a:rPr>
-              <a:t> , </a:t>
-            </a:r>
-            <a:r>
-              <a:rPr lang="en-US" altLang="zh-TW" i="1">
-                <a:solidFill>
-                  <a:srgbClr val="92D050"/>
-                </a:solidFill>
-                <a:latin typeface="Times New Roman" panose="02020603050405020304" pitchFamily="18" charset="0"/>
-                <a:cs typeface="Times New Roman" panose="02020603050405020304" pitchFamily="18" charset="0"/>
-              </a:rPr>
-              <a:t>b</a:t>
-            </a:r>
-            <a:r>
-              <a:rPr lang="en-US" altLang="zh-TW">
-                <a:solidFill>
-                  <a:srgbClr val="92D050"/>
-                </a:solidFill>
-                <a:latin typeface="Times New Roman" panose="02020603050405020304" pitchFamily="18" charset="0"/>
-                <a:cs typeface="Times New Roman" panose="02020603050405020304" pitchFamily="18" charset="0"/>
-              </a:rPr>
-              <a:t>) = |</a:t>
-            </a:r>
-            <a:r>
-              <a:rPr lang="en-US" altLang="zh-TW" i="1">
-                <a:solidFill>
-                  <a:srgbClr val="92D050"/>
-                </a:solidFill>
-                <a:latin typeface="Times New Roman" panose="02020603050405020304" pitchFamily="18" charset="0"/>
-                <a:cs typeface="Times New Roman" panose="02020603050405020304" pitchFamily="18" charset="0"/>
-              </a:rPr>
-              <a:t>ab</a:t>
-            </a:r>
-            <a:r>
-              <a:rPr lang="en-US" altLang="zh-TW">
-                <a:solidFill>
-                  <a:srgbClr val="92D050"/>
-                </a:solidFill>
-                <a:latin typeface="Times New Roman" panose="02020603050405020304" pitchFamily="18" charset="0"/>
-                <a:cs typeface="Times New Roman" panose="02020603050405020304" pitchFamily="18" charset="0"/>
-              </a:rPr>
-              <a:t>|</a:t>
-            </a:r>
-          </a:p>
-          <a:p>
-            <a:r>
-              <a:rPr lang="zh-TW" altLang="en-US"/>
-              <a:t>先求出</a:t>
-            </a:r>
-            <a:r>
-              <a:rPr lang="zh-TW" altLang="en-US">
-                <a:solidFill>
-                  <a:srgbClr val="00B0F0"/>
-                </a:solidFill>
-              </a:rPr>
-              <a:t>最大公因數</a:t>
-            </a:r>
-            <a:r>
-              <a:rPr lang="zh-TW" altLang="en-US"/>
-              <a:t>，再求出</a:t>
-            </a:r>
-            <a:r>
-              <a:rPr lang="zh-TW" altLang="en-US">
-                <a:solidFill>
-                  <a:srgbClr val="00B0F0"/>
-                </a:solidFill>
-              </a:rPr>
-              <a:t>最小公倍數</a:t>
-            </a:r>
-          </a:p>
-        </p:txBody>
-      </p:sp>
+      <mc:AlternateContent xmlns:mc="http://schemas.openxmlformats.org/markup-compatibility/2006">
+        <mc:Choice xmlns:a14="http://schemas.microsoft.com/office/drawing/2010/main" Requires="a14">
+          <p:sp>
+            <p:nvSpPr>
+              <p:cNvPr id="3" name="內容版面配置區 2">
+                <a:extLst>
+                  <a:ext uri="{FF2B5EF4-FFF2-40B4-BE49-F238E27FC236}">
+                    <a16:creationId xmlns:a16="http://schemas.microsoft.com/office/drawing/2014/main" id="{94AF3F32-A83A-442B-B715-0AC64CDB1287}"/>
+                  </a:ext>
+                </a:extLst>
+              </p:cNvPr>
+              <p:cNvSpPr>
+                <a:spLocks noGrp="1"/>
+              </p:cNvSpPr>
+              <p:nvPr>
+                <p:ph idx="1"/>
+              </p:nvPr>
+            </p:nvSpPr>
+            <p:spPr>
+              <a:xfrm>
+                <a:off x="838200" y="1728651"/>
+                <a:ext cx="10515600" cy="1839474"/>
+              </a:xfrm>
+            </p:spPr>
+            <p:txBody>
+              <a:bodyPr>
+                <a:normAutofit/>
+              </a:bodyPr>
+              <a:lstStyle/>
+              <a:p>
+                <a:r>
+                  <a:rPr lang="zh-TW" altLang="en-US">
+                    <a:solidFill>
+                      <a:srgbClr val="00B0F0"/>
+                    </a:solidFill>
+                  </a:rPr>
+                  <a:t>最小公倍數</a:t>
+                </a:r>
+                <a:r>
+                  <a:rPr lang="en-US" altLang="zh-TW">
+                    <a:solidFill>
+                      <a:srgbClr val="00B0F0"/>
+                    </a:solidFill>
+                  </a:rPr>
+                  <a:t>(least common multiple</a:t>
+                </a:r>
+                <a:r>
+                  <a:rPr lang="zh-TW" altLang="en-US">
+                    <a:solidFill>
+                      <a:srgbClr val="00B0F0"/>
+                    </a:solidFill>
+                  </a:rPr>
+                  <a:t>，簡稱 </a:t>
+                </a:r>
+                <a:r>
+                  <a:rPr lang="en-US" altLang="zh-TW">
+                    <a:solidFill>
+                      <a:srgbClr val="00B0F0"/>
+                    </a:solidFill>
+                  </a:rPr>
+                  <a:t>lcm)</a:t>
+                </a:r>
+              </a:p>
+              <a:p>
+                <a:r>
+                  <a:rPr lang="zh-TW" altLang="en-US"/>
+                  <a:t>程式實現常使用數學性質 </a:t>
+                </a:r>
+                <a:r>
+                  <a:rPr lang="en-US" altLang="zh-TW">
+                    <a:solidFill>
+                      <a:srgbClr val="92D050"/>
+                    </a:solidFill>
+                    <a:latin typeface="Times New Roman" panose="02020603050405020304" pitchFamily="18" charset="0"/>
+                    <a:cs typeface="Times New Roman" panose="02020603050405020304" pitchFamily="18" charset="0"/>
+                  </a:rPr>
+                  <a:t>lcm(</a:t>
+                </a:r>
+                <a:r>
+                  <a:rPr lang="en-US" altLang="zh-TW" i="1">
+                    <a:solidFill>
+                      <a:srgbClr val="92D050"/>
+                    </a:solidFill>
+                    <a:latin typeface="Times New Roman" panose="02020603050405020304" pitchFamily="18" charset="0"/>
+                    <a:cs typeface="Times New Roman" panose="02020603050405020304" pitchFamily="18" charset="0"/>
+                  </a:rPr>
+                  <a:t>a</a:t>
+                </a:r>
+                <a:r>
+                  <a:rPr lang="en-US" altLang="zh-TW">
+                    <a:solidFill>
+                      <a:srgbClr val="92D050"/>
+                    </a:solidFill>
+                    <a:latin typeface="Times New Roman" panose="02020603050405020304" pitchFamily="18" charset="0"/>
+                    <a:cs typeface="Times New Roman" panose="02020603050405020304" pitchFamily="18" charset="0"/>
+                  </a:rPr>
+                  <a:t> , </a:t>
+                </a:r>
+                <a:r>
+                  <a:rPr lang="en-US" altLang="zh-TW" i="1">
+                    <a:solidFill>
+                      <a:srgbClr val="92D050"/>
+                    </a:solidFill>
+                    <a:latin typeface="Times New Roman" panose="02020603050405020304" pitchFamily="18" charset="0"/>
+                    <a:cs typeface="Times New Roman" panose="02020603050405020304" pitchFamily="18" charset="0"/>
+                  </a:rPr>
+                  <a:t>b</a:t>
+                </a:r>
+                <a:r>
+                  <a:rPr lang="en-US" altLang="zh-TW">
+                    <a:solidFill>
+                      <a:srgbClr val="92D050"/>
+                    </a:solidFill>
+                    <a:latin typeface="Times New Roman" panose="02020603050405020304" pitchFamily="18" charset="0"/>
+                    <a:cs typeface="Times New Roman" panose="02020603050405020304" pitchFamily="18" charset="0"/>
+                  </a:rPr>
+                  <a:t>) = </a:t>
+                </a:r>
+                <a14:m>
+                  <m:oMath xmlns:m="http://schemas.openxmlformats.org/officeDocument/2006/math">
+                    <m:f>
+                      <m:fPr>
+                        <m:ctrlPr>
+                          <a:rPr lang="en-US" altLang="zh-TW">
+                            <a:solidFill>
+                              <a:srgbClr val="92D050"/>
+                            </a:solidFill>
+                            <a:latin typeface="Times New Roman" panose="02020603050405020304" pitchFamily="18" charset="0"/>
+                            <a:cs typeface="Times New Roman" panose="02020603050405020304" pitchFamily="18" charset="0"/>
+                          </a:rPr>
+                        </m:ctrlPr>
+                      </m:fPr>
+                      <m:num>
+                        <m:d>
+                          <m:dPr>
+                            <m:begChr m:val="|"/>
+                            <m:endChr m:val="|"/>
+                            <m:ctrlPr>
+                              <a:rPr lang="en-US" altLang="zh-TW">
+                                <a:solidFill>
+                                  <a:srgbClr val="92D050"/>
+                                </a:solidFill>
+                                <a:latin typeface="Times New Roman" panose="02020603050405020304" pitchFamily="18" charset="0"/>
+                                <a:cs typeface="Times New Roman" panose="02020603050405020304" pitchFamily="18" charset="0"/>
+                              </a:rPr>
+                            </m:ctrlPr>
+                          </m:dPr>
+                          <m:e>
+                            <m:r>
+                              <m:rPr>
+                                <m:sty m:val="p"/>
+                              </m:rPr>
+                              <a:rPr lang="en-US" altLang="zh-TW">
+                                <a:solidFill>
+                                  <a:srgbClr val="92D050"/>
+                                </a:solidFill>
+                                <a:latin typeface="Times New Roman" panose="02020603050405020304" pitchFamily="18" charset="0"/>
+                                <a:cs typeface="Times New Roman" panose="02020603050405020304" pitchFamily="18" charset="0"/>
+                              </a:rPr>
+                              <m:t>a</m:t>
+                            </m:r>
+                            <m:r>
+                              <m:rPr>
+                                <m:sty m:val="p"/>
+                              </m:rPr>
+                              <a:rPr lang="en-US" altLang="zh-TW">
+                                <a:solidFill>
+                                  <a:srgbClr val="92D050"/>
+                                </a:solidFill>
+                                <a:latin typeface="Times New Roman" panose="02020603050405020304" pitchFamily="18" charset="0"/>
+                                <a:cs typeface="Times New Roman" panose="02020603050405020304" pitchFamily="18" charset="0"/>
+                              </a:rPr>
+                              <m:t>b</m:t>
+                            </m:r>
+                          </m:e>
+                        </m:d>
+                      </m:num>
+                      <m:den>
+                        <m:r>
+                          <a:rPr lang="en-US" altLang="zh-TW">
+                            <a:solidFill>
+                              <a:srgbClr val="92D050"/>
+                            </a:solidFill>
+                            <a:latin typeface="Times New Roman" panose="02020603050405020304" pitchFamily="18" charset="0"/>
+                            <a:cs typeface="Times New Roman" panose="02020603050405020304" pitchFamily="18" charset="0"/>
+                          </a:rPr>
+                          <m:t>𝑔𝑐𝑑</m:t>
+                        </m:r>
+                        <m:r>
+                          <a:rPr lang="en-US" altLang="zh-TW">
+                            <a:solidFill>
+                              <a:srgbClr val="92D050"/>
+                            </a:solidFill>
+                            <a:latin typeface="Times New Roman" panose="02020603050405020304" pitchFamily="18" charset="0"/>
+                            <a:cs typeface="Times New Roman" panose="02020603050405020304" pitchFamily="18" charset="0"/>
+                          </a:rPr>
+                          <m:t>(</m:t>
+                        </m:r>
+                        <m:r>
+                          <a:rPr lang="en-US" altLang="zh-TW">
+                            <a:solidFill>
+                              <a:srgbClr val="92D050"/>
+                            </a:solidFill>
+                            <a:latin typeface="Times New Roman" panose="02020603050405020304" pitchFamily="18" charset="0"/>
+                            <a:cs typeface="Times New Roman" panose="02020603050405020304" pitchFamily="18" charset="0"/>
+                          </a:rPr>
+                          <m:t>𝑎</m:t>
+                        </m:r>
+                        <m:r>
+                          <a:rPr lang="en-US" altLang="zh-TW">
+                            <a:solidFill>
+                              <a:srgbClr val="92D050"/>
+                            </a:solidFill>
+                            <a:latin typeface="Times New Roman" panose="02020603050405020304" pitchFamily="18" charset="0"/>
+                            <a:cs typeface="Times New Roman" panose="02020603050405020304" pitchFamily="18" charset="0"/>
+                          </a:rPr>
+                          <m:t> , </m:t>
+                        </m:r>
+                        <m:r>
+                          <a:rPr lang="en-US" altLang="zh-TW">
+                            <a:solidFill>
+                              <a:srgbClr val="92D050"/>
+                            </a:solidFill>
+                            <a:latin typeface="Times New Roman" panose="02020603050405020304" pitchFamily="18" charset="0"/>
+                            <a:cs typeface="Times New Roman" panose="02020603050405020304" pitchFamily="18" charset="0"/>
+                          </a:rPr>
+                          <m:t>𝑏</m:t>
+                        </m:r>
+                        <m:r>
+                          <a:rPr lang="en-US" altLang="zh-TW">
+                            <a:solidFill>
+                              <a:srgbClr val="92D050"/>
+                            </a:solidFill>
+                            <a:latin typeface="Times New Roman" panose="02020603050405020304" pitchFamily="18" charset="0"/>
+                            <a:cs typeface="Times New Roman" panose="02020603050405020304" pitchFamily="18" charset="0"/>
+                          </a:rPr>
+                          <m:t>)</m:t>
+                        </m:r>
+                      </m:den>
+                    </m:f>
+                  </m:oMath>
+                </a14:m>
+                <a:endParaRPr lang="en-US" altLang="zh-TW">
+                  <a:solidFill>
+                    <a:srgbClr val="92D050"/>
+                  </a:solidFill>
+                  <a:latin typeface="Times New Roman" panose="02020603050405020304" pitchFamily="18" charset="0"/>
+                  <a:cs typeface="Times New Roman" panose="02020603050405020304" pitchFamily="18" charset="0"/>
+                </a:endParaRPr>
+              </a:p>
+              <a:p>
+                <a:r>
+                  <a:rPr lang="zh-TW" altLang="en-US"/>
+                  <a:t>先求出</a:t>
+                </a:r>
+                <a:r>
+                  <a:rPr lang="zh-TW" altLang="en-US">
+                    <a:solidFill>
+                      <a:srgbClr val="00B0F0"/>
+                    </a:solidFill>
+                  </a:rPr>
+                  <a:t>最大公因數</a:t>
+                </a:r>
+                <a:r>
+                  <a:rPr lang="zh-TW" altLang="en-US"/>
+                  <a:t>，再求出</a:t>
+                </a:r>
+                <a:r>
+                  <a:rPr lang="zh-TW" altLang="en-US">
+                    <a:solidFill>
+                      <a:srgbClr val="00B0F0"/>
+                    </a:solidFill>
+                  </a:rPr>
+                  <a:t>最小公倍數</a:t>
+                </a:r>
+              </a:p>
+            </p:txBody>
+          </p:sp>
+        </mc:Choice>
+        <mc:Fallback>
+          <p:sp>
+            <p:nvSpPr>
+              <p:cNvPr id="3" name="內容版面配置區 2">
+                <a:extLst>
+                  <a:ext uri="{FF2B5EF4-FFF2-40B4-BE49-F238E27FC236}">
+                    <a16:creationId xmlns:a16="http://schemas.microsoft.com/office/drawing/2014/main" id="{94AF3F32-A83A-442B-B715-0AC64CDB1287}"/>
+                  </a:ext>
+                </a:extLst>
+              </p:cNvPr>
+              <p:cNvSpPr>
+                <a:spLocks noGrp="1" noRot="1" noChangeAspect="1" noMove="1" noResize="1" noEditPoints="1" noAdjustHandles="1" noChangeArrowheads="1" noChangeShapeType="1" noTextEdit="1"/>
+              </p:cNvSpPr>
+              <p:nvPr>
+                <p:ph idx="1"/>
+              </p:nvPr>
+            </p:nvSpPr>
+            <p:spPr>
+              <a:xfrm>
+                <a:off x="838200" y="1728651"/>
+                <a:ext cx="10515600" cy="1839474"/>
+              </a:xfrm>
+              <a:blipFill>
+                <a:blip r:embed="rId2"/>
+                <a:stretch>
+                  <a:fillRect l="-1217" t="-6312" b="-3654"/>
+                </a:stretch>
+              </a:blipFill>
+            </p:spPr>
+            <p:txBody>
+              <a:bodyPr/>
+              <a:lstStyle/>
+              <a:p>
+                <a:r>
+                  <a:rPr lang="zh-TW" altLang="en-US">
+                    <a:noFill/>
+                  </a:rPr>
+                  <a:t> </a:t>
+                </a:r>
+              </a:p>
+            </p:txBody>
+          </p:sp>
+        </mc:Fallback>
+      </mc:AlternateContent>
       <p:grpSp>
         <p:nvGrpSpPr>
           <p:cNvPr id="11" name="群組 10">
@@ -14943,36 +15024,570 @@
           <a:p>
             <a:r>
               <a:rPr lang="zh-TW" altLang="en-US"/>
-              <a:t>冒泡排序法</a:t>
+              <a:t>氣泡排序法</a:t>
             </a:r>
           </a:p>
         </p:txBody>
       </p:sp>
-      <p:sp>
-        <p:nvSpPr>
-          <p:cNvPr id="3" name="內容版面配置區 2">
-            <a:extLst>
-              <a:ext uri="{FF2B5EF4-FFF2-40B4-BE49-F238E27FC236}">
-                <a16:creationId xmlns:a16="http://schemas.microsoft.com/office/drawing/2014/main" id="{7C2FDD29-24F0-4815-A8D1-6D210F169120}"/>
-              </a:ext>
-            </a:extLst>
-          </p:cNvPr>
-          <p:cNvSpPr>
-            <a:spLocks noGrp="1"/>
-          </p:cNvSpPr>
-          <p:nvPr>
-            <p:ph idx="1"/>
-          </p:nvPr>
-        </p:nvSpPr>
-        <p:spPr/>
-        <p:txBody>
-          <a:bodyPr/>
-          <a:lstStyle/>
-          <a:p>
-            <a:endParaRPr lang="zh-TW" altLang="en-US"/>
-          </a:p>
-        </p:txBody>
-      </p:sp>
+      <mc:AlternateContent xmlns:mc="http://schemas.openxmlformats.org/markup-compatibility/2006">
+        <mc:Choice xmlns:a14="http://schemas.microsoft.com/office/drawing/2010/main" Requires="a14">
+          <p:sp>
+            <p:nvSpPr>
+              <p:cNvPr id="3" name="內容版面配置區 2">
+                <a:extLst>
+                  <a:ext uri="{FF2B5EF4-FFF2-40B4-BE49-F238E27FC236}">
+                    <a16:creationId xmlns:a16="http://schemas.microsoft.com/office/drawing/2014/main" id="{7C2FDD29-24F0-4815-A8D1-6D210F169120}"/>
+                  </a:ext>
+                </a:extLst>
+              </p:cNvPr>
+              <p:cNvSpPr>
+                <a:spLocks noGrp="1"/>
+              </p:cNvSpPr>
+              <p:nvPr>
+                <p:ph idx="1"/>
+              </p:nvPr>
+            </p:nvSpPr>
+            <p:spPr>
+              <a:xfrm>
+                <a:off x="838200" y="1807976"/>
+                <a:ext cx="10515600" cy="4386636"/>
+              </a:xfrm>
+            </p:spPr>
+            <p:txBody>
+              <a:bodyPr>
+                <a:normAutofit/>
+              </a:bodyPr>
+              <a:lstStyle/>
+              <a:p>
+                <a:r>
+                  <a:rPr lang="zh-TW" altLang="en-US">
+                    <a:solidFill>
+                      <a:srgbClr val="00B0F0"/>
+                    </a:solidFill>
+                  </a:rPr>
+                  <a:t>氣泡排序法</a:t>
+                </a:r>
+                <a:r>
+                  <a:rPr lang="en-US" altLang="zh-TW">
+                    <a:solidFill>
+                      <a:srgbClr val="00B0F0"/>
+                    </a:solidFill>
+                  </a:rPr>
+                  <a:t>(Bubble Sort)</a:t>
+                </a:r>
+                <a:r>
+                  <a:rPr lang="zh-TW" altLang="en-US"/>
+                  <a:t>是一種非常簡單的排序法</a:t>
+                </a:r>
+                <a:endParaRPr lang="en-US" altLang="zh-TW"/>
+              </a:p>
+              <a:p>
+                <a:r>
+                  <a:rPr lang="zh-TW" altLang="en-US"/>
+                  <a:t>其原理為：</a:t>
+                </a:r>
+                <a:endParaRPr lang="en-US" altLang="zh-TW"/>
+              </a:p>
+              <a:p>
+                <a:r>
+                  <a:rPr lang="zh-TW" altLang="en-US">
+                    <a:solidFill>
+                      <a:srgbClr val="FFFF00"/>
+                    </a:solidFill>
+                  </a:rPr>
+                  <a:t>由左到右，依序比較兩個相鄰的資料，最後一個元素除外</a:t>
+                </a:r>
+                <a:endParaRPr lang="en-US" altLang="zh-TW">
+                  <a:solidFill>
+                    <a:srgbClr val="FFFF00"/>
+                  </a:solidFill>
+                </a:endParaRPr>
+              </a:p>
+              <a:p>
+                <a:r>
+                  <a:rPr lang="zh-TW" altLang="en-US">
+                    <a:solidFill>
+                      <a:srgbClr val="FFFF00"/>
+                    </a:solidFill>
+                  </a:rPr>
+                  <a:t>若第一個資料比第二個資料大，便交換這兩個資料</a:t>
+                </a:r>
+                <a:endParaRPr lang="en-US" altLang="zh-TW">
+                  <a:solidFill>
+                    <a:srgbClr val="FFFF00"/>
+                  </a:solidFill>
+                </a:endParaRPr>
+              </a:p>
+              <a:p>
+                <a:r>
+                  <a:rPr lang="zh-TW" altLang="en-US">
+                    <a:solidFill>
+                      <a:srgbClr val="FFFF00"/>
+                    </a:solidFill>
+                  </a:rPr>
+                  <a:t>重複 </a:t>
+                </a:r>
+                <a:r>
+                  <a:rPr lang="en-US" altLang="zh-TW">
+                    <a:solidFill>
+                      <a:srgbClr val="FFFF00"/>
+                    </a:solidFill>
+                  </a:rPr>
+                  <a:t>n </a:t>
+                </a:r>
+                <a:r>
+                  <a:rPr lang="zh-TW" altLang="en-US">
+                    <a:solidFill>
+                      <a:srgbClr val="FFFF00"/>
+                    </a:solidFill>
+                  </a:rPr>
+                  <a:t>次，其中 </a:t>
+                </a:r>
+                <a:r>
+                  <a:rPr lang="en-US" altLang="zh-TW">
+                    <a:solidFill>
+                      <a:srgbClr val="FFFF00"/>
+                    </a:solidFill>
+                  </a:rPr>
+                  <a:t>n</a:t>
+                </a:r>
+                <a:r>
+                  <a:rPr lang="zh-TW" altLang="en-US">
+                    <a:solidFill>
+                      <a:srgbClr val="FFFF00"/>
+                    </a:solidFill>
+                  </a:rPr>
+                  <a:t> 為資料個數</a:t>
+                </a:r>
+                <a:endParaRPr lang="en-US" altLang="zh-TW">
+                  <a:solidFill>
+                    <a:srgbClr val="FFFF00"/>
+                  </a:solidFill>
+                </a:endParaRPr>
+              </a:p>
+              <a:p>
+                <a:r>
+                  <a:rPr lang="zh-TW" altLang="en-US"/>
+                  <a:t>最終就會將資料由小到大排序完成</a:t>
+                </a:r>
+                <a:endParaRPr lang="en-US" altLang="zh-TW"/>
+              </a:p>
+              <a:p>
+                <a:r>
+                  <a:rPr lang="zh-TW" altLang="en-US"/>
+                  <a:t>總共須比較資料 </a:t>
+                </a:r>
+                <a:r>
+                  <a:rPr lang="en-US" altLang="zh-TW">
+                    <a:solidFill>
+                      <a:srgbClr val="92D050"/>
+                    </a:solidFill>
+                    <a:latin typeface="Times New Roman" panose="02020603050405020304" pitchFamily="18" charset="0"/>
+                    <a:cs typeface="Times New Roman" panose="02020603050405020304" pitchFamily="18" charset="0"/>
+                  </a:rPr>
+                  <a:t>n</a:t>
+                </a:r>
+                <a:r>
+                  <a:rPr lang="zh-TW" altLang="en-US">
+                    <a:solidFill>
+                      <a:srgbClr val="92D050"/>
+                    </a:solidFill>
+                    <a:latin typeface="Times New Roman" panose="02020603050405020304" pitchFamily="18" charset="0"/>
+                    <a:cs typeface="Times New Roman" panose="02020603050405020304" pitchFamily="18" charset="0"/>
+                  </a:rPr>
+                  <a:t> </a:t>
+                </a:r>
+                <a:r>
+                  <a:rPr lang="en-US" altLang="zh-TW">
+                    <a:solidFill>
+                      <a:srgbClr val="92D050"/>
+                    </a:solidFill>
+                    <a:latin typeface="Times New Roman" panose="02020603050405020304" pitchFamily="18" charset="0"/>
+                    <a:cs typeface="Times New Roman" panose="02020603050405020304" pitchFamily="18" charset="0"/>
+                  </a:rPr>
+                  <a:t>–</a:t>
+                </a:r>
+                <a:r>
+                  <a:rPr lang="zh-TW" altLang="en-US">
+                    <a:solidFill>
+                      <a:srgbClr val="92D050"/>
+                    </a:solidFill>
+                    <a:latin typeface="Times New Roman" panose="02020603050405020304" pitchFamily="18" charset="0"/>
+                    <a:cs typeface="Times New Roman" panose="02020603050405020304" pitchFamily="18" charset="0"/>
+                  </a:rPr>
+                  <a:t> </a:t>
+                </a:r>
+                <a:r>
+                  <a:rPr lang="en-US" altLang="zh-TW">
+                    <a:solidFill>
+                      <a:srgbClr val="92D050"/>
+                    </a:solidFill>
+                    <a:latin typeface="Times New Roman" panose="02020603050405020304" pitchFamily="18" charset="0"/>
+                    <a:cs typeface="Times New Roman" panose="02020603050405020304" pitchFamily="18" charset="0"/>
+                  </a:rPr>
+                  <a:t>1</a:t>
+                </a:r>
+                <a:r>
+                  <a:rPr lang="zh-TW" altLang="en-US">
+                    <a:solidFill>
+                      <a:srgbClr val="92D050"/>
+                    </a:solidFill>
+                    <a:latin typeface="Times New Roman" panose="02020603050405020304" pitchFamily="18" charset="0"/>
+                    <a:cs typeface="Times New Roman" panose="02020603050405020304" pitchFamily="18" charset="0"/>
+                  </a:rPr>
+                  <a:t> </a:t>
+                </a:r>
+                <a:r>
+                  <a:rPr lang="en-US" altLang="zh-TW">
+                    <a:solidFill>
+                      <a:srgbClr val="92D050"/>
+                    </a:solidFill>
+                    <a:latin typeface="Times New Roman" panose="02020603050405020304" pitchFamily="18" charset="0"/>
+                    <a:cs typeface="Times New Roman" panose="02020603050405020304" pitchFamily="18" charset="0"/>
+                  </a:rPr>
+                  <a:t>+</a:t>
+                </a:r>
+                <a:r>
+                  <a:rPr lang="zh-TW" altLang="en-US">
+                    <a:solidFill>
+                      <a:srgbClr val="92D050"/>
+                    </a:solidFill>
+                    <a:latin typeface="Times New Roman" panose="02020603050405020304" pitchFamily="18" charset="0"/>
+                    <a:cs typeface="Times New Roman" panose="02020603050405020304" pitchFamily="18" charset="0"/>
+                  </a:rPr>
+                  <a:t> </a:t>
+                </a:r>
+                <a:r>
+                  <a:rPr lang="en-US" altLang="zh-TW">
+                    <a:solidFill>
+                      <a:srgbClr val="92D050"/>
+                    </a:solidFill>
+                    <a:latin typeface="Times New Roman" panose="02020603050405020304" pitchFamily="18" charset="0"/>
+                    <a:cs typeface="Times New Roman" panose="02020603050405020304" pitchFamily="18" charset="0"/>
+                  </a:rPr>
+                  <a:t>n</a:t>
+                </a:r>
+                <a:r>
+                  <a:rPr lang="zh-TW" altLang="en-US">
+                    <a:solidFill>
+                      <a:srgbClr val="92D050"/>
+                    </a:solidFill>
+                    <a:latin typeface="Times New Roman" panose="02020603050405020304" pitchFamily="18" charset="0"/>
+                    <a:cs typeface="Times New Roman" panose="02020603050405020304" pitchFamily="18" charset="0"/>
+                  </a:rPr>
+                  <a:t> </a:t>
+                </a:r>
+                <a:r>
+                  <a:rPr lang="en-US" altLang="zh-TW">
+                    <a:solidFill>
+                      <a:srgbClr val="92D050"/>
+                    </a:solidFill>
+                    <a:latin typeface="Times New Roman" panose="02020603050405020304" pitchFamily="18" charset="0"/>
+                    <a:cs typeface="Times New Roman" panose="02020603050405020304" pitchFamily="18" charset="0"/>
+                  </a:rPr>
+                  <a:t>+</a:t>
+                </a:r>
+                <a:r>
+                  <a:rPr lang="zh-TW" altLang="en-US">
+                    <a:solidFill>
+                      <a:srgbClr val="92D050"/>
+                    </a:solidFill>
+                    <a:latin typeface="Times New Roman" panose="02020603050405020304" pitchFamily="18" charset="0"/>
+                    <a:cs typeface="Times New Roman" panose="02020603050405020304" pitchFamily="18" charset="0"/>
+                  </a:rPr>
+                  <a:t> ⋯ </a:t>
+                </a:r>
+                <a:r>
+                  <a:rPr lang="en-US" altLang="zh-TW">
+                    <a:solidFill>
+                      <a:srgbClr val="92D050"/>
+                    </a:solidFill>
+                    <a:latin typeface="Times New Roman" panose="02020603050405020304" pitchFamily="18" charset="0"/>
+                    <a:cs typeface="Times New Roman" panose="02020603050405020304" pitchFamily="18" charset="0"/>
+                  </a:rPr>
+                  <a:t>+</a:t>
+                </a:r>
+                <a:r>
+                  <a:rPr lang="zh-TW" altLang="en-US">
+                    <a:solidFill>
+                      <a:srgbClr val="92D050"/>
+                    </a:solidFill>
+                    <a:latin typeface="Times New Roman" panose="02020603050405020304" pitchFamily="18" charset="0"/>
+                    <a:cs typeface="Times New Roman" panose="02020603050405020304" pitchFamily="18" charset="0"/>
+                  </a:rPr>
+                  <a:t> </a:t>
+                </a:r>
+                <a:r>
+                  <a:rPr lang="en-US" altLang="zh-TW">
+                    <a:solidFill>
+                      <a:srgbClr val="92D050"/>
+                    </a:solidFill>
+                    <a:latin typeface="Times New Roman" panose="02020603050405020304" pitchFamily="18" charset="0"/>
+                    <a:cs typeface="Times New Roman" panose="02020603050405020304" pitchFamily="18" charset="0"/>
+                  </a:rPr>
+                  <a:t>1</a:t>
+                </a:r>
+                <a:r>
+                  <a:rPr lang="zh-TW" altLang="en-US">
+                    <a:solidFill>
+                      <a:srgbClr val="92D050"/>
+                    </a:solidFill>
+                    <a:latin typeface="Times New Roman" panose="02020603050405020304" pitchFamily="18" charset="0"/>
+                    <a:cs typeface="Times New Roman" panose="02020603050405020304" pitchFamily="18" charset="0"/>
+                  </a:rPr>
+                  <a:t> </a:t>
+                </a:r>
+                <a:r>
+                  <a:rPr lang="en-US" altLang="zh-TW">
+                    <a:solidFill>
+                      <a:srgbClr val="92D050"/>
+                    </a:solidFill>
+                    <a:latin typeface="Times New Roman" panose="02020603050405020304" pitchFamily="18" charset="0"/>
+                    <a:cs typeface="Times New Roman" panose="02020603050405020304" pitchFamily="18" charset="0"/>
+                  </a:rPr>
+                  <a:t>= </a:t>
+                </a:r>
+                <a14:m>
+                  <m:oMath xmlns:m="http://schemas.openxmlformats.org/officeDocument/2006/math">
+                    <m:f>
+                      <m:fPr>
+                        <m:ctrlPr>
+                          <a:rPr lang="en-US" altLang="zh-TW">
+                            <a:solidFill>
+                              <a:srgbClr val="92D050"/>
+                            </a:solidFill>
+                            <a:latin typeface="Times New Roman" panose="02020603050405020304" pitchFamily="18" charset="0"/>
+                            <a:cs typeface="Times New Roman" panose="02020603050405020304" pitchFamily="18" charset="0"/>
+                          </a:rPr>
+                        </m:ctrlPr>
+                      </m:fPr>
+                      <m:num>
+                        <m:sSup>
+                          <m:sSupPr>
+                            <m:ctrlPr>
+                              <a:rPr lang="en-US" altLang="zh-TW">
+                                <a:solidFill>
+                                  <a:srgbClr val="92D050"/>
+                                </a:solidFill>
+                                <a:latin typeface="Times New Roman" panose="02020603050405020304" pitchFamily="18" charset="0"/>
+                                <a:cs typeface="Times New Roman" panose="02020603050405020304" pitchFamily="18" charset="0"/>
+                              </a:rPr>
+                            </m:ctrlPr>
+                          </m:sSupPr>
+                          <m:e>
+                            <m:r>
+                              <a:rPr lang="en-US" altLang="zh-TW" smtClean="0">
+                                <a:solidFill>
+                                  <a:srgbClr val="92D050"/>
+                                </a:solidFill>
+                                <a:latin typeface="Times New Roman" panose="02020603050405020304" pitchFamily="18" charset="0"/>
+                                <a:cs typeface="Times New Roman" panose="02020603050405020304" pitchFamily="18" charset="0"/>
+                              </a:rPr>
+                              <m:t>𝑛</m:t>
+                            </m:r>
+                          </m:e>
+                          <m:sup>
+                            <m:r>
+                              <a:rPr lang="en-US" altLang="zh-TW" smtClean="0">
+                                <a:solidFill>
+                                  <a:srgbClr val="92D050"/>
+                                </a:solidFill>
+                                <a:latin typeface="Times New Roman" panose="02020603050405020304" pitchFamily="18" charset="0"/>
+                                <a:cs typeface="Times New Roman" panose="02020603050405020304" pitchFamily="18" charset="0"/>
+                              </a:rPr>
+                              <m:t>2</m:t>
+                            </m:r>
+                          </m:sup>
+                        </m:sSup>
+                        <m:r>
+                          <a:rPr lang="zh-TW" altLang="en-US" i="1" smtClean="0">
+                            <a:solidFill>
+                              <a:srgbClr val="92D050"/>
+                            </a:solidFill>
+                            <a:latin typeface="Cambria Math" panose="02040503050406030204" pitchFamily="18" charset="0"/>
+                            <a:cs typeface="Times New Roman" panose="02020603050405020304" pitchFamily="18" charset="0"/>
+                          </a:rPr>
+                          <m:t> </m:t>
+                        </m:r>
+                        <m:r>
+                          <a:rPr lang="en-US" altLang="zh-TW" i="0" smtClean="0">
+                            <a:solidFill>
+                              <a:srgbClr val="92D050"/>
+                            </a:solidFill>
+                            <a:latin typeface="Times New Roman" panose="02020603050405020304" pitchFamily="18" charset="0"/>
+                            <a:cs typeface="Times New Roman" panose="02020603050405020304" pitchFamily="18" charset="0"/>
+                          </a:rPr>
+                          <m:t>–</m:t>
+                        </m:r>
+                        <m:r>
+                          <a:rPr lang="zh-TW" altLang="en-US" i="1" smtClean="0">
+                            <a:solidFill>
+                              <a:srgbClr val="92D050"/>
+                            </a:solidFill>
+                            <a:latin typeface="Cambria Math" panose="02040503050406030204" pitchFamily="18" charset="0"/>
+                            <a:cs typeface="Times New Roman" panose="02020603050405020304" pitchFamily="18" charset="0"/>
+                          </a:rPr>
+                          <m:t> </m:t>
+                        </m:r>
+                        <m:r>
+                          <a:rPr lang="en-US" altLang="zh-TW" smtClean="0">
+                            <a:solidFill>
+                              <a:srgbClr val="92D050"/>
+                            </a:solidFill>
+                            <a:latin typeface="Times New Roman" panose="02020603050405020304" pitchFamily="18" charset="0"/>
+                            <a:cs typeface="Times New Roman" panose="02020603050405020304" pitchFamily="18" charset="0"/>
+                          </a:rPr>
+                          <m:t>𝑛</m:t>
+                        </m:r>
+                      </m:num>
+                      <m:den>
+                        <m:r>
+                          <a:rPr lang="en-US" altLang="zh-TW" smtClean="0">
+                            <a:solidFill>
+                              <a:srgbClr val="92D050"/>
+                            </a:solidFill>
+                            <a:latin typeface="Times New Roman" panose="02020603050405020304" pitchFamily="18" charset="0"/>
+                            <a:cs typeface="Times New Roman" panose="02020603050405020304" pitchFamily="18" charset="0"/>
+                          </a:rPr>
+                          <m:t>2</m:t>
+                        </m:r>
+                      </m:den>
+                    </m:f>
+                  </m:oMath>
+                </a14:m>
+                <a:r>
+                  <a:rPr lang="zh-TW" altLang="en-US"/>
+                  <a:t> 次</a:t>
+                </a:r>
+                <a:endParaRPr lang="en-US" altLang="zh-TW"/>
+              </a:p>
+              <a:p>
+                <a:r>
+                  <a:rPr lang="zh-TW" altLang="en-US"/>
+                  <a:t>故</a:t>
+                </a:r>
+                <a:r>
+                  <a:rPr lang="zh-TW" altLang="en-US">
+                    <a:solidFill>
+                      <a:srgbClr val="00B0F0"/>
+                    </a:solidFill>
+                  </a:rPr>
+                  <a:t>時間複雜度</a:t>
+                </a:r>
+                <a:r>
+                  <a:rPr lang="zh-TW" altLang="en-US"/>
+                  <a:t>為</a:t>
+                </a:r>
+                <a:r>
+                  <a:rPr lang="zh-TW" altLang="en-US">
+                    <a:solidFill>
+                      <a:srgbClr val="00B0F0"/>
+                    </a:solidFill>
+                    <a:latin typeface="Times New Roman" panose="02020603050405020304" pitchFamily="18" charset="0"/>
+                    <a:cs typeface="Times New Roman" panose="02020603050405020304" pitchFamily="18" charset="0"/>
+                  </a:rPr>
+                  <a:t> </a:t>
+                </a:r>
+                <a:r>
+                  <a:rPr lang="en-US" altLang="zh-TW">
+                    <a:solidFill>
+                      <a:srgbClr val="92D050"/>
+                    </a:solidFill>
+                    <a:latin typeface="Times New Roman" panose="02020603050405020304" pitchFamily="18" charset="0"/>
+                    <a:cs typeface="Times New Roman" panose="02020603050405020304" pitchFamily="18" charset="0"/>
+                  </a:rPr>
+                  <a:t>O(</a:t>
+                </a:r>
+                <a:r>
+                  <a:rPr lang="en-US" altLang="zh-TW" i="1">
+                    <a:solidFill>
+                      <a:srgbClr val="92D050"/>
+                    </a:solidFill>
+                    <a:latin typeface="Times New Roman" panose="02020603050405020304" pitchFamily="18" charset="0"/>
+                    <a:cs typeface="Times New Roman" panose="02020603050405020304" pitchFamily="18" charset="0"/>
+                  </a:rPr>
+                  <a:t>n</a:t>
+                </a:r>
+                <a:r>
+                  <a:rPr lang="en-US" altLang="zh-TW" baseline="30000">
+                    <a:solidFill>
+                      <a:srgbClr val="92D050"/>
+                    </a:solidFill>
+                    <a:latin typeface="Times New Roman" panose="02020603050405020304" pitchFamily="18" charset="0"/>
+                    <a:cs typeface="Times New Roman" panose="02020603050405020304" pitchFamily="18" charset="0"/>
+                  </a:rPr>
+                  <a:t>2</a:t>
+                </a:r>
+                <a:r>
+                  <a:rPr lang="en-US" altLang="zh-TW">
+                    <a:solidFill>
+                      <a:srgbClr val="92D050"/>
+                    </a:solidFill>
+                    <a:latin typeface="Times New Roman" panose="02020603050405020304" pitchFamily="18" charset="0"/>
+                    <a:cs typeface="Times New Roman" panose="02020603050405020304" pitchFamily="18" charset="0"/>
+                  </a:rPr>
+                  <a:t>)</a:t>
+                </a:r>
+                <a:endParaRPr lang="en-US" altLang="zh-TW">
+                  <a:solidFill>
+                    <a:srgbClr val="FFFF00"/>
+                  </a:solidFill>
+                </a:endParaRPr>
+              </a:p>
+              <a:p>
+                <a:endParaRPr lang="zh-TW" altLang="en-US">
+                  <a:solidFill>
+                    <a:srgbClr val="FFFF00"/>
+                  </a:solidFill>
+                </a:endParaRPr>
+              </a:p>
+            </p:txBody>
+          </p:sp>
+        </mc:Choice>
+        <mc:Fallback>
+          <p:sp>
+            <p:nvSpPr>
+              <p:cNvPr id="3" name="內容版面配置區 2">
+                <a:extLst>
+                  <a:ext uri="{FF2B5EF4-FFF2-40B4-BE49-F238E27FC236}">
+                    <a16:creationId xmlns:a16="http://schemas.microsoft.com/office/drawing/2014/main" id="{7C2FDD29-24F0-4815-A8D1-6D210F169120}"/>
+                  </a:ext>
+                </a:extLst>
+              </p:cNvPr>
+              <p:cNvSpPr>
+                <a:spLocks noGrp="1" noRot="1" noChangeAspect="1" noMove="1" noResize="1" noEditPoints="1" noAdjustHandles="1" noChangeArrowheads="1" noChangeShapeType="1" noTextEdit="1"/>
+              </p:cNvSpPr>
+              <p:nvPr>
+                <p:ph idx="1"/>
+              </p:nvPr>
+            </p:nvSpPr>
+            <p:spPr>
+              <a:xfrm>
+                <a:off x="838200" y="1807976"/>
+                <a:ext cx="10515600" cy="4386636"/>
+              </a:xfrm>
+              <a:blipFill>
+                <a:blip r:embed="rId2"/>
+                <a:stretch>
+                  <a:fillRect l="-1217" t="-2643" b="-1391"/>
+                </a:stretch>
+              </a:blipFill>
+            </p:spPr>
+            <p:txBody>
+              <a:bodyPr/>
+              <a:lstStyle/>
+              <a:p>
+                <a:r>
+                  <a:rPr lang="zh-TW" altLang="en-US">
+                    <a:noFill/>
+                  </a:rPr>
+                  <a:t> </a:t>
+                </a:r>
+              </a:p>
+            </p:txBody>
+          </p:sp>
+        </mc:Fallback>
+      </mc:AlternateContent>
     </p:spTree>
     <p:extLst>
       <p:ext uri="{BB962C8B-B14F-4D97-AF65-F5344CB8AC3E}">
@@ -14990,6 +15605,1145 @@
 </file>
 
 <file path=ppt/slides/slide16.xml><?xml version="1.0" encoding="utf-8"?>
+<p:sld xmlns:a="http://schemas.openxmlformats.org/drawingml/2006/main" xmlns:r="http://schemas.openxmlformats.org/officeDocument/2006/relationships" xmlns:p="http://schemas.openxmlformats.org/presentationml/2006/main">
+  <p:cSld>
+    <p:spTree>
+      <p:nvGrpSpPr>
+        <p:cNvPr id="1" name=""/>
+        <p:cNvGrpSpPr/>
+        <p:nvPr/>
+      </p:nvGrpSpPr>
+      <p:grpSpPr>
+        <a:xfrm>
+          <a:off x="0" y="0"/>
+          <a:ext cx="0" cy="0"/>
+          <a:chOff x="0" y="0"/>
+          <a:chExt cx="0" cy="0"/>
+        </a:xfrm>
+      </p:grpSpPr>
+      <p:sp>
+        <p:nvSpPr>
+          <p:cNvPr id="2" name="標題 1">
+            <a:extLst>
+              <a:ext uri="{FF2B5EF4-FFF2-40B4-BE49-F238E27FC236}">
+                <a16:creationId xmlns:a16="http://schemas.microsoft.com/office/drawing/2014/main" id="{AA7BD11F-E56E-472C-BF4E-FAD9110CE32A}"/>
+              </a:ext>
+            </a:extLst>
+          </p:cNvPr>
+          <p:cNvSpPr>
+            <a:spLocks noGrp="1"/>
+          </p:cNvSpPr>
+          <p:nvPr>
+            <p:ph type="title"/>
+          </p:nvPr>
+        </p:nvSpPr>
+        <p:spPr/>
+        <p:txBody>
+          <a:bodyPr/>
+          <a:lstStyle/>
+          <a:p>
+            <a:r>
+              <a:rPr lang="zh-TW" altLang="en-US"/>
+              <a:t>氣泡排序法</a:t>
+            </a:r>
+          </a:p>
+        </p:txBody>
+      </p:sp>
+      <p:grpSp>
+        <p:nvGrpSpPr>
+          <p:cNvPr id="12" name="群組 11">
+            <a:extLst>
+              <a:ext uri="{FF2B5EF4-FFF2-40B4-BE49-F238E27FC236}">
+                <a16:creationId xmlns:a16="http://schemas.microsoft.com/office/drawing/2014/main" id="{9DCB9D88-B419-480A-A1B6-924B3A06280A}"/>
+              </a:ext>
+            </a:extLst>
+          </p:cNvPr>
+          <p:cNvGrpSpPr/>
+          <p:nvPr/>
+        </p:nvGrpSpPr>
+        <p:grpSpPr>
+          <a:xfrm>
+            <a:off x="977153" y="1837765"/>
+            <a:ext cx="2680447" cy="430306"/>
+            <a:chOff x="977153" y="1837765"/>
+            <a:chExt cx="2680447" cy="430306"/>
+          </a:xfrm>
+        </p:grpSpPr>
+        <p:sp>
+          <p:nvSpPr>
+            <p:cNvPr id="4" name="矩形 3">
+              <a:extLst>
+                <a:ext uri="{FF2B5EF4-FFF2-40B4-BE49-F238E27FC236}">
+                  <a16:creationId xmlns:a16="http://schemas.microsoft.com/office/drawing/2014/main" id="{47D9E92E-BF24-43A1-90F1-A84119BFAEEC}"/>
+                </a:ext>
+              </a:extLst>
+            </p:cNvPr>
+            <p:cNvSpPr/>
+            <p:nvPr/>
+          </p:nvSpPr>
+          <p:spPr>
+            <a:xfrm>
+              <a:off x="977153" y="1837765"/>
+              <a:ext cx="2680447" cy="430306"/>
+            </a:xfrm>
+            <a:prstGeom prst="rect">
+              <a:avLst/>
+            </a:prstGeom>
+            <a:noFill/>
+            <a:ln w="38100">
+              <a:solidFill>
+                <a:srgbClr val="92D050"/>
+              </a:solidFill>
+            </a:ln>
+          </p:spPr>
+          <p:style>
+            <a:lnRef idx="2">
+              <a:schemeClr val="accent1">
+                <a:shade val="50000"/>
+              </a:schemeClr>
+            </a:lnRef>
+            <a:fillRef idx="1">
+              <a:schemeClr val="accent1"/>
+            </a:fillRef>
+            <a:effectRef idx="0">
+              <a:schemeClr val="accent1"/>
+            </a:effectRef>
+            <a:fontRef idx="minor">
+              <a:schemeClr val="lt1"/>
+            </a:fontRef>
+          </p:style>
+          <p:txBody>
+            <a:bodyPr rtlCol="0" anchor="ctr"/>
+            <a:lstStyle/>
+            <a:p>
+              <a:pPr algn="ctr"/>
+              <a:endParaRPr lang="zh-TW" altLang="en-US"/>
+            </a:p>
+          </p:txBody>
+        </p:sp>
+        <p:cxnSp>
+          <p:nvCxnSpPr>
+            <p:cNvPr id="6" name="直線接點 5">
+              <a:extLst>
+                <a:ext uri="{FF2B5EF4-FFF2-40B4-BE49-F238E27FC236}">
+                  <a16:creationId xmlns:a16="http://schemas.microsoft.com/office/drawing/2014/main" id="{41C742ED-D4FE-43E5-B730-47ACFD09BBFC}"/>
+                </a:ext>
+              </a:extLst>
+            </p:cNvPr>
+            <p:cNvCxnSpPr/>
+            <p:nvPr/>
+          </p:nvCxnSpPr>
+          <p:spPr>
+            <a:xfrm>
+              <a:off x="1513242" y="1837765"/>
+              <a:ext cx="0" cy="430306"/>
+            </a:xfrm>
+            <a:prstGeom prst="line">
+              <a:avLst/>
+            </a:prstGeom>
+            <a:ln w="38100">
+              <a:solidFill>
+                <a:srgbClr val="92D050"/>
+              </a:solidFill>
+            </a:ln>
+          </p:spPr>
+          <p:style>
+            <a:lnRef idx="1">
+              <a:schemeClr val="accent1"/>
+            </a:lnRef>
+            <a:fillRef idx="0">
+              <a:schemeClr val="accent1"/>
+            </a:fillRef>
+            <a:effectRef idx="0">
+              <a:schemeClr val="accent1"/>
+            </a:effectRef>
+            <a:fontRef idx="minor">
+              <a:schemeClr val="tx1"/>
+            </a:fontRef>
+          </p:style>
+        </p:cxnSp>
+        <p:cxnSp>
+          <p:nvCxnSpPr>
+            <p:cNvPr id="7" name="直線接點 6">
+              <a:extLst>
+                <a:ext uri="{FF2B5EF4-FFF2-40B4-BE49-F238E27FC236}">
+                  <a16:creationId xmlns:a16="http://schemas.microsoft.com/office/drawing/2014/main" id="{ECEA3065-79CC-4476-B94C-BBEF62F28B3B}"/>
+                </a:ext>
+              </a:extLst>
+            </p:cNvPr>
+            <p:cNvCxnSpPr/>
+            <p:nvPr/>
+          </p:nvCxnSpPr>
+          <p:spPr>
+            <a:xfrm>
+              <a:off x="977153" y="1837765"/>
+              <a:ext cx="0" cy="430306"/>
+            </a:xfrm>
+            <a:prstGeom prst="line">
+              <a:avLst/>
+            </a:prstGeom>
+            <a:ln w="38100">
+              <a:solidFill>
+                <a:srgbClr val="92D050"/>
+              </a:solidFill>
+            </a:ln>
+          </p:spPr>
+          <p:style>
+            <a:lnRef idx="1">
+              <a:schemeClr val="accent1"/>
+            </a:lnRef>
+            <a:fillRef idx="0">
+              <a:schemeClr val="accent1"/>
+            </a:fillRef>
+            <a:effectRef idx="0">
+              <a:schemeClr val="accent1"/>
+            </a:effectRef>
+            <a:fontRef idx="minor">
+              <a:schemeClr val="tx1"/>
+            </a:fontRef>
+          </p:style>
+        </p:cxnSp>
+        <p:cxnSp>
+          <p:nvCxnSpPr>
+            <p:cNvPr id="8" name="直線接點 7">
+              <a:extLst>
+                <a:ext uri="{FF2B5EF4-FFF2-40B4-BE49-F238E27FC236}">
+                  <a16:creationId xmlns:a16="http://schemas.microsoft.com/office/drawing/2014/main" id="{65CFD94C-1F36-4D96-B2CF-E95BC75DBA1F}"/>
+                </a:ext>
+              </a:extLst>
+            </p:cNvPr>
+            <p:cNvCxnSpPr/>
+            <p:nvPr/>
+          </p:nvCxnSpPr>
+          <p:spPr>
+            <a:xfrm>
+              <a:off x="2585420" y="1837765"/>
+              <a:ext cx="0" cy="430306"/>
+            </a:xfrm>
+            <a:prstGeom prst="line">
+              <a:avLst/>
+            </a:prstGeom>
+            <a:ln w="38100">
+              <a:solidFill>
+                <a:srgbClr val="92D050"/>
+              </a:solidFill>
+            </a:ln>
+          </p:spPr>
+          <p:style>
+            <a:lnRef idx="1">
+              <a:schemeClr val="accent1"/>
+            </a:lnRef>
+            <a:fillRef idx="0">
+              <a:schemeClr val="accent1"/>
+            </a:fillRef>
+            <a:effectRef idx="0">
+              <a:schemeClr val="accent1"/>
+            </a:effectRef>
+            <a:fontRef idx="minor">
+              <a:schemeClr val="tx1"/>
+            </a:fontRef>
+          </p:style>
+        </p:cxnSp>
+        <p:cxnSp>
+          <p:nvCxnSpPr>
+            <p:cNvPr id="9" name="直線接點 8">
+              <a:extLst>
+                <a:ext uri="{FF2B5EF4-FFF2-40B4-BE49-F238E27FC236}">
+                  <a16:creationId xmlns:a16="http://schemas.microsoft.com/office/drawing/2014/main" id="{06879465-CE84-455B-AFB8-58B7106DD127}"/>
+                </a:ext>
+              </a:extLst>
+            </p:cNvPr>
+            <p:cNvCxnSpPr/>
+            <p:nvPr/>
+          </p:nvCxnSpPr>
+          <p:spPr>
+            <a:xfrm>
+              <a:off x="2049331" y="1837765"/>
+              <a:ext cx="0" cy="430306"/>
+            </a:xfrm>
+            <a:prstGeom prst="line">
+              <a:avLst/>
+            </a:prstGeom>
+            <a:ln w="38100">
+              <a:solidFill>
+                <a:srgbClr val="92D050"/>
+              </a:solidFill>
+            </a:ln>
+          </p:spPr>
+          <p:style>
+            <a:lnRef idx="1">
+              <a:schemeClr val="accent1"/>
+            </a:lnRef>
+            <a:fillRef idx="0">
+              <a:schemeClr val="accent1"/>
+            </a:fillRef>
+            <a:effectRef idx="0">
+              <a:schemeClr val="accent1"/>
+            </a:effectRef>
+            <a:fontRef idx="minor">
+              <a:schemeClr val="tx1"/>
+            </a:fontRef>
+          </p:style>
+        </p:cxnSp>
+        <p:cxnSp>
+          <p:nvCxnSpPr>
+            <p:cNvPr id="10" name="直線接點 9">
+              <a:extLst>
+                <a:ext uri="{FF2B5EF4-FFF2-40B4-BE49-F238E27FC236}">
+                  <a16:creationId xmlns:a16="http://schemas.microsoft.com/office/drawing/2014/main" id="{9FEF5275-6B36-4072-97D7-0D81B9B3E27B}"/>
+                </a:ext>
+              </a:extLst>
+            </p:cNvPr>
+            <p:cNvCxnSpPr/>
+            <p:nvPr/>
+          </p:nvCxnSpPr>
+          <p:spPr>
+            <a:xfrm>
+              <a:off x="3657600" y="1837765"/>
+              <a:ext cx="0" cy="430306"/>
+            </a:xfrm>
+            <a:prstGeom prst="line">
+              <a:avLst/>
+            </a:prstGeom>
+            <a:ln w="38100">
+              <a:solidFill>
+                <a:srgbClr val="92D050"/>
+              </a:solidFill>
+            </a:ln>
+          </p:spPr>
+          <p:style>
+            <a:lnRef idx="1">
+              <a:schemeClr val="accent1"/>
+            </a:lnRef>
+            <a:fillRef idx="0">
+              <a:schemeClr val="accent1"/>
+            </a:fillRef>
+            <a:effectRef idx="0">
+              <a:schemeClr val="accent1"/>
+            </a:effectRef>
+            <a:fontRef idx="minor">
+              <a:schemeClr val="tx1"/>
+            </a:fontRef>
+          </p:style>
+        </p:cxnSp>
+        <p:cxnSp>
+          <p:nvCxnSpPr>
+            <p:cNvPr id="11" name="直線接點 10">
+              <a:extLst>
+                <a:ext uri="{FF2B5EF4-FFF2-40B4-BE49-F238E27FC236}">
+                  <a16:creationId xmlns:a16="http://schemas.microsoft.com/office/drawing/2014/main" id="{920358F7-CD42-4E5B-ACF7-DA47A95E6F4F}"/>
+                </a:ext>
+              </a:extLst>
+            </p:cNvPr>
+            <p:cNvCxnSpPr/>
+            <p:nvPr/>
+          </p:nvCxnSpPr>
+          <p:spPr>
+            <a:xfrm>
+              <a:off x="3121509" y="1837765"/>
+              <a:ext cx="0" cy="430306"/>
+            </a:xfrm>
+            <a:prstGeom prst="line">
+              <a:avLst/>
+            </a:prstGeom>
+            <a:ln w="38100">
+              <a:solidFill>
+                <a:srgbClr val="92D050"/>
+              </a:solidFill>
+            </a:ln>
+          </p:spPr>
+          <p:style>
+            <a:lnRef idx="1">
+              <a:schemeClr val="accent1"/>
+            </a:lnRef>
+            <a:fillRef idx="0">
+              <a:schemeClr val="accent1"/>
+            </a:fillRef>
+            <a:effectRef idx="0">
+              <a:schemeClr val="accent1"/>
+            </a:effectRef>
+            <a:fontRef idx="minor">
+              <a:schemeClr val="tx1"/>
+            </a:fontRef>
+          </p:style>
+        </p:cxnSp>
+      </p:grpSp>
+      <p:sp>
+        <p:nvSpPr>
+          <p:cNvPr id="13" name="文字方塊 12">
+            <a:extLst>
+              <a:ext uri="{FF2B5EF4-FFF2-40B4-BE49-F238E27FC236}">
+                <a16:creationId xmlns:a16="http://schemas.microsoft.com/office/drawing/2014/main" id="{22463482-4632-4B68-934E-A2181F4CC35A}"/>
+              </a:ext>
+            </a:extLst>
+          </p:cNvPr>
+          <p:cNvSpPr txBox="1"/>
+          <p:nvPr/>
+        </p:nvSpPr>
+        <p:spPr>
+          <a:xfrm>
+            <a:off x="1089545" y="1868252"/>
+            <a:ext cx="311304" cy="369332"/>
+          </a:xfrm>
+          <a:prstGeom prst="rect">
+            <a:avLst/>
+          </a:prstGeom>
+          <a:noFill/>
+        </p:spPr>
+        <p:txBody>
+          <a:bodyPr wrap="none" rtlCol="0">
+            <a:spAutoFit/>
+          </a:bodyPr>
+          <a:lstStyle/>
+          <a:p>
+            <a:r>
+              <a:rPr lang="en-US" altLang="zh-TW">
+                <a:solidFill>
+                  <a:srgbClr val="00B0F0"/>
+                </a:solidFill>
+              </a:rPr>
+              <a:t>7</a:t>
+            </a:r>
+            <a:endParaRPr lang="zh-TW" altLang="en-US">
+              <a:solidFill>
+                <a:srgbClr val="00B0F0"/>
+              </a:solidFill>
+            </a:endParaRPr>
+          </a:p>
+        </p:txBody>
+      </p:sp>
+      <p:sp>
+        <p:nvSpPr>
+          <p:cNvPr id="14" name="文字方塊 13">
+            <a:extLst>
+              <a:ext uri="{FF2B5EF4-FFF2-40B4-BE49-F238E27FC236}">
+                <a16:creationId xmlns:a16="http://schemas.microsoft.com/office/drawing/2014/main" id="{0DE1ED0A-C8BE-4F18-B1BC-F66093B7A626}"/>
+              </a:ext>
+            </a:extLst>
+          </p:cNvPr>
+          <p:cNvSpPr txBox="1"/>
+          <p:nvPr/>
+        </p:nvSpPr>
+        <p:spPr>
+          <a:xfrm>
+            <a:off x="1625634" y="1868252"/>
+            <a:ext cx="311304" cy="369332"/>
+          </a:xfrm>
+          <a:prstGeom prst="rect">
+            <a:avLst/>
+          </a:prstGeom>
+          <a:noFill/>
+        </p:spPr>
+        <p:txBody>
+          <a:bodyPr wrap="none" rtlCol="0">
+            <a:spAutoFit/>
+          </a:bodyPr>
+          <a:lstStyle/>
+          <a:p>
+            <a:r>
+              <a:rPr lang="en-US" altLang="zh-TW">
+                <a:solidFill>
+                  <a:srgbClr val="00B0F0"/>
+                </a:solidFill>
+              </a:rPr>
+              <a:t>9</a:t>
+            </a:r>
+            <a:endParaRPr lang="zh-TW" altLang="en-US">
+              <a:solidFill>
+                <a:srgbClr val="00B0F0"/>
+              </a:solidFill>
+            </a:endParaRPr>
+          </a:p>
+        </p:txBody>
+      </p:sp>
+      <p:sp>
+        <p:nvSpPr>
+          <p:cNvPr id="16" name="文字方塊 15">
+            <a:extLst>
+              <a:ext uri="{FF2B5EF4-FFF2-40B4-BE49-F238E27FC236}">
+                <a16:creationId xmlns:a16="http://schemas.microsoft.com/office/drawing/2014/main" id="{163ADCD1-5037-4E49-9E58-F08D74777F85}"/>
+              </a:ext>
+            </a:extLst>
+          </p:cNvPr>
+          <p:cNvSpPr txBox="1"/>
+          <p:nvPr/>
+        </p:nvSpPr>
+        <p:spPr>
+          <a:xfrm>
+            <a:off x="2160489" y="1868252"/>
+            <a:ext cx="311304" cy="369332"/>
+          </a:xfrm>
+          <a:prstGeom prst="rect">
+            <a:avLst/>
+          </a:prstGeom>
+          <a:noFill/>
+        </p:spPr>
+        <p:txBody>
+          <a:bodyPr wrap="none" rtlCol="0">
+            <a:spAutoFit/>
+          </a:bodyPr>
+          <a:lstStyle/>
+          <a:p>
+            <a:r>
+              <a:rPr lang="en-US" altLang="zh-TW">
+                <a:solidFill>
+                  <a:srgbClr val="00B0F0"/>
+                </a:solidFill>
+              </a:rPr>
+              <a:t>2</a:t>
+            </a:r>
+            <a:endParaRPr lang="zh-TW" altLang="en-US">
+              <a:solidFill>
+                <a:srgbClr val="00B0F0"/>
+              </a:solidFill>
+            </a:endParaRPr>
+          </a:p>
+        </p:txBody>
+      </p:sp>
+      <p:sp>
+        <p:nvSpPr>
+          <p:cNvPr id="17" name="文字方塊 16">
+            <a:extLst>
+              <a:ext uri="{FF2B5EF4-FFF2-40B4-BE49-F238E27FC236}">
+                <a16:creationId xmlns:a16="http://schemas.microsoft.com/office/drawing/2014/main" id="{E7AFCB91-8DD6-48EB-B645-2EF0F054863E}"/>
+              </a:ext>
+            </a:extLst>
+          </p:cNvPr>
+          <p:cNvSpPr txBox="1"/>
+          <p:nvPr/>
+        </p:nvSpPr>
+        <p:spPr>
+          <a:xfrm>
+            <a:off x="2686994" y="1868252"/>
+            <a:ext cx="311304" cy="369332"/>
+          </a:xfrm>
+          <a:prstGeom prst="rect">
+            <a:avLst/>
+          </a:prstGeom>
+          <a:noFill/>
+        </p:spPr>
+        <p:txBody>
+          <a:bodyPr wrap="none" rtlCol="0">
+            <a:spAutoFit/>
+          </a:bodyPr>
+          <a:lstStyle/>
+          <a:p>
+            <a:r>
+              <a:rPr lang="en-US" altLang="zh-TW">
+                <a:solidFill>
+                  <a:srgbClr val="00B0F0"/>
+                </a:solidFill>
+              </a:rPr>
+              <a:t>5</a:t>
+            </a:r>
+            <a:endParaRPr lang="zh-TW" altLang="en-US">
+              <a:solidFill>
+                <a:srgbClr val="00B0F0"/>
+              </a:solidFill>
+            </a:endParaRPr>
+          </a:p>
+        </p:txBody>
+      </p:sp>
+      <p:sp>
+        <p:nvSpPr>
+          <p:cNvPr id="18" name="文字方塊 17">
+            <a:extLst>
+              <a:ext uri="{FF2B5EF4-FFF2-40B4-BE49-F238E27FC236}">
+                <a16:creationId xmlns:a16="http://schemas.microsoft.com/office/drawing/2014/main" id="{63FFD141-EAAB-4BCF-96C4-C63DB6909A7B}"/>
+              </a:ext>
+            </a:extLst>
+          </p:cNvPr>
+          <p:cNvSpPr txBox="1"/>
+          <p:nvPr/>
+        </p:nvSpPr>
+        <p:spPr>
+          <a:xfrm>
+            <a:off x="3246223" y="1868252"/>
+            <a:ext cx="311304" cy="369332"/>
+          </a:xfrm>
+          <a:prstGeom prst="rect">
+            <a:avLst/>
+          </a:prstGeom>
+          <a:noFill/>
+        </p:spPr>
+        <p:txBody>
+          <a:bodyPr wrap="none" rtlCol="0">
+            <a:spAutoFit/>
+          </a:bodyPr>
+          <a:lstStyle/>
+          <a:p>
+            <a:r>
+              <a:rPr lang="en-US" altLang="zh-TW">
+                <a:solidFill>
+                  <a:srgbClr val="00B0F0"/>
+                </a:solidFill>
+              </a:rPr>
+              <a:t>1</a:t>
+            </a:r>
+            <a:endParaRPr lang="zh-TW" altLang="en-US">
+              <a:solidFill>
+                <a:srgbClr val="00B0F0"/>
+              </a:solidFill>
+            </a:endParaRPr>
+          </a:p>
+        </p:txBody>
+      </p:sp>
+      <p:grpSp>
+        <p:nvGrpSpPr>
+          <p:cNvPr id="34" name="群組 33">
+            <a:extLst>
+              <a:ext uri="{FF2B5EF4-FFF2-40B4-BE49-F238E27FC236}">
+                <a16:creationId xmlns:a16="http://schemas.microsoft.com/office/drawing/2014/main" id="{52F8FCC5-F65B-403A-A713-89368DC62615}"/>
+              </a:ext>
+            </a:extLst>
+          </p:cNvPr>
+          <p:cNvGrpSpPr/>
+          <p:nvPr/>
+        </p:nvGrpSpPr>
+        <p:grpSpPr>
+          <a:xfrm>
+            <a:off x="977153" y="2868706"/>
+            <a:ext cx="2680447" cy="430306"/>
+            <a:chOff x="977153" y="1837765"/>
+            <a:chExt cx="2680447" cy="430306"/>
+          </a:xfrm>
+        </p:grpSpPr>
+        <p:sp>
+          <p:nvSpPr>
+            <p:cNvPr id="35" name="矩形 34">
+              <a:extLst>
+                <a:ext uri="{FF2B5EF4-FFF2-40B4-BE49-F238E27FC236}">
+                  <a16:creationId xmlns:a16="http://schemas.microsoft.com/office/drawing/2014/main" id="{B25A1811-60E4-4B57-99E2-452291FAA086}"/>
+                </a:ext>
+              </a:extLst>
+            </p:cNvPr>
+            <p:cNvSpPr/>
+            <p:nvPr/>
+          </p:nvSpPr>
+          <p:spPr>
+            <a:xfrm>
+              <a:off x="977153" y="1837765"/>
+              <a:ext cx="2680447" cy="430306"/>
+            </a:xfrm>
+            <a:prstGeom prst="rect">
+              <a:avLst/>
+            </a:prstGeom>
+            <a:noFill/>
+            <a:ln w="38100">
+              <a:solidFill>
+                <a:srgbClr val="92D050"/>
+              </a:solidFill>
+            </a:ln>
+          </p:spPr>
+          <p:style>
+            <a:lnRef idx="2">
+              <a:schemeClr val="accent1">
+                <a:shade val="50000"/>
+              </a:schemeClr>
+            </a:lnRef>
+            <a:fillRef idx="1">
+              <a:schemeClr val="accent1"/>
+            </a:fillRef>
+            <a:effectRef idx="0">
+              <a:schemeClr val="accent1"/>
+            </a:effectRef>
+            <a:fontRef idx="minor">
+              <a:schemeClr val="lt1"/>
+            </a:fontRef>
+          </p:style>
+          <p:txBody>
+            <a:bodyPr rtlCol="0" anchor="ctr"/>
+            <a:lstStyle/>
+            <a:p>
+              <a:pPr algn="ctr"/>
+              <a:endParaRPr lang="zh-TW" altLang="en-US"/>
+            </a:p>
+          </p:txBody>
+        </p:sp>
+        <p:cxnSp>
+          <p:nvCxnSpPr>
+            <p:cNvPr id="36" name="直線接點 35">
+              <a:extLst>
+                <a:ext uri="{FF2B5EF4-FFF2-40B4-BE49-F238E27FC236}">
+                  <a16:creationId xmlns:a16="http://schemas.microsoft.com/office/drawing/2014/main" id="{F7B94F01-6A3A-401D-87D9-1D441372E9A2}"/>
+                </a:ext>
+              </a:extLst>
+            </p:cNvPr>
+            <p:cNvCxnSpPr/>
+            <p:nvPr/>
+          </p:nvCxnSpPr>
+          <p:spPr>
+            <a:xfrm>
+              <a:off x="1513242" y="1837765"/>
+              <a:ext cx="0" cy="430306"/>
+            </a:xfrm>
+            <a:prstGeom prst="line">
+              <a:avLst/>
+            </a:prstGeom>
+            <a:ln w="38100">
+              <a:solidFill>
+                <a:srgbClr val="92D050"/>
+              </a:solidFill>
+            </a:ln>
+          </p:spPr>
+          <p:style>
+            <a:lnRef idx="1">
+              <a:schemeClr val="accent1"/>
+            </a:lnRef>
+            <a:fillRef idx="0">
+              <a:schemeClr val="accent1"/>
+            </a:fillRef>
+            <a:effectRef idx="0">
+              <a:schemeClr val="accent1"/>
+            </a:effectRef>
+            <a:fontRef idx="minor">
+              <a:schemeClr val="tx1"/>
+            </a:fontRef>
+          </p:style>
+        </p:cxnSp>
+        <p:cxnSp>
+          <p:nvCxnSpPr>
+            <p:cNvPr id="37" name="直線接點 36">
+              <a:extLst>
+                <a:ext uri="{FF2B5EF4-FFF2-40B4-BE49-F238E27FC236}">
+                  <a16:creationId xmlns:a16="http://schemas.microsoft.com/office/drawing/2014/main" id="{1EA84454-4AEF-4E9C-A907-B69EBF6FA2D0}"/>
+                </a:ext>
+              </a:extLst>
+            </p:cNvPr>
+            <p:cNvCxnSpPr/>
+            <p:nvPr/>
+          </p:nvCxnSpPr>
+          <p:spPr>
+            <a:xfrm>
+              <a:off x="977153" y="1837765"/>
+              <a:ext cx="0" cy="430306"/>
+            </a:xfrm>
+            <a:prstGeom prst="line">
+              <a:avLst/>
+            </a:prstGeom>
+            <a:ln w="38100">
+              <a:solidFill>
+                <a:srgbClr val="92D050"/>
+              </a:solidFill>
+            </a:ln>
+          </p:spPr>
+          <p:style>
+            <a:lnRef idx="1">
+              <a:schemeClr val="accent1"/>
+            </a:lnRef>
+            <a:fillRef idx="0">
+              <a:schemeClr val="accent1"/>
+            </a:fillRef>
+            <a:effectRef idx="0">
+              <a:schemeClr val="accent1"/>
+            </a:effectRef>
+            <a:fontRef idx="minor">
+              <a:schemeClr val="tx1"/>
+            </a:fontRef>
+          </p:style>
+        </p:cxnSp>
+        <p:cxnSp>
+          <p:nvCxnSpPr>
+            <p:cNvPr id="38" name="直線接點 37">
+              <a:extLst>
+                <a:ext uri="{FF2B5EF4-FFF2-40B4-BE49-F238E27FC236}">
+                  <a16:creationId xmlns:a16="http://schemas.microsoft.com/office/drawing/2014/main" id="{92E78304-9B53-411A-9823-0B315B60F809}"/>
+                </a:ext>
+              </a:extLst>
+            </p:cNvPr>
+            <p:cNvCxnSpPr/>
+            <p:nvPr/>
+          </p:nvCxnSpPr>
+          <p:spPr>
+            <a:xfrm>
+              <a:off x="2585420" y="1837765"/>
+              <a:ext cx="0" cy="430306"/>
+            </a:xfrm>
+            <a:prstGeom prst="line">
+              <a:avLst/>
+            </a:prstGeom>
+            <a:ln w="38100">
+              <a:solidFill>
+                <a:srgbClr val="92D050"/>
+              </a:solidFill>
+            </a:ln>
+          </p:spPr>
+          <p:style>
+            <a:lnRef idx="1">
+              <a:schemeClr val="accent1"/>
+            </a:lnRef>
+            <a:fillRef idx="0">
+              <a:schemeClr val="accent1"/>
+            </a:fillRef>
+            <a:effectRef idx="0">
+              <a:schemeClr val="accent1"/>
+            </a:effectRef>
+            <a:fontRef idx="minor">
+              <a:schemeClr val="tx1"/>
+            </a:fontRef>
+          </p:style>
+        </p:cxnSp>
+        <p:cxnSp>
+          <p:nvCxnSpPr>
+            <p:cNvPr id="39" name="直線接點 38">
+              <a:extLst>
+                <a:ext uri="{FF2B5EF4-FFF2-40B4-BE49-F238E27FC236}">
+                  <a16:creationId xmlns:a16="http://schemas.microsoft.com/office/drawing/2014/main" id="{A6662877-F71A-4C6E-9A49-442BE3B4B099}"/>
+                </a:ext>
+              </a:extLst>
+            </p:cNvPr>
+            <p:cNvCxnSpPr/>
+            <p:nvPr/>
+          </p:nvCxnSpPr>
+          <p:spPr>
+            <a:xfrm>
+              <a:off x="2049331" y="1837765"/>
+              <a:ext cx="0" cy="430306"/>
+            </a:xfrm>
+            <a:prstGeom prst="line">
+              <a:avLst/>
+            </a:prstGeom>
+            <a:ln w="38100">
+              <a:solidFill>
+                <a:srgbClr val="92D050"/>
+              </a:solidFill>
+            </a:ln>
+          </p:spPr>
+          <p:style>
+            <a:lnRef idx="1">
+              <a:schemeClr val="accent1"/>
+            </a:lnRef>
+            <a:fillRef idx="0">
+              <a:schemeClr val="accent1"/>
+            </a:fillRef>
+            <a:effectRef idx="0">
+              <a:schemeClr val="accent1"/>
+            </a:effectRef>
+            <a:fontRef idx="minor">
+              <a:schemeClr val="tx1"/>
+            </a:fontRef>
+          </p:style>
+        </p:cxnSp>
+        <p:cxnSp>
+          <p:nvCxnSpPr>
+            <p:cNvPr id="40" name="直線接點 39">
+              <a:extLst>
+                <a:ext uri="{FF2B5EF4-FFF2-40B4-BE49-F238E27FC236}">
+                  <a16:creationId xmlns:a16="http://schemas.microsoft.com/office/drawing/2014/main" id="{02B0D7D9-0DDD-4E64-8836-04CD729BD223}"/>
+                </a:ext>
+              </a:extLst>
+            </p:cNvPr>
+            <p:cNvCxnSpPr/>
+            <p:nvPr/>
+          </p:nvCxnSpPr>
+          <p:spPr>
+            <a:xfrm>
+              <a:off x="3657600" y="1837765"/>
+              <a:ext cx="0" cy="430306"/>
+            </a:xfrm>
+            <a:prstGeom prst="line">
+              <a:avLst/>
+            </a:prstGeom>
+            <a:ln w="38100">
+              <a:solidFill>
+                <a:srgbClr val="92D050"/>
+              </a:solidFill>
+            </a:ln>
+          </p:spPr>
+          <p:style>
+            <a:lnRef idx="1">
+              <a:schemeClr val="accent1"/>
+            </a:lnRef>
+            <a:fillRef idx="0">
+              <a:schemeClr val="accent1"/>
+            </a:fillRef>
+            <a:effectRef idx="0">
+              <a:schemeClr val="accent1"/>
+            </a:effectRef>
+            <a:fontRef idx="minor">
+              <a:schemeClr val="tx1"/>
+            </a:fontRef>
+          </p:style>
+        </p:cxnSp>
+        <p:cxnSp>
+          <p:nvCxnSpPr>
+            <p:cNvPr id="41" name="直線接點 40">
+              <a:extLst>
+                <a:ext uri="{FF2B5EF4-FFF2-40B4-BE49-F238E27FC236}">
+                  <a16:creationId xmlns:a16="http://schemas.microsoft.com/office/drawing/2014/main" id="{22764DD8-730B-4F22-916A-7F0F6DDC8A4C}"/>
+                </a:ext>
+              </a:extLst>
+            </p:cNvPr>
+            <p:cNvCxnSpPr/>
+            <p:nvPr/>
+          </p:nvCxnSpPr>
+          <p:spPr>
+            <a:xfrm>
+              <a:off x="3121509" y="1837765"/>
+              <a:ext cx="0" cy="430306"/>
+            </a:xfrm>
+            <a:prstGeom prst="line">
+              <a:avLst/>
+            </a:prstGeom>
+            <a:ln w="38100">
+              <a:solidFill>
+                <a:srgbClr val="92D050"/>
+              </a:solidFill>
+            </a:ln>
+          </p:spPr>
+          <p:style>
+            <a:lnRef idx="1">
+              <a:schemeClr val="accent1"/>
+            </a:lnRef>
+            <a:fillRef idx="0">
+              <a:schemeClr val="accent1"/>
+            </a:fillRef>
+            <a:effectRef idx="0">
+              <a:schemeClr val="accent1"/>
+            </a:effectRef>
+            <a:fontRef idx="minor">
+              <a:schemeClr val="tx1"/>
+            </a:fontRef>
+          </p:style>
+        </p:cxnSp>
+      </p:grpSp>
+      <p:sp>
+        <p:nvSpPr>
+          <p:cNvPr id="42" name="文字方塊 41">
+            <a:extLst>
+              <a:ext uri="{FF2B5EF4-FFF2-40B4-BE49-F238E27FC236}">
+                <a16:creationId xmlns:a16="http://schemas.microsoft.com/office/drawing/2014/main" id="{C920E6A6-D21D-4651-A747-9E0DE5908D02}"/>
+              </a:ext>
+            </a:extLst>
+          </p:cNvPr>
+          <p:cNvSpPr txBox="1"/>
+          <p:nvPr/>
+        </p:nvSpPr>
+        <p:spPr>
+          <a:xfrm>
+            <a:off x="1089545" y="2899193"/>
+            <a:ext cx="311304" cy="369332"/>
+          </a:xfrm>
+          <a:prstGeom prst="rect">
+            <a:avLst/>
+          </a:prstGeom>
+          <a:noFill/>
+        </p:spPr>
+        <p:txBody>
+          <a:bodyPr wrap="none" rtlCol="0">
+            <a:spAutoFit/>
+          </a:bodyPr>
+          <a:lstStyle/>
+          <a:p>
+            <a:r>
+              <a:rPr lang="en-US" altLang="zh-TW">
+                <a:solidFill>
+                  <a:srgbClr val="00B0F0"/>
+                </a:solidFill>
+              </a:rPr>
+              <a:t>7</a:t>
+            </a:r>
+            <a:endParaRPr lang="zh-TW" altLang="en-US">
+              <a:solidFill>
+                <a:srgbClr val="00B0F0"/>
+              </a:solidFill>
+            </a:endParaRPr>
+          </a:p>
+        </p:txBody>
+      </p:sp>
+      <p:sp>
+        <p:nvSpPr>
+          <p:cNvPr id="43" name="文字方塊 42">
+            <a:extLst>
+              <a:ext uri="{FF2B5EF4-FFF2-40B4-BE49-F238E27FC236}">
+                <a16:creationId xmlns:a16="http://schemas.microsoft.com/office/drawing/2014/main" id="{9C6D2D74-41D2-417A-9C1E-259641CABE3C}"/>
+              </a:ext>
+            </a:extLst>
+          </p:cNvPr>
+          <p:cNvSpPr txBox="1"/>
+          <p:nvPr/>
+        </p:nvSpPr>
+        <p:spPr>
+          <a:xfrm>
+            <a:off x="1625634" y="2899193"/>
+            <a:ext cx="311304" cy="369332"/>
+          </a:xfrm>
+          <a:prstGeom prst="rect">
+            <a:avLst/>
+          </a:prstGeom>
+          <a:noFill/>
+        </p:spPr>
+        <p:txBody>
+          <a:bodyPr wrap="none" rtlCol="0">
+            <a:spAutoFit/>
+          </a:bodyPr>
+          <a:lstStyle/>
+          <a:p>
+            <a:r>
+              <a:rPr lang="en-US" altLang="zh-TW">
+                <a:solidFill>
+                  <a:srgbClr val="00B0F0"/>
+                </a:solidFill>
+              </a:rPr>
+              <a:t>9</a:t>
+            </a:r>
+            <a:endParaRPr lang="zh-TW" altLang="en-US">
+              <a:solidFill>
+                <a:srgbClr val="00B0F0"/>
+              </a:solidFill>
+            </a:endParaRPr>
+          </a:p>
+        </p:txBody>
+      </p:sp>
+      <p:sp>
+        <p:nvSpPr>
+          <p:cNvPr id="44" name="文字方塊 43">
+            <a:extLst>
+              <a:ext uri="{FF2B5EF4-FFF2-40B4-BE49-F238E27FC236}">
+                <a16:creationId xmlns:a16="http://schemas.microsoft.com/office/drawing/2014/main" id="{FD0E9D8E-CDE2-484F-9483-33AD042358ED}"/>
+              </a:ext>
+            </a:extLst>
+          </p:cNvPr>
+          <p:cNvSpPr txBox="1"/>
+          <p:nvPr/>
+        </p:nvSpPr>
+        <p:spPr>
+          <a:xfrm>
+            <a:off x="2160489" y="2899193"/>
+            <a:ext cx="311304" cy="369332"/>
+          </a:xfrm>
+          <a:prstGeom prst="rect">
+            <a:avLst/>
+          </a:prstGeom>
+          <a:noFill/>
+        </p:spPr>
+        <p:txBody>
+          <a:bodyPr wrap="none" rtlCol="0">
+            <a:spAutoFit/>
+          </a:bodyPr>
+          <a:lstStyle/>
+          <a:p>
+            <a:r>
+              <a:rPr lang="en-US" altLang="zh-TW">
+                <a:solidFill>
+                  <a:srgbClr val="00B0F0"/>
+                </a:solidFill>
+              </a:rPr>
+              <a:t>2</a:t>
+            </a:r>
+            <a:endParaRPr lang="zh-TW" altLang="en-US">
+              <a:solidFill>
+                <a:srgbClr val="00B0F0"/>
+              </a:solidFill>
+            </a:endParaRPr>
+          </a:p>
+        </p:txBody>
+      </p:sp>
+      <p:sp>
+        <p:nvSpPr>
+          <p:cNvPr id="45" name="文字方塊 44">
+            <a:extLst>
+              <a:ext uri="{FF2B5EF4-FFF2-40B4-BE49-F238E27FC236}">
+                <a16:creationId xmlns:a16="http://schemas.microsoft.com/office/drawing/2014/main" id="{E325082A-ABEC-4280-BB62-4838916348D4}"/>
+              </a:ext>
+            </a:extLst>
+          </p:cNvPr>
+          <p:cNvSpPr txBox="1"/>
+          <p:nvPr/>
+        </p:nvSpPr>
+        <p:spPr>
+          <a:xfrm>
+            <a:off x="2686994" y="2899193"/>
+            <a:ext cx="311304" cy="369332"/>
+          </a:xfrm>
+          <a:prstGeom prst="rect">
+            <a:avLst/>
+          </a:prstGeom>
+          <a:noFill/>
+        </p:spPr>
+        <p:txBody>
+          <a:bodyPr wrap="none" rtlCol="0">
+            <a:spAutoFit/>
+          </a:bodyPr>
+          <a:lstStyle/>
+          <a:p>
+            <a:r>
+              <a:rPr lang="en-US" altLang="zh-TW">
+                <a:solidFill>
+                  <a:srgbClr val="00B0F0"/>
+                </a:solidFill>
+              </a:rPr>
+              <a:t>5</a:t>
+            </a:r>
+            <a:endParaRPr lang="zh-TW" altLang="en-US">
+              <a:solidFill>
+                <a:srgbClr val="00B0F0"/>
+              </a:solidFill>
+            </a:endParaRPr>
+          </a:p>
+        </p:txBody>
+      </p:sp>
+      <p:sp>
+        <p:nvSpPr>
+          <p:cNvPr id="46" name="文字方塊 45">
+            <a:extLst>
+              <a:ext uri="{FF2B5EF4-FFF2-40B4-BE49-F238E27FC236}">
+                <a16:creationId xmlns:a16="http://schemas.microsoft.com/office/drawing/2014/main" id="{1938BC45-A10D-4820-B842-19F14246EF8A}"/>
+              </a:ext>
+            </a:extLst>
+          </p:cNvPr>
+          <p:cNvSpPr txBox="1"/>
+          <p:nvPr/>
+        </p:nvSpPr>
+        <p:spPr>
+          <a:xfrm>
+            <a:off x="3246223" y="2899193"/>
+            <a:ext cx="311304" cy="369332"/>
+          </a:xfrm>
+          <a:prstGeom prst="rect">
+            <a:avLst/>
+          </a:prstGeom>
+          <a:noFill/>
+        </p:spPr>
+        <p:txBody>
+          <a:bodyPr wrap="none" rtlCol="0">
+            <a:spAutoFit/>
+          </a:bodyPr>
+          <a:lstStyle/>
+          <a:p>
+            <a:r>
+              <a:rPr lang="en-US" altLang="zh-TW">
+                <a:solidFill>
+                  <a:srgbClr val="00B0F0"/>
+                </a:solidFill>
+              </a:rPr>
+              <a:t>1</a:t>
+            </a:r>
+            <a:endParaRPr lang="zh-TW" altLang="en-US">
+              <a:solidFill>
+                <a:srgbClr val="00B0F0"/>
+              </a:solidFill>
+            </a:endParaRPr>
+          </a:p>
+        </p:txBody>
+      </p:sp>
+    </p:spTree>
+    <p:extLst>
+      <p:ext uri="{BB962C8B-B14F-4D97-AF65-F5344CB8AC3E}">
+        <p14:creationId xmlns:p14="http://schemas.microsoft.com/office/powerpoint/2010/main" val="171794353"/>
+      </p:ext>
+    </p:extLst>
+  </p:cSld>
+  <p:clrMapOvr>
+    <a:masterClrMapping/>
+  </p:clrMapOvr>
+  <p:transition spd="slow">
+    <p:push dir="u"/>
+  </p:transition>
+</p:sld>
+</file>
+
+<file path=ppt/slides/slide17.xml><?xml version="1.0" encoding="utf-8"?>
 <p:sld xmlns:a="http://schemas.openxmlformats.org/drawingml/2006/main" xmlns:r="http://schemas.openxmlformats.org/officeDocument/2006/relationships" xmlns:p="http://schemas.openxmlformats.org/presentationml/2006/main">
   <p:cSld>
     <p:spTree>
@@ -17030,7 +18784,7 @@
 </p:sld>
 </file>
 
-<file path=ppt/slides/slide17.xml><?xml version="1.0" encoding="utf-8"?>
+<file path=ppt/slides/slide18.xml><?xml version="1.0" encoding="utf-8"?>
 <p:sld xmlns:a="http://schemas.openxmlformats.org/drawingml/2006/main" xmlns:r="http://schemas.openxmlformats.org/officeDocument/2006/relationships" xmlns:p="http://schemas.openxmlformats.org/presentationml/2006/main">
   <p:cSld>
     <p:spTree>
@@ -20500,7 +22254,7 @@
 </p:sld>
 </file>
 
-<file path=ppt/slides/slide18.xml><?xml version="1.0" encoding="utf-8"?>
+<file path=ppt/slides/slide19.xml><?xml version="1.0" encoding="utf-8"?>
 <p:sld xmlns:a="http://schemas.openxmlformats.org/drawingml/2006/main" xmlns:r="http://schemas.openxmlformats.org/officeDocument/2006/relationships" xmlns:p="http://schemas.openxmlformats.org/presentationml/2006/main">
   <p:cSld>
     <p:spTree>
@@ -20533,7 +22287,12 @@
             <p:ph type="title"/>
           </p:nvPr>
         </p:nvSpPr>
-        <p:spPr/>
+        <p:spPr>
+          <a:xfrm>
+            <a:off x="838200" y="365125"/>
+            <a:ext cx="10515600" cy="1325563"/>
+          </a:xfrm>
+        </p:spPr>
         <p:txBody>
           <a:bodyPr/>
           <a:lstStyle/>
@@ -20547,10 +22306,10 @@
       </p:sp>
       <p:sp>
         <p:nvSpPr>
-          <p:cNvPr id="3" name="內容版面配置區 2">
+          <p:cNvPr id="5" name="內容版面配置區 4">
             <a:extLst>
               <a:ext uri="{FF2B5EF4-FFF2-40B4-BE49-F238E27FC236}">
-                <a16:creationId xmlns:a16="http://schemas.microsoft.com/office/drawing/2014/main" id="{EA19CB4A-D56B-4B88-B3BA-29F4ECAF4CE2}"/>
+                <a16:creationId xmlns:a16="http://schemas.microsoft.com/office/drawing/2014/main" id="{8B1BE514-23B4-4EE8-8588-F6A91FDAB92C}"/>
               </a:ext>
             </a:extLst>
           </p:cNvPr>
@@ -20563,8 +22322,8 @@
         </p:nvSpPr>
         <p:spPr>
           <a:xfrm>
-            <a:off x="838200" y="1861764"/>
-            <a:ext cx="10515600" cy="4135624"/>
+            <a:off x="838200" y="1682470"/>
+            <a:ext cx="10515600" cy="4637648"/>
           </a:xfrm>
         </p:spPr>
         <p:txBody>
@@ -20653,102 +22412,34 @@
           <a:p>
             <a:r>
               <a:rPr lang="zh-TW" altLang="en-US"/>
-              <a:t>因為在</a:t>
+              <a:t>其原理為：</a:t>
             </a:r>
             <a:r>
               <a:rPr lang="zh-TW" altLang="en-US">
                 <a:solidFill>
-                  <a:srgbClr val="FFC000"/>
-                </a:solidFill>
-              </a:rPr>
-              <a:t>搜尋</a:t>
-            </a:r>
-            <a:r>
-              <a:rPr lang="zh-TW" altLang="en-US"/>
-              <a:t>到</a:t>
-            </a:r>
-            <a:r>
-              <a:rPr lang="zh-TW" altLang="en-US">
-                <a:solidFill>
-                  <a:srgbClr val="00B0F0"/>
-                </a:solidFill>
-              </a:rPr>
-              <a:t>較目標大的資料</a:t>
-            </a:r>
-            <a:r>
-              <a:rPr lang="zh-TW" altLang="en-US"/>
-              <a:t>時，下次搜尋只會</a:t>
-            </a:r>
-            <a:r>
-              <a:rPr lang="zh-TW" altLang="en-US">
-                <a:solidFill>
-                  <a:srgbClr val="FFC000"/>
-                </a:solidFill>
-              </a:rPr>
-              <a:t>搜尋</a:t>
-            </a:r>
-            <a:r>
-              <a:rPr lang="zh-TW" altLang="en-US">
-                <a:solidFill>
-                  <a:srgbClr val="00B0F0"/>
-                </a:solidFill>
-              </a:rPr>
-              <a:t>較小的資料</a:t>
+                  <a:srgbClr val="FFFF00"/>
+                </a:solidFill>
+              </a:rPr>
+              <a:t>每次只會搜尋可能區間中間的資料</a:t>
             </a:r>
             <a:endParaRPr lang="en-US" altLang="zh-TW">
               <a:solidFill>
-                <a:srgbClr val="00B0F0"/>
+                <a:srgbClr val="FFFF00"/>
               </a:solidFill>
             </a:endParaRPr>
           </a:p>
           <a:p>
             <a:r>
-              <a:rPr lang="zh-TW" altLang="en-US"/>
-              <a:t>反之在</a:t>
-            </a:r>
-            <a:r>
               <a:rPr lang="zh-TW" altLang="en-US">
                 <a:solidFill>
-                  <a:srgbClr val="FFC000"/>
-                </a:solidFill>
-              </a:rPr>
-              <a:t>搜尋</a:t>
-            </a:r>
-            <a:r>
-              <a:rPr lang="zh-TW" altLang="en-US"/>
-              <a:t>到</a:t>
-            </a:r>
-            <a:r>
-              <a:rPr lang="zh-TW" altLang="en-US">
-                <a:solidFill>
-                  <a:srgbClr val="00B0F0"/>
-                </a:solidFill>
-              </a:rPr>
-              <a:t>較目標小的資料</a:t>
-            </a:r>
-            <a:r>
-              <a:rPr lang="zh-TW" altLang="en-US"/>
-              <a:t>時，下次搜尋只會</a:t>
-            </a:r>
-            <a:r>
-              <a:rPr lang="zh-TW" altLang="en-US">
-                <a:solidFill>
-                  <a:srgbClr val="FFC000"/>
-                </a:solidFill>
-              </a:rPr>
-              <a:t>搜尋</a:t>
-            </a:r>
-            <a:r>
-              <a:rPr lang="zh-TW" altLang="en-US">
-                <a:solidFill>
-                  <a:srgbClr val="00B0F0"/>
-                </a:solidFill>
-              </a:rPr>
-              <a:t>較大的資料</a:t>
+                  <a:srgbClr val="FFFF00"/>
+                </a:solidFill>
+              </a:rPr>
+              <a:t>若在搜尋到較目標大的資料時，下次搜尋只會搜尋較小的資料</a:t>
             </a:r>
             <a:endParaRPr lang="en-US" altLang="zh-TW">
               <a:solidFill>
-                <a:srgbClr val="00B0F0"/>
+                <a:srgbClr val="FFFF00"/>
               </a:solidFill>
             </a:endParaRPr>
           </a:p>
@@ -20756,19 +22447,53 @@
             <a:r>
               <a:rPr lang="zh-TW" altLang="en-US">
                 <a:solidFill>
-                  <a:srgbClr val="00B0F0"/>
-                </a:solidFill>
-              </a:rPr>
-              <a:t>二分搜尋法</a:t>
-            </a:r>
-            <a:r>
-              <a:rPr lang="zh-TW" altLang="en-US"/>
-              <a:t>一次就可以排除一半的可能</a:t>
+                  <a:srgbClr val="FFFF00"/>
+                </a:solidFill>
+              </a:rPr>
+              <a:t>若在搜尋到較目標小的資料時，下次搜尋只會搜尋較大的資料</a:t>
+            </a:r>
+            <a:endParaRPr lang="en-US" altLang="zh-TW">
+              <a:solidFill>
+                <a:srgbClr val="FFFF00"/>
+              </a:solidFill>
+            </a:endParaRPr>
+          </a:p>
+          <a:p>
+            <a:r>
+              <a:rPr lang="zh-TW" altLang="en-US">
+                <a:solidFill>
+                  <a:srgbClr val="FFFF00"/>
+                </a:solidFill>
+              </a:rPr>
+              <a:t>重複直到搜尋到目標資料，或是可能區間無效，即找不到目標資料</a:t>
             </a:r>
             <a:endParaRPr lang="en-US" altLang="zh-TW"/>
           </a:p>
           <a:p>
             <a:r>
+              <a:rPr lang="zh-TW" altLang="en-US"/>
+              <a:t>由於</a:t>
+            </a:r>
+            <a:r>
+              <a:rPr lang="zh-TW" altLang="en-US">
+                <a:solidFill>
+                  <a:srgbClr val="00B0F0"/>
+                </a:solidFill>
+              </a:rPr>
+              <a:t>二分搜尋法</a:t>
+            </a:r>
+            <a:r>
+              <a:rPr lang="zh-TW" altLang="en-US"/>
+              <a:t>一次就可以排除一半的可能</a:t>
+            </a:r>
+            <a:endParaRPr lang="en-US" altLang="zh-TW"/>
+          </a:p>
+          <a:p>
+            <a:r>
+              <a:rPr lang="zh-TW" altLang="en-US"/>
+              <a:t>故</a:t>
+            </a:r>
+            <a:r>
               <a:rPr lang="zh-TW" altLang="en-US">
                 <a:solidFill>
                   <a:srgbClr val="00B0F0"/>
@@ -20793,62 +22518,55 @@
             <a:r>
               <a:rPr lang="en-US" altLang="zh-TW">
                 <a:solidFill>
+                  <a:srgbClr val="92D050"/>
+                </a:solidFill>
+                <a:latin typeface="Times New Roman" panose="02020603050405020304" pitchFamily="18" charset="0"/>
+                <a:cs typeface="Times New Roman" panose="02020603050405020304" pitchFamily="18" charset="0"/>
+              </a:rPr>
+              <a:t>O(log</a:t>
+            </a:r>
+            <a:r>
+              <a:rPr lang="en-US" altLang="zh-TW" i="1">
+                <a:solidFill>
+                  <a:srgbClr val="92D050"/>
+                </a:solidFill>
+                <a:latin typeface="Times New Roman" panose="02020603050405020304" pitchFamily="18" charset="0"/>
+                <a:cs typeface="Times New Roman" panose="02020603050405020304" pitchFamily="18" charset="0"/>
+              </a:rPr>
+              <a:t> n</a:t>
+            </a:r>
+            <a:r>
+              <a:rPr lang="en-US" altLang="zh-TW">
+                <a:solidFill>
+                  <a:srgbClr val="92D050"/>
+                </a:solidFill>
+                <a:latin typeface="Times New Roman" panose="02020603050405020304" pitchFamily="18" charset="0"/>
+                <a:cs typeface="Times New Roman" panose="02020603050405020304" pitchFamily="18" charset="0"/>
+              </a:rPr>
+              <a:t>)</a:t>
+            </a:r>
+            <a:r>
+              <a:rPr lang="zh-TW" altLang="en-US">
+                <a:latin typeface="Times New Roman" panose="02020603050405020304" pitchFamily="18" charset="0"/>
+                <a:cs typeface="Times New Roman" panose="02020603050405020304" pitchFamily="18" charset="0"/>
+              </a:rPr>
+              <a:t>，</a:t>
+            </a:r>
+            <a:r>
+              <a:rPr lang="zh-TW" altLang="en-US"/>
+              <a:t>效率較</a:t>
+            </a:r>
+            <a:r>
+              <a:rPr lang="zh-TW" altLang="en-US">
+                <a:solidFill>
                   <a:srgbClr val="00B0F0"/>
                 </a:solidFill>
-                <a:latin typeface="Times New Roman" panose="02020603050405020304" pitchFamily="18" charset="0"/>
-                <a:cs typeface="Times New Roman" panose="02020603050405020304" pitchFamily="18" charset="0"/>
-              </a:rPr>
-              <a:t>O(log</a:t>
-            </a:r>
-            <a:r>
-              <a:rPr lang="en-US" altLang="zh-TW" i="1">
-                <a:solidFill>
-                  <a:srgbClr val="00B0F0"/>
-                </a:solidFill>
-                <a:latin typeface="Times New Roman" panose="02020603050405020304" pitchFamily="18" charset="0"/>
-                <a:cs typeface="Times New Roman" panose="02020603050405020304" pitchFamily="18" charset="0"/>
-              </a:rPr>
-              <a:t> n</a:t>
-            </a:r>
-            <a:r>
-              <a:rPr lang="en-US" altLang="zh-TW">
-                <a:solidFill>
-                  <a:srgbClr val="00B0F0"/>
-                </a:solidFill>
-                <a:latin typeface="Times New Roman" panose="02020603050405020304" pitchFamily="18" charset="0"/>
-                <a:cs typeface="Times New Roman" panose="02020603050405020304" pitchFamily="18" charset="0"/>
-              </a:rPr>
-              <a:t>)</a:t>
-            </a:r>
-          </a:p>
-          <a:p>
+              </a:rPr>
+              <a:t>循序搜尋法</a:t>
+            </a:r>
             <a:r>
               <a:rPr lang="zh-TW" altLang="en-US"/>
-              <a:t>相較於</a:t>
-            </a:r>
-            <a:r>
-              <a:rPr lang="zh-TW" altLang="en-US">
-                <a:solidFill>
-                  <a:srgbClr val="00B0F0"/>
-                </a:solidFill>
-              </a:rPr>
-              <a:t>循序搜尋法</a:t>
-            </a:r>
-            <a:r>
-              <a:rPr lang="zh-TW" altLang="en-US"/>
-              <a:t>，</a:t>
-            </a:r>
-            <a:r>
-              <a:rPr lang="zh-TW" altLang="en-US">
-                <a:solidFill>
-                  <a:srgbClr val="00B0F0"/>
-                </a:solidFill>
-              </a:rPr>
-              <a:t>二分搜尋法</a:t>
-            </a:r>
-            <a:r>
-              <a:rPr lang="zh-TW" altLang="en-US"/>
-              <a:t>效率較高</a:t>
+              <a:t>較高</a:t>
             </a:r>
             <a:endParaRPr lang="en-US" altLang="zh-TW"/>
           </a:p>
@@ -20925,7 +22643,217 @@
 </p:sld>
 </file>
 
-<file path=ppt/slides/slide19.xml><?xml version="1.0" encoding="utf-8"?>
+<file path=ppt/slides/slide2.xml><?xml version="1.0" encoding="utf-8"?>
+<p:sld xmlns:a="http://schemas.openxmlformats.org/drawingml/2006/main" xmlns:r="http://schemas.openxmlformats.org/officeDocument/2006/relationships" xmlns:p="http://schemas.openxmlformats.org/presentationml/2006/main">
+  <p:cSld>
+    <p:spTree>
+      <p:nvGrpSpPr>
+        <p:cNvPr id="1" name=""/>
+        <p:cNvGrpSpPr/>
+        <p:nvPr/>
+      </p:nvGrpSpPr>
+      <p:grpSpPr>
+        <a:xfrm>
+          <a:off x="0" y="0"/>
+          <a:ext cx="0" cy="0"/>
+          <a:chOff x="0" y="0"/>
+          <a:chExt cx="0" cy="0"/>
+        </a:xfrm>
+      </p:grpSpPr>
+      <p:sp>
+        <p:nvSpPr>
+          <p:cNvPr id="2" name="標題 1">
+            <a:extLst>
+              <a:ext uri="{FF2B5EF4-FFF2-40B4-BE49-F238E27FC236}">
+                <a16:creationId xmlns:a16="http://schemas.microsoft.com/office/drawing/2014/main" id="{8C17A47F-2C5A-493F-AD08-4E7E87350DB2}"/>
+              </a:ext>
+            </a:extLst>
+          </p:cNvPr>
+          <p:cNvSpPr>
+            <a:spLocks noGrp="1"/>
+          </p:cNvSpPr>
+          <p:nvPr>
+            <p:ph type="title"/>
+          </p:nvPr>
+        </p:nvSpPr>
+        <p:spPr/>
+        <p:txBody>
+          <a:bodyPr/>
+          <a:lstStyle/>
+          <a:p>
+            <a:r>
+              <a:rPr lang="zh-TW" altLang="en-US"/>
+              <a:t>資料結構與演算法</a:t>
+            </a:r>
+          </a:p>
+        </p:txBody>
+      </p:sp>
+      <p:sp>
+        <p:nvSpPr>
+          <p:cNvPr id="3" name="內容版面配置區 2">
+            <a:extLst>
+              <a:ext uri="{FF2B5EF4-FFF2-40B4-BE49-F238E27FC236}">
+                <a16:creationId xmlns:a16="http://schemas.microsoft.com/office/drawing/2014/main" id="{33A7D770-DB9E-4CA1-852D-315655194283}"/>
+              </a:ext>
+            </a:extLst>
+          </p:cNvPr>
+          <p:cNvSpPr>
+            <a:spLocks noGrp="1"/>
+          </p:cNvSpPr>
+          <p:nvPr>
+            <p:ph idx="1"/>
+          </p:nvPr>
+        </p:nvSpPr>
+        <p:spPr>
+          <a:xfrm>
+            <a:off x="838200" y="2043954"/>
+            <a:ext cx="10515600" cy="3591952"/>
+          </a:xfrm>
+        </p:spPr>
+        <p:txBody>
+          <a:bodyPr>
+            <a:normAutofit/>
+          </a:bodyPr>
+          <a:lstStyle/>
+          <a:p>
+            <a:r>
+              <a:rPr lang="zh-TW" altLang="en-US">
+                <a:solidFill>
+                  <a:srgbClr val="00B0F0"/>
+                </a:solidFill>
+              </a:rPr>
+              <a:t>資料結構與演算法</a:t>
+            </a:r>
+            <a:endParaRPr lang="en-US" altLang="zh-TW">
+              <a:solidFill>
+                <a:srgbClr val="00B0F0"/>
+              </a:solidFill>
+            </a:endParaRPr>
+          </a:p>
+          <a:p>
+            <a:r>
+              <a:rPr lang="en-US" altLang="zh-TW">
+                <a:solidFill>
+                  <a:srgbClr val="00B0F0"/>
+                </a:solidFill>
+              </a:rPr>
+              <a:t>(Data Structure &amp; Algorithm</a:t>
+            </a:r>
+            <a:r>
+              <a:rPr lang="zh-TW" altLang="en-US">
+                <a:solidFill>
+                  <a:srgbClr val="00B0F0"/>
+                </a:solidFill>
+              </a:rPr>
+              <a:t>，簡稱 </a:t>
+            </a:r>
+            <a:r>
+              <a:rPr lang="en-US" altLang="zh-TW">
+                <a:solidFill>
+                  <a:srgbClr val="00B0F0"/>
+                </a:solidFill>
+              </a:rPr>
+              <a:t>DSA)</a:t>
+            </a:r>
+          </a:p>
+          <a:p>
+            <a:r>
+              <a:rPr lang="zh-TW" altLang="en-US"/>
+              <a:t>在程式設計中有著非常重要的地位</a:t>
+            </a:r>
+            <a:endParaRPr lang="en-US" altLang="zh-TW"/>
+          </a:p>
+          <a:p>
+            <a:r>
+              <a:rPr lang="zh-TW" altLang="en-US"/>
+              <a:t>使用好的</a:t>
+            </a:r>
+            <a:r>
+              <a:rPr lang="zh-TW" altLang="en-US">
+                <a:solidFill>
+                  <a:srgbClr val="00B0F0"/>
+                </a:solidFill>
+              </a:rPr>
+              <a:t>資料結構</a:t>
+            </a:r>
+            <a:r>
+              <a:rPr lang="zh-TW" altLang="en-US"/>
+              <a:t>和</a:t>
+            </a:r>
+            <a:r>
+              <a:rPr lang="zh-TW" altLang="en-US">
+                <a:solidFill>
+                  <a:srgbClr val="00B0F0"/>
+                </a:solidFill>
+              </a:rPr>
+              <a:t>演算法</a:t>
+            </a:r>
+            <a:endParaRPr lang="en-US" altLang="zh-TW">
+              <a:solidFill>
+                <a:srgbClr val="00B0F0"/>
+              </a:solidFill>
+            </a:endParaRPr>
+          </a:p>
+          <a:p>
+            <a:r>
+              <a:rPr lang="zh-TW" altLang="en-US"/>
+              <a:t>可能會使程式的執行速度變得更快</a:t>
+            </a:r>
+            <a:endParaRPr lang="en-US" altLang="zh-TW"/>
+          </a:p>
+          <a:p>
+            <a:r>
+              <a:rPr lang="zh-TW" altLang="en-US"/>
+              <a:t>而使用不妥當的</a:t>
+            </a:r>
+            <a:r>
+              <a:rPr lang="zh-TW" altLang="en-US">
+                <a:solidFill>
+                  <a:srgbClr val="00B0F0"/>
+                </a:solidFill>
+              </a:rPr>
+              <a:t>資料結構</a:t>
+            </a:r>
+            <a:r>
+              <a:rPr lang="zh-TW" altLang="en-US"/>
+              <a:t>和</a:t>
+            </a:r>
+            <a:r>
+              <a:rPr lang="zh-TW" altLang="en-US">
+                <a:solidFill>
+                  <a:srgbClr val="00B0F0"/>
+                </a:solidFill>
+              </a:rPr>
+              <a:t>演算法</a:t>
+            </a:r>
+            <a:endParaRPr lang="en-US" altLang="zh-TW"/>
+          </a:p>
+          <a:p>
+            <a:r>
+              <a:rPr lang="zh-TW" altLang="en-US"/>
+              <a:t>則可能會使程式的執行速度變得緩慢</a:t>
+            </a:r>
+            <a:endParaRPr lang="en-US" altLang="zh-TW"/>
+          </a:p>
+        </p:txBody>
+      </p:sp>
+    </p:spTree>
+    <p:extLst>
+      <p:ext uri="{BB962C8B-B14F-4D97-AF65-F5344CB8AC3E}">
+        <p14:creationId xmlns:p14="http://schemas.microsoft.com/office/powerpoint/2010/main" val="568848414"/>
+      </p:ext>
+    </p:extLst>
+  </p:cSld>
+  <p:clrMapOvr>
+    <a:masterClrMapping/>
+  </p:clrMapOvr>
+  <p:transition spd="slow">
+    <p:push dir="u"/>
+  </p:transition>
+</p:sld>
+</file>
+
+<file path=ppt/slides/slide20.xml><?xml version="1.0" encoding="utf-8"?>
 <p:sld xmlns:a="http://schemas.openxmlformats.org/drawingml/2006/main" xmlns:r="http://schemas.openxmlformats.org/officeDocument/2006/relationships" xmlns:p="http://schemas.openxmlformats.org/presentationml/2006/main">
   <p:cSld>
     <p:spTree>
@@ -24581,217 +26509,7 @@
 </p:sld>
 </file>
 
-<file path=ppt/slides/slide2.xml><?xml version="1.0" encoding="utf-8"?>
-<p:sld xmlns:a="http://schemas.openxmlformats.org/drawingml/2006/main" xmlns:r="http://schemas.openxmlformats.org/officeDocument/2006/relationships" xmlns:p="http://schemas.openxmlformats.org/presentationml/2006/main">
-  <p:cSld>
-    <p:spTree>
-      <p:nvGrpSpPr>
-        <p:cNvPr id="1" name=""/>
-        <p:cNvGrpSpPr/>
-        <p:nvPr/>
-      </p:nvGrpSpPr>
-      <p:grpSpPr>
-        <a:xfrm>
-          <a:off x="0" y="0"/>
-          <a:ext cx="0" cy="0"/>
-          <a:chOff x="0" y="0"/>
-          <a:chExt cx="0" cy="0"/>
-        </a:xfrm>
-      </p:grpSpPr>
-      <p:sp>
-        <p:nvSpPr>
-          <p:cNvPr id="2" name="標題 1">
-            <a:extLst>
-              <a:ext uri="{FF2B5EF4-FFF2-40B4-BE49-F238E27FC236}">
-                <a16:creationId xmlns:a16="http://schemas.microsoft.com/office/drawing/2014/main" id="{8C17A47F-2C5A-493F-AD08-4E7E87350DB2}"/>
-              </a:ext>
-            </a:extLst>
-          </p:cNvPr>
-          <p:cNvSpPr>
-            <a:spLocks noGrp="1"/>
-          </p:cNvSpPr>
-          <p:nvPr>
-            <p:ph type="title"/>
-          </p:nvPr>
-        </p:nvSpPr>
-        <p:spPr/>
-        <p:txBody>
-          <a:bodyPr/>
-          <a:lstStyle/>
-          <a:p>
-            <a:r>
-              <a:rPr lang="zh-TW" altLang="en-US"/>
-              <a:t>資料結構與演算法</a:t>
-            </a:r>
-          </a:p>
-        </p:txBody>
-      </p:sp>
-      <p:sp>
-        <p:nvSpPr>
-          <p:cNvPr id="3" name="內容版面配置區 2">
-            <a:extLst>
-              <a:ext uri="{FF2B5EF4-FFF2-40B4-BE49-F238E27FC236}">
-                <a16:creationId xmlns:a16="http://schemas.microsoft.com/office/drawing/2014/main" id="{33A7D770-DB9E-4CA1-852D-315655194283}"/>
-              </a:ext>
-            </a:extLst>
-          </p:cNvPr>
-          <p:cNvSpPr>
-            <a:spLocks noGrp="1"/>
-          </p:cNvSpPr>
-          <p:nvPr>
-            <p:ph idx="1"/>
-          </p:nvPr>
-        </p:nvSpPr>
-        <p:spPr>
-          <a:xfrm>
-            <a:off x="838200" y="2043954"/>
-            <a:ext cx="10515600" cy="3591952"/>
-          </a:xfrm>
-        </p:spPr>
-        <p:txBody>
-          <a:bodyPr>
-            <a:normAutofit/>
-          </a:bodyPr>
-          <a:lstStyle/>
-          <a:p>
-            <a:r>
-              <a:rPr lang="zh-TW" altLang="en-US">
-                <a:solidFill>
-                  <a:srgbClr val="00B0F0"/>
-                </a:solidFill>
-              </a:rPr>
-              <a:t>資料結構與演算法</a:t>
-            </a:r>
-            <a:endParaRPr lang="en-US" altLang="zh-TW">
-              <a:solidFill>
-                <a:srgbClr val="00B0F0"/>
-              </a:solidFill>
-            </a:endParaRPr>
-          </a:p>
-          <a:p>
-            <a:r>
-              <a:rPr lang="en-US" altLang="zh-TW">
-                <a:solidFill>
-                  <a:srgbClr val="00B0F0"/>
-                </a:solidFill>
-              </a:rPr>
-              <a:t>(Data Structure &amp; Algorithm</a:t>
-            </a:r>
-            <a:r>
-              <a:rPr lang="zh-TW" altLang="en-US">
-                <a:solidFill>
-                  <a:srgbClr val="00B0F0"/>
-                </a:solidFill>
-              </a:rPr>
-              <a:t>，簡稱 </a:t>
-            </a:r>
-            <a:r>
-              <a:rPr lang="en-US" altLang="zh-TW">
-                <a:solidFill>
-                  <a:srgbClr val="00B0F0"/>
-                </a:solidFill>
-              </a:rPr>
-              <a:t>DSA)</a:t>
-            </a:r>
-          </a:p>
-          <a:p>
-            <a:r>
-              <a:rPr lang="zh-TW" altLang="en-US"/>
-              <a:t>在程式設計中有著非常重要的地位</a:t>
-            </a:r>
-            <a:endParaRPr lang="en-US" altLang="zh-TW"/>
-          </a:p>
-          <a:p>
-            <a:r>
-              <a:rPr lang="zh-TW" altLang="en-US"/>
-              <a:t>使用好的</a:t>
-            </a:r>
-            <a:r>
-              <a:rPr lang="zh-TW" altLang="en-US">
-                <a:solidFill>
-                  <a:srgbClr val="00B0F0"/>
-                </a:solidFill>
-              </a:rPr>
-              <a:t>資料結構</a:t>
-            </a:r>
-            <a:r>
-              <a:rPr lang="zh-TW" altLang="en-US"/>
-              <a:t>和</a:t>
-            </a:r>
-            <a:r>
-              <a:rPr lang="zh-TW" altLang="en-US">
-                <a:solidFill>
-                  <a:srgbClr val="00B0F0"/>
-                </a:solidFill>
-              </a:rPr>
-              <a:t>演算法</a:t>
-            </a:r>
-            <a:endParaRPr lang="en-US" altLang="zh-TW">
-              <a:solidFill>
-                <a:srgbClr val="00B0F0"/>
-              </a:solidFill>
-            </a:endParaRPr>
-          </a:p>
-          <a:p>
-            <a:r>
-              <a:rPr lang="zh-TW" altLang="en-US"/>
-              <a:t>可能會使程式的執行速度變得更快</a:t>
-            </a:r>
-            <a:endParaRPr lang="en-US" altLang="zh-TW"/>
-          </a:p>
-          <a:p>
-            <a:r>
-              <a:rPr lang="zh-TW" altLang="en-US"/>
-              <a:t>而使用不妥當的</a:t>
-            </a:r>
-            <a:r>
-              <a:rPr lang="zh-TW" altLang="en-US">
-                <a:solidFill>
-                  <a:srgbClr val="00B0F0"/>
-                </a:solidFill>
-              </a:rPr>
-              <a:t>資料結構</a:t>
-            </a:r>
-            <a:r>
-              <a:rPr lang="zh-TW" altLang="en-US"/>
-              <a:t>和</a:t>
-            </a:r>
-            <a:r>
-              <a:rPr lang="zh-TW" altLang="en-US">
-                <a:solidFill>
-                  <a:srgbClr val="00B0F0"/>
-                </a:solidFill>
-              </a:rPr>
-              <a:t>演算法</a:t>
-            </a:r>
-            <a:endParaRPr lang="en-US" altLang="zh-TW"/>
-          </a:p>
-          <a:p>
-            <a:r>
-              <a:rPr lang="zh-TW" altLang="en-US"/>
-              <a:t>則可能會使程式的執行速度變得緩慢</a:t>
-            </a:r>
-            <a:endParaRPr lang="en-US" altLang="zh-TW"/>
-          </a:p>
-        </p:txBody>
-      </p:sp>
-    </p:spTree>
-    <p:extLst>
-      <p:ext uri="{BB962C8B-B14F-4D97-AF65-F5344CB8AC3E}">
-        <p14:creationId xmlns:p14="http://schemas.microsoft.com/office/powerpoint/2010/main" val="568848414"/>
-      </p:ext>
-    </p:extLst>
-  </p:cSld>
-  <p:clrMapOvr>
-    <a:masterClrMapping/>
-  </p:clrMapOvr>
-  <p:transition spd="slow">
-    <p:push dir="u"/>
-  </p:transition>
-</p:sld>
-</file>
-
-<file path=ppt/slides/slide20.xml><?xml version="1.0" encoding="utf-8"?>
+<file path=ppt/slides/slide21.xml><?xml version="1.0" encoding="utf-8"?>
 <p:sld xmlns:a="http://schemas.openxmlformats.org/drawingml/2006/main" xmlns:r="http://schemas.openxmlformats.org/officeDocument/2006/relationships" xmlns:p="http://schemas.openxmlformats.org/presentationml/2006/main">
   <p:cSld>
     <p:spTree>
@@ -24855,7 +26573,7 @@
         </p:nvGrpSpPr>
         <p:grpSpPr>
           <a:xfrm>
-            <a:off x="8345345" y="2426118"/>
+            <a:off x="8040545" y="2426118"/>
             <a:ext cx="3438762" cy="1077218"/>
             <a:chOff x="8345345" y="2656772"/>
             <a:chExt cx="3438762" cy="1077218"/>
@@ -25029,7 +26747,7 @@
                   <a:latin typeface="+mj-lt"/>
                   <a:cs typeface="JetBrains Mono" panose="02000009000000000000" pitchFamily="49" charset="0"/>
                 </a:rPr>
-                <a:t>9</a:t>
+                <a:t>Target Index: 8</a:t>
               </a:r>
               <a:endParaRPr lang="zh-TW" altLang="zh-TW" sz="1600">
                 <a:solidFill>
@@ -25100,7 +26818,7 @@
         </p:nvGrpSpPr>
         <p:grpSpPr>
           <a:xfrm>
-            <a:off x="8345345" y="3751681"/>
+            <a:off x="8040545" y="3751681"/>
             <a:ext cx="3438762" cy="1077218"/>
             <a:chOff x="8345345" y="3982335"/>
             <a:chExt cx="3438762" cy="1077218"/>
@@ -25266,7 +26984,7 @@
                   <a:latin typeface="+mj-lt"/>
                   <a:cs typeface="JetBrains Mono" panose="02000009000000000000" pitchFamily="49" charset="0"/>
                 </a:rPr>
-                <a:t>Not found.</a:t>
+                <a:t>Target Not found.</a:t>
               </a:r>
               <a:endParaRPr lang="zh-TW" altLang="zh-TW" sz="1600">
                 <a:solidFill>
@@ -25325,10 +27043,10 @@
       </p:grpSp>
       <p:grpSp>
         <p:nvGrpSpPr>
-          <p:cNvPr id="13" name="群組 12">
+          <p:cNvPr id="17" name="群組 16">
             <a:extLst>
               <a:ext uri="{FF2B5EF4-FFF2-40B4-BE49-F238E27FC236}">
-                <a16:creationId xmlns:a16="http://schemas.microsoft.com/office/drawing/2014/main" id="{C8994816-1775-4D35-9A03-537ABF925E03}"/>
+                <a16:creationId xmlns:a16="http://schemas.microsoft.com/office/drawing/2014/main" id="{E0ED5BFB-7D2E-4AC1-8E25-F82CEF2BD41C}"/>
               </a:ext>
             </a:extLst>
           </p:cNvPr>
@@ -25337,18 +27055,18 @@
         </p:nvGrpSpPr>
         <p:grpSpPr>
           <a:xfrm>
-            <a:off x="524434" y="1214685"/>
-            <a:ext cx="7561685" cy="5047536"/>
-            <a:chOff x="524434" y="1445339"/>
-            <a:chExt cx="7561685" cy="5047536"/>
+            <a:off x="712693" y="1208569"/>
+            <a:ext cx="6976708" cy="5170646"/>
+            <a:chOff x="524434" y="1208569"/>
+            <a:chExt cx="6976708" cy="5170646"/>
           </a:xfrm>
         </p:grpSpPr>
         <p:sp>
           <p:nvSpPr>
-            <p:cNvPr id="4" name="Rectangle 1">
+            <p:cNvPr id="16" name="Rectangle 2">
               <a:extLst>
                 <a:ext uri="{FF2B5EF4-FFF2-40B4-BE49-F238E27FC236}">
-                  <a16:creationId xmlns:a16="http://schemas.microsoft.com/office/drawing/2014/main" id="{A1C00E61-3ED6-43A8-A52C-179AD5327FCD}"/>
+                  <a16:creationId xmlns:a16="http://schemas.microsoft.com/office/drawing/2014/main" id="{9F40DB90-633D-4509-8093-9C647228C39E}"/>
                 </a:ext>
               </a:extLst>
             </p:cNvPr>
@@ -25359,8 +27077,8 @@
           </p:nvSpPr>
           <p:spPr bwMode="auto">
             <a:xfrm>
-              <a:off x="524434" y="1445339"/>
-              <a:ext cx="7561685" cy="5047536"/>
+              <a:off x="524434" y="1208569"/>
+              <a:ext cx="6973384" cy="5170646"/>
             </a:xfrm>
             <a:prstGeom prst="rect">
               <a:avLst/>
@@ -25420,7 +27138,7 @@
                 <a:tabLst/>
               </a:pPr>
               <a:r>
-                <a:rPr kumimoji="0" lang="zh-TW" altLang="zh-TW" sz="1400" b="0" i="0" u="none" strike="noStrike" cap="none" normalizeH="0" baseline="0">
+                <a:rPr kumimoji="0" lang="zh-TW" altLang="zh-TW" sz="1300" b="0" i="0" u="none" strike="noStrike" cap="none" normalizeH="0" baseline="0">
                   <a:ln>
                     <a:noFill/>
                   </a:ln>
@@ -25434,7 +27152,7 @@
                 <a:t>import </a:t>
               </a:r>
               <a:r>
-                <a:rPr kumimoji="0" lang="zh-TW" altLang="zh-TW" sz="1400" b="0" i="0" u="none" strike="noStrike" cap="none" normalizeH="0" baseline="0">
+                <a:rPr kumimoji="0" lang="zh-TW" altLang="zh-TW" sz="1300" b="0" i="0" u="none" strike="noStrike" cap="none" normalizeH="0" baseline="0">
                   <a:ln>
                     <a:noFill/>
                   </a:ln>
@@ -25448,7 +27166,7 @@
                 <a:t>java.util.Scanner;</a:t>
               </a:r>
               <a:br>
-                <a:rPr kumimoji="0" lang="zh-TW" altLang="zh-TW" sz="1400" b="0" i="0" u="none" strike="noStrike" cap="none" normalizeH="0" baseline="0">
+                <a:rPr kumimoji="0" lang="zh-TW" altLang="zh-TW" sz="1300" b="0" i="0" u="none" strike="noStrike" cap="none" normalizeH="0" baseline="0">
                   <a:ln>
                     <a:noFill/>
                   </a:ln>
@@ -25461,7 +27179,7 @@
                 </a:rPr>
               </a:br>
               <a:br>
-                <a:rPr kumimoji="0" lang="zh-TW" altLang="zh-TW" sz="1400" b="0" i="0" u="none" strike="noStrike" cap="none" normalizeH="0" baseline="0">
+                <a:rPr kumimoji="0" lang="zh-TW" altLang="zh-TW" sz="1300" b="0" i="0" u="none" strike="noStrike" cap="none" normalizeH="0" baseline="0">
                   <a:ln>
                     <a:noFill/>
                   </a:ln>
@@ -25474,7 +27192,7 @@
                 </a:rPr>
               </a:br>
               <a:r>
-                <a:rPr kumimoji="0" lang="zh-TW" altLang="zh-TW" sz="1400" b="0" i="0" u="none" strike="noStrike" cap="none" normalizeH="0" baseline="0">
+                <a:rPr kumimoji="0" lang="zh-TW" altLang="zh-TW" sz="1300" b="0" i="0" u="none" strike="noStrike" cap="none" normalizeH="0" baseline="0">
                   <a:ln>
                     <a:noFill/>
                   </a:ln>
@@ -25488,7 +27206,7 @@
                 <a:t>public class </a:t>
               </a:r>
               <a:r>
-                <a:rPr kumimoji="0" lang="zh-TW" altLang="zh-TW" sz="1400" b="0" i="0" u="none" strike="noStrike" cap="none" normalizeH="0" baseline="0">
+                <a:rPr kumimoji="0" lang="zh-TW" altLang="zh-TW" sz="1300" b="0" i="0" u="none" strike="noStrike" cap="none" normalizeH="0" baseline="0">
                   <a:ln>
                     <a:noFill/>
                   </a:ln>
@@ -25499,10 +27217,10 @@
                   <a:latin typeface="+mj-lt"/>
                   <a:cs typeface="JetBrains Mono" panose="02000009000000000000" pitchFamily="49" charset="0"/>
                 </a:rPr>
-                <a:t>Main</a:t>
-              </a:r>
-              <a:r>
-                <a:rPr kumimoji="0" lang="en-US" altLang="zh-TW" sz="1400" b="0" i="0" u="none" strike="noStrike" cap="none" normalizeH="0" baseline="0">
+                <a:t>Main5 {</a:t>
+              </a:r>
+              <a:br>
+                <a:rPr kumimoji="0" lang="zh-TW" altLang="zh-TW" sz="1300" b="0" i="0" u="none" strike="noStrike" cap="none" normalizeH="0" baseline="0">
                   <a:ln>
                     <a:noFill/>
                   </a:ln>
@@ -25513,10 +27231,9 @@
                   <a:latin typeface="+mj-lt"/>
                   <a:cs typeface="JetBrains Mono" panose="02000009000000000000" pitchFamily="49" charset="0"/>
                 </a:rPr>
-                <a:t>5</a:t>
-              </a:r>
-              <a:r>
-                <a:rPr kumimoji="0" lang="zh-TW" altLang="zh-TW" sz="1400" b="0" i="0" u="none" strike="noStrike" cap="none" normalizeH="0" baseline="0">
+              </a:br>
+              <a:r>
+                <a:rPr kumimoji="0" lang="zh-TW" altLang="zh-TW" sz="1300" b="0" i="0" u="none" strike="noStrike" cap="none" normalizeH="0" baseline="0">
                   <a:ln>
                     <a:noFill/>
                   </a:ln>
@@ -25527,10 +27244,52 @@
                   <a:latin typeface="+mj-lt"/>
                   <a:cs typeface="JetBrains Mono" panose="02000009000000000000" pitchFamily="49" charset="0"/>
                 </a:rPr>
-                <a:t> {</a:t>
+                <a:t>    </a:t>
+              </a:r>
+              <a:r>
+                <a:rPr kumimoji="0" lang="zh-TW" altLang="zh-TW" sz="1300" b="0" i="0" u="none" strike="noStrike" cap="none" normalizeH="0" baseline="0">
+                  <a:ln>
+                    <a:noFill/>
+                  </a:ln>
+                  <a:solidFill>
+                    <a:srgbClr val="CF8E6D"/>
+                  </a:solidFill>
+                  <a:effectLst/>
+                  <a:latin typeface="+mj-lt"/>
+                  <a:cs typeface="JetBrains Mono" panose="02000009000000000000" pitchFamily="49" charset="0"/>
+                </a:rPr>
+                <a:t>public static void </a:t>
+              </a:r>
+              <a:r>
+                <a:rPr kumimoji="0" lang="zh-TW" altLang="zh-TW" sz="1300" b="0" i="0" u="none" strike="noStrike" cap="none" normalizeH="0" baseline="0">
+                  <a:ln>
+                    <a:noFill/>
+                  </a:ln>
+                  <a:solidFill>
+                    <a:srgbClr val="56A8F5"/>
+                  </a:solidFill>
+                  <a:effectLst/>
+                  <a:latin typeface="+mj-lt"/>
+                  <a:cs typeface="JetBrains Mono" panose="02000009000000000000" pitchFamily="49" charset="0"/>
+                </a:rPr>
+                <a:t>main</a:t>
+              </a:r>
+              <a:r>
+                <a:rPr kumimoji="0" lang="zh-TW" altLang="zh-TW" sz="1300" b="0" i="0" u="none" strike="noStrike" cap="none" normalizeH="0" baseline="0">
+                  <a:ln>
+                    <a:noFill/>
+                  </a:ln>
+                  <a:solidFill>
+                    <a:srgbClr val="BCBEC4"/>
+                  </a:solidFill>
+                  <a:effectLst/>
+                  <a:latin typeface="+mj-lt"/>
+                  <a:cs typeface="JetBrains Mono" panose="02000009000000000000" pitchFamily="49" charset="0"/>
+                </a:rPr>
+                <a:t>(String[] args) {</a:t>
               </a:r>
               <a:br>
-                <a:rPr kumimoji="0" lang="zh-TW" altLang="zh-TW" sz="1400" b="0" i="0" u="none" strike="noStrike" cap="none" normalizeH="0" baseline="0">
+                <a:rPr kumimoji="0" lang="zh-TW" altLang="zh-TW" sz="1300" b="0" i="0" u="none" strike="noStrike" cap="none" normalizeH="0" baseline="0">
                   <a:ln>
                     <a:noFill/>
                   </a:ln>
@@ -25543,7 +27302,7 @@
                 </a:rPr>
               </a:br>
               <a:r>
-                <a:rPr kumimoji="0" lang="zh-TW" altLang="zh-TW" sz="1400" b="0" i="0" u="none" strike="noStrike" cap="none" normalizeH="0" baseline="0">
+                <a:rPr kumimoji="0" lang="zh-TW" altLang="zh-TW" sz="1300" b="0" i="0" u="none" strike="noStrike" cap="none" normalizeH="0" baseline="0">
                   <a:ln>
                     <a:noFill/>
                   </a:ln>
@@ -25554,10 +27313,10 @@
                   <a:latin typeface="+mj-lt"/>
                   <a:cs typeface="JetBrains Mono" panose="02000009000000000000" pitchFamily="49" charset="0"/>
                 </a:rPr>
-                <a:t>    </a:t>
-              </a:r>
-              <a:r>
-                <a:rPr kumimoji="0" lang="zh-TW" altLang="zh-TW" sz="1400" b="0" i="0" u="none" strike="noStrike" cap="none" normalizeH="0" baseline="0">
+                <a:t>        Scanner scanner = </a:t>
+              </a:r>
+              <a:r>
+                <a:rPr kumimoji="0" lang="zh-TW" altLang="zh-TW" sz="1300" b="0" i="0" u="none" strike="noStrike" cap="none" normalizeH="0" baseline="0">
                   <a:ln>
                     <a:noFill/>
                   </a:ln>
@@ -25568,24 +27327,10 @@
                   <a:latin typeface="+mj-lt"/>
                   <a:cs typeface="JetBrains Mono" panose="02000009000000000000" pitchFamily="49" charset="0"/>
                 </a:rPr>
-                <a:t>public static void </a:t>
-              </a:r>
-              <a:r>
-                <a:rPr kumimoji="0" lang="zh-TW" altLang="zh-TW" sz="1400" b="0" i="0" u="none" strike="noStrike" cap="none" normalizeH="0" baseline="0">
-                  <a:ln>
-                    <a:noFill/>
-                  </a:ln>
-                  <a:solidFill>
-                    <a:srgbClr val="56A8F5"/>
-                  </a:solidFill>
-                  <a:effectLst/>
-                  <a:latin typeface="+mj-lt"/>
-                  <a:cs typeface="JetBrains Mono" panose="02000009000000000000" pitchFamily="49" charset="0"/>
-                </a:rPr>
-                <a:t>main</a:t>
-              </a:r>
-              <a:r>
-                <a:rPr kumimoji="0" lang="zh-TW" altLang="zh-TW" sz="1400" b="0" i="0" u="none" strike="noStrike" cap="none" normalizeH="0" baseline="0">
+                <a:t>new </a:t>
+              </a:r>
+              <a:r>
+                <a:rPr kumimoji="0" lang="zh-TW" altLang="zh-TW" sz="1300" b="0" i="0" u="none" strike="noStrike" cap="none" normalizeH="0" baseline="0">
                   <a:ln>
                     <a:noFill/>
                   </a:ln>
@@ -25596,10 +27341,38 @@
                   <a:latin typeface="+mj-lt"/>
                   <a:cs typeface="JetBrains Mono" panose="02000009000000000000" pitchFamily="49" charset="0"/>
                 </a:rPr>
-                <a:t>(String[] args) {</a:t>
+                <a:t>Scanner(System.</a:t>
+              </a:r>
+              <a:r>
+                <a:rPr kumimoji="0" lang="zh-TW" altLang="zh-TW" sz="1300" b="0" i="1" u="none" strike="noStrike" cap="none" normalizeH="0" baseline="0">
+                  <a:ln>
+                    <a:noFill/>
+                  </a:ln>
+                  <a:solidFill>
+                    <a:srgbClr val="C77DBB"/>
+                  </a:solidFill>
+                  <a:effectLst/>
+                  <a:latin typeface="+mj-lt"/>
+                  <a:cs typeface="JetBrains Mono" panose="02000009000000000000" pitchFamily="49" charset="0"/>
+                </a:rPr>
+                <a:t>in</a:t>
+              </a:r>
+              <a:r>
+                <a:rPr kumimoji="0" lang="zh-TW" altLang="zh-TW" sz="1300" b="0" i="0" u="none" strike="noStrike" cap="none" normalizeH="0" baseline="0">
+                  <a:ln>
+                    <a:noFill/>
+                  </a:ln>
+                  <a:solidFill>
+                    <a:srgbClr val="BCBEC4"/>
+                  </a:solidFill>
+                  <a:effectLst/>
+                  <a:latin typeface="+mj-lt"/>
+                  <a:cs typeface="JetBrains Mono" panose="02000009000000000000" pitchFamily="49" charset="0"/>
+                </a:rPr>
+                <a:t>);</a:t>
               </a:r>
               <a:br>
-                <a:rPr kumimoji="0" lang="zh-TW" altLang="zh-TW" sz="1400" b="0" i="0" u="none" strike="noStrike" cap="none" normalizeH="0" baseline="0">
+                <a:rPr kumimoji="0" lang="zh-TW" altLang="zh-TW" sz="1300" b="0" i="0" u="none" strike="noStrike" cap="none" normalizeH="0" baseline="0">
                   <a:ln>
                     <a:noFill/>
                   </a:ln>
@@ -25612,7 +27385,7 @@
                 </a:rPr>
               </a:br>
               <a:r>
-                <a:rPr kumimoji="0" lang="zh-TW" altLang="zh-TW" sz="1400" b="0" i="0" u="none" strike="noStrike" cap="none" normalizeH="0" baseline="0">
+                <a:rPr kumimoji="0" lang="zh-TW" altLang="zh-TW" sz="1300" b="0" i="0" u="none" strike="noStrike" cap="none" normalizeH="0" baseline="0">
                   <a:ln>
                     <a:noFill/>
                   </a:ln>
@@ -25623,10 +27396,10 @@
                   <a:latin typeface="+mj-lt"/>
                   <a:cs typeface="JetBrains Mono" panose="02000009000000000000" pitchFamily="49" charset="0"/>
                 </a:rPr>
-                <a:t>        Scanner scanner = </a:t>
-              </a:r>
-              <a:r>
-                <a:rPr kumimoji="0" lang="zh-TW" altLang="zh-TW" sz="1400" b="0" i="0" u="none" strike="noStrike" cap="none" normalizeH="0" baseline="0">
+                <a:t>        </a:t>
+              </a:r>
+              <a:r>
+                <a:rPr kumimoji="0" lang="zh-TW" altLang="zh-TW" sz="1300" b="0" i="0" u="none" strike="noStrike" cap="none" normalizeH="0" baseline="0">
                   <a:ln>
                     <a:noFill/>
                   </a:ln>
@@ -25637,10 +27410,10 @@
                   <a:latin typeface="+mj-lt"/>
                   <a:cs typeface="JetBrains Mono" panose="02000009000000000000" pitchFamily="49" charset="0"/>
                 </a:rPr>
-                <a:t>new </a:t>
-              </a:r>
-              <a:r>
-                <a:rPr kumimoji="0" lang="zh-TW" altLang="zh-TW" sz="1400" b="0" i="0" u="none" strike="noStrike" cap="none" normalizeH="0" baseline="0">
+                <a:t>int </a:t>
+              </a:r>
+              <a:r>
+                <a:rPr kumimoji="0" lang="zh-TW" altLang="zh-TW" sz="1300" b="0" i="0" u="none" strike="noStrike" cap="none" normalizeH="0" baseline="0">
                   <a:ln>
                     <a:noFill/>
                   </a:ln>
@@ -25651,24 +27424,79 @@
                   <a:latin typeface="+mj-lt"/>
                   <a:cs typeface="JetBrains Mono" panose="02000009000000000000" pitchFamily="49" charset="0"/>
                 </a:rPr>
-                <a:t>Scanner(System.</a:t>
-              </a:r>
-              <a:r>
-                <a:rPr kumimoji="0" lang="zh-TW" altLang="zh-TW" sz="1400" b="0" i="1" u="none" strike="noStrike" cap="none" normalizeH="0" baseline="0">
-                  <a:ln>
-                    <a:noFill/>
-                  </a:ln>
-                  <a:solidFill>
-                    <a:srgbClr val="C77DBB"/>
-                  </a:solidFill>
-                  <a:effectLst/>
-                  <a:latin typeface="+mj-lt"/>
-                  <a:cs typeface="JetBrains Mono" panose="02000009000000000000" pitchFamily="49" charset="0"/>
-                </a:rPr>
-                <a:t>in</a:t>
-              </a:r>
-              <a:r>
-                <a:rPr kumimoji="0" lang="zh-TW" altLang="zh-TW" sz="1400" b="0" i="0" u="none" strike="noStrike" cap="none" normalizeH="0" baseline="0">
+                <a:t>n = scanner.nextInt(); </a:t>
+              </a:r>
+              <a:r>
+                <a:rPr kumimoji="0" lang="zh-TW" altLang="zh-TW" sz="1300" b="0" i="0" u="none" strike="noStrike" cap="none" normalizeH="0" baseline="0">
+                  <a:ln>
+                    <a:noFill/>
+                  </a:ln>
+                  <a:solidFill>
+                    <a:srgbClr val="7A7E85"/>
+                  </a:solidFill>
+                  <a:effectLst/>
+                  <a:latin typeface="+mj-lt"/>
+                  <a:cs typeface="JetBrains Mono" panose="02000009000000000000" pitchFamily="49" charset="0"/>
+                </a:rPr>
+                <a:t>// </a:t>
+              </a:r>
+              <a:r>
+                <a:rPr kumimoji="0" lang="zh-TW" altLang="zh-TW" sz="1300" b="0" i="0" u="none" strike="noStrike" cap="none" normalizeH="0" baseline="0">
+                  <a:ln>
+                    <a:noFill/>
+                  </a:ln>
+                  <a:solidFill>
+                    <a:srgbClr val="7A7E85"/>
+                  </a:solidFill>
+                  <a:effectLst/>
+                  <a:latin typeface="+mj-lt"/>
+                  <a:cs typeface="Courier New" panose="02070309020205020404" pitchFamily="49" charset="0"/>
+                </a:rPr>
+                <a:t>獲取資料個數</a:t>
+              </a:r>
+              <a:br>
+                <a:rPr kumimoji="0" lang="zh-TW" altLang="zh-TW" sz="1300" b="0" i="0" u="none" strike="noStrike" cap="none" normalizeH="0" baseline="0">
+                  <a:ln>
+                    <a:noFill/>
+                  </a:ln>
+                  <a:solidFill>
+                    <a:srgbClr val="7A7E85"/>
+                  </a:solidFill>
+                  <a:effectLst/>
+                  <a:latin typeface="+mj-lt"/>
+                  <a:cs typeface="Courier New" panose="02070309020205020404" pitchFamily="49" charset="0"/>
+                </a:rPr>
+              </a:br>
+              <a:r>
+                <a:rPr kumimoji="0" lang="zh-TW" altLang="zh-TW" sz="1300" b="0" i="0" u="none" strike="noStrike" cap="none" normalizeH="0" baseline="0">
+                  <a:ln>
+                    <a:noFill/>
+                  </a:ln>
+                  <a:solidFill>
+                    <a:srgbClr val="7A7E85"/>
+                  </a:solidFill>
+                  <a:effectLst/>
+                  <a:latin typeface="+mj-lt"/>
+                  <a:cs typeface="Courier New" panose="02070309020205020404" pitchFamily="49" charset="0"/>
+                </a:rPr>
+                <a:t>        </a:t>
+              </a:r>
+              <a:r>
+                <a:rPr kumimoji="0" lang="zh-TW" altLang="zh-TW" sz="1300" b="0" i="0" u="none" strike="noStrike" cap="none" normalizeH="0" baseline="0">
+                  <a:ln>
+                    <a:noFill/>
+                  </a:ln>
+                  <a:solidFill>
+                    <a:srgbClr val="CF8E6D"/>
+                  </a:solidFill>
+                  <a:effectLst/>
+                  <a:latin typeface="+mj-lt"/>
+                  <a:cs typeface="JetBrains Mono" panose="02000009000000000000" pitchFamily="49" charset="0"/>
+                </a:rPr>
+                <a:t>int</a:t>
+              </a:r>
+              <a:r>
+                <a:rPr kumimoji="0" lang="zh-TW" altLang="zh-TW" sz="1300" b="0" i="0" u="none" strike="noStrike" cap="none" normalizeH="0" baseline="0">
                   <a:ln>
                     <a:noFill/>
                   </a:ln>
@@ -25679,10 +27507,38 @@
                   <a:latin typeface="+mj-lt"/>
                   <a:cs typeface="JetBrains Mono" panose="02000009000000000000" pitchFamily="49" charset="0"/>
                 </a:rPr>
-                <a:t>);</a:t>
+                <a:t>[] arr = </a:t>
+              </a:r>
+              <a:r>
+                <a:rPr kumimoji="0" lang="zh-TW" altLang="zh-TW" sz="1300" b="0" i="0" u="none" strike="noStrike" cap="none" normalizeH="0" baseline="0">
+                  <a:ln>
+                    <a:noFill/>
+                  </a:ln>
+                  <a:solidFill>
+                    <a:srgbClr val="CF8E6D"/>
+                  </a:solidFill>
+                  <a:effectLst/>
+                  <a:latin typeface="+mj-lt"/>
+                  <a:cs typeface="JetBrains Mono" panose="02000009000000000000" pitchFamily="49" charset="0"/>
+                </a:rPr>
+                <a:t>new int</a:t>
+              </a:r>
+              <a:r>
+                <a:rPr kumimoji="0" lang="zh-TW" altLang="zh-TW" sz="1300" b="0" i="0" u="none" strike="noStrike" cap="none" normalizeH="0" baseline="0">
+                  <a:ln>
+                    <a:noFill/>
+                  </a:ln>
+                  <a:solidFill>
+                    <a:srgbClr val="BCBEC4"/>
+                  </a:solidFill>
+                  <a:effectLst/>
+                  <a:latin typeface="+mj-lt"/>
+                  <a:cs typeface="JetBrains Mono" panose="02000009000000000000" pitchFamily="49" charset="0"/>
+                </a:rPr>
+                <a:t>[n];</a:t>
               </a:r>
               <a:br>
-                <a:rPr kumimoji="0" lang="zh-TW" altLang="zh-TW" sz="1400" b="0" i="0" u="none" strike="noStrike" cap="none" normalizeH="0" baseline="0">
+                <a:rPr kumimoji="0" lang="zh-TW" altLang="zh-TW" sz="1300" b="0" i="0" u="none" strike="noStrike" cap="none" normalizeH="0" baseline="0">
                   <a:ln>
                     <a:noFill/>
                   </a:ln>
@@ -25695,7 +27551,7 @@
                 </a:rPr>
               </a:br>
               <a:r>
-                <a:rPr kumimoji="0" lang="zh-TW" altLang="zh-TW" sz="1400" b="0" i="0" u="none" strike="noStrike" cap="none" normalizeH="0" baseline="0">
+                <a:rPr kumimoji="0" lang="zh-TW" altLang="zh-TW" sz="1300" b="0" i="0" u="none" strike="noStrike" cap="none" normalizeH="0" baseline="0">
                   <a:ln>
                     <a:noFill/>
                   </a:ln>
@@ -25709,7 +27565,7 @@
                 <a:t>        </a:t>
               </a:r>
               <a:r>
-                <a:rPr kumimoji="0" lang="zh-TW" altLang="zh-TW" sz="1400" b="0" i="0" u="none" strike="noStrike" cap="none" normalizeH="0" baseline="0">
+                <a:rPr kumimoji="0" lang="zh-TW" altLang="zh-TW" sz="1300" b="0" i="0" u="none" strike="noStrike" cap="none" normalizeH="0" baseline="0">
                   <a:ln>
                     <a:noFill/>
                   </a:ln>
@@ -25720,10 +27576,38 @@
                   <a:latin typeface="+mj-lt"/>
                   <a:cs typeface="JetBrains Mono" panose="02000009000000000000" pitchFamily="49" charset="0"/>
                 </a:rPr>
+                <a:t>for </a:t>
+              </a:r>
+              <a:r>
+                <a:rPr kumimoji="0" lang="zh-TW" altLang="zh-TW" sz="1300" b="0" i="0" u="none" strike="noStrike" cap="none" normalizeH="0" baseline="0">
+                  <a:ln>
+                    <a:noFill/>
+                  </a:ln>
+                  <a:solidFill>
+                    <a:srgbClr val="BCBEC4"/>
+                  </a:solidFill>
+                  <a:effectLst/>
+                  <a:latin typeface="+mj-lt"/>
+                  <a:cs typeface="JetBrains Mono" panose="02000009000000000000" pitchFamily="49" charset="0"/>
+                </a:rPr>
+                <a:t>(</a:t>
+              </a:r>
+              <a:r>
+                <a:rPr kumimoji="0" lang="zh-TW" altLang="zh-TW" sz="1300" b="0" i="0" u="none" strike="noStrike" cap="none" normalizeH="0" baseline="0">
+                  <a:ln>
+                    <a:noFill/>
+                  </a:ln>
+                  <a:solidFill>
+                    <a:srgbClr val="CF8E6D"/>
+                  </a:solidFill>
+                  <a:effectLst/>
+                  <a:latin typeface="+mj-lt"/>
+                  <a:cs typeface="JetBrains Mono" panose="02000009000000000000" pitchFamily="49" charset="0"/>
+                </a:rPr>
                 <a:t>int </a:t>
               </a:r>
               <a:r>
-                <a:rPr kumimoji="0" lang="zh-TW" altLang="zh-TW" sz="1400" b="0" i="0" u="none" strike="noStrike" cap="none" normalizeH="0" baseline="0">
+                <a:rPr kumimoji="0" lang="zh-TW" altLang="zh-TW" sz="1300" b="0" i="0" u="none" strike="noStrike" cap="none" normalizeH="0" baseline="0">
                   <a:ln>
                     <a:noFill/>
                   </a:ln>
@@ -25734,10 +27618,38 @@
                   <a:latin typeface="+mj-lt"/>
                   <a:cs typeface="JetBrains Mono" panose="02000009000000000000" pitchFamily="49" charset="0"/>
                 </a:rPr>
-                <a:t>n = scanner.nextInt(); </a:t>
-              </a:r>
-              <a:r>
-                <a:rPr kumimoji="0" lang="zh-TW" altLang="zh-TW" sz="1400" b="0" i="0" u="none" strike="noStrike" cap="none" normalizeH="0" baseline="0">
+                <a:t>i = </a:t>
+              </a:r>
+              <a:r>
+                <a:rPr kumimoji="0" lang="zh-TW" altLang="zh-TW" sz="1300" b="0" i="0" u="none" strike="noStrike" cap="none" normalizeH="0" baseline="0">
+                  <a:ln>
+                    <a:noFill/>
+                  </a:ln>
+                  <a:solidFill>
+                    <a:srgbClr val="2AACB8"/>
+                  </a:solidFill>
+                  <a:effectLst/>
+                  <a:latin typeface="+mj-lt"/>
+                  <a:cs typeface="JetBrains Mono" panose="02000009000000000000" pitchFamily="49" charset="0"/>
+                </a:rPr>
+                <a:t>0</a:t>
+              </a:r>
+              <a:r>
+                <a:rPr kumimoji="0" lang="zh-TW" altLang="zh-TW" sz="1300" b="0" i="0" u="none" strike="noStrike" cap="none" normalizeH="0" baseline="0">
+                  <a:ln>
+                    <a:noFill/>
+                  </a:ln>
+                  <a:solidFill>
+                    <a:srgbClr val="BCBEC4"/>
+                  </a:solidFill>
+                  <a:effectLst/>
+                  <a:latin typeface="+mj-lt"/>
+                  <a:cs typeface="JetBrains Mono" panose="02000009000000000000" pitchFamily="49" charset="0"/>
+                </a:rPr>
+                <a:t>; i &lt; n; i++) arr[i] = scanner.nextInt(); </a:t>
+              </a:r>
+              <a:r>
+                <a:rPr kumimoji="0" lang="zh-TW" altLang="zh-TW" sz="1300" b="0" i="0" u="none" strike="noStrike" cap="none" normalizeH="0" baseline="0">
                   <a:ln>
                     <a:noFill/>
                   </a:ln>
@@ -25751,7 +27663,7 @@
                 <a:t>// </a:t>
               </a:r>
               <a:r>
-                <a:rPr kumimoji="0" lang="zh-TW" altLang="zh-TW" sz="1400" b="0" i="0" u="none" strike="noStrike" cap="none" normalizeH="0" baseline="0">
+                <a:rPr kumimoji="0" lang="zh-TW" altLang="zh-TW" sz="1300" b="0" i="0" u="none" strike="noStrike" cap="none" normalizeH="0" baseline="0">
                   <a:ln>
                     <a:noFill/>
                   </a:ln>
@@ -25760,13 +27672,12 @@
                   </a:solidFill>
                   <a:effectLst/>
                   <a:latin typeface="+mj-lt"/>
-                  <a:ea typeface="微軟正黑體" panose="020B0604030504040204" pitchFamily="34" charset="-120"/>
-                  <a:cs typeface="JetBrains Mono" panose="02000009000000000000" pitchFamily="49" charset="0"/>
-                </a:rPr>
-                <a:t>獲取資料個數</a:t>
+                  <a:cs typeface="Courier New" panose="02070309020205020404" pitchFamily="49" charset="0"/>
+                </a:rPr>
+                <a:t>讀入資料</a:t>
               </a:r>
               <a:br>
-                <a:rPr kumimoji="0" lang="zh-TW" altLang="zh-TW" sz="1400" b="0" i="0" u="none" strike="noStrike" cap="none" normalizeH="0" baseline="0">
+                <a:rPr kumimoji="0" lang="zh-TW" altLang="zh-TW" sz="1300" b="0" i="0" u="none" strike="noStrike" cap="none" normalizeH="0" baseline="0">
                   <a:ln>
                     <a:noFill/>
                   </a:ln>
@@ -25775,12 +27686,11 @@
                   </a:solidFill>
                   <a:effectLst/>
                   <a:latin typeface="+mj-lt"/>
-                  <a:ea typeface="微軟正黑體" panose="020B0604030504040204" pitchFamily="34" charset="-120"/>
-                  <a:cs typeface="JetBrains Mono" panose="02000009000000000000" pitchFamily="49" charset="0"/>
+                  <a:cs typeface="Courier New" panose="02070309020205020404" pitchFamily="49" charset="0"/>
                 </a:rPr>
               </a:br>
               <a:r>
-                <a:rPr kumimoji="0" lang="zh-TW" altLang="zh-TW" sz="1400" b="0" i="0" u="none" strike="noStrike" cap="none" normalizeH="0" baseline="0">
+                <a:rPr kumimoji="0" lang="zh-TW" altLang="zh-TW" sz="1300" b="0" i="0" u="none" strike="noStrike" cap="none" normalizeH="0" baseline="0">
                   <a:ln>
                     <a:noFill/>
                   </a:ln>
@@ -25789,13 +27699,12 @@
                   </a:solidFill>
                   <a:effectLst/>
                   <a:latin typeface="+mj-lt"/>
-                  <a:ea typeface="微軟正黑體" panose="020B0604030504040204" pitchFamily="34" charset="-120"/>
-                  <a:cs typeface="JetBrains Mono" panose="02000009000000000000" pitchFamily="49" charset="0"/>
+                  <a:cs typeface="Courier New" panose="02070309020205020404" pitchFamily="49" charset="0"/>
                 </a:rPr>
                 <a:t>        </a:t>
               </a:r>
               <a:r>
-                <a:rPr kumimoji="0" lang="zh-TW" altLang="zh-TW" sz="1400" b="0" i="0" u="none" strike="noStrike" cap="none" normalizeH="0" baseline="0">
+                <a:rPr kumimoji="0" lang="zh-TW" altLang="zh-TW" sz="1300" b="0" i="0" u="none" strike="noStrike" cap="none" normalizeH="0" baseline="0">
                   <a:ln>
                     <a:noFill/>
                   </a:ln>
@@ -25806,10 +27715,10 @@
                   <a:latin typeface="+mj-lt"/>
                   <a:cs typeface="JetBrains Mono" panose="02000009000000000000" pitchFamily="49" charset="0"/>
                 </a:rPr>
-                <a:t>int</a:t>
-              </a:r>
-              <a:r>
-                <a:rPr kumimoji="0" lang="zh-TW" altLang="zh-TW" sz="1400" b="0" i="0" u="none" strike="noStrike" cap="none" normalizeH="0" baseline="0">
+                <a:t>int </a:t>
+              </a:r>
+              <a:r>
+                <a:rPr kumimoji="0" lang="zh-TW" altLang="zh-TW" sz="1300" b="0" i="0" u="none" strike="noStrike" cap="none" normalizeH="0" baseline="0">
                   <a:ln>
                     <a:noFill/>
                   </a:ln>
@@ -25820,149 +27729,38 @@
                   <a:latin typeface="+mj-lt"/>
                   <a:cs typeface="JetBrains Mono" panose="02000009000000000000" pitchFamily="49" charset="0"/>
                 </a:rPr>
-                <a:t>[] arr = </a:t>
-              </a:r>
-              <a:r>
-                <a:rPr kumimoji="0" lang="zh-TW" altLang="zh-TW" sz="1400" b="0" i="0" u="none" strike="noStrike" cap="none" normalizeH="0" baseline="0">
-                  <a:ln>
-                    <a:noFill/>
-                  </a:ln>
-                  <a:solidFill>
-                    <a:srgbClr val="CF8E6D"/>
-                  </a:solidFill>
-                  <a:effectLst/>
-                  <a:latin typeface="+mj-lt"/>
-                  <a:cs typeface="JetBrains Mono" panose="02000009000000000000" pitchFamily="49" charset="0"/>
-                </a:rPr>
-                <a:t>new int</a:t>
-              </a:r>
-              <a:r>
-                <a:rPr kumimoji="0" lang="zh-TW" altLang="zh-TW" sz="1400" b="0" i="0" u="none" strike="noStrike" cap="none" normalizeH="0" baseline="0">
-                  <a:ln>
-                    <a:noFill/>
-                  </a:ln>
-                  <a:solidFill>
-                    <a:srgbClr val="BCBEC4"/>
-                  </a:solidFill>
-                  <a:effectLst/>
-                  <a:latin typeface="+mj-lt"/>
-                  <a:cs typeface="JetBrains Mono" panose="02000009000000000000" pitchFamily="49" charset="0"/>
-                </a:rPr>
-                <a:t>[n];</a:t>
+                <a:t>target = scanner.nextInt(); </a:t>
+              </a:r>
+              <a:r>
+                <a:rPr kumimoji="0" lang="zh-TW" altLang="zh-TW" sz="1300" b="0" i="0" u="none" strike="noStrike" cap="none" normalizeH="0" baseline="0">
+                  <a:ln>
+                    <a:noFill/>
+                  </a:ln>
+                  <a:solidFill>
+                    <a:srgbClr val="7A7E85"/>
+                  </a:solidFill>
+                  <a:effectLst/>
+                  <a:latin typeface="+mj-lt"/>
+                  <a:cs typeface="JetBrains Mono" panose="02000009000000000000" pitchFamily="49" charset="0"/>
+                </a:rPr>
+                <a:t>// </a:t>
+              </a:r>
+              <a:r>
+                <a:rPr kumimoji="0" lang="zh-TW" altLang="zh-TW" sz="1300" b="0" i="0" u="none" strike="noStrike" cap="none" normalizeH="0" baseline="0">
+                  <a:ln>
+                    <a:noFill/>
+                  </a:ln>
+                  <a:solidFill>
+                    <a:srgbClr val="7A7E85"/>
+                  </a:solidFill>
+                  <a:effectLst/>
+                  <a:latin typeface="+mj-lt"/>
+                  <a:cs typeface="Courier New" panose="02070309020205020404" pitchFamily="49" charset="0"/>
+                </a:rPr>
+                <a:t>讀入目標資料</a:t>
               </a:r>
               <a:br>
-                <a:rPr kumimoji="0" lang="zh-TW" altLang="zh-TW" sz="1400" b="0" i="0" u="none" strike="noStrike" cap="none" normalizeH="0" baseline="0">
-                  <a:ln>
-                    <a:noFill/>
-                  </a:ln>
-                  <a:solidFill>
-                    <a:srgbClr val="BCBEC4"/>
-                  </a:solidFill>
-                  <a:effectLst/>
-                  <a:latin typeface="+mj-lt"/>
-                  <a:cs typeface="JetBrains Mono" panose="02000009000000000000" pitchFamily="49" charset="0"/>
-                </a:rPr>
-              </a:br>
-              <a:r>
-                <a:rPr kumimoji="0" lang="zh-TW" altLang="zh-TW" sz="1400" b="0" i="0" u="none" strike="noStrike" cap="none" normalizeH="0" baseline="0">
-                  <a:ln>
-                    <a:noFill/>
-                  </a:ln>
-                  <a:solidFill>
-                    <a:srgbClr val="BCBEC4"/>
-                  </a:solidFill>
-                  <a:effectLst/>
-                  <a:latin typeface="+mj-lt"/>
-                  <a:cs typeface="JetBrains Mono" panose="02000009000000000000" pitchFamily="49" charset="0"/>
-                </a:rPr>
-                <a:t>        </a:t>
-              </a:r>
-              <a:r>
-                <a:rPr kumimoji="0" lang="zh-TW" altLang="zh-TW" sz="1400" b="0" i="0" u="none" strike="noStrike" cap="none" normalizeH="0" baseline="0">
-                  <a:ln>
-                    <a:noFill/>
-                  </a:ln>
-                  <a:solidFill>
-                    <a:srgbClr val="CF8E6D"/>
-                  </a:solidFill>
-                  <a:effectLst/>
-                  <a:latin typeface="+mj-lt"/>
-                  <a:cs typeface="JetBrains Mono" panose="02000009000000000000" pitchFamily="49" charset="0"/>
-                </a:rPr>
-                <a:t>for </a:t>
-              </a:r>
-              <a:r>
-                <a:rPr kumimoji="0" lang="zh-TW" altLang="zh-TW" sz="1400" b="0" i="0" u="none" strike="noStrike" cap="none" normalizeH="0" baseline="0">
-                  <a:ln>
-                    <a:noFill/>
-                  </a:ln>
-                  <a:solidFill>
-                    <a:srgbClr val="BCBEC4"/>
-                  </a:solidFill>
-                  <a:effectLst/>
-                  <a:latin typeface="+mj-lt"/>
-                  <a:cs typeface="JetBrains Mono" panose="02000009000000000000" pitchFamily="49" charset="0"/>
-                </a:rPr>
-                <a:t>(</a:t>
-              </a:r>
-              <a:r>
-                <a:rPr kumimoji="0" lang="zh-TW" altLang="zh-TW" sz="1400" b="0" i="0" u="none" strike="noStrike" cap="none" normalizeH="0" baseline="0">
-                  <a:ln>
-                    <a:noFill/>
-                  </a:ln>
-                  <a:solidFill>
-                    <a:srgbClr val="CF8E6D"/>
-                  </a:solidFill>
-                  <a:effectLst/>
-                  <a:latin typeface="+mj-lt"/>
-                  <a:cs typeface="JetBrains Mono" panose="02000009000000000000" pitchFamily="49" charset="0"/>
-                </a:rPr>
-                <a:t>int </a:t>
-              </a:r>
-              <a:r>
-                <a:rPr kumimoji="0" lang="zh-TW" altLang="zh-TW" sz="1400" b="0" i="0" u="none" strike="noStrike" cap="none" normalizeH="0" baseline="0">
-                  <a:ln>
-                    <a:noFill/>
-                  </a:ln>
-                  <a:solidFill>
-                    <a:srgbClr val="BCBEC4"/>
-                  </a:solidFill>
-                  <a:effectLst/>
-                  <a:latin typeface="+mj-lt"/>
-                  <a:cs typeface="JetBrains Mono" panose="02000009000000000000" pitchFamily="49" charset="0"/>
-                </a:rPr>
-                <a:t>i = </a:t>
-              </a:r>
-              <a:r>
-                <a:rPr kumimoji="0" lang="zh-TW" altLang="zh-TW" sz="1400" b="0" i="0" u="none" strike="noStrike" cap="none" normalizeH="0" baseline="0">
-                  <a:ln>
-                    <a:noFill/>
-                  </a:ln>
-                  <a:solidFill>
-                    <a:srgbClr val="2AACB8"/>
-                  </a:solidFill>
-                  <a:effectLst/>
-                  <a:latin typeface="+mj-lt"/>
-                  <a:cs typeface="JetBrains Mono" panose="02000009000000000000" pitchFamily="49" charset="0"/>
-                </a:rPr>
-                <a:t>0</a:t>
-              </a:r>
-              <a:r>
-                <a:rPr kumimoji="0" lang="zh-TW" altLang="zh-TW" sz="1400" b="0" i="0" u="none" strike="noStrike" cap="none" normalizeH="0" baseline="0">
-                  <a:ln>
-                    <a:noFill/>
-                  </a:ln>
-                  <a:solidFill>
-                    <a:srgbClr val="BCBEC4"/>
-                  </a:solidFill>
-                  <a:effectLst/>
-                  <a:latin typeface="+mj-lt"/>
-                  <a:cs typeface="JetBrains Mono" panose="02000009000000000000" pitchFamily="49" charset="0"/>
-                </a:rPr>
-                <a:t>; i &lt; n; i++) arr[i] = scanner.nextInt(); </a:t>
-              </a:r>
-              <a:r>
-                <a:rPr kumimoji="0" lang="zh-TW" altLang="zh-TW" sz="1400" b="0" i="0" u="none" strike="noStrike" cap="none" normalizeH="0" baseline="0">
+                <a:rPr kumimoji="0" lang="zh-TW" altLang="zh-TW" sz="1300" b="0" i="0" u="none" strike="noStrike" cap="none" normalizeH="0" baseline="0">
                   <a:ln>
                     <a:noFill/>
                   </a:ln>
@@ -25971,127 +27769,11 @@
                   </a:solidFill>
                   <a:effectLst/>
                   <a:latin typeface="+mj-lt"/>
-                  <a:cs typeface="JetBrains Mono" panose="02000009000000000000" pitchFamily="49" charset="0"/>
-                </a:rPr>
-                <a:t>// </a:t>
-              </a:r>
-              <a:r>
-                <a:rPr kumimoji="0" lang="zh-TW" altLang="zh-TW" sz="1400" b="0" i="0" u="none" strike="noStrike" cap="none" normalizeH="0" baseline="0">
-                  <a:ln>
-                    <a:noFill/>
-                  </a:ln>
-                  <a:solidFill>
-                    <a:srgbClr val="7A7E85"/>
-                  </a:solidFill>
-                  <a:effectLst/>
-                  <a:latin typeface="+mj-lt"/>
-                  <a:ea typeface="微軟正黑體" panose="020B0604030504040204" pitchFamily="34" charset="-120"/>
-                  <a:cs typeface="JetBrains Mono" panose="02000009000000000000" pitchFamily="49" charset="0"/>
-                </a:rPr>
-                <a:t>讀入資料</a:t>
-              </a:r>
-              <a:br>
-                <a:rPr kumimoji="0" lang="zh-TW" altLang="zh-TW" sz="1400" b="0" i="0" u="none" strike="noStrike" cap="none" normalizeH="0" baseline="0">
-                  <a:ln>
-                    <a:noFill/>
-                  </a:ln>
-                  <a:solidFill>
-                    <a:srgbClr val="7A7E85"/>
-                  </a:solidFill>
-                  <a:effectLst/>
-                  <a:latin typeface="+mj-lt"/>
-                  <a:ea typeface="微軟正黑體" panose="020B0604030504040204" pitchFamily="34" charset="-120"/>
-                  <a:cs typeface="JetBrains Mono" panose="02000009000000000000" pitchFamily="49" charset="0"/>
-                </a:rPr>
-              </a:br>
-              <a:r>
-                <a:rPr kumimoji="0" lang="zh-TW" altLang="zh-TW" sz="1400" b="0" i="0" u="none" strike="noStrike" cap="none" normalizeH="0" baseline="0">
-                  <a:ln>
-                    <a:noFill/>
-                  </a:ln>
-                  <a:solidFill>
-                    <a:srgbClr val="7A7E85"/>
-                  </a:solidFill>
-                  <a:effectLst/>
-                  <a:latin typeface="+mj-lt"/>
-                  <a:ea typeface="微軟正黑體" panose="020B0604030504040204" pitchFamily="34" charset="-120"/>
-                  <a:cs typeface="JetBrains Mono" panose="02000009000000000000" pitchFamily="49" charset="0"/>
-                </a:rPr>
-                <a:t>        </a:t>
-              </a:r>
-              <a:r>
-                <a:rPr kumimoji="0" lang="zh-TW" altLang="zh-TW" sz="1400" b="0" i="0" u="none" strike="noStrike" cap="none" normalizeH="0" baseline="0">
-                  <a:ln>
-                    <a:noFill/>
-                  </a:ln>
-                  <a:solidFill>
-                    <a:srgbClr val="CF8E6D"/>
-                  </a:solidFill>
-                  <a:effectLst/>
-                  <a:latin typeface="+mj-lt"/>
-                  <a:cs typeface="JetBrains Mono" panose="02000009000000000000" pitchFamily="49" charset="0"/>
-                </a:rPr>
-                <a:t>int </a:t>
-              </a:r>
-              <a:r>
-                <a:rPr kumimoji="0" lang="zh-TW" altLang="zh-TW" sz="1400" b="0" i="0" u="none" strike="noStrike" cap="none" normalizeH="0" baseline="0">
-                  <a:ln>
-                    <a:noFill/>
-                  </a:ln>
-                  <a:solidFill>
-                    <a:srgbClr val="BCBEC4"/>
-                  </a:solidFill>
-                  <a:effectLst/>
-                  <a:latin typeface="+mj-lt"/>
-                  <a:cs typeface="JetBrains Mono" panose="02000009000000000000" pitchFamily="49" charset="0"/>
-                </a:rPr>
-                <a:t>target = scanner.nextInt(); </a:t>
-              </a:r>
-              <a:r>
-                <a:rPr kumimoji="0" lang="zh-TW" altLang="zh-TW" sz="1400" b="0" i="0" u="none" strike="noStrike" cap="none" normalizeH="0" baseline="0">
-                  <a:ln>
-                    <a:noFill/>
-                  </a:ln>
-                  <a:solidFill>
-                    <a:srgbClr val="7A7E85"/>
-                  </a:solidFill>
-                  <a:effectLst/>
-                  <a:latin typeface="+mj-lt"/>
-                  <a:cs typeface="JetBrains Mono" panose="02000009000000000000" pitchFamily="49" charset="0"/>
-                </a:rPr>
-                <a:t>// </a:t>
-              </a:r>
-              <a:r>
-                <a:rPr kumimoji="0" lang="zh-TW" altLang="zh-TW" sz="1400" b="0" i="0" u="none" strike="noStrike" cap="none" normalizeH="0" baseline="0">
-                  <a:ln>
-                    <a:noFill/>
-                  </a:ln>
-                  <a:solidFill>
-                    <a:srgbClr val="7A7E85"/>
-                  </a:solidFill>
-                  <a:effectLst/>
-                  <a:latin typeface="+mj-lt"/>
-                  <a:ea typeface="微軟正黑體" panose="020B0604030504040204" pitchFamily="34" charset="-120"/>
-                  <a:cs typeface="JetBrains Mono" panose="02000009000000000000" pitchFamily="49" charset="0"/>
-                </a:rPr>
-                <a:t>讀入目標資料</a:t>
-              </a:r>
-              <a:br>
-                <a:rPr kumimoji="0" lang="zh-TW" altLang="zh-TW" sz="1400" b="0" i="0" u="none" strike="noStrike" cap="none" normalizeH="0" baseline="0">
-                  <a:ln>
-                    <a:noFill/>
-                  </a:ln>
-                  <a:solidFill>
-                    <a:srgbClr val="7A7E85"/>
-                  </a:solidFill>
-                  <a:effectLst/>
-                  <a:latin typeface="+mj-lt"/>
-                  <a:ea typeface="微軟正黑體" panose="020B0604030504040204" pitchFamily="34" charset="-120"/>
-                  <a:cs typeface="JetBrains Mono" panose="02000009000000000000" pitchFamily="49" charset="0"/>
+                  <a:cs typeface="Courier New" panose="02070309020205020404" pitchFamily="49" charset="0"/>
                 </a:rPr>
               </a:br>
               <a:br>
-                <a:rPr kumimoji="0" lang="zh-TW" altLang="zh-TW" sz="1400" b="0" i="0" u="none" strike="noStrike" cap="none" normalizeH="0" baseline="0">
+                <a:rPr kumimoji="0" lang="zh-TW" altLang="zh-TW" sz="1300" b="0" i="0" u="none" strike="noStrike" cap="none" normalizeH="0" baseline="0">
                   <a:ln>
                     <a:noFill/>
                   </a:ln>
@@ -26100,12 +27782,11 @@
                   </a:solidFill>
                   <a:effectLst/>
                   <a:latin typeface="+mj-lt"/>
-                  <a:ea typeface="微軟正黑體" panose="020B0604030504040204" pitchFamily="34" charset="-120"/>
-                  <a:cs typeface="JetBrains Mono" panose="02000009000000000000" pitchFamily="49" charset="0"/>
+                  <a:cs typeface="Courier New" panose="02070309020205020404" pitchFamily="49" charset="0"/>
                 </a:rPr>
               </a:br>
               <a:r>
-                <a:rPr kumimoji="0" lang="zh-TW" altLang="zh-TW" sz="1400" b="0" i="0" u="none" strike="noStrike" cap="none" normalizeH="0" baseline="0">
+                <a:rPr kumimoji="0" lang="zh-TW" altLang="zh-TW" sz="1300" b="0" i="0" u="none" strike="noStrike" cap="none" normalizeH="0" baseline="0">
                   <a:ln>
                     <a:noFill/>
                   </a:ln>
@@ -26114,13 +27795,12 @@
                   </a:solidFill>
                   <a:effectLst/>
                   <a:latin typeface="+mj-lt"/>
-                  <a:ea typeface="微軟正黑體" panose="020B0604030504040204" pitchFamily="34" charset="-120"/>
-                  <a:cs typeface="JetBrains Mono" panose="02000009000000000000" pitchFamily="49" charset="0"/>
+                  <a:cs typeface="Courier New" panose="02070309020205020404" pitchFamily="49" charset="0"/>
                 </a:rPr>
                 <a:t>        </a:t>
               </a:r>
               <a:r>
-                <a:rPr kumimoji="0" lang="zh-TW" altLang="zh-TW" sz="1400" b="0" i="0" u="none" strike="noStrike" cap="none" normalizeH="0" baseline="0">
+                <a:rPr kumimoji="0" lang="zh-TW" altLang="zh-TW" sz="1300" b="0" i="0" u="none" strike="noStrike" cap="none" normalizeH="0" baseline="0">
                   <a:ln>
                     <a:noFill/>
                   </a:ln>
@@ -26134,7 +27814,7 @@
                 <a:t>int </a:t>
               </a:r>
               <a:r>
-                <a:rPr kumimoji="0" lang="zh-TW" altLang="zh-TW" sz="1400" b="0" i="0" u="none" strike="noStrike" cap="none" normalizeH="0" baseline="0">
+                <a:rPr kumimoji="0" lang="zh-TW" altLang="zh-TW" sz="1300" b="0" i="0" u="none" strike="noStrike" cap="none" normalizeH="0" baseline="0">
                   <a:ln>
                     <a:noFill/>
                   </a:ln>
@@ -26148,7 +27828,7 @@
                 <a:t>l = </a:t>
               </a:r>
               <a:r>
-                <a:rPr kumimoji="0" lang="zh-TW" altLang="zh-TW" sz="1400" b="0" i="0" u="none" strike="noStrike" cap="none" normalizeH="0" baseline="0">
+                <a:rPr kumimoji="0" lang="zh-TW" altLang="zh-TW" sz="1300" b="0" i="0" u="none" strike="noStrike" cap="none" normalizeH="0" baseline="0">
                   <a:ln>
                     <a:noFill/>
                   </a:ln>
@@ -26162,7 +27842,7 @@
                 <a:t>0</a:t>
               </a:r>
               <a:r>
-                <a:rPr kumimoji="0" lang="zh-TW" altLang="zh-TW" sz="1400" b="0" i="0" u="none" strike="noStrike" cap="none" normalizeH="0" baseline="0">
+                <a:rPr kumimoji="0" lang="zh-TW" altLang="zh-TW" sz="1300" b="0" i="0" u="none" strike="noStrike" cap="none" normalizeH="0" baseline="0">
                   <a:ln>
                     <a:noFill/>
                   </a:ln>
@@ -26173,10 +27853,93 @@
                   <a:latin typeface="+mj-lt"/>
                   <a:cs typeface="JetBrains Mono" panose="02000009000000000000" pitchFamily="49" charset="0"/>
                 </a:rPr>
-                <a:t>, r = n - </a:t>
-              </a:r>
-              <a:r>
-                <a:rPr kumimoji="0" lang="zh-TW" altLang="zh-TW" sz="1400" b="0" i="0" u="none" strike="noStrike" cap="none" normalizeH="0" baseline="0">
+                <a:t>; </a:t>
+              </a:r>
+              <a:r>
+                <a:rPr kumimoji="0" lang="zh-TW" altLang="zh-TW" sz="1300" b="0" i="0" u="none" strike="noStrike" cap="none" normalizeH="0" baseline="0">
+                  <a:ln>
+                    <a:noFill/>
+                  </a:ln>
+                  <a:solidFill>
+                    <a:srgbClr val="7A7E85"/>
+                  </a:solidFill>
+                  <a:effectLst/>
+                  <a:latin typeface="+mj-lt"/>
+                  <a:cs typeface="JetBrains Mono" panose="02000009000000000000" pitchFamily="49" charset="0"/>
+                </a:rPr>
+                <a:t>// </a:t>
+              </a:r>
+              <a:r>
+                <a:rPr kumimoji="0" lang="zh-TW" altLang="zh-TW" sz="1300" b="0" i="0" u="none" strike="noStrike" cap="none" normalizeH="0" baseline="0">
+                  <a:ln>
+                    <a:noFill/>
+                  </a:ln>
+                  <a:solidFill>
+                    <a:srgbClr val="7A7E85"/>
+                  </a:solidFill>
+                  <a:effectLst/>
+                  <a:latin typeface="+mj-lt"/>
+                  <a:cs typeface="Courier New" panose="02070309020205020404" pitchFamily="49" charset="0"/>
+                </a:rPr>
+                <a:t>左邊界，目標的最小可能索引值</a:t>
+              </a:r>
+              <a:br>
+                <a:rPr kumimoji="0" lang="zh-TW" altLang="zh-TW" sz="1300" b="0" i="0" u="none" strike="noStrike" cap="none" normalizeH="0" baseline="0">
+                  <a:ln>
+                    <a:noFill/>
+                  </a:ln>
+                  <a:solidFill>
+                    <a:srgbClr val="7A7E85"/>
+                  </a:solidFill>
+                  <a:effectLst/>
+                  <a:latin typeface="+mj-lt"/>
+                  <a:cs typeface="Courier New" panose="02070309020205020404" pitchFamily="49" charset="0"/>
+                </a:rPr>
+              </a:br>
+              <a:r>
+                <a:rPr kumimoji="0" lang="zh-TW" altLang="zh-TW" sz="1300" b="0" i="0" u="none" strike="noStrike" cap="none" normalizeH="0" baseline="0">
+                  <a:ln>
+                    <a:noFill/>
+                  </a:ln>
+                  <a:solidFill>
+                    <a:srgbClr val="7A7E85"/>
+                  </a:solidFill>
+                  <a:effectLst/>
+                  <a:latin typeface="+mj-lt"/>
+                  <a:cs typeface="Courier New" panose="02070309020205020404" pitchFamily="49" charset="0"/>
+                </a:rPr>
+                <a:t>        </a:t>
+              </a:r>
+              <a:r>
+                <a:rPr kumimoji="0" lang="zh-TW" altLang="zh-TW" sz="1300" b="0" i="0" u="none" strike="noStrike" cap="none" normalizeH="0" baseline="0">
+                  <a:ln>
+                    <a:noFill/>
+                  </a:ln>
+                  <a:solidFill>
+                    <a:srgbClr val="CF8E6D"/>
+                  </a:solidFill>
+                  <a:effectLst/>
+                  <a:latin typeface="+mj-lt"/>
+                  <a:cs typeface="JetBrains Mono" panose="02000009000000000000" pitchFamily="49" charset="0"/>
+                </a:rPr>
+                <a:t>int </a:t>
+              </a:r>
+              <a:r>
+                <a:rPr kumimoji="0" lang="zh-TW" altLang="zh-TW" sz="1300" b="0" i="0" u="none" strike="noStrike" cap="none" normalizeH="0" baseline="0">
+                  <a:ln>
+                    <a:noFill/>
+                  </a:ln>
+                  <a:solidFill>
+                    <a:srgbClr val="BCBEC4"/>
+                  </a:solidFill>
+                  <a:effectLst/>
+                  <a:latin typeface="+mj-lt"/>
+                  <a:cs typeface="JetBrains Mono" panose="02000009000000000000" pitchFamily="49" charset="0"/>
+                </a:rPr>
+                <a:t>r = n - </a:t>
+              </a:r>
+              <a:r>
+                <a:rPr kumimoji="0" lang="zh-TW" altLang="zh-TW" sz="1300" b="0" i="0" u="none" strike="noStrike" cap="none" normalizeH="0" baseline="0">
                   <a:ln>
                     <a:noFill/>
                   </a:ln>
@@ -26190,7 +27953,7 @@
                 <a:t>1</a:t>
               </a:r>
               <a:r>
-                <a:rPr kumimoji="0" lang="zh-TW" altLang="zh-TW" sz="1400" b="0" i="0" u="none" strike="noStrike" cap="none" normalizeH="0" baseline="0">
+                <a:rPr kumimoji="0" lang="zh-TW" altLang="zh-TW" sz="1300" b="0" i="0" u="none" strike="noStrike" cap="none" normalizeH="0" baseline="0">
                   <a:ln>
                     <a:noFill/>
                   </a:ln>
@@ -26201,10 +27964,397 @@
                   <a:latin typeface="+mj-lt"/>
                   <a:cs typeface="JetBrains Mono" panose="02000009000000000000" pitchFamily="49" charset="0"/>
                 </a:rPr>
+                <a:t>; </a:t>
+              </a:r>
+              <a:r>
+                <a:rPr kumimoji="0" lang="zh-TW" altLang="zh-TW" sz="1300" b="0" i="0" u="none" strike="noStrike" cap="none" normalizeH="0" baseline="0">
+                  <a:ln>
+                    <a:noFill/>
+                  </a:ln>
+                  <a:solidFill>
+                    <a:srgbClr val="7A7E85"/>
+                  </a:solidFill>
+                  <a:effectLst/>
+                  <a:latin typeface="+mj-lt"/>
+                  <a:cs typeface="JetBrains Mono" panose="02000009000000000000" pitchFamily="49" charset="0"/>
+                </a:rPr>
+                <a:t>// </a:t>
+              </a:r>
+              <a:r>
+                <a:rPr kumimoji="0" lang="zh-TW" altLang="zh-TW" sz="1300" b="0" i="0" u="none" strike="noStrike" cap="none" normalizeH="0" baseline="0">
+                  <a:ln>
+                    <a:noFill/>
+                  </a:ln>
+                  <a:solidFill>
+                    <a:srgbClr val="7A7E85"/>
+                  </a:solidFill>
+                  <a:effectLst/>
+                  <a:latin typeface="+mj-lt"/>
+                  <a:cs typeface="Courier New" panose="02070309020205020404" pitchFamily="49" charset="0"/>
+                </a:rPr>
+                <a:t>右邊界，目標的最大可能索引值</a:t>
+              </a:r>
+              <a:br>
+                <a:rPr kumimoji="0" lang="zh-TW" altLang="zh-TW" sz="1300" b="0" i="0" u="none" strike="noStrike" cap="none" normalizeH="0" baseline="0">
+                  <a:ln>
+                    <a:noFill/>
+                  </a:ln>
+                  <a:solidFill>
+                    <a:srgbClr val="7A7E85"/>
+                  </a:solidFill>
+                  <a:effectLst/>
+                  <a:latin typeface="+mj-lt"/>
+                  <a:cs typeface="Courier New" panose="02070309020205020404" pitchFamily="49" charset="0"/>
+                </a:rPr>
+              </a:br>
+              <a:r>
+                <a:rPr kumimoji="0" lang="zh-TW" altLang="zh-TW" sz="1300" b="0" i="0" u="none" strike="noStrike" cap="none" normalizeH="0" baseline="0">
+                  <a:ln>
+                    <a:noFill/>
+                  </a:ln>
+                  <a:solidFill>
+                    <a:srgbClr val="7A7E85"/>
+                  </a:solidFill>
+                  <a:effectLst/>
+                  <a:latin typeface="+mj-lt"/>
+                  <a:cs typeface="Courier New" panose="02070309020205020404" pitchFamily="49" charset="0"/>
+                </a:rPr>
+                <a:t>        </a:t>
+              </a:r>
+              <a:r>
+                <a:rPr kumimoji="0" lang="zh-TW" altLang="zh-TW" sz="1300" b="0" i="0" u="none" strike="noStrike" cap="none" normalizeH="0" baseline="0">
+                  <a:ln>
+                    <a:noFill/>
+                  </a:ln>
+                  <a:solidFill>
+                    <a:srgbClr val="CF8E6D"/>
+                  </a:solidFill>
+                  <a:effectLst/>
+                  <a:latin typeface="+mj-lt"/>
+                  <a:cs typeface="JetBrains Mono" panose="02000009000000000000" pitchFamily="49" charset="0"/>
+                </a:rPr>
+                <a:t>while </a:t>
+              </a:r>
+              <a:r>
+                <a:rPr kumimoji="0" lang="zh-TW" altLang="zh-TW" sz="1300" b="0" i="0" u="none" strike="noStrike" cap="none" normalizeH="0" baseline="0">
+                  <a:ln>
+                    <a:noFill/>
+                  </a:ln>
+                  <a:solidFill>
+                    <a:srgbClr val="BCBEC4"/>
+                  </a:solidFill>
+                  <a:effectLst/>
+                  <a:latin typeface="+mj-lt"/>
+                  <a:cs typeface="JetBrains Mono" panose="02000009000000000000" pitchFamily="49" charset="0"/>
+                </a:rPr>
+                <a:t>(l &lt;= r) {</a:t>
+              </a:r>
+              <a:br>
+                <a:rPr kumimoji="0" lang="zh-TW" altLang="zh-TW" sz="1300" b="0" i="0" u="none" strike="noStrike" cap="none" normalizeH="0" baseline="0">
+                  <a:ln>
+                    <a:noFill/>
+                  </a:ln>
+                  <a:solidFill>
+                    <a:srgbClr val="BCBEC4"/>
+                  </a:solidFill>
+                  <a:effectLst/>
+                  <a:latin typeface="+mj-lt"/>
+                  <a:cs typeface="JetBrains Mono" panose="02000009000000000000" pitchFamily="49" charset="0"/>
+                </a:rPr>
+              </a:br>
+              <a:r>
+                <a:rPr kumimoji="0" lang="zh-TW" altLang="zh-TW" sz="1300" b="0" i="0" u="none" strike="noStrike" cap="none" normalizeH="0" baseline="0">
+                  <a:ln>
+                    <a:noFill/>
+                  </a:ln>
+                  <a:solidFill>
+                    <a:srgbClr val="BCBEC4"/>
+                  </a:solidFill>
+                  <a:effectLst/>
+                  <a:latin typeface="+mj-lt"/>
+                  <a:cs typeface="JetBrains Mono" panose="02000009000000000000" pitchFamily="49" charset="0"/>
+                </a:rPr>
+                <a:t>            </a:t>
+              </a:r>
+              <a:r>
+                <a:rPr kumimoji="0" lang="zh-TW" altLang="zh-TW" sz="1300" b="0" i="0" u="none" strike="noStrike" cap="none" normalizeH="0" baseline="0">
+                  <a:ln>
+                    <a:noFill/>
+                  </a:ln>
+                  <a:solidFill>
+                    <a:srgbClr val="CF8E6D"/>
+                  </a:solidFill>
+                  <a:effectLst/>
+                  <a:latin typeface="+mj-lt"/>
+                  <a:cs typeface="JetBrains Mono" panose="02000009000000000000" pitchFamily="49" charset="0"/>
+                </a:rPr>
+                <a:t>int </a:t>
+              </a:r>
+              <a:r>
+                <a:rPr kumimoji="0" lang="zh-TW" altLang="zh-TW" sz="1300" b="0" i="0" u="none" strike="noStrike" cap="none" normalizeH="0" baseline="0">
+                  <a:ln>
+                    <a:noFill/>
+                  </a:ln>
+                  <a:solidFill>
+                    <a:srgbClr val="BCBEC4"/>
+                  </a:solidFill>
+                  <a:effectLst/>
+                  <a:latin typeface="+mj-lt"/>
+                  <a:cs typeface="JetBrains Mono" panose="02000009000000000000" pitchFamily="49" charset="0"/>
+                </a:rPr>
+                <a:t>mid = (l + r) / </a:t>
+              </a:r>
+              <a:r>
+                <a:rPr kumimoji="0" lang="zh-TW" altLang="zh-TW" sz="1300" b="0" i="0" u="none" strike="noStrike" cap="none" normalizeH="0" baseline="0">
+                  <a:ln>
+                    <a:noFill/>
+                  </a:ln>
+                  <a:solidFill>
+                    <a:srgbClr val="2AACB8"/>
+                  </a:solidFill>
+                  <a:effectLst/>
+                  <a:latin typeface="+mj-lt"/>
+                  <a:cs typeface="JetBrains Mono" panose="02000009000000000000" pitchFamily="49" charset="0"/>
+                </a:rPr>
+                <a:t>2</a:t>
+              </a:r>
+              <a:r>
+                <a:rPr kumimoji="0" lang="zh-TW" altLang="zh-TW" sz="1300" b="0" i="0" u="none" strike="noStrike" cap="none" normalizeH="0" baseline="0">
+                  <a:ln>
+                    <a:noFill/>
+                  </a:ln>
+                  <a:solidFill>
+                    <a:srgbClr val="BCBEC4"/>
+                  </a:solidFill>
+                  <a:effectLst/>
+                  <a:latin typeface="+mj-lt"/>
+                  <a:cs typeface="JetBrains Mono" panose="02000009000000000000" pitchFamily="49" charset="0"/>
+                </a:rPr>
+                <a:t>; </a:t>
+              </a:r>
+              <a:r>
+                <a:rPr kumimoji="0" lang="zh-TW" altLang="zh-TW" sz="1300" b="0" i="0" u="none" strike="noStrike" cap="none" normalizeH="0" baseline="0">
+                  <a:ln>
+                    <a:noFill/>
+                  </a:ln>
+                  <a:solidFill>
+                    <a:srgbClr val="7A7E85"/>
+                  </a:solidFill>
+                  <a:effectLst/>
+                  <a:latin typeface="+mj-lt"/>
+                  <a:cs typeface="JetBrains Mono" panose="02000009000000000000" pitchFamily="49" charset="0"/>
+                </a:rPr>
+                <a:t>// </a:t>
+              </a:r>
+              <a:r>
+                <a:rPr kumimoji="0" lang="zh-TW" altLang="zh-TW" sz="1300" b="0" i="0" u="none" strike="noStrike" cap="none" normalizeH="0" baseline="0">
+                  <a:ln>
+                    <a:noFill/>
+                  </a:ln>
+                  <a:solidFill>
+                    <a:srgbClr val="7A7E85"/>
+                  </a:solidFill>
+                  <a:effectLst/>
+                  <a:latin typeface="+mj-lt"/>
+                  <a:cs typeface="Courier New" panose="02070309020205020404" pitchFamily="49" charset="0"/>
+                </a:rPr>
+                <a:t>取中間的資料</a:t>
+              </a:r>
+              <a:br>
+                <a:rPr kumimoji="0" lang="zh-TW" altLang="zh-TW" sz="1300" b="0" i="0" u="none" strike="noStrike" cap="none" normalizeH="0" baseline="0">
+                  <a:ln>
+                    <a:noFill/>
+                  </a:ln>
+                  <a:solidFill>
+                    <a:srgbClr val="7A7E85"/>
+                  </a:solidFill>
+                  <a:effectLst/>
+                  <a:latin typeface="+mj-lt"/>
+                  <a:cs typeface="Courier New" panose="02070309020205020404" pitchFamily="49" charset="0"/>
+                </a:rPr>
+              </a:br>
+              <a:r>
+                <a:rPr kumimoji="0" lang="zh-TW" altLang="zh-TW" sz="1300" b="0" i="0" u="none" strike="noStrike" cap="none" normalizeH="0" baseline="0">
+                  <a:ln>
+                    <a:noFill/>
+                  </a:ln>
+                  <a:solidFill>
+                    <a:srgbClr val="7A7E85"/>
+                  </a:solidFill>
+                  <a:effectLst/>
+                  <a:latin typeface="+mj-lt"/>
+                  <a:cs typeface="Courier New" panose="02070309020205020404" pitchFamily="49" charset="0"/>
+                </a:rPr>
+                <a:t>            </a:t>
+              </a:r>
+              <a:r>
+                <a:rPr kumimoji="0" lang="zh-TW" altLang="zh-TW" sz="1300" b="0" i="0" u="none" strike="noStrike" cap="none" normalizeH="0" baseline="0">
+                  <a:ln>
+                    <a:noFill/>
+                  </a:ln>
+                  <a:solidFill>
+                    <a:srgbClr val="CF8E6D"/>
+                  </a:solidFill>
+                  <a:effectLst/>
+                  <a:latin typeface="+mj-lt"/>
+                  <a:cs typeface="JetBrains Mono" panose="02000009000000000000" pitchFamily="49" charset="0"/>
+                </a:rPr>
+                <a:t>if </a:t>
+              </a:r>
+              <a:r>
+                <a:rPr kumimoji="0" lang="zh-TW" altLang="zh-TW" sz="1300" b="0" i="0" u="none" strike="noStrike" cap="none" normalizeH="0" baseline="0">
+                  <a:ln>
+                    <a:noFill/>
+                  </a:ln>
+                  <a:solidFill>
+                    <a:srgbClr val="BCBEC4"/>
+                  </a:solidFill>
+                  <a:effectLst/>
+                  <a:latin typeface="+mj-lt"/>
+                  <a:cs typeface="JetBrains Mono" panose="02000009000000000000" pitchFamily="49" charset="0"/>
+                </a:rPr>
+                <a:t>(arr[mid] == target) {</a:t>
+              </a:r>
+              <a:br>
+                <a:rPr kumimoji="0" lang="zh-TW" altLang="zh-TW" sz="1300" b="0" i="0" u="none" strike="noStrike" cap="none" normalizeH="0" baseline="0">
+                  <a:ln>
+                    <a:noFill/>
+                  </a:ln>
+                  <a:solidFill>
+                    <a:srgbClr val="BCBEC4"/>
+                  </a:solidFill>
+                  <a:effectLst/>
+                  <a:latin typeface="+mj-lt"/>
+                  <a:cs typeface="JetBrains Mono" panose="02000009000000000000" pitchFamily="49" charset="0"/>
+                </a:rPr>
+              </a:br>
+              <a:r>
+                <a:rPr kumimoji="0" lang="zh-TW" altLang="zh-TW" sz="1300" b="0" i="0" u="none" strike="noStrike" cap="none" normalizeH="0" baseline="0">
+                  <a:ln>
+                    <a:noFill/>
+                  </a:ln>
+                  <a:solidFill>
+                    <a:srgbClr val="BCBEC4"/>
+                  </a:solidFill>
+                  <a:effectLst/>
+                  <a:latin typeface="+mj-lt"/>
+                  <a:cs typeface="JetBrains Mono" panose="02000009000000000000" pitchFamily="49" charset="0"/>
+                </a:rPr>
+                <a:t>                System.</a:t>
+              </a:r>
+              <a:r>
+                <a:rPr kumimoji="0" lang="zh-TW" altLang="zh-TW" sz="1300" b="0" i="1" u="none" strike="noStrike" cap="none" normalizeH="0" baseline="0">
+                  <a:ln>
+                    <a:noFill/>
+                  </a:ln>
+                  <a:solidFill>
+                    <a:srgbClr val="C77DBB"/>
+                  </a:solidFill>
+                  <a:effectLst/>
+                  <a:latin typeface="+mj-lt"/>
+                  <a:cs typeface="JetBrains Mono" panose="02000009000000000000" pitchFamily="49" charset="0"/>
+                </a:rPr>
+                <a:t>out</a:t>
+              </a:r>
+              <a:r>
+                <a:rPr kumimoji="0" lang="zh-TW" altLang="zh-TW" sz="1300" b="0" i="0" u="none" strike="noStrike" cap="none" normalizeH="0" baseline="0">
+                  <a:ln>
+                    <a:noFill/>
+                  </a:ln>
+                  <a:solidFill>
+                    <a:srgbClr val="BCBEC4"/>
+                  </a:solidFill>
+                  <a:effectLst/>
+                  <a:latin typeface="+mj-lt"/>
+                  <a:cs typeface="JetBrains Mono" panose="02000009000000000000" pitchFamily="49" charset="0"/>
+                </a:rPr>
+                <a:t>.println(</a:t>
+              </a:r>
+              <a:r>
+                <a:rPr kumimoji="0" lang="zh-TW" altLang="zh-TW" sz="1300" b="0" i="0" u="none" strike="noStrike" cap="none" normalizeH="0" baseline="0">
+                  <a:ln>
+                    <a:noFill/>
+                  </a:ln>
+                  <a:solidFill>
+                    <a:srgbClr val="6AAB73"/>
+                  </a:solidFill>
+                  <a:effectLst/>
+                  <a:latin typeface="+mj-lt"/>
+                  <a:cs typeface="JetBrains Mono" panose="02000009000000000000" pitchFamily="49" charset="0"/>
+                </a:rPr>
+                <a:t>"Target Index: " </a:t>
+              </a:r>
+              <a:r>
+                <a:rPr kumimoji="0" lang="zh-TW" altLang="zh-TW" sz="1300" b="0" i="0" u="none" strike="noStrike" cap="none" normalizeH="0" baseline="0">
+                  <a:ln>
+                    <a:noFill/>
+                  </a:ln>
+                  <a:solidFill>
+                    <a:srgbClr val="BCBEC4"/>
+                  </a:solidFill>
+                  <a:effectLst/>
+                  <a:latin typeface="+mj-lt"/>
+                  <a:cs typeface="JetBrains Mono" panose="02000009000000000000" pitchFamily="49" charset="0"/>
+                </a:rPr>
+                <a:t>+ mid);</a:t>
+              </a:r>
+              <a:br>
+                <a:rPr kumimoji="0" lang="zh-TW" altLang="zh-TW" sz="1300" b="0" i="0" u="none" strike="noStrike" cap="none" normalizeH="0" baseline="0">
+                  <a:ln>
+                    <a:noFill/>
+                  </a:ln>
+                  <a:solidFill>
+                    <a:srgbClr val="BCBEC4"/>
+                  </a:solidFill>
+                  <a:effectLst/>
+                  <a:latin typeface="+mj-lt"/>
+                  <a:cs typeface="JetBrains Mono" panose="02000009000000000000" pitchFamily="49" charset="0"/>
+                </a:rPr>
+              </a:br>
+              <a:r>
+                <a:rPr kumimoji="0" lang="zh-TW" altLang="zh-TW" sz="1300" b="0" i="0" u="none" strike="noStrike" cap="none" normalizeH="0" baseline="0">
+                  <a:ln>
+                    <a:noFill/>
+                  </a:ln>
+                  <a:solidFill>
+                    <a:srgbClr val="BCBEC4"/>
+                  </a:solidFill>
+                  <a:effectLst/>
+                  <a:latin typeface="+mj-lt"/>
+                  <a:cs typeface="JetBrains Mono" panose="02000009000000000000" pitchFamily="49" charset="0"/>
+                </a:rPr>
+                <a:t>                </a:t>
+              </a:r>
+              <a:r>
+                <a:rPr kumimoji="0" lang="zh-TW" altLang="zh-TW" sz="1300" b="0" i="0" u="none" strike="noStrike" cap="none" normalizeH="0" baseline="0">
+                  <a:ln>
+                    <a:noFill/>
+                  </a:ln>
+                  <a:solidFill>
+                    <a:srgbClr val="CF8E6D"/>
+                  </a:solidFill>
+                  <a:effectLst/>
+                  <a:latin typeface="+mj-lt"/>
+                  <a:cs typeface="JetBrains Mono" panose="02000009000000000000" pitchFamily="49" charset="0"/>
+                </a:rPr>
+                <a:t>return</a:t>
+              </a:r>
+              <a:r>
+                <a:rPr kumimoji="0" lang="zh-TW" altLang="zh-TW" sz="1300" b="0" i="0" u="none" strike="noStrike" cap="none" normalizeH="0" baseline="0">
+                  <a:ln>
+                    <a:noFill/>
+                  </a:ln>
+                  <a:solidFill>
+                    <a:srgbClr val="BCBEC4"/>
+                  </a:solidFill>
+                  <a:effectLst/>
+                  <a:latin typeface="+mj-lt"/>
+                  <a:cs typeface="JetBrains Mono" panose="02000009000000000000" pitchFamily="49" charset="0"/>
+                </a:rPr>
                 <a:t>;</a:t>
               </a:r>
               <a:br>
-                <a:rPr kumimoji="0" lang="zh-TW" altLang="zh-TW" sz="1400" b="0" i="0" u="none" strike="noStrike" cap="none" normalizeH="0" baseline="0">
+                <a:rPr kumimoji="0" lang="zh-TW" altLang="zh-TW" sz="1300" b="0" i="0" u="none" strike="noStrike" cap="none" normalizeH="0" baseline="0">
                   <a:ln>
                     <a:noFill/>
                   </a:ln>
@@ -26217,7 +28367,7 @@
                 </a:rPr>
               </a:br>
               <a:r>
-                <a:rPr kumimoji="0" lang="zh-TW" altLang="zh-TW" sz="1400" b="0" i="0" u="none" strike="noStrike" cap="none" normalizeH="0" baseline="0">
+                <a:rPr kumimoji="0" lang="zh-TW" altLang="zh-TW" sz="1300" b="0" i="0" u="none" strike="noStrike" cap="none" normalizeH="0" baseline="0">
                   <a:ln>
                     <a:noFill/>
                   </a:ln>
@@ -26228,10 +28378,37 @@
                   <a:latin typeface="+mj-lt"/>
                   <a:cs typeface="JetBrains Mono" panose="02000009000000000000" pitchFamily="49" charset="0"/>
                 </a:rPr>
-                <a:t>        </a:t>
-              </a:r>
-              <a:r>
-                <a:rPr kumimoji="0" lang="zh-TW" altLang="zh-TW" sz="1400" b="0" i="0" u="none" strike="noStrike" cap="none" normalizeH="0" baseline="0">
+                <a:t>            }</a:t>
+              </a:r>
+              <a:br>
+                <a:rPr kumimoji="0" lang="zh-TW" altLang="zh-TW" sz="1300" b="0" i="0" u="none" strike="noStrike" cap="none" normalizeH="0" baseline="0">
+                  <a:ln>
+                    <a:noFill/>
+                  </a:ln>
+                  <a:solidFill>
+                    <a:srgbClr val="BCBEC4"/>
+                  </a:solidFill>
+                  <a:effectLst/>
+                  <a:latin typeface="+mj-lt"/>
+                  <a:cs typeface="JetBrains Mono" panose="02000009000000000000" pitchFamily="49" charset="0"/>
+                </a:rPr>
+              </a:br>
+              <a:r>
+                <a:rPr kumimoji="0" lang="zh-TW" altLang="zh-TW" sz="1300" b="0" i="0" u="none" strike="noStrike" cap="none" normalizeH="0" baseline="0">
+                  <a:ln>
+                    <a:noFill/>
+                  </a:ln>
+                  <a:solidFill>
+                    <a:srgbClr val="BCBEC4"/>
+                  </a:solidFill>
+                  <a:effectLst/>
+                  <a:latin typeface="+mj-lt"/>
+                  <a:cs typeface="JetBrains Mono" panose="02000009000000000000" pitchFamily="49" charset="0"/>
+                </a:rPr>
+                <a:t>            </a:t>
+              </a:r>
+              <a:r>
+                <a:rPr kumimoji="0" lang="zh-TW" altLang="zh-TW" sz="1300" b="0" i="0" u="none" strike="noStrike" cap="none" normalizeH="0" baseline="0">
                   <a:ln>
                     <a:noFill/>
                   </a:ln>
@@ -26242,10 +28419,10 @@
                   <a:latin typeface="+mj-lt"/>
                   <a:cs typeface="JetBrains Mono" panose="02000009000000000000" pitchFamily="49" charset="0"/>
                 </a:rPr>
-                <a:t>while </a:t>
-              </a:r>
-              <a:r>
-                <a:rPr kumimoji="0" lang="zh-TW" altLang="zh-TW" sz="1400" b="0" i="0" u="none" strike="noStrike" cap="none" normalizeH="0" baseline="0">
+                <a:t>if </a:t>
+              </a:r>
+              <a:r>
+                <a:rPr kumimoji="0" lang="zh-TW" altLang="zh-TW" sz="1300" b="0" i="0" u="none" strike="noStrike" cap="none" normalizeH="0" baseline="0">
                   <a:ln>
                     <a:noFill/>
                   </a:ln>
@@ -26256,10 +28433,38 @@
                   <a:latin typeface="+mj-lt"/>
                   <a:cs typeface="JetBrains Mono" panose="02000009000000000000" pitchFamily="49" charset="0"/>
                 </a:rPr>
-                <a:t>(l &lt;= r) {</a:t>
+                <a:t>(arr[mid] &gt; target) r = mid - </a:t>
+              </a:r>
+              <a:r>
+                <a:rPr kumimoji="0" lang="zh-TW" altLang="zh-TW" sz="1300" b="0" i="0" u="none" strike="noStrike" cap="none" normalizeH="0" baseline="0">
+                  <a:ln>
+                    <a:noFill/>
+                  </a:ln>
+                  <a:solidFill>
+                    <a:srgbClr val="2AACB8"/>
+                  </a:solidFill>
+                  <a:effectLst/>
+                  <a:latin typeface="+mj-lt"/>
+                  <a:cs typeface="JetBrains Mono" panose="02000009000000000000" pitchFamily="49" charset="0"/>
+                </a:rPr>
+                <a:t>1</a:t>
+              </a:r>
+              <a:r>
+                <a:rPr kumimoji="0" lang="zh-TW" altLang="zh-TW" sz="1300" b="0" i="0" u="none" strike="noStrike" cap="none" normalizeH="0" baseline="0">
+                  <a:ln>
+                    <a:noFill/>
+                  </a:ln>
+                  <a:solidFill>
+                    <a:srgbClr val="BCBEC4"/>
+                  </a:solidFill>
+                  <a:effectLst/>
+                  <a:latin typeface="+mj-lt"/>
+                  <a:cs typeface="JetBrains Mono" panose="02000009000000000000" pitchFamily="49" charset="0"/>
+                </a:rPr>
+                <a:t>;</a:t>
               </a:r>
               <a:br>
-                <a:rPr kumimoji="0" lang="zh-TW" altLang="zh-TW" sz="1400" b="0" i="0" u="none" strike="noStrike" cap="none" normalizeH="0" baseline="0">
+                <a:rPr kumimoji="0" lang="zh-TW" altLang="zh-TW" sz="1300" b="0" i="0" u="none" strike="noStrike" cap="none" normalizeH="0" baseline="0">
                   <a:ln>
                     <a:noFill/>
                   </a:ln>
@@ -26272,7 +28477,7 @@
                 </a:rPr>
               </a:br>
               <a:r>
-                <a:rPr kumimoji="0" lang="zh-TW" altLang="zh-TW" sz="1400" b="0" i="0" u="none" strike="noStrike" cap="none" normalizeH="0" baseline="0">
+                <a:rPr kumimoji="0" lang="zh-TW" altLang="zh-TW" sz="1300" b="0" i="0" u="none" strike="noStrike" cap="none" normalizeH="0" baseline="0">
                   <a:ln>
                     <a:noFill/>
                   </a:ln>
@@ -26286,7 +28491,7 @@
                 <a:t>            </a:t>
               </a:r>
               <a:r>
-                <a:rPr kumimoji="0" lang="zh-TW" altLang="zh-TW" sz="1400" b="0" i="0" u="none" strike="noStrike" cap="none" normalizeH="0" baseline="0">
+                <a:rPr kumimoji="0" lang="zh-TW" altLang="zh-TW" sz="1300" b="0" i="0" u="none" strike="noStrike" cap="none" normalizeH="0" baseline="0">
                   <a:ln>
                     <a:noFill/>
                   </a:ln>
@@ -26297,10 +28502,10 @@
                   <a:latin typeface="+mj-lt"/>
                   <a:cs typeface="JetBrains Mono" panose="02000009000000000000" pitchFamily="49" charset="0"/>
                 </a:rPr>
-                <a:t>int </a:t>
-              </a:r>
-              <a:r>
-                <a:rPr kumimoji="0" lang="zh-TW" altLang="zh-TW" sz="1400" b="0" i="0" u="none" strike="noStrike" cap="none" normalizeH="0" baseline="0">
+                <a:t>else </a:t>
+              </a:r>
+              <a:r>
+                <a:rPr kumimoji="0" lang="zh-TW" altLang="zh-TW" sz="1300" b="0" i="0" u="none" strike="noStrike" cap="none" normalizeH="0" baseline="0">
                   <a:ln>
                     <a:noFill/>
                   </a:ln>
@@ -26311,10 +28516,10 @@
                   <a:latin typeface="+mj-lt"/>
                   <a:cs typeface="JetBrains Mono" panose="02000009000000000000" pitchFamily="49" charset="0"/>
                 </a:rPr>
-                <a:t>mid = (l + r) / </a:t>
-              </a:r>
-              <a:r>
-                <a:rPr kumimoji="0" lang="zh-TW" altLang="zh-TW" sz="1400" b="0" i="0" u="none" strike="noStrike" cap="none" normalizeH="0" baseline="0">
+                <a:t>l = mid + </a:t>
+              </a:r>
+              <a:r>
+                <a:rPr kumimoji="0" lang="zh-TW" altLang="zh-TW" sz="1300" b="0" i="0" u="none" strike="noStrike" cap="none" normalizeH="0" baseline="0">
                   <a:ln>
                     <a:noFill/>
                   </a:ln>
@@ -26325,10 +28530,10 @@
                   <a:latin typeface="+mj-lt"/>
                   <a:cs typeface="JetBrains Mono" panose="02000009000000000000" pitchFamily="49" charset="0"/>
                 </a:rPr>
-                <a:t>2</a:t>
-              </a:r>
-              <a:r>
-                <a:rPr kumimoji="0" lang="zh-TW" altLang="zh-TW" sz="1400" b="0" i="0" u="none" strike="noStrike" cap="none" normalizeH="0" baseline="0">
+                <a:t>1</a:t>
+              </a:r>
+              <a:r>
+                <a:rPr kumimoji="0" lang="zh-TW" altLang="zh-TW" sz="1300" b="0" i="0" u="none" strike="noStrike" cap="none" normalizeH="0" baseline="0">
                   <a:ln>
                     <a:noFill/>
                   </a:ln>
@@ -26342,7 +28547,7 @@
                 <a:t>;</a:t>
               </a:r>
               <a:br>
-                <a:rPr kumimoji="0" lang="zh-TW" altLang="zh-TW" sz="1400" b="0" i="0" u="none" strike="noStrike" cap="none" normalizeH="0" baseline="0">
+                <a:rPr kumimoji="0" lang="zh-TW" altLang="zh-TW" sz="1300" b="0" i="0" u="none" strike="noStrike" cap="none" normalizeH="0" baseline="0">
                   <a:ln>
                     <a:noFill/>
                   </a:ln>
@@ -26355,7 +28560,7 @@
                 </a:rPr>
               </a:br>
               <a:r>
-                <a:rPr kumimoji="0" lang="zh-TW" altLang="zh-TW" sz="1400" b="0" i="0" u="none" strike="noStrike" cap="none" normalizeH="0" baseline="0">
+                <a:rPr kumimoji="0" lang="zh-TW" altLang="zh-TW" sz="1300" b="0" i="0" u="none" strike="noStrike" cap="none" normalizeH="0" baseline="0">
                   <a:ln>
                     <a:noFill/>
                   </a:ln>
@@ -26366,24 +28571,10 @@
                   <a:latin typeface="+mj-lt"/>
                   <a:cs typeface="JetBrains Mono" panose="02000009000000000000" pitchFamily="49" charset="0"/>
                 </a:rPr>
-                <a:t>            </a:t>
-              </a:r>
-              <a:r>
-                <a:rPr kumimoji="0" lang="zh-TW" altLang="zh-TW" sz="1400" b="0" i="0" u="none" strike="noStrike" cap="none" normalizeH="0" baseline="0">
-                  <a:ln>
-                    <a:noFill/>
-                  </a:ln>
-                  <a:solidFill>
-                    <a:srgbClr val="CF8E6D"/>
-                  </a:solidFill>
-                  <a:effectLst/>
-                  <a:latin typeface="+mj-lt"/>
-                  <a:cs typeface="JetBrains Mono" panose="02000009000000000000" pitchFamily="49" charset="0"/>
-                </a:rPr>
-                <a:t>if </a:t>
-              </a:r>
-              <a:r>
-                <a:rPr kumimoji="0" lang="zh-TW" altLang="zh-TW" sz="1400" b="0" i="0" u="none" strike="noStrike" cap="none" normalizeH="0" baseline="0">
+                <a:t>        }</a:t>
+              </a:r>
+              <a:br>
+                <a:rPr kumimoji="0" lang="zh-TW" altLang="zh-TW" sz="1300" b="0" i="0" u="none" strike="noStrike" cap="none" normalizeH="0" baseline="0">
                   <a:ln>
                     <a:noFill/>
                   </a:ln>
@@ -26394,10 +28585,79 @@
                   <a:latin typeface="+mj-lt"/>
                   <a:cs typeface="JetBrains Mono" panose="02000009000000000000" pitchFamily="49" charset="0"/>
                 </a:rPr>
-                <a:t>(arr[mid] == target) {</a:t>
+              </a:br>
+              <a:r>
+                <a:rPr kumimoji="0" lang="zh-TW" altLang="zh-TW" sz="1300" b="0" i="0" u="none" strike="noStrike" cap="none" normalizeH="0" baseline="0">
+                  <a:ln>
+                    <a:noFill/>
+                  </a:ln>
+                  <a:solidFill>
+                    <a:srgbClr val="BCBEC4"/>
+                  </a:solidFill>
+                  <a:effectLst/>
+                  <a:latin typeface="+mj-lt"/>
+                  <a:cs typeface="JetBrains Mono" panose="02000009000000000000" pitchFamily="49" charset="0"/>
+                </a:rPr>
+                <a:t>        System.</a:t>
+              </a:r>
+              <a:r>
+                <a:rPr kumimoji="0" lang="zh-TW" altLang="zh-TW" sz="1300" b="0" i="1" u="none" strike="noStrike" cap="none" normalizeH="0" baseline="0">
+                  <a:ln>
+                    <a:noFill/>
+                  </a:ln>
+                  <a:solidFill>
+                    <a:srgbClr val="C77DBB"/>
+                  </a:solidFill>
+                  <a:effectLst/>
+                  <a:latin typeface="+mj-lt"/>
+                  <a:cs typeface="JetBrains Mono" panose="02000009000000000000" pitchFamily="49" charset="0"/>
+                </a:rPr>
+                <a:t>out</a:t>
+              </a:r>
+              <a:r>
+                <a:rPr kumimoji="0" lang="zh-TW" altLang="zh-TW" sz="1300" b="0" i="0" u="none" strike="noStrike" cap="none" normalizeH="0" baseline="0">
+                  <a:ln>
+                    <a:noFill/>
+                  </a:ln>
+                  <a:solidFill>
+                    <a:srgbClr val="BCBEC4"/>
+                  </a:solidFill>
+                  <a:effectLst/>
+                  <a:latin typeface="+mj-lt"/>
+                  <a:cs typeface="JetBrains Mono" panose="02000009000000000000" pitchFamily="49" charset="0"/>
+                </a:rPr>
+                <a:t>.println(</a:t>
+              </a:r>
+              <a:r>
+                <a:rPr kumimoji="0" lang="zh-TW" altLang="zh-TW" sz="1300" b="0" i="0" u="none" strike="noStrike" cap="none" normalizeH="0" baseline="0">
+                  <a:ln>
+                    <a:noFill/>
+                  </a:ln>
+                  <a:solidFill>
+                    <a:srgbClr val="6AAB73"/>
+                  </a:solidFill>
+                  <a:effectLst/>
+                  <a:latin typeface="+mj-lt"/>
+                  <a:cs typeface="JetBrains Mono" panose="02000009000000000000" pitchFamily="49" charset="0"/>
+                </a:rPr>
+                <a:t>"Target Not found."</a:t>
+              </a:r>
+              <a:r>
+                <a:rPr kumimoji="0" lang="zh-TW" altLang="zh-TW" sz="1300" b="0" i="0" u="none" strike="noStrike" cap="none" normalizeH="0" baseline="0">
+                  <a:ln>
+                    <a:noFill/>
+                  </a:ln>
+                  <a:solidFill>
+                    <a:srgbClr val="BCBEC4"/>
+                  </a:solidFill>
+                  <a:effectLst/>
+                  <a:latin typeface="+mj-lt"/>
+                  <a:cs typeface="JetBrains Mono" panose="02000009000000000000" pitchFamily="49" charset="0"/>
+                </a:rPr>
+                <a:t>);</a:t>
               </a:r>
               <a:br>
-                <a:rPr kumimoji="0" lang="zh-TW" altLang="zh-TW" sz="1400" b="0" i="0" u="none" strike="noStrike" cap="none" normalizeH="0" baseline="0">
+                <a:rPr kumimoji="0" lang="zh-TW" altLang="zh-TW" sz="1300" b="0" i="0" u="none" strike="noStrike" cap="none" normalizeH="0" baseline="0">
                   <a:ln>
                     <a:noFill/>
                   </a:ln>
@@ -26410,7 +28670,7 @@
                 </a:rPr>
               </a:br>
               <a:r>
-                <a:rPr kumimoji="0" lang="zh-TW" altLang="zh-TW" sz="1400" b="0" i="0" u="none" strike="noStrike" cap="none" normalizeH="0" baseline="0">
+                <a:rPr kumimoji="0" lang="zh-TW" altLang="zh-TW" sz="1300" b="0" i="0" u="none" strike="noStrike" cap="none" normalizeH="0" baseline="0">
                   <a:ln>
                     <a:noFill/>
                   </a:ln>
@@ -26421,24 +28681,10 @@
                   <a:latin typeface="+mj-lt"/>
                   <a:cs typeface="JetBrains Mono" panose="02000009000000000000" pitchFamily="49" charset="0"/>
                 </a:rPr>
-                <a:t>                System.</a:t>
-              </a:r>
-              <a:r>
-                <a:rPr kumimoji="0" lang="zh-TW" altLang="zh-TW" sz="1400" b="0" i="1" u="none" strike="noStrike" cap="none" normalizeH="0" baseline="0">
-                  <a:ln>
-                    <a:noFill/>
-                  </a:ln>
-                  <a:solidFill>
-                    <a:srgbClr val="C77DBB"/>
-                  </a:solidFill>
-                  <a:effectLst/>
-                  <a:latin typeface="+mj-lt"/>
-                  <a:cs typeface="JetBrains Mono" panose="02000009000000000000" pitchFamily="49" charset="0"/>
-                </a:rPr>
-                <a:t>out</a:t>
-              </a:r>
-              <a:r>
-                <a:rPr kumimoji="0" lang="zh-TW" altLang="zh-TW" sz="1400" b="0" i="0" u="none" strike="noStrike" cap="none" normalizeH="0" baseline="0">
+                <a:t>    }</a:t>
+              </a:r>
+              <a:br>
+                <a:rPr kumimoji="0" lang="zh-TW" altLang="zh-TW" sz="1300" b="0" i="0" u="none" strike="noStrike" cap="none" normalizeH="0" baseline="0">
                   <a:ln>
                     <a:noFill/>
                   </a:ln>
@@ -26449,24 +28695,9 @@
                   <a:latin typeface="+mj-lt"/>
                   <a:cs typeface="JetBrains Mono" panose="02000009000000000000" pitchFamily="49" charset="0"/>
                 </a:rPr>
-                <a:t>.println(mid + </a:t>
-              </a:r>
-              <a:r>
-                <a:rPr kumimoji="0" lang="zh-TW" altLang="zh-TW" sz="1400" b="0" i="0" u="none" strike="noStrike" cap="none" normalizeH="0" baseline="0">
-                  <a:ln>
-                    <a:noFill/>
-                  </a:ln>
-                  <a:solidFill>
-                    <a:srgbClr val="2AACB8"/>
-                  </a:solidFill>
-                  <a:effectLst/>
-                  <a:latin typeface="+mj-lt"/>
-                  <a:cs typeface="JetBrains Mono" panose="02000009000000000000" pitchFamily="49" charset="0"/>
-                </a:rPr>
-                <a:t>1</a:t>
-              </a:r>
-              <a:r>
-                <a:rPr kumimoji="0" lang="zh-TW" altLang="zh-TW" sz="1400" b="0" i="0" u="none" strike="noStrike" cap="none" normalizeH="0" baseline="0">
+              </a:br>
+              <a:r>
+                <a:rPr kumimoji="0" lang="zh-TW" altLang="zh-TW" sz="1300" b="0" i="0" u="none" strike="noStrike" cap="none" normalizeH="0" baseline="0">
                   <a:ln>
                     <a:noFill/>
                   </a:ln>
@@ -26477,10 +28708,10 @@
                   <a:latin typeface="+mj-lt"/>
                   <a:cs typeface="JetBrains Mono" panose="02000009000000000000" pitchFamily="49" charset="0"/>
                 </a:rPr>
-                <a:t>);</a:t>
+                <a:t>}</a:t>
               </a:r>
               <a:br>
-                <a:rPr kumimoji="0" lang="zh-TW" altLang="zh-TW" sz="1400" b="0" i="0" u="none" strike="noStrike" cap="none" normalizeH="0" baseline="0">
+                <a:rPr kumimoji="0" lang="zh-TW" altLang="zh-TW" sz="1300" b="0" i="0" u="none" strike="noStrike" cap="none" normalizeH="0" baseline="0">
                   <a:ln>
                     <a:noFill/>
                   </a:ln>
@@ -26492,406 +28723,7 @@
                   <a:cs typeface="JetBrains Mono" panose="02000009000000000000" pitchFamily="49" charset="0"/>
                 </a:rPr>
               </a:br>
-              <a:r>
-                <a:rPr kumimoji="0" lang="zh-TW" altLang="zh-TW" sz="1400" b="0" i="0" u="none" strike="noStrike" cap="none" normalizeH="0" baseline="0">
-                  <a:ln>
-                    <a:noFill/>
-                  </a:ln>
-                  <a:solidFill>
-                    <a:srgbClr val="BCBEC4"/>
-                  </a:solidFill>
-                  <a:effectLst/>
-                  <a:latin typeface="+mj-lt"/>
-                  <a:cs typeface="JetBrains Mono" panose="02000009000000000000" pitchFamily="49" charset="0"/>
-                </a:rPr>
-                <a:t>                </a:t>
-              </a:r>
-              <a:r>
-                <a:rPr kumimoji="0" lang="zh-TW" altLang="zh-TW" sz="1400" b="0" i="0" u="none" strike="noStrike" cap="none" normalizeH="0" baseline="0">
-                  <a:ln>
-                    <a:noFill/>
-                  </a:ln>
-                  <a:solidFill>
-                    <a:srgbClr val="CF8E6D"/>
-                  </a:solidFill>
-                  <a:effectLst/>
-                  <a:latin typeface="+mj-lt"/>
-                  <a:cs typeface="JetBrains Mono" panose="02000009000000000000" pitchFamily="49" charset="0"/>
-                </a:rPr>
-                <a:t>return</a:t>
-              </a:r>
-              <a:r>
-                <a:rPr kumimoji="0" lang="zh-TW" altLang="zh-TW" sz="1400" b="0" i="0" u="none" strike="noStrike" cap="none" normalizeH="0" baseline="0">
-                  <a:ln>
-                    <a:noFill/>
-                  </a:ln>
-                  <a:solidFill>
-                    <a:srgbClr val="BCBEC4"/>
-                  </a:solidFill>
-                  <a:effectLst/>
-                  <a:latin typeface="+mj-lt"/>
-                  <a:cs typeface="JetBrains Mono" panose="02000009000000000000" pitchFamily="49" charset="0"/>
-                </a:rPr>
-                <a:t>;</a:t>
-              </a:r>
-              <a:br>
-                <a:rPr kumimoji="0" lang="zh-TW" altLang="zh-TW" sz="1400" b="0" i="0" u="none" strike="noStrike" cap="none" normalizeH="0" baseline="0">
-                  <a:ln>
-                    <a:noFill/>
-                  </a:ln>
-                  <a:solidFill>
-                    <a:srgbClr val="BCBEC4"/>
-                  </a:solidFill>
-                  <a:effectLst/>
-                  <a:latin typeface="+mj-lt"/>
-                  <a:cs typeface="JetBrains Mono" panose="02000009000000000000" pitchFamily="49" charset="0"/>
-                </a:rPr>
-              </a:br>
-              <a:r>
-                <a:rPr kumimoji="0" lang="zh-TW" altLang="zh-TW" sz="1400" b="0" i="0" u="none" strike="noStrike" cap="none" normalizeH="0" baseline="0">
-                  <a:ln>
-                    <a:noFill/>
-                  </a:ln>
-                  <a:solidFill>
-                    <a:srgbClr val="BCBEC4"/>
-                  </a:solidFill>
-                  <a:effectLst/>
-                  <a:latin typeface="+mj-lt"/>
-                  <a:cs typeface="JetBrains Mono" panose="02000009000000000000" pitchFamily="49" charset="0"/>
-                </a:rPr>
-                <a:t>            }</a:t>
-              </a:r>
-              <a:br>
-                <a:rPr kumimoji="0" lang="zh-TW" altLang="zh-TW" sz="1400" b="0" i="0" u="none" strike="noStrike" cap="none" normalizeH="0" baseline="0">
-                  <a:ln>
-                    <a:noFill/>
-                  </a:ln>
-                  <a:solidFill>
-                    <a:srgbClr val="BCBEC4"/>
-                  </a:solidFill>
-                  <a:effectLst/>
-                  <a:latin typeface="+mj-lt"/>
-                  <a:cs typeface="JetBrains Mono" panose="02000009000000000000" pitchFamily="49" charset="0"/>
-                </a:rPr>
-              </a:br>
-              <a:r>
-                <a:rPr kumimoji="0" lang="zh-TW" altLang="zh-TW" sz="1400" b="0" i="0" u="none" strike="noStrike" cap="none" normalizeH="0" baseline="0">
-                  <a:ln>
-                    <a:noFill/>
-                  </a:ln>
-                  <a:solidFill>
-                    <a:srgbClr val="BCBEC4"/>
-                  </a:solidFill>
-                  <a:effectLst/>
-                  <a:latin typeface="+mj-lt"/>
-                  <a:cs typeface="JetBrains Mono" panose="02000009000000000000" pitchFamily="49" charset="0"/>
-                </a:rPr>
-                <a:t>            </a:t>
-              </a:r>
-              <a:r>
-                <a:rPr kumimoji="0" lang="zh-TW" altLang="zh-TW" sz="1400" b="0" i="0" u="none" strike="noStrike" cap="none" normalizeH="0" baseline="0">
-                  <a:ln>
-                    <a:noFill/>
-                  </a:ln>
-                  <a:solidFill>
-                    <a:srgbClr val="CF8E6D"/>
-                  </a:solidFill>
-                  <a:effectLst/>
-                  <a:latin typeface="+mj-lt"/>
-                  <a:cs typeface="JetBrains Mono" panose="02000009000000000000" pitchFamily="49" charset="0"/>
-                </a:rPr>
-                <a:t>if </a:t>
-              </a:r>
-              <a:r>
-                <a:rPr kumimoji="0" lang="zh-TW" altLang="zh-TW" sz="1400" b="0" i="0" u="none" strike="noStrike" cap="none" normalizeH="0" baseline="0">
-                  <a:ln>
-                    <a:noFill/>
-                  </a:ln>
-                  <a:solidFill>
-                    <a:srgbClr val="BCBEC4"/>
-                  </a:solidFill>
-                  <a:effectLst/>
-                  <a:latin typeface="+mj-lt"/>
-                  <a:cs typeface="JetBrains Mono" panose="02000009000000000000" pitchFamily="49" charset="0"/>
-                </a:rPr>
-                <a:t>(arr[mid] &gt; target) r = mid - </a:t>
-              </a:r>
-              <a:r>
-                <a:rPr kumimoji="0" lang="zh-TW" altLang="zh-TW" sz="1400" b="0" i="0" u="none" strike="noStrike" cap="none" normalizeH="0" baseline="0">
-                  <a:ln>
-                    <a:noFill/>
-                  </a:ln>
-                  <a:solidFill>
-                    <a:srgbClr val="2AACB8"/>
-                  </a:solidFill>
-                  <a:effectLst/>
-                  <a:latin typeface="+mj-lt"/>
-                  <a:cs typeface="JetBrains Mono" panose="02000009000000000000" pitchFamily="49" charset="0"/>
-                </a:rPr>
-                <a:t>1</a:t>
-              </a:r>
-              <a:r>
-                <a:rPr kumimoji="0" lang="zh-TW" altLang="zh-TW" sz="1400" b="0" i="0" u="none" strike="noStrike" cap="none" normalizeH="0" baseline="0">
-                  <a:ln>
-                    <a:noFill/>
-                  </a:ln>
-                  <a:solidFill>
-                    <a:srgbClr val="BCBEC4"/>
-                  </a:solidFill>
-                  <a:effectLst/>
-                  <a:latin typeface="+mj-lt"/>
-                  <a:cs typeface="JetBrains Mono" panose="02000009000000000000" pitchFamily="49" charset="0"/>
-                </a:rPr>
-                <a:t>;</a:t>
-              </a:r>
-              <a:br>
-                <a:rPr kumimoji="0" lang="zh-TW" altLang="zh-TW" sz="1400" b="0" i="0" u="none" strike="noStrike" cap="none" normalizeH="0" baseline="0">
-                  <a:ln>
-                    <a:noFill/>
-                  </a:ln>
-                  <a:solidFill>
-                    <a:srgbClr val="BCBEC4"/>
-                  </a:solidFill>
-                  <a:effectLst/>
-                  <a:latin typeface="+mj-lt"/>
-                  <a:cs typeface="JetBrains Mono" panose="02000009000000000000" pitchFamily="49" charset="0"/>
-                </a:rPr>
-              </a:br>
-              <a:r>
-                <a:rPr kumimoji="0" lang="zh-TW" altLang="zh-TW" sz="1400" b="0" i="0" u="none" strike="noStrike" cap="none" normalizeH="0" baseline="0">
-                  <a:ln>
-                    <a:noFill/>
-                  </a:ln>
-                  <a:solidFill>
-                    <a:srgbClr val="BCBEC4"/>
-                  </a:solidFill>
-                  <a:effectLst/>
-                  <a:latin typeface="+mj-lt"/>
-                  <a:cs typeface="JetBrains Mono" panose="02000009000000000000" pitchFamily="49" charset="0"/>
-                </a:rPr>
-                <a:t>            </a:t>
-              </a:r>
-              <a:r>
-                <a:rPr kumimoji="0" lang="zh-TW" altLang="zh-TW" sz="1400" b="0" i="0" u="none" strike="noStrike" cap="none" normalizeH="0" baseline="0">
-                  <a:ln>
-                    <a:noFill/>
-                  </a:ln>
-                  <a:solidFill>
-                    <a:srgbClr val="CF8E6D"/>
-                  </a:solidFill>
-                  <a:effectLst/>
-                  <a:latin typeface="+mj-lt"/>
-                  <a:cs typeface="JetBrains Mono" panose="02000009000000000000" pitchFamily="49" charset="0"/>
-                </a:rPr>
-                <a:t>else </a:t>
-              </a:r>
-              <a:r>
-                <a:rPr kumimoji="0" lang="zh-TW" altLang="zh-TW" sz="1400" b="0" i="0" u="none" strike="noStrike" cap="none" normalizeH="0" baseline="0">
-                  <a:ln>
-                    <a:noFill/>
-                  </a:ln>
-                  <a:solidFill>
-                    <a:srgbClr val="BCBEC4"/>
-                  </a:solidFill>
-                  <a:effectLst/>
-                  <a:latin typeface="+mj-lt"/>
-                  <a:cs typeface="JetBrains Mono" panose="02000009000000000000" pitchFamily="49" charset="0"/>
-                </a:rPr>
-                <a:t>l = mid + </a:t>
-              </a:r>
-              <a:r>
-                <a:rPr kumimoji="0" lang="zh-TW" altLang="zh-TW" sz="1400" b="0" i="0" u="none" strike="noStrike" cap="none" normalizeH="0" baseline="0">
-                  <a:ln>
-                    <a:noFill/>
-                  </a:ln>
-                  <a:solidFill>
-                    <a:srgbClr val="2AACB8"/>
-                  </a:solidFill>
-                  <a:effectLst/>
-                  <a:latin typeface="+mj-lt"/>
-                  <a:cs typeface="JetBrains Mono" panose="02000009000000000000" pitchFamily="49" charset="0"/>
-                </a:rPr>
-                <a:t>1</a:t>
-              </a:r>
-              <a:r>
-                <a:rPr kumimoji="0" lang="zh-TW" altLang="zh-TW" sz="1400" b="0" i="0" u="none" strike="noStrike" cap="none" normalizeH="0" baseline="0">
-                  <a:ln>
-                    <a:noFill/>
-                  </a:ln>
-                  <a:solidFill>
-                    <a:srgbClr val="BCBEC4"/>
-                  </a:solidFill>
-                  <a:effectLst/>
-                  <a:latin typeface="+mj-lt"/>
-                  <a:cs typeface="JetBrains Mono" panose="02000009000000000000" pitchFamily="49" charset="0"/>
-                </a:rPr>
-                <a:t>;</a:t>
-              </a:r>
-              <a:br>
-                <a:rPr kumimoji="0" lang="zh-TW" altLang="zh-TW" sz="1400" b="0" i="0" u="none" strike="noStrike" cap="none" normalizeH="0" baseline="0">
-                  <a:ln>
-                    <a:noFill/>
-                  </a:ln>
-                  <a:solidFill>
-                    <a:srgbClr val="BCBEC4"/>
-                  </a:solidFill>
-                  <a:effectLst/>
-                  <a:latin typeface="+mj-lt"/>
-                  <a:cs typeface="JetBrains Mono" panose="02000009000000000000" pitchFamily="49" charset="0"/>
-                </a:rPr>
-              </a:br>
-              <a:r>
-                <a:rPr kumimoji="0" lang="zh-TW" altLang="zh-TW" sz="1400" b="0" i="0" u="none" strike="noStrike" cap="none" normalizeH="0" baseline="0">
-                  <a:ln>
-                    <a:noFill/>
-                  </a:ln>
-                  <a:solidFill>
-                    <a:srgbClr val="BCBEC4"/>
-                  </a:solidFill>
-                  <a:effectLst/>
-                  <a:latin typeface="+mj-lt"/>
-                  <a:cs typeface="JetBrains Mono" panose="02000009000000000000" pitchFamily="49" charset="0"/>
-                </a:rPr>
-                <a:t>        }</a:t>
-              </a:r>
-              <a:br>
-                <a:rPr kumimoji="0" lang="zh-TW" altLang="zh-TW" sz="1400" b="0" i="0" u="none" strike="noStrike" cap="none" normalizeH="0" baseline="0">
-                  <a:ln>
-                    <a:noFill/>
-                  </a:ln>
-                  <a:solidFill>
-                    <a:srgbClr val="BCBEC4"/>
-                  </a:solidFill>
-                  <a:effectLst/>
-                  <a:latin typeface="+mj-lt"/>
-                  <a:cs typeface="JetBrains Mono" panose="02000009000000000000" pitchFamily="49" charset="0"/>
-                </a:rPr>
-              </a:br>
-              <a:r>
-                <a:rPr kumimoji="0" lang="zh-TW" altLang="zh-TW" sz="1400" b="0" i="0" u="none" strike="noStrike" cap="none" normalizeH="0" baseline="0">
-                  <a:ln>
-                    <a:noFill/>
-                  </a:ln>
-                  <a:solidFill>
-                    <a:srgbClr val="BCBEC4"/>
-                  </a:solidFill>
-                  <a:effectLst/>
-                  <a:latin typeface="+mj-lt"/>
-                  <a:cs typeface="JetBrains Mono" panose="02000009000000000000" pitchFamily="49" charset="0"/>
-                </a:rPr>
-                <a:t>        System.</a:t>
-              </a:r>
-              <a:r>
-                <a:rPr kumimoji="0" lang="zh-TW" altLang="zh-TW" sz="1400" b="0" i="1" u="none" strike="noStrike" cap="none" normalizeH="0" baseline="0">
-                  <a:ln>
-                    <a:noFill/>
-                  </a:ln>
-                  <a:solidFill>
-                    <a:srgbClr val="C77DBB"/>
-                  </a:solidFill>
-                  <a:effectLst/>
-                  <a:latin typeface="+mj-lt"/>
-                  <a:cs typeface="JetBrains Mono" panose="02000009000000000000" pitchFamily="49" charset="0"/>
-                </a:rPr>
-                <a:t>out</a:t>
-              </a:r>
-              <a:r>
-                <a:rPr kumimoji="0" lang="zh-TW" altLang="zh-TW" sz="1400" b="0" i="0" u="none" strike="noStrike" cap="none" normalizeH="0" baseline="0">
-                  <a:ln>
-                    <a:noFill/>
-                  </a:ln>
-                  <a:solidFill>
-                    <a:srgbClr val="BCBEC4"/>
-                  </a:solidFill>
-                  <a:effectLst/>
-                  <a:latin typeface="+mj-lt"/>
-                  <a:cs typeface="JetBrains Mono" panose="02000009000000000000" pitchFamily="49" charset="0"/>
-                </a:rPr>
-                <a:t>.println(</a:t>
-              </a:r>
-              <a:r>
-                <a:rPr kumimoji="0" lang="zh-TW" altLang="zh-TW" sz="1400" b="0" i="0" u="none" strike="noStrike" cap="none" normalizeH="0" baseline="0">
-                  <a:ln>
-                    <a:noFill/>
-                  </a:ln>
-                  <a:solidFill>
-                    <a:srgbClr val="6AAB73"/>
-                  </a:solidFill>
-                  <a:effectLst/>
-                  <a:latin typeface="+mj-lt"/>
-                  <a:cs typeface="JetBrains Mono" panose="02000009000000000000" pitchFamily="49" charset="0"/>
-                </a:rPr>
-                <a:t>"Not found."</a:t>
-              </a:r>
-              <a:r>
-                <a:rPr kumimoji="0" lang="zh-TW" altLang="zh-TW" sz="1400" b="0" i="0" u="none" strike="noStrike" cap="none" normalizeH="0" baseline="0">
-                  <a:ln>
-                    <a:noFill/>
-                  </a:ln>
-                  <a:solidFill>
-                    <a:srgbClr val="BCBEC4"/>
-                  </a:solidFill>
-                  <a:effectLst/>
-                  <a:latin typeface="+mj-lt"/>
-                  <a:cs typeface="JetBrains Mono" panose="02000009000000000000" pitchFamily="49" charset="0"/>
-                </a:rPr>
-                <a:t>);</a:t>
-              </a:r>
-              <a:br>
-                <a:rPr kumimoji="0" lang="zh-TW" altLang="zh-TW" sz="1400" b="0" i="0" u="none" strike="noStrike" cap="none" normalizeH="0" baseline="0">
-                  <a:ln>
-                    <a:noFill/>
-                  </a:ln>
-                  <a:solidFill>
-                    <a:srgbClr val="BCBEC4"/>
-                  </a:solidFill>
-                  <a:effectLst/>
-                  <a:latin typeface="+mj-lt"/>
-                  <a:cs typeface="JetBrains Mono" panose="02000009000000000000" pitchFamily="49" charset="0"/>
-                </a:rPr>
-              </a:br>
-              <a:r>
-                <a:rPr kumimoji="0" lang="zh-TW" altLang="zh-TW" sz="1400" b="0" i="0" u="none" strike="noStrike" cap="none" normalizeH="0" baseline="0">
-                  <a:ln>
-                    <a:noFill/>
-                  </a:ln>
-                  <a:solidFill>
-                    <a:srgbClr val="BCBEC4"/>
-                  </a:solidFill>
-                  <a:effectLst/>
-                  <a:latin typeface="+mj-lt"/>
-                  <a:cs typeface="JetBrains Mono" panose="02000009000000000000" pitchFamily="49" charset="0"/>
-                </a:rPr>
-                <a:t>    }</a:t>
-              </a:r>
-              <a:br>
-                <a:rPr kumimoji="0" lang="zh-TW" altLang="zh-TW" sz="1400" b="0" i="0" u="none" strike="noStrike" cap="none" normalizeH="0" baseline="0">
-                  <a:ln>
-                    <a:noFill/>
-                  </a:ln>
-                  <a:solidFill>
-                    <a:srgbClr val="BCBEC4"/>
-                  </a:solidFill>
-                  <a:effectLst/>
-                  <a:latin typeface="+mj-lt"/>
-                  <a:cs typeface="JetBrains Mono" panose="02000009000000000000" pitchFamily="49" charset="0"/>
-                </a:rPr>
-              </a:br>
-              <a:r>
-                <a:rPr kumimoji="0" lang="zh-TW" altLang="zh-TW" sz="1400" b="0" i="0" u="none" strike="noStrike" cap="none" normalizeH="0" baseline="0">
-                  <a:ln>
-                    <a:noFill/>
-                  </a:ln>
-                  <a:solidFill>
-                    <a:srgbClr val="BCBEC4"/>
-                  </a:solidFill>
-                  <a:effectLst/>
-                  <a:latin typeface="+mj-lt"/>
-                  <a:cs typeface="JetBrains Mono" panose="02000009000000000000" pitchFamily="49" charset="0"/>
-                </a:rPr>
-                <a:t>}</a:t>
-              </a:r>
-              <a:endParaRPr kumimoji="0" lang="zh-TW" altLang="zh-TW" sz="2000" b="0" i="0" u="none" strike="noStrike" cap="none" normalizeH="0" baseline="0">
+              <a:endParaRPr kumimoji="0" lang="zh-TW" altLang="zh-TW" sz="1800" b="0" i="0" u="none" strike="noStrike" cap="none" normalizeH="0" baseline="0">
                 <a:ln>
                   <a:noFill/>
                 </a:ln>
@@ -26918,7 +28750,7 @@
           </p:nvSpPr>
           <p:spPr>
             <a:xfrm>
-              <a:off x="7452612" y="6154321"/>
+              <a:off x="6867635" y="6040661"/>
               <a:ext cx="633507" cy="338554"/>
             </a:xfrm>
             <a:prstGeom prst="rect">
@@ -26977,7 +28809,7 @@
           </p:blipFill>
           <p:spPr>
             <a:xfrm>
-              <a:off x="7547219" y="1445339"/>
+              <a:off x="6962242" y="1208569"/>
               <a:ext cx="538900" cy="527184"/>
             </a:xfrm>
             <a:prstGeom prst="rect">
@@ -27002,7 +28834,7 @@
 </p:sld>
 </file>
 
-<file path=ppt/slides/slide21.xml><?xml version="1.0" encoding="utf-8"?>
+<file path=ppt/slides/slide22.xml><?xml version="1.0" encoding="utf-8"?>
 <p:sld xmlns:a="http://schemas.openxmlformats.org/drawingml/2006/main" xmlns:r="http://schemas.openxmlformats.org/officeDocument/2006/relationships" xmlns:p="http://schemas.openxmlformats.org/presentationml/2006/main">
   <p:cSld>
     <p:spTree>
@@ -27121,7 +28953,7 @@
                   <a:srgbClr val="FFFF00"/>
                 </a:solidFill>
               </a:rPr>
-              <a:t>也就是若要將目標插入資料時，要插入到第幾個位置</a:t>
+              <a:t>也就是若要將目標插入資料時，要插入到的索引值</a:t>
             </a:r>
             <a:endParaRPr lang="en-US" altLang="zh-TW">
               <a:solidFill>
@@ -27133,10 +28965,10 @@
       </p:sp>
       <p:grpSp>
         <p:nvGrpSpPr>
-          <p:cNvPr id="11" name="群組 10">
+          <p:cNvPr id="12" name="群組 11">
             <a:extLst>
               <a:ext uri="{FF2B5EF4-FFF2-40B4-BE49-F238E27FC236}">
-                <a16:creationId xmlns:a16="http://schemas.microsoft.com/office/drawing/2014/main" id="{5F7BF833-FDA2-4534-B29F-107C32EB7CB3}"/>
+                <a16:creationId xmlns:a16="http://schemas.microsoft.com/office/drawing/2014/main" id="{AC0A42ED-133C-4145-A67C-198E588A0126}"/>
               </a:ext>
             </a:extLst>
           </p:cNvPr>
@@ -27145,18 +28977,18 @@
         </p:nvGrpSpPr>
         <p:grpSpPr>
           <a:xfrm>
-            <a:off x="838200" y="2150903"/>
-            <a:ext cx="6492483" cy="4339650"/>
-            <a:chOff x="838200" y="2150903"/>
-            <a:chExt cx="6492483" cy="4339650"/>
+            <a:off x="7404847" y="4320728"/>
+            <a:ext cx="3948953" cy="1077218"/>
+            <a:chOff x="7835154" y="3982335"/>
+            <a:chExt cx="3948953" cy="1077218"/>
           </a:xfrm>
         </p:grpSpPr>
         <p:sp>
           <p:nvSpPr>
-            <p:cNvPr id="8" name="Rectangle 1">
+            <p:cNvPr id="13" name="Rectangle 1">
               <a:extLst>
                 <a:ext uri="{FF2B5EF4-FFF2-40B4-BE49-F238E27FC236}">
-                  <a16:creationId xmlns:a16="http://schemas.microsoft.com/office/drawing/2014/main" id="{A194B17D-BB58-4111-8032-D04C814227B5}"/>
+                  <a16:creationId xmlns:a16="http://schemas.microsoft.com/office/drawing/2014/main" id="{3FE33F02-61EF-4311-9A29-477B4456BCC1}"/>
                 </a:ext>
               </a:extLst>
             </p:cNvPr>
@@ -27167,8 +28999,8 @@
           </p:nvSpPr>
           <p:spPr bwMode="auto">
             <a:xfrm>
-              <a:off x="838200" y="2150903"/>
-              <a:ext cx="6492483" cy="4339650"/>
+              <a:off x="7835154" y="3982335"/>
+              <a:ext cx="3948953" cy="1077218"/>
             </a:xfrm>
             <a:prstGeom prst="rect">
               <a:avLst/>
@@ -27203,7 +29035,7 @@
             </a:extLst>
           </p:spPr>
           <p:txBody>
-            <a:bodyPr vert="horz" wrap="none" lIns="91440" tIns="45720" rIns="91440" bIns="45720" numCol="1" anchor="ctr" anchorCtr="0" compatLnSpc="1">
+            <a:bodyPr vert="horz" wrap="square" lIns="91440" tIns="45720" rIns="91440" bIns="45720" numCol="1" anchor="ctr" anchorCtr="0" compatLnSpc="1">
               <a:prstTxWarp prst="textNoShape">
                 <a:avLst/>
               </a:prstTxWarp>
@@ -27228,7 +29060,461 @@
                 <a:tabLst/>
               </a:pPr>
               <a:r>
-                <a:rPr kumimoji="0" lang="zh-TW" altLang="zh-TW" sz="1200" b="0" i="0" u="none" strike="noStrike" cap="none" normalizeH="0" baseline="0">
+                <a:rPr lang="en-US" altLang="zh-TW" sz="1600">
+                  <a:solidFill>
+                    <a:srgbClr val="92D050"/>
+                  </a:solidFill>
+                  <a:latin typeface="+mj-lt"/>
+                  <a:cs typeface="JetBrains Mono" panose="02000009000000000000" pitchFamily="49" charset="0"/>
+                </a:rPr>
+                <a:t>10</a:t>
+              </a:r>
+            </a:p>
+            <a:p>
+              <a:pPr marL="0" marR="0" lvl="0" indent="0" algn="l" defTabSz="914400" rtl="0" eaLnBrk="0" fontAlgn="base" latinLnBrk="0" hangingPunct="0">
+                <a:lnSpc>
+                  <a:spcPct val="100000"/>
+                </a:lnSpc>
+                <a:spcBef>
+                  <a:spcPct val="0"/>
+                </a:spcBef>
+                <a:spcAft>
+                  <a:spcPct val="0"/>
+                </a:spcAft>
+                <a:buClrTx/>
+                <a:buSzTx/>
+                <a:buFontTx/>
+                <a:buNone/>
+                <a:tabLst/>
+              </a:pPr>
+              <a:r>
+                <a:rPr lang="en-US" altLang="zh-TW" sz="1600">
+                  <a:solidFill>
+                    <a:srgbClr val="92D050"/>
+                  </a:solidFill>
+                  <a:latin typeface="+mj-lt"/>
+                  <a:cs typeface="JetBrains Mono" panose="02000009000000000000" pitchFamily="49" charset="0"/>
+                </a:rPr>
+                <a:t>-2 5 9 10 22 33 44 89 101 777</a:t>
+              </a:r>
+            </a:p>
+            <a:p>
+              <a:pPr marL="0" marR="0" lvl="0" indent="0" algn="l" defTabSz="914400" rtl="0" eaLnBrk="0" fontAlgn="base" latinLnBrk="0" hangingPunct="0">
+                <a:lnSpc>
+                  <a:spcPct val="100000"/>
+                </a:lnSpc>
+                <a:spcBef>
+                  <a:spcPct val="0"/>
+                </a:spcBef>
+                <a:spcAft>
+                  <a:spcPct val="0"/>
+                </a:spcAft>
+                <a:buClrTx/>
+                <a:buSzTx/>
+                <a:buFontTx/>
+                <a:buNone/>
+                <a:tabLst/>
+              </a:pPr>
+              <a:r>
+                <a:rPr lang="en-US" altLang="zh-TW" sz="1600">
+                  <a:solidFill>
+                    <a:srgbClr val="92D050"/>
+                  </a:solidFill>
+                  <a:latin typeface="+mj-lt"/>
+                  <a:cs typeface="JetBrains Mono" panose="02000009000000000000" pitchFamily="49" charset="0"/>
+                </a:rPr>
+                <a:t>102</a:t>
+              </a:r>
+            </a:p>
+            <a:p>
+              <a:pPr eaLnBrk="0" fontAlgn="base" hangingPunct="0">
+                <a:spcBef>
+                  <a:spcPct val="0"/>
+                </a:spcBef>
+                <a:spcAft>
+                  <a:spcPct val="0"/>
+                </a:spcAft>
+              </a:pPr>
+              <a:r>
+                <a:rPr lang="en-US" altLang="zh-TW" sz="1600">
+                  <a:solidFill>
+                    <a:srgbClr val="BCBEC4"/>
+                  </a:solidFill>
+                  <a:latin typeface="+mj-lt"/>
+                  <a:cs typeface="JetBrains Mono" panose="02000009000000000000" pitchFamily="49" charset="0"/>
+                </a:rPr>
+                <a:t>Target Insert Index: 9</a:t>
+              </a:r>
+              <a:endParaRPr lang="zh-TW" altLang="zh-TW" sz="1600">
+                <a:solidFill>
+                  <a:srgbClr val="BCBEC4"/>
+                </a:solidFill>
+                <a:latin typeface="+mj-lt"/>
+                <a:cs typeface="JetBrains Mono" panose="02000009000000000000" pitchFamily="49" charset="0"/>
+              </a:endParaRPr>
+            </a:p>
+          </p:txBody>
+        </p:sp>
+        <p:sp>
+          <p:nvSpPr>
+            <p:cNvPr id="14" name="文字方塊 13">
+              <a:extLst>
+                <a:ext uri="{FF2B5EF4-FFF2-40B4-BE49-F238E27FC236}">
+                  <a16:creationId xmlns:a16="http://schemas.microsoft.com/office/drawing/2014/main" id="{2DEAEE0B-B0D4-4E8A-8392-1B1DB00433CB}"/>
+                </a:ext>
+              </a:extLst>
+            </p:cNvPr>
+            <p:cNvSpPr txBox="1"/>
+            <p:nvPr/>
+          </p:nvSpPr>
+          <p:spPr>
+            <a:xfrm>
+              <a:off x="10813970" y="4720999"/>
+              <a:ext cx="970137" cy="338554"/>
+            </a:xfrm>
+            <a:prstGeom prst="rect">
+              <a:avLst/>
+            </a:prstGeom>
+            <a:noFill/>
+          </p:spPr>
+          <p:txBody>
+            <a:bodyPr wrap="none" rtlCol="0">
+              <a:spAutoFit/>
+            </a:bodyPr>
+            <a:lstStyle/>
+            <a:p>
+              <a:r>
+                <a:rPr lang="en-US" altLang="zh-TW" sz="1600">
+                  <a:solidFill>
+                    <a:schemeClr val="accent2"/>
+                  </a:solidFill>
+                </a:rPr>
+                <a:t>console</a:t>
+              </a:r>
+              <a:endParaRPr lang="zh-TW" altLang="en-US" sz="1600">
+                <a:solidFill>
+                  <a:schemeClr val="accent2"/>
+                </a:solidFill>
+              </a:endParaRPr>
+            </a:p>
+          </p:txBody>
+        </p:sp>
+      </p:grpSp>
+      <p:grpSp>
+        <p:nvGrpSpPr>
+          <p:cNvPr id="15" name="群組 14">
+            <a:extLst>
+              <a:ext uri="{FF2B5EF4-FFF2-40B4-BE49-F238E27FC236}">
+                <a16:creationId xmlns:a16="http://schemas.microsoft.com/office/drawing/2014/main" id="{4CB6B6FB-07AF-4C39-B506-A8D024999052}"/>
+              </a:ext>
+            </a:extLst>
+          </p:cNvPr>
+          <p:cNvGrpSpPr/>
+          <p:nvPr/>
+        </p:nvGrpSpPr>
+        <p:grpSpPr>
+          <a:xfrm>
+            <a:off x="7404847" y="3120399"/>
+            <a:ext cx="3948953" cy="830997"/>
+            <a:chOff x="7835154" y="4105445"/>
+            <a:chExt cx="3948953" cy="830997"/>
+          </a:xfrm>
+        </p:grpSpPr>
+        <p:sp>
+          <p:nvSpPr>
+            <p:cNvPr id="16" name="Rectangle 1">
+              <a:extLst>
+                <a:ext uri="{FF2B5EF4-FFF2-40B4-BE49-F238E27FC236}">
+                  <a16:creationId xmlns:a16="http://schemas.microsoft.com/office/drawing/2014/main" id="{CA9CC578-C287-4DAE-87DB-5220D472FF62}"/>
+                </a:ext>
+              </a:extLst>
+            </p:cNvPr>
+            <p:cNvSpPr>
+              <a:spLocks noChangeArrowheads="1"/>
+            </p:cNvSpPr>
+            <p:nvPr/>
+          </p:nvSpPr>
+          <p:spPr bwMode="auto">
+            <a:xfrm>
+              <a:off x="7835154" y="4105445"/>
+              <a:ext cx="3948953" cy="830997"/>
+            </a:xfrm>
+            <a:prstGeom prst="rect">
+              <a:avLst/>
+            </a:prstGeom>
+            <a:solidFill>
+              <a:srgbClr val="1E1F22"/>
+            </a:solidFill>
+            <a:ln>
+              <a:noFill/>
+            </a:ln>
+            <a:effectLst/>
+            <a:extLst>
+              <a:ext uri="{91240B29-F687-4F45-9708-019B960494DF}">
+                <a14:hiddenLine xmlns:a14="http://schemas.microsoft.com/office/drawing/2010/main" w="9525">
+                  <a:solidFill>
+                    <a:schemeClr val="tx1"/>
+                  </a:solidFill>
+                  <a:miter lim="800000"/>
+                  <a:headEnd/>
+                  <a:tailEnd/>
+                </a14:hiddenLine>
+              </a:ext>
+              <a:ext uri="{AF507438-7753-43E0-B8FC-AC1667EBCBE1}">
+                <a14:hiddenEffects xmlns:a14="http://schemas.microsoft.com/office/drawing/2010/main">
+                  <a:effectLst>
+                    <a:outerShdw dist="35921" dir="2700000" algn="ctr" rotWithShape="0">
+                      <a:schemeClr val="bg2"/>
+                    </a:outerShdw>
+                  </a:effectLst>
+                </a14:hiddenEffects>
+              </a:ext>
+            </a:extLst>
+          </p:spPr>
+          <p:txBody>
+            <a:bodyPr vert="horz" wrap="square" lIns="91440" tIns="45720" rIns="91440" bIns="45720" numCol="1" anchor="ctr" anchorCtr="0" compatLnSpc="1">
+              <a:prstTxWarp prst="textNoShape">
+                <a:avLst/>
+              </a:prstTxWarp>
+              <a:spAutoFit/>
+            </a:bodyPr>
+            <a:lstStyle/>
+            <a:p>
+              <a:pPr marL="0" marR="0" lvl="0" indent="0" algn="l" defTabSz="914400" rtl="0" eaLnBrk="0" fontAlgn="base" latinLnBrk="0" hangingPunct="0">
+                <a:lnSpc>
+                  <a:spcPct val="100000"/>
+                </a:lnSpc>
+                <a:spcBef>
+                  <a:spcPct val="0"/>
+                </a:spcBef>
+                <a:spcAft>
+                  <a:spcPct val="0"/>
+                </a:spcAft>
+                <a:buClrTx/>
+                <a:buSzTx/>
+                <a:buFontTx/>
+                <a:buNone/>
+                <a:tabLst/>
+              </a:pPr>
+              <a:r>
+                <a:rPr lang="en-US" altLang="zh-TW" sz="1600">
+                  <a:solidFill>
+                    <a:srgbClr val="92D050"/>
+                  </a:solidFill>
+                  <a:latin typeface="+mj-lt"/>
+                  <a:cs typeface="JetBrains Mono" panose="02000009000000000000" pitchFamily="49" charset="0"/>
+                </a:rPr>
+                <a:t>0</a:t>
+              </a:r>
+            </a:p>
+            <a:p>
+              <a:pPr marL="0" marR="0" lvl="0" indent="0" algn="l" defTabSz="914400" rtl="0" eaLnBrk="0" fontAlgn="base" latinLnBrk="0" hangingPunct="0">
+                <a:lnSpc>
+                  <a:spcPct val="100000"/>
+                </a:lnSpc>
+                <a:spcBef>
+                  <a:spcPct val="0"/>
+                </a:spcBef>
+                <a:spcAft>
+                  <a:spcPct val="0"/>
+                </a:spcAft>
+                <a:buClrTx/>
+                <a:buSzTx/>
+                <a:buFontTx/>
+                <a:buNone/>
+                <a:tabLst/>
+              </a:pPr>
+              <a:r>
+                <a:rPr lang="en-US" altLang="zh-TW" sz="1600">
+                  <a:solidFill>
+                    <a:srgbClr val="92D050"/>
+                  </a:solidFill>
+                  <a:latin typeface="+mj-lt"/>
+                  <a:cs typeface="JetBrains Mono" panose="02000009000000000000" pitchFamily="49" charset="0"/>
+                </a:rPr>
+                <a:t>1 2 3 4 5</a:t>
+              </a:r>
+            </a:p>
+            <a:p>
+              <a:pPr marL="0" marR="0" lvl="0" indent="0" algn="l" defTabSz="914400" rtl="0" eaLnBrk="0" fontAlgn="base" latinLnBrk="0" hangingPunct="0">
+                <a:lnSpc>
+                  <a:spcPct val="100000"/>
+                </a:lnSpc>
+                <a:spcBef>
+                  <a:spcPct val="0"/>
+                </a:spcBef>
+                <a:spcAft>
+                  <a:spcPct val="0"/>
+                </a:spcAft>
+                <a:buClrTx/>
+                <a:buSzTx/>
+                <a:buFontTx/>
+                <a:buNone/>
+                <a:tabLst/>
+              </a:pPr>
+              <a:r>
+                <a:rPr lang="en-US" altLang="zh-TW" sz="1600">
+                  <a:solidFill>
+                    <a:srgbClr val="BCBEC4"/>
+                  </a:solidFill>
+                  <a:latin typeface="+mj-lt"/>
+                  <a:cs typeface="JetBrains Mono" panose="02000009000000000000" pitchFamily="49" charset="0"/>
+                </a:rPr>
+                <a:t>Target Insert Index: 0</a:t>
+              </a:r>
+              <a:endParaRPr lang="zh-TW" altLang="zh-TW" sz="1600">
+                <a:solidFill>
+                  <a:srgbClr val="BCBEC4"/>
+                </a:solidFill>
+                <a:latin typeface="+mj-lt"/>
+                <a:cs typeface="JetBrains Mono" panose="02000009000000000000" pitchFamily="49" charset="0"/>
+              </a:endParaRPr>
+            </a:p>
+          </p:txBody>
+        </p:sp>
+        <p:sp>
+          <p:nvSpPr>
+            <p:cNvPr id="17" name="文字方塊 16">
+              <a:extLst>
+                <a:ext uri="{FF2B5EF4-FFF2-40B4-BE49-F238E27FC236}">
+                  <a16:creationId xmlns:a16="http://schemas.microsoft.com/office/drawing/2014/main" id="{6F3A10CB-3747-4E65-A840-576E050CB78E}"/>
+                </a:ext>
+              </a:extLst>
+            </p:cNvPr>
+            <p:cNvSpPr txBox="1"/>
+            <p:nvPr/>
+          </p:nvSpPr>
+          <p:spPr>
+            <a:xfrm>
+              <a:off x="10813970" y="4597888"/>
+              <a:ext cx="970137" cy="338554"/>
+            </a:xfrm>
+            <a:prstGeom prst="rect">
+              <a:avLst/>
+            </a:prstGeom>
+            <a:noFill/>
+          </p:spPr>
+          <p:txBody>
+            <a:bodyPr wrap="none" rtlCol="0">
+              <a:spAutoFit/>
+            </a:bodyPr>
+            <a:lstStyle/>
+            <a:p>
+              <a:r>
+                <a:rPr lang="en-US" altLang="zh-TW" sz="1600">
+                  <a:solidFill>
+                    <a:schemeClr val="accent2"/>
+                  </a:solidFill>
+                </a:rPr>
+                <a:t>console</a:t>
+              </a:r>
+              <a:endParaRPr lang="zh-TW" altLang="en-US" sz="1600">
+                <a:solidFill>
+                  <a:schemeClr val="accent2"/>
+                </a:solidFill>
+              </a:endParaRPr>
+            </a:p>
+          </p:txBody>
+        </p:sp>
+      </p:grpSp>
+      <p:grpSp>
+        <p:nvGrpSpPr>
+          <p:cNvPr id="7" name="群組 6">
+            <a:extLst>
+              <a:ext uri="{FF2B5EF4-FFF2-40B4-BE49-F238E27FC236}">
+                <a16:creationId xmlns:a16="http://schemas.microsoft.com/office/drawing/2014/main" id="{9AF6A19A-1C80-4120-AC8B-5ED5A21EB80A}"/>
+              </a:ext>
+            </a:extLst>
+          </p:cNvPr>
+          <p:cNvGrpSpPr/>
+          <p:nvPr/>
+        </p:nvGrpSpPr>
+        <p:grpSpPr>
+          <a:xfrm>
+            <a:off x="838199" y="2155952"/>
+            <a:ext cx="6136341" cy="4334601"/>
+            <a:chOff x="838199" y="2155952"/>
+            <a:chExt cx="6136341" cy="4334601"/>
+          </a:xfrm>
+        </p:grpSpPr>
+        <p:sp>
+          <p:nvSpPr>
+            <p:cNvPr id="6" name="Rectangle 2">
+              <a:extLst>
+                <a:ext uri="{FF2B5EF4-FFF2-40B4-BE49-F238E27FC236}">
+                  <a16:creationId xmlns:a16="http://schemas.microsoft.com/office/drawing/2014/main" id="{81F27D31-90B7-400D-8A59-74D2663FDCC6}"/>
+                </a:ext>
+              </a:extLst>
+            </p:cNvPr>
+            <p:cNvSpPr>
+              <a:spLocks noChangeArrowheads="1"/>
+            </p:cNvSpPr>
+            <p:nvPr/>
+          </p:nvSpPr>
+          <p:spPr bwMode="auto">
+            <a:xfrm>
+              <a:off x="838199" y="2166292"/>
+              <a:ext cx="6136341" cy="4324261"/>
+            </a:xfrm>
+            <a:prstGeom prst="rect">
+              <a:avLst/>
+            </a:prstGeom>
+            <a:solidFill>
+              <a:srgbClr val="1E1F22"/>
+            </a:solidFill>
+            <a:ln>
+              <a:noFill/>
+            </a:ln>
+            <a:effectLst/>
+            <a:extLst>
+              <a:ext uri="{91240B29-F687-4F45-9708-019B960494DF}">
+                <a14:hiddenLine xmlns:a14="http://schemas.microsoft.com/office/drawing/2010/main" w="9525">
+                  <a:solidFill>
+                    <a:schemeClr val="tx1"/>
+                  </a:solidFill>
+                  <a:miter lim="800000"/>
+                  <a:headEnd/>
+                  <a:tailEnd/>
+                </a14:hiddenLine>
+              </a:ext>
+              <a:ext uri="{AF507438-7753-43E0-B8FC-AC1667EBCBE1}">
+                <a14:hiddenEffects xmlns:a14="http://schemas.microsoft.com/office/drawing/2010/main">
+                  <a:effectLst>
+                    <a:outerShdw dist="35921" dir="2700000" algn="ctr" rotWithShape="0">
+                      <a:schemeClr val="bg2"/>
+                    </a:outerShdw>
+                  </a:effectLst>
+                </a14:hiddenEffects>
+              </a:ext>
+            </a:extLst>
+          </p:spPr>
+          <p:txBody>
+            <a:bodyPr vert="horz" wrap="square" lIns="91440" tIns="45720" rIns="91440" bIns="45720" numCol="1" anchor="ctr" anchorCtr="0" compatLnSpc="1">
+              <a:prstTxWarp prst="textNoShape">
+                <a:avLst/>
+              </a:prstTxWarp>
+              <a:spAutoFit/>
+            </a:bodyPr>
+            <a:lstStyle/>
+            <a:p>
+              <a:pPr marL="0" marR="0" lvl="0" indent="0" algn="l" defTabSz="914400" rtl="0" eaLnBrk="0" fontAlgn="base" latinLnBrk="0" hangingPunct="0">
+                <a:lnSpc>
+                  <a:spcPct val="100000"/>
+                </a:lnSpc>
+                <a:spcBef>
+                  <a:spcPct val="0"/>
+                </a:spcBef>
+                <a:spcAft>
+                  <a:spcPct val="0"/>
+                </a:spcAft>
+                <a:buClrTx/>
+                <a:buSzTx/>
+                <a:buFontTx/>
+                <a:buNone/>
+                <a:tabLst/>
+              </a:pPr>
+              <a:r>
+                <a:rPr kumimoji="0" lang="zh-TW" altLang="zh-TW" sz="1100" b="0" i="0" u="none" strike="noStrike" cap="none" normalizeH="0" baseline="0">
                   <a:ln>
                     <a:noFill/>
                   </a:ln>
@@ -27242,7 +29528,7 @@
                 <a:t>import </a:t>
               </a:r>
               <a:r>
-                <a:rPr kumimoji="0" lang="zh-TW" altLang="zh-TW" sz="1200" b="0" i="0" u="none" strike="noStrike" cap="none" normalizeH="0" baseline="0">
+                <a:rPr kumimoji="0" lang="zh-TW" altLang="zh-TW" sz="1100" b="0" i="0" u="none" strike="noStrike" cap="none" normalizeH="0" baseline="0">
                   <a:ln>
                     <a:noFill/>
                   </a:ln>
@@ -27256,7 +29542,7 @@
                 <a:t>java.util.Scanner;</a:t>
               </a:r>
               <a:br>
-                <a:rPr kumimoji="0" lang="zh-TW" altLang="zh-TW" sz="1200" b="0" i="0" u="none" strike="noStrike" cap="none" normalizeH="0" baseline="0">
+                <a:rPr kumimoji="0" lang="zh-TW" altLang="zh-TW" sz="1100" b="0" i="0" u="none" strike="noStrike" cap="none" normalizeH="0" baseline="0">
                   <a:ln>
                     <a:noFill/>
                   </a:ln>
@@ -27269,7 +29555,7 @@
                 </a:rPr>
               </a:br>
               <a:br>
-                <a:rPr kumimoji="0" lang="zh-TW" altLang="zh-TW" sz="1200" b="0" i="0" u="none" strike="noStrike" cap="none" normalizeH="0" baseline="0">
+                <a:rPr kumimoji="0" lang="zh-TW" altLang="zh-TW" sz="1100" b="0" i="0" u="none" strike="noStrike" cap="none" normalizeH="0" baseline="0">
                   <a:ln>
                     <a:noFill/>
                   </a:ln>
@@ -27282,7 +29568,7 @@
                 </a:rPr>
               </a:br>
               <a:r>
-                <a:rPr kumimoji="0" lang="zh-TW" altLang="zh-TW" sz="1200" b="0" i="0" u="none" strike="noStrike" cap="none" normalizeH="0" baseline="0">
+                <a:rPr kumimoji="0" lang="zh-TW" altLang="zh-TW" sz="1100" b="0" i="0" u="none" strike="noStrike" cap="none" normalizeH="0" baseline="0">
                   <a:ln>
                     <a:noFill/>
                   </a:ln>
@@ -27296,17 +29582,21 @@
                 <a:t>public class </a:t>
               </a:r>
               <a:r>
-                <a:rPr lang="en-US" altLang="zh-TW" sz="1200">
+                <a:rPr kumimoji="0" lang="zh-TW" altLang="zh-TW" sz="1100" b="0" i="0" u="none" strike="noStrike" cap="none" normalizeH="0" baseline="0">
+                  <a:ln>
+                    <a:noFill/>
+                  </a:ln>
                   <a:solidFill>
                     <a:srgbClr val="BCBEC4"/>
                   </a:solidFill>
-                  <a:latin typeface="+mj-lt"/>
-                  <a:cs typeface="JetBrains Mono" panose="02000009000000000000" pitchFamily="49" charset="0"/>
-                </a:rPr>
-                <a:t>Main6</a:t>
-              </a:r>
-              <a:r>
-                <a:rPr kumimoji="0" lang="zh-TW" altLang="zh-TW" sz="1200" b="0" i="0" u="none" strike="noStrike" cap="none" normalizeH="0" baseline="0">
+                  <a:effectLst/>
+                  <a:latin typeface="+mj-lt"/>
+                  <a:cs typeface="JetBrains Mono" panose="02000009000000000000" pitchFamily="49" charset="0"/>
+                </a:rPr>
+                <a:t>Main6 {</a:t>
+              </a:r>
+              <a:br>
+                <a:rPr kumimoji="0" lang="zh-TW" altLang="zh-TW" sz="1100" b="0" i="0" u="none" strike="noStrike" cap="none" normalizeH="0" baseline="0">
                   <a:ln>
                     <a:noFill/>
                   </a:ln>
@@ -27317,10 +29607,65 @@
                   <a:latin typeface="+mj-lt"/>
                   <a:cs typeface="JetBrains Mono" panose="02000009000000000000" pitchFamily="49" charset="0"/>
                 </a:rPr>
-                <a:t> {</a:t>
+              </a:br>
+              <a:r>
+                <a:rPr kumimoji="0" lang="zh-TW" altLang="zh-TW" sz="1100" b="0" i="0" u="none" strike="noStrike" cap="none" normalizeH="0" baseline="0">
+                  <a:ln>
+                    <a:noFill/>
+                  </a:ln>
+                  <a:solidFill>
+                    <a:srgbClr val="BCBEC4"/>
+                  </a:solidFill>
+                  <a:effectLst/>
+                  <a:latin typeface="+mj-lt"/>
+                  <a:cs typeface="JetBrains Mono" panose="02000009000000000000" pitchFamily="49" charset="0"/>
+                </a:rPr>
+                <a:t>    </a:t>
+              </a:r>
+              <a:r>
+                <a:rPr kumimoji="0" lang="zh-TW" altLang="zh-TW" sz="1100" b="0" i="0" u="none" strike="noStrike" cap="none" normalizeH="0" baseline="0">
+                  <a:ln>
+                    <a:noFill/>
+                  </a:ln>
+                  <a:solidFill>
+                    <a:srgbClr val="CF8E6D"/>
+                  </a:solidFill>
+                  <a:effectLst/>
+                  <a:latin typeface="+mj-lt"/>
+                  <a:cs typeface="JetBrains Mono" panose="02000009000000000000" pitchFamily="49" charset="0"/>
+                </a:rPr>
+                <a:t>public static void </a:t>
+              </a:r>
+              <a:r>
+                <a:rPr kumimoji="0" lang="zh-TW" altLang="zh-TW" sz="1100" b="0" i="0" u="none" strike="noStrike" cap="none" normalizeH="0" baseline="0">
+                  <a:ln>
+                    <a:noFill/>
+                  </a:ln>
+                  <a:solidFill>
+                    <a:srgbClr val="56A8F5"/>
+                  </a:solidFill>
+                  <a:effectLst/>
+                  <a:latin typeface="+mj-lt"/>
+                  <a:cs typeface="JetBrains Mono" panose="02000009000000000000" pitchFamily="49" charset="0"/>
+                </a:rPr>
+                <a:t>main</a:t>
+              </a:r>
+              <a:r>
+                <a:rPr kumimoji="0" lang="zh-TW" altLang="zh-TW" sz="1100" b="0" i="0" u="none" strike="noStrike" cap="none" normalizeH="0" baseline="0">
+                  <a:ln>
+                    <a:noFill/>
+                  </a:ln>
+                  <a:solidFill>
+                    <a:srgbClr val="BCBEC4"/>
+                  </a:solidFill>
+                  <a:effectLst/>
+                  <a:latin typeface="+mj-lt"/>
+                  <a:cs typeface="JetBrains Mono" panose="02000009000000000000" pitchFamily="49" charset="0"/>
+                </a:rPr>
+                <a:t>(String[] args) {</a:t>
               </a:r>
               <a:br>
-                <a:rPr kumimoji="0" lang="zh-TW" altLang="zh-TW" sz="1200" b="0" i="0" u="none" strike="noStrike" cap="none" normalizeH="0" baseline="0">
+                <a:rPr kumimoji="0" lang="zh-TW" altLang="zh-TW" sz="1100" b="0" i="0" u="none" strike="noStrike" cap="none" normalizeH="0" baseline="0">
                   <a:ln>
                     <a:noFill/>
                   </a:ln>
@@ -27333,7 +29678,7 @@
                 </a:rPr>
               </a:br>
               <a:r>
-                <a:rPr kumimoji="0" lang="zh-TW" altLang="zh-TW" sz="1200" b="0" i="0" u="none" strike="noStrike" cap="none" normalizeH="0" baseline="0">
+                <a:rPr kumimoji="0" lang="zh-TW" altLang="zh-TW" sz="1100" b="0" i="0" u="none" strike="noStrike" cap="none" normalizeH="0" baseline="0">
                   <a:ln>
                     <a:noFill/>
                   </a:ln>
@@ -27344,10 +29689,10 @@
                   <a:latin typeface="+mj-lt"/>
                   <a:cs typeface="JetBrains Mono" panose="02000009000000000000" pitchFamily="49" charset="0"/>
                 </a:rPr>
-                <a:t>    </a:t>
-              </a:r>
-              <a:r>
-                <a:rPr kumimoji="0" lang="zh-TW" altLang="zh-TW" sz="1200" b="0" i="0" u="none" strike="noStrike" cap="none" normalizeH="0" baseline="0">
+                <a:t>        Scanner scanner = </a:t>
+              </a:r>
+              <a:r>
+                <a:rPr kumimoji="0" lang="zh-TW" altLang="zh-TW" sz="1100" b="0" i="0" u="none" strike="noStrike" cap="none" normalizeH="0" baseline="0">
                   <a:ln>
                     <a:noFill/>
                   </a:ln>
@@ -27358,24 +29703,10 @@
                   <a:latin typeface="+mj-lt"/>
                   <a:cs typeface="JetBrains Mono" panose="02000009000000000000" pitchFamily="49" charset="0"/>
                 </a:rPr>
-                <a:t>public static void </a:t>
-              </a:r>
-              <a:r>
-                <a:rPr kumimoji="0" lang="zh-TW" altLang="zh-TW" sz="1200" b="0" i="0" u="none" strike="noStrike" cap="none" normalizeH="0" baseline="0">
-                  <a:ln>
-                    <a:noFill/>
-                  </a:ln>
-                  <a:solidFill>
-                    <a:srgbClr val="56A8F5"/>
-                  </a:solidFill>
-                  <a:effectLst/>
-                  <a:latin typeface="+mj-lt"/>
-                  <a:cs typeface="JetBrains Mono" panose="02000009000000000000" pitchFamily="49" charset="0"/>
-                </a:rPr>
-                <a:t>main</a:t>
-              </a:r>
-              <a:r>
-                <a:rPr kumimoji="0" lang="zh-TW" altLang="zh-TW" sz="1200" b="0" i="0" u="none" strike="noStrike" cap="none" normalizeH="0" baseline="0">
+                <a:t>new </a:t>
+              </a:r>
+              <a:r>
+                <a:rPr kumimoji="0" lang="zh-TW" altLang="zh-TW" sz="1100" b="0" i="0" u="none" strike="noStrike" cap="none" normalizeH="0" baseline="0">
                   <a:ln>
                     <a:noFill/>
                   </a:ln>
@@ -27386,10 +29717,38 @@
                   <a:latin typeface="+mj-lt"/>
                   <a:cs typeface="JetBrains Mono" panose="02000009000000000000" pitchFamily="49" charset="0"/>
                 </a:rPr>
-                <a:t>(String[] args) {</a:t>
+                <a:t>Scanner(System.</a:t>
+              </a:r>
+              <a:r>
+                <a:rPr kumimoji="0" lang="zh-TW" altLang="zh-TW" sz="1100" b="0" i="1" u="none" strike="noStrike" cap="none" normalizeH="0" baseline="0">
+                  <a:ln>
+                    <a:noFill/>
+                  </a:ln>
+                  <a:solidFill>
+                    <a:srgbClr val="C77DBB"/>
+                  </a:solidFill>
+                  <a:effectLst/>
+                  <a:latin typeface="+mj-lt"/>
+                  <a:cs typeface="JetBrains Mono" panose="02000009000000000000" pitchFamily="49" charset="0"/>
+                </a:rPr>
+                <a:t>in</a:t>
+              </a:r>
+              <a:r>
+                <a:rPr kumimoji="0" lang="zh-TW" altLang="zh-TW" sz="1100" b="0" i="0" u="none" strike="noStrike" cap="none" normalizeH="0" baseline="0">
+                  <a:ln>
+                    <a:noFill/>
+                  </a:ln>
+                  <a:solidFill>
+                    <a:srgbClr val="BCBEC4"/>
+                  </a:solidFill>
+                  <a:effectLst/>
+                  <a:latin typeface="+mj-lt"/>
+                  <a:cs typeface="JetBrains Mono" panose="02000009000000000000" pitchFamily="49" charset="0"/>
+                </a:rPr>
+                <a:t>);</a:t>
               </a:r>
               <a:br>
-                <a:rPr kumimoji="0" lang="zh-TW" altLang="zh-TW" sz="1200" b="0" i="0" u="none" strike="noStrike" cap="none" normalizeH="0" baseline="0">
+                <a:rPr kumimoji="0" lang="zh-TW" altLang="zh-TW" sz="1100" b="0" i="0" u="none" strike="noStrike" cap="none" normalizeH="0" baseline="0">
                   <a:ln>
                     <a:noFill/>
                   </a:ln>
@@ -27402,7 +29761,7 @@
                 </a:rPr>
               </a:br>
               <a:r>
-                <a:rPr kumimoji="0" lang="zh-TW" altLang="zh-TW" sz="1200" b="0" i="0" u="none" strike="noStrike" cap="none" normalizeH="0" baseline="0">
+                <a:rPr kumimoji="0" lang="zh-TW" altLang="zh-TW" sz="1100" b="0" i="0" u="none" strike="noStrike" cap="none" normalizeH="0" baseline="0">
                   <a:ln>
                     <a:noFill/>
                   </a:ln>
@@ -27413,10 +29772,10 @@
                   <a:latin typeface="+mj-lt"/>
                   <a:cs typeface="JetBrains Mono" panose="02000009000000000000" pitchFamily="49" charset="0"/>
                 </a:rPr>
-                <a:t>        Scanner scanner = </a:t>
-              </a:r>
-              <a:r>
-                <a:rPr kumimoji="0" lang="zh-TW" altLang="zh-TW" sz="1200" b="0" i="0" u="none" strike="noStrike" cap="none" normalizeH="0" baseline="0">
+                <a:t>        </a:t>
+              </a:r>
+              <a:r>
+                <a:rPr kumimoji="0" lang="zh-TW" altLang="zh-TW" sz="1100" b="0" i="0" u="none" strike="noStrike" cap="none" normalizeH="0" baseline="0">
                   <a:ln>
                     <a:noFill/>
                   </a:ln>
@@ -27427,10 +29786,10 @@
                   <a:latin typeface="+mj-lt"/>
                   <a:cs typeface="JetBrains Mono" panose="02000009000000000000" pitchFamily="49" charset="0"/>
                 </a:rPr>
-                <a:t>new </a:t>
-              </a:r>
-              <a:r>
-                <a:rPr kumimoji="0" lang="zh-TW" altLang="zh-TW" sz="1200" b="0" i="0" u="none" strike="noStrike" cap="none" normalizeH="0" baseline="0">
+                <a:t>int </a:t>
+              </a:r>
+              <a:r>
+                <a:rPr kumimoji="0" lang="zh-TW" altLang="zh-TW" sz="1100" b="0" i="0" u="none" strike="noStrike" cap="none" normalizeH="0" baseline="0">
                   <a:ln>
                     <a:noFill/>
                   </a:ln>
@@ -27441,24 +29800,79 @@
                   <a:latin typeface="+mj-lt"/>
                   <a:cs typeface="JetBrains Mono" panose="02000009000000000000" pitchFamily="49" charset="0"/>
                 </a:rPr>
-                <a:t>Scanner(System.</a:t>
-              </a:r>
-              <a:r>
-                <a:rPr kumimoji="0" lang="zh-TW" altLang="zh-TW" sz="1200" b="0" i="1" u="none" strike="noStrike" cap="none" normalizeH="0" baseline="0">
-                  <a:ln>
-                    <a:noFill/>
-                  </a:ln>
-                  <a:solidFill>
-                    <a:srgbClr val="C77DBB"/>
-                  </a:solidFill>
-                  <a:effectLst/>
-                  <a:latin typeface="+mj-lt"/>
-                  <a:cs typeface="JetBrains Mono" panose="02000009000000000000" pitchFamily="49" charset="0"/>
-                </a:rPr>
-                <a:t>in</a:t>
-              </a:r>
-              <a:r>
-                <a:rPr kumimoji="0" lang="zh-TW" altLang="zh-TW" sz="1200" b="0" i="0" u="none" strike="noStrike" cap="none" normalizeH="0" baseline="0">
+                <a:t>n = scanner.nextInt(); </a:t>
+              </a:r>
+              <a:r>
+                <a:rPr kumimoji="0" lang="zh-TW" altLang="zh-TW" sz="1100" b="0" i="0" u="none" strike="noStrike" cap="none" normalizeH="0" baseline="0">
+                  <a:ln>
+                    <a:noFill/>
+                  </a:ln>
+                  <a:solidFill>
+                    <a:srgbClr val="7A7E85"/>
+                  </a:solidFill>
+                  <a:effectLst/>
+                  <a:latin typeface="+mj-lt"/>
+                  <a:cs typeface="JetBrains Mono" panose="02000009000000000000" pitchFamily="49" charset="0"/>
+                </a:rPr>
+                <a:t>// </a:t>
+              </a:r>
+              <a:r>
+                <a:rPr kumimoji="0" lang="zh-TW" altLang="zh-TW" sz="1100" b="0" i="0" u="none" strike="noStrike" cap="none" normalizeH="0" baseline="0">
+                  <a:ln>
+                    <a:noFill/>
+                  </a:ln>
+                  <a:solidFill>
+                    <a:srgbClr val="7A7E85"/>
+                  </a:solidFill>
+                  <a:effectLst/>
+                  <a:latin typeface="+mj-lt"/>
+                  <a:cs typeface="Courier New" panose="02070309020205020404" pitchFamily="49" charset="0"/>
+                </a:rPr>
+                <a:t>獲取資料個數</a:t>
+              </a:r>
+              <a:br>
+                <a:rPr kumimoji="0" lang="zh-TW" altLang="zh-TW" sz="1100" b="0" i="0" u="none" strike="noStrike" cap="none" normalizeH="0" baseline="0">
+                  <a:ln>
+                    <a:noFill/>
+                  </a:ln>
+                  <a:solidFill>
+                    <a:srgbClr val="7A7E85"/>
+                  </a:solidFill>
+                  <a:effectLst/>
+                  <a:latin typeface="+mj-lt"/>
+                  <a:cs typeface="Courier New" panose="02070309020205020404" pitchFamily="49" charset="0"/>
+                </a:rPr>
+              </a:br>
+              <a:r>
+                <a:rPr kumimoji="0" lang="zh-TW" altLang="zh-TW" sz="1100" b="0" i="0" u="none" strike="noStrike" cap="none" normalizeH="0" baseline="0">
+                  <a:ln>
+                    <a:noFill/>
+                  </a:ln>
+                  <a:solidFill>
+                    <a:srgbClr val="7A7E85"/>
+                  </a:solidFill>
+                  <a:effectLst/>
+                  <a:latin typeface="+mj-lt"/>
+                  <a:cs typeface="Courier New" panose="02070309020205020404" pitchFamily="49" charset="0"/>
+                </a:rPr>
+                <a:t>        </a:t>
+              </a:r>
+              <a:r>
+                <a:rPr kumimoji="0" lang="zh-TW" altLang="zh-TW" sz="1100" b="0" i="0" u="none" strike="noStrike" cap="none" normalizeH="0" baseline="0">
+                  <a:ln>
+                    <a:noFill/>
+                  </a:ln>
+                  <a:solidFill>
+                    <a:srgbClr val="CF8E6D"/>
+                  </a:solidFill>
+                  <a:effectLst/>
+                  <a:latin typeface="+mj-lt"/>
+                  <a:cs typeface="JetBrains Mono" panose="02000009000000000000" pitchFamily="49" charset="0"/>
+                </a:rPr>
+                <a:t>int</a:t>
+              </a:r>
+              <a:r>
+                <a:rPr kumimoji="0" lang="zh-TW" altLang="zh-TW" sz="1100" b="0" i="0" u="none" strike="noStrike" cap="none" normalizeH="0" baseline="0">
                   <a:ln>
                     <a:noFill/>
                   </a:ln>
@@ -27469,10 +29883,38 @@
                   <a:latin typeface="+mj-lt"/>
                   <a:cs typeface="JetBrains Mono" panose="02000009000000000000" pitchFamily="49" charset="0"/>
                 </a:rPr>
-                <a:t>);</a:t>
+                <a:t>[] arr = </a:t>
+              </a:r>
+              <a:r>
+                <a:rPr kumimoji="0" lang="zh-TW" altLang="zh-TW" sz="1100" b="0" i="0" u="none" strike="noStrike" cap="none" normalizeH="0" baseline="0">
+                  <a:ln>
+                    <a:noFill/>
+                  </a:ln>
+                  <a:solidFill>
+                    <a:srgbClr val="CF8E6D"/>
+                  </a:solidFill>
+                  <a:effectLst/>
+                  <a:latin typeface="+mj-lt"/>
+                  <a:cs typeface="JetBrains Mono" panose="02000009000000000000" pitchFamily="49" charset="0"/>
+                </a:rPr>
+                <a:t>new int</a:t>
+              </a:r>
+              <a:r>
+                <a:rPr kumimoji="0" lang="zh-TW" altLang="zh-TW" sz="1100" b="0" i="0" u="none" strike="noStrike" cap="none" normalizeH="0" baseline="0">
+                  <a:ln>
+                    <a:noFill/>
+                  </a:ln>
+                  <a:solidFill>
+                    <a:srgbClr val="BCBEC4"/>
+                  </a:solidFill>
+                  <a:effectLst/>
+                  <a:latin typeface="+mj-lt"/>
+                  <a:cs typeface="JetBrains Mono" panose="02000009000000000000" pitchFamily="49" charset="0"/>
+                </a:rPr>
+                <a:t>[n];</a:t>
               </a:r>
               <a:br>
-                <a:rPr kumimoji="0" lang="zh-TW" altLang="zh-TW" sz="1200" b="0" i="0" u="none" strike="noStrike" cap="none" normalizeH="0" baseline="0">
+                <a:rPr kumimoji="0" lang="zh-TW" altLang="zh-TW" sz="1100" b="0" i="0" u="none" strike="noStrike" cap="none" normalizeH="0" baseline="0">
                   <a:ln>
                     <a:noFill/>
                   </a:ln>
@@ -27485,7 +29927,7 @@
                 </a:rPr>
               </a:br>
               <a:r>
-                <a:rPr kumimoji="0" lang="zh-TW" altLang="zh-TW" sz="1200" b="0" i="0" u="none" strike="noStrike" cap="none" normalizeH="0" baseline="0">
+                <a:rPr kumimoji="0" lang="zh-TW" altLang="zh-TW" sz="1100" b="0" i="0" u="none" strike="noStrike" cap="none" normalizeH="0" baseline="0">
                   <a:ln>
                     <a:noFill/>
                   </a:ln>
@@ -27499,7 +29941,7 @@
                 <a:t>        </a:t>
               </a:r>
               <a:r>
-                <a:rPr kumimoji="0" lang="zh-TW" altLang="zh-TW" sz="1200" b="0" i="0" u="none" strike="noStrike" cap="none" normalizeH="0" baseline="0">
+                <a:rPr kumimoji="0" lang="zh-TW" altLang="zh-TW" sz="1100" b="0" i="0" u="none" strike="noStrike" cap="none" normalizeH="0" baseline="0">
                   <a:ln>
                     <a:noFill/>
                   </a:ln>
@@ -27510,10 +29952,38 @@
                   <a:latin typeface="+mj-lt"/>
                   <a:cs typeface="JetBrains Mono" panose="02000009000000000000" pitchFamily="49" charset="0"/>
                 </a:rPr>
+                <a:t>for </a:t>
+              </a:r>
+              <a:r>
+                <a:rPr kumimoji="0" lang="zh-TW" altLang="zh-TW" sz="1100" b="0" i="0" u="none" strike="noStrike" cap="none" normalizeH="0" baseline="0">
+                  <a:ln>
+                    <a:noFill/>
+                  </a:ln>
+                  <a:solidFill>
+                    <a:srgbClr val="BCBEC4"/>
+                  </a:solidFill>
+                  <a:effectLst/>
+                  <a:latin typeface="+mj-lt"/>
+                  <a:cs typeface="JetBrains Mono" panose="02000009000000000000" pitchFamily="49" charset="0"/>
+                </a:rPr>
+                <a:t>(</a:t>
+              </a:r>
+              <a:r>
+                <a:rPr kumimoji="0" lang="zh-TW" altLang="zh-TW" sz="1100" b="0" i="0" u="none" strike="noStrike" cap="none" normalizeH="0" baseline="0">
+                  <a:ln>
+                    <a:noFill/>
+                  </a:ln>
+                  <a:solidFill>
+                    <a:srgbClr val="CF8E6D"/>
+                  </a:solidFill>
+                  <a:effectLst/>
+                  <a:latin typeface="+mj-lt"/>
+                  <a:cs typeface="JetBrains Mono" panose="02000009000000000000" pitchFamily="49" charset="0"/>
+                </a:rPr>
                 <a:t>int </a:t>
               </a:r>
               <a:r>
-                <a:rPr kumimoji="0" lang="zh-TW" altLang="zh-TW" sz="1200" b="0" i="0" u="none" strike="noStrike" cap="none" normalizeH="0" baseline="0">
+                <a:rPr kumimoji="0" lang="zh-TW" altLang="zh-TW" sz="1100" b="0" i="0" u="none" strike="noStrike" cap="none" normalizeH="0" baseline="0">
                   <a:ln>
                     <a:noFill/>
                   </a:ln>
@@ -27524,10 +29994,38 @@
                   <a:latin typeface="+mj-lt"/>
                   <a:cs typeface="JetBrains Mono" panose="02000009000000000000" pitchFamily="49" charset="0"/>
                 </a:rPr>
-                <a:t>n = scanner.nextInt(); </a:t>
-              </a:r>
-              <a:r>
-                <a:rPr kumimoji="0" lang="zh-TW" altLang="zh-TW" sz="1200" b="0" i="0" u="none" strike="noStrike" cap="none" normalizeH="0" baseline="0">
+                <a:t>i = </a:t>
+              </a:r>
+              <a:r>
+                <a:rPr kumimoji="0" lang="zh-TW" altLang="zh-TW" sz="1100" b="0" i="0" u="none" strike="noStrike" cap="none" normalizeH="0" baseline="0">
+                  <a:ln>
+                    <a:noFill/>
+                  </a:ln>
+                  <a:solidFill>
+                    <a:srgbClr val="2AACB8"/>
+                  </a:solidFill>
+                  <a:effectLst/>
+                  <a:latin typeface="+mj-lt"/>
+                  <a:cs typeface="JetBrains Mono" panose="02000009000000000000" pitchFamily="49" charset="0"/>
+                </a:rPr>
+                <a:t>0</a:t>
+              </a:r>
+              <a:r>
+                <a:rPr kumimoji="0" lang="zh-TW" altLang="zh-TW" sz="1100" b="0" i="0" u="none" strike="noStrike" cap="none" normalizeH="0" baseline="0">
+                  <a:ln>
+                    <a:noFill/>
+                  </a:ln>
+                  <a:solidFill>
+                    <a:srgbClr val="BCBEC4"/>
+                  </a:solidFill>
+                  <a:effectLst/>
+                  <a:latin typeface="+mj-lt"/>
+                  <a:cs typeface="JetBrains Mono" panose="02000009000000000000" pitchFamily="49" charset="0"/>
+                </a:rPr>
+                <a:t>; i &lt; n; i++) arr[i] = scanner.nextInt(); </a:t>
+              </a:r>
+              <a:r>
+                <a:rPr kumimoji="0" lang="zh-TW" altLang="zh-TW" sz="1100" b="0" i="0" u="none" strike="noStrike" cap="none" normalizeH="0" baseline="0">
                   <a:ln>
                     <a:noFill/>
                   </a:ln>
@@ -27541,7 +30039,7 @@
                 <a:t>// </a:t>
               </a:r>
               <a:r>
-                <a:rPr kumimoji="0" lang="zh-TW" altLang="zh-TW" sz="1200" b="0" i="0" u="none" strike="noStrike" cap="none" normalizeH="0" baseline="0">
+                <a:rPr kumimoji="0" lang="zh-TW" altLang="zh-TW" sz="1100" b="0" i="0" u="none" strike="noStrike" cap="none" normalizeH="0" baseline="0">
                   <a:ln>
                     <a:noFill/>
                   </a:ln>
@@ -27552,10 +30050,10 @@
                   <a:latin typeface="+mj-lt"/>
                   <a:cs typeface="Courier New" panose="02070309020205020404" pitchFamily="49" charset="0"/>
                 </a:rPr>
-                <a:t>獲取資料個數</a:t>
+                <a:t>讀入資料</a:t>
               </a:r>
               <a:br>
-                <a:rPr kumimoji="0" lang="zh-TW" altLang="zh-TW" sz="1200" b="0" i="0" u="none" strike="noStrike" cap="none" normalizeH="0" baseline="0">
+                <a:rPr kumimoji="0" lang="zh-TW" altLang="zh-TW" sz="1100" b="0" i="0" u="none" strike="noStrike" cap="none" normalizeH="0" baseline="0">
                   <a:ln>
                     <a:noFill/>
                   </a:ln>
@@ -27568,7 +30066,7 @@
                 </a:rPr>
               </a:br>
               <a:r>
-                <a:rPr kumimoji="0" lang="zh-TW" altLang="zh-TW" sz="1200" b="0" i="0" u="none" strike="noStrike" cap="none" normalizeH="0" baseline="0">
+                <a:rPr kumimoji="0" lang="zh-TW" altLang="zh-TW" sz="1100" b="0" i="0" u="none" strike="noStrike" cap="none" normalizeH="0" baseline="0">
                   <a:ln>
                     <a:noFill/>
                   </a:ln>
@@ -27582,7 +30080,7 @@
                 <a:t>        </a:t>
               </a:r>
               <a:r>
-                <a:rPr kumimoji="0" lang="zh-TW" altLang="zh-TW" sz="1200" b="0" i="0" u="none" strike="noStrike" cap="none" normalizeH="0" baseline="0">
+                <a:rPr kumimoji="0" lang="zh-TW" altLang="zh-TW" sz="1100" b="0" i="0" u="none" strike="noStrike" cap="none" normalizeH="0" baseline="0">
                   <a:ln>
                     <a:noFill/>
                   </a:ln>
@@ -27593,10 +30091,10 @@
                   <a:latin typeface="+mj-lt"/>
                   <a:cs typeface="JetBrains Mono" panose="02000009000000000000" pitchFamily="49" charset="0"/>
                 </a:rPr>
-                <a:t>int</a:t>
-              </a:r>
-              <a:r>
-                <a:rPr kumimoji="0" lang="zh-TW" altLang="zh-TW" sz="1200" b="0" i="0" u="none" strike="noStrike" cap="none" normalizeH="0" baseline="0">
+                <a:t>int </a:t>
+              </a:r>
+              <a:r>
+                <a:rPr kumimoji="0" lang="zh-TW" altLang="zh-TW" sz="1100" b="0" i="0" u="none" strike="noStrike" cap="none" normalizeH="0" baseline="0">
                   <a:ln>
                     <a:noFill/>
                   </a:ln>
@@ -27607,260 +30105,38 @@
                   <a:latin typeface="+mj-lt"/>
                   <a:cs typeface="JetBrains Mono" panose="02000009000000000000" pitchFamily="49" charset="0"/>
                 </a:rPr>
-                <a:t>[] arr = </a:t>
-              </a:r>
-              <a:r>
-                <a:rPr kumimoji="0" lang="zh-TW" altLang="zh-TW" sz="1200" b="0" i="0" u="none" strike="noStrike" cap="none" normalizeH="0" baseline="0">
-                  <a:ln>
-                    <a:noFill/>
-                  </a:ln>
-                  <a:solidFill>
-                    <a:srgbClr val="CF8E6D"/>
-                  </a:solidFill>
-                  <a:effectLst/>
-                  <a:latin typeface="+mj-lt"/>
-                  <a:cs typeface="JetBrains Mono" panose="02000009000000000000" pitchFamily="49" charset="0"/>
-                </a:rPr>
-                <a:t>new int</a:t>
-              </a:r>
-              <a:r>
-                <a:rPr kumimoji="0" lang="zh-TW" altLang="zh-TW" sz="1200" b="0" i="0" u="none" strike="noStrike" cap="none" normalizeH="0" baseline="0">
-                  <a:ln>
-                    <a:noFill/>
-                  </a:ln>
-                  <a:solidFill>
-                    <a:srgbClr val="BCBEC4"/>
-                  </a:solidFill>
-                  <a:effectLst/>
-                  <a:latin typeface="+mj-lt"/>
-                  <a:cs typeface="JetBrains Mono" panose="02000009000000000000" pitchFamily="49" charset="0"/>
-                </a:rPr>
-                <a:t>[n];</a:t>
+                <a:t>target = scanner.nextInt(); </a:t>
+              </a:r>
+              <a:r>
+                <a:rPr kumimoji="0" lang="zh-TW" altLang="zh-TW" sz="1100" b="0" i="0" u="none" strike="noStrike" cap="none" normalizeH="0" baseline="0">
+                  <a:ln>
+                    <a:noFill/>
+                  </a:ln>
+                  <a:solidFill>
+                    <a:srgbClr val="7A7E85"/>
+                  </a:solidFill>
+                  <a:effectLst/>
+                  <a:latin typeface="+mj-lt"/>
+                  <a:cs typeface="JetBrains Mono" panose="02000009000000000000" pitchFamily="49" charset="0"/>
+                </a:rPr>
+                <a:t>// </a:t>
+              </a:r>
+              <a:r>
+                <a:rPr kumimoji="0" lang="zh-TW" altLang="zh-TW" sz="1100" b="0" i="0" u="none" strike="noStrike" cap="none" normalizeH="0" baseline="0">
+                  <a:ln>
+                    <a:noFill/>
+                  </a:ln>
+                  <a:solidFill>
+                    <a:srgbClr val="7A7E85"/>
+                  </a:solidFill>
+                  <a:effectLst/>
+                  <a:latin typeface="+mj-lt"/>
+                  <a:cs typeface="Courier New" panose="02070309020205020404" pitchFamily="49" charset="0"/>
+                </a:rPr>
+                <a:t>讀入目標資料</a:t>
               </a:r>
               <a:br>
-                <a:rPr kumimoji="0" lang="zh-TW" altLang="zh-TW" sz="1200" b="0" i="0" u="none" strike="noStrike" cap="none" normalizeH="0" baseline="0">
-                  <a:ln>
-                    <a:noFill/>
-                  </a:ln>
-                  <a:solidFill>
-                    <a:srgbClr val="BCBEC4"/>
-                  </a:solidFill>
-                  <a:effectLst/>
-                  <a:latin typeface="+mj-lt"/>
-                  <a:cs typeface="JetBrains Mono" panose="02000009000000000000" pitchFamily="49" charset="0"/>
-                </a:rPr>
-              </a:br>
-              <a:r>
-                <a:rPr kumimoji="0" lang="zh-TW" altLang="zh-TW" sz="1200" b="0" i="0" u="none" strike="noStrike" cap="none" normalizeH="0" baseline="0">
-                  <a:ln>
-                    <a:noFill/>
-                  </a:ln>
-                  <a:solidFill>
-                    <a:srgbClr val="BCBEC4"/>
-                  </a:solidFill>
-                  <a:effectLst/>
-                  <a:latin typeface="+mj-lt"/>
-                  <a:cs typeface="JetBrains Mono" panose="02000009000000000000" pitchFamily="49" charset="0"/>
-                </a:rPr>
-                <a:t>        </a:t>
-              </a:r>
-              <a:r>
-                <a:rPr kumimoji="0" lang="zh-TW" altLang="zh-TW" sz="1200" b="0" i="0" u="none" strike="noStrike" cap="none" normalizeH="0" baseline="0">
-                  <a:ln>
-                    <a:noFill/>
-                  </a:ln>
-                  <a:solidFill>
-                    <a:srgbClr val="CF8E6D"/>
-                  </a:solidFill>
-                  <a:effectLst/>
-                  <a:latin typeface="+mj-lt"/>
-                  <a:cs typeface="JetBrains Mono" panose="02000009000000000000" pitchFamily="49" charset="0"/>
-                </a:rPr>
-                <a:t>for </a:t>
-              </a:r>
-              <a:r>
-                <a:rPr kumimoji="0" lang="zh-TW" altLang="zh-TW" sz="1200" b="0" i="0" u="none" strike="noStrike" cap="none" normalizeH="0" baseline="0">
-                  <a:ln>
-                    <a:noFill/>
-                  </a:ln>
-                  <a:solidFill>
-                    <a:srgbClr val="BCBEC4"/>
-                  </a:solidFill>
-                  <a:effectLst/>
-                  <a:latin typeface="+mj-lt"/>
-                  <a:cs typeface="JetBrains Mono" panose="02000009000000000000" pitchFamily="49" charset="0"/>
-                </a:rPr>
-                <a:t>(</a:t>
-              </a:r>
-              <a:r>
-                <a:rPr kumimoji="0" lang="zh-TW" altLang="zh-TW" sz="1200" b="0" i="0" u="none" strike="noStrike" cap="none" normalizeH="0" baseline="0">
-                  <a:ln>
-                    <a:noFill/>
-                  </a:ln>
-                  <a:solidFill>
-                    <a:srgbClr val="CF8E6D"/>
-                  </a:solidFill>
-                  <a:effectLst/>
-                  <a:latin typeface="+mj-lt"/>
-                  <a:cs typeface="JetBrains Mono" panose="02000009000000000000" pitchFamily="49" charset="0"/>
-                </a:rPr>
-                <a:t>int </a:t>
-              </a:r>
-              <a:r>
-                <a:rPr kumimoji="0" lang="zh-TW" altLang="zh-TW" sz="1200" b="0" i="0" u="none" strike="noStrike" cap="none" normalizeH="0" baseline="0">
-                  <a:ln>
-                    <a:noFill/>
-                  </a:ln>
-                  <a:solidFill>
-                    <a:srgbClr val="BCBEC4"/>
-                  </a:solidFill>
-                  <a:effectLst/>
-                  <a:latin typeface="+mj-lt"/>
-                  <a:cs typeface="JetBrains Mono" panose="02000009000000000000" pitchFamily="49" charset="0"/>
-                </a:rPr>
-                <a:t>i = </a:t>
-              </a:r>
-              <a:r>
-                <a:rPr kumimoji="0" lang="zh-TW" altLang="zh-TW" sz="1200" b="0" i="0" u="none" strike="noStrike" cap="none" normalizeH="0" baseline="0">
-                  <a:ln>
-                    <a:noFill/>
-                  </a:ln>
-                  <a:solidFill>
-                    <a:srgbClr val="2AACB8"/>
-                  </a:solidFill>
-                  <a:effectLst/>
-                  <a:latin typeface="+mj-lt"/>
-                  <a:cs typeface="JetBrains Mono" panose="02000009000000000000" pitchFamily="49" charset="0"/>
-                </a:rPr>
-                <a:t>0</a:t>
-              </a:r>
-              <a:r>
-                <a:rPr kumimoji="0" lang="zh-TW" altLang="zh-TW" sz="1200" b="0" i="0" u="none" strike="noStrike" cap="none" normalizeH="0" baseline="0">
-                  <a:ln>
-                    <a:noFill/>
-                  </a:ln>
-                  <a:solidFill>
-                    <a:srgbClr val="BCBEC4"/>
-                  </a:solidFill>
-                  <a:effectLst/>
-                  <a:latin typeface="+mj-lt"/>
-                  <a:cs typeface="JetBrains Mono" panose="02000009000000000000" pitchFamily="49" charset="0"/>
-                </a:rPr>
-                <a:t>; i &lt; n; i++) arr[i] = scanner.nextInt(); </a:t>
-              </a:r>
-              <a:r>
-                <a:rPr kumimoji="0" lang="zh-TW" altLang="zh-TW" sz="1200" b="0" i="0" u="none" strike="noStrike" cap="none" normalizeH="0" baseline="0">
-                  <a:ln>
-                    <a:noFill/>
-                  </a:ln>
-                  <a:solidFill>
-                    <a:srgbClr val="7A7E85"/>
-                  </a:solidFill>
-                  <a:effectLst/>
-                  <a:latin typeface="+mj-lt"/>
-                  <a:cs typeface="JetBrains Mono" panose="02000009000000000000" pitchFamily="49" charset="0"/>
-                </a:rPr>
-                <a:t>// </a:t>
-              </a:r>
-              <a:r>
-                <a:rPr kumimoji="0" lang="zh-TW" altLang="zh-TW" sz="1200" b="0" i="0" u="none" strike="noStrike" cap="none" normalizeH="0" baseline="0">
-                  <a:ln>
-                    <a:noFill/>
-                  </a:ln>
-                  <a:solidFill>
-                    <a:srgbClr val="7A7E85"/>
-                  </a:solidFill>
-                  <a:effectLst/>
-                  <a:latin typeface="+mj-lt"/>
-                  <a:cs typeface="Courier New" panose="02070309020205020404" pitchFamily="49" charset="0"/>
-                </a:rPr>
-                <a:t>讀入資料</a:t>
-              </a:r>
-              <a:br>
-                <a:rPr kumimoji="0" lang="zh-TW" altLang="zh-TW" sz="1200" b="0" i="0" u="none" strike="noStrike" cap="none" normalizeH="0" baseline="0">
-                  <a:ln>
-                    <a:noFill/>
-                  </a:ln>
-                  <a:solidFill>
-                    <a:srgbClr val="7A7E85"/>
-                  </a:solidFill>
-                  <a:effectLst/>
-                  <a:latin typeface="+mj-lt"/>
-                  <a:cs typeface="Courier New" panose="02070309020205020404" pitchFamily="49" charset="0"/>
-                </a:rPr>
-              </a:br>
-              <a:r>
-                <a:rPr kumimoji="0" lang="zh-TW" altLang="zh-TW" sz="1200" b="0" i="0" u="none" strike="noStrike" cap="none" normalizeH="0" baseline="0">
-                  <a:ln>
-                    <a:noFill/>
-                  </a:ln>
-                  <a:solidFill>
-                    <a:srgbClr val="7A7E85"/>
-                  </a:solidFill>
-                  <a:effectLst/>
-                  <a:latin typeface="+mj-lt"/>
-                  <a:cs typeface="Courier New" panose="02070309020205020404" pitchFamily="49" charset="0"/>
-                </a:rPr>
-                <a:t>        </a:t>
-              </a:r>
-              <a:r>
-                <a:rPr kumimoji="0" lang="zh-TW" altLang="zh-TW" sz="1200" b="0" i="0" u="none" strike="noStrike" cap="none" normalizeH="0" baseline="0">
-                  <a:ln>
-                    <a:noFill/>
-                  </a:ln>
-                  <a:solidFill>
-                    <a:srgbClr val="CF8E6D"/>
-                  </a:solidFill>
-                  <a:effectLst/>
-                  <a:latin typeface="+mj-lt"/>
-                  <a:cs typeface="JetBrains Mono" panose="02000009000000000000" pitchFamily="49" charset="0"/>
-                </a:rPr>
-                <a:t>int </a:t>
-              </a:r>
-              <a:r>
-                <a:rPr kumimoji="0" lang="zh-TW" altLang="zh-TW" sz="1200" b="0" i="0" u="none" strike="noStrike" cap="none" normalizeH="0" baseline="0">
-                  <a:ln>
-                    <a:noFill/>
-                  </a:ln>
-                  <a:solidFill>
-                    <a:srgbClr val="BCBEC4"/>
-                  </a:solidFill>
-                  <a:effectLst/>
-                  <a:latin typeface="+mj-lt"/>
-                  <a:cs typeface="JetBrains Mono" panose="02000009000000000000" pitchFamily="49" charset="0"/>
-                </a:rPr>
-                <a:t>target = scanner.nextInt(); </a:t>
-              </a:r>
-              <a:r>
-                <a:rPr kumimoji="0" lang="zh-TW" altLang="zh-TW" sz="1200" b="0" i="0" u="none" strike="noStrike" cap="none" normalizeH="0" baseline="0">
-                  <a:ln>
-                    <a:noFill/>
-                  </a:ln>
-                  <a:solidFill>
-                    <a:srgbClr val="7A7E85"/>
-                  </a:solidFill>
-                  <a:effectLst/>
-                  <a:latin typeface="+mj-lt"/>
-                  <a:cs typeface="JetBrains Mono" panose="02000009000000000000" pitchFamily="49" charset="0"/>
-                </a:rPr>
-                <a:t>// </a:t>
-              </a:r>
-              <a:r>
-                <a:rPr kumimoji="0" lang="zh-TW" altLang="zh-TW" sz="1200" b="0" i="0" u="none" strike="noStrike" cap="none" normalizeH="0" baseline="0">
-                  <a:ln>
-                    <a:noFill/>
-                  </a:ln>
-                  <a:solidFill>
-                    <a:srgbClr val="7A7E85"/>
-                  </a:solidFill>
-                  <a:effectLst/>
-                  <a:latin typeface="+mj-lt"/>
-                  <a:cs typeface="Courier New" panose="02070309020205020404" pitchFamily="49" charset="0"/>
-                </a:rPr>
-                <a:t>讀入目標資料</a:t>
-              </a:r>
-              <a:br>
-                <a:rPr kumimoji="0" lang="zh-TW" altLang="zh-TW" sz="1200" b="0" i="0" u="none" strike="noStrike" cap="none" normalizeH="0" baseline="0">
+                <a:rPr kumimoji="0" lang="zh-TW" altLang="zh-TW" sz="1100" b="0" i="0" u="none" strike="noStrike" cap="none" normalizeH="0" baseline="0">
                   <a:ln>
                     <a:noFill/>
                   </a:ln>
@@ -27873,7 +30149,7 @@
                 </a:rPr>
               </a:br>
               <a:br>
-                <a:rPr kumimoji="0" lang="zh-TW" altLang="zh-TW" sz="1200" b="0" i="0" u="none" strike="noStrike" cap="none" normalizeH="0" baseline="0">
+                <a:rPr kumimoji="0" lang="zh-TW" altLang="zh-TW" sz="1100" b="0" i="0" u="none" strike="noStrike" cap="none" normalizeH="0" baseline="0">
                   <a:ln>
                     <a:noFill/>
                   </a:ln>
@@ -27886,7 +30162,7 @@
                 </a:rPr>
               </a:br>
               <a:r>
-                <a:rPr kumimoji="0" lang="zh-TW" altLang="zh-TW" sz="1200" b="0" i="0" u="none" strike="noStrike" cap="none" normalizeH="0" baseline="0">
+                <a:rPr kumimoji="0" lang="zh-TW" altLang="zh-TW" sz="1100" b="0" i="0" u="none" strike="noStrike" cap="none" normalizeH="0" baseline="0">
                   <a:ln>
                     <a:noFill/>
                   </a:ln>
@@ -27900,7 +30176,7 @@
                 <a:t>        </a:t>
               </a:r>
               <a:r>
-                <a:rPr kumimoji="0" lang="zh-TW" altLang="zh-TW" sz="1200" b="0" i="0" u="none" strike="noStrike" cap="none" normalizeH="0" baseline="0">
+                <a:rPr kumimoji="0" lang="zh-TW" altLang="zh-TW" sz="1100" b="0" i="0" u="none" strike="noStrike" cap="none" normalizeH="0" baseline="0">
                   <a:ln>
                     <a:noFill/>
                   </a:ln>
@@ -27914,7 +30190,7 @@
                 <a:t>int </a:t>
               </a:r>
               <a:r>
-                <a:rPr kumimoji="0" lang="zh-TW" altLang="zh-TW" sz="1200" b="0" i="0" u="none" strike="noStrike" cap="none" normalizeH="0" baseline="0">
+                <a:rPr kumimoji="0" lang="zh-TW" altLang="zh-TW" sz="1100" b="0" i="0" u="none" strike="noStrike" cap="none" normalizeH="0" baseline="0">
                   <a:ln>
                     <a:noFill/>
                   </a:ln>
@@ -27928,7 +30204,7 @@
                 <a:t>l = </a:t>
               </a:r>
               <a:r>
-                <a:rPr kumimoji="0" lang="zh-TW" altLang="zh-TW" sz="1200" b="0" i="0" u="none" strike="noStrike" cap="none" normalizeH="0" baseline="0">
+                <a:rPr kumimoji="0" lang="zh-TW" altLang="zh-TW" sz="1100" b="0" i="0" u="none" strike="noStrike" cap="none" normalizeH="0" baseline="0">
                   <a:ln>
                     <a:noFill/>
                   </a:ln>
@@ -27942,7 +30218,7 @@
                 <a:t>0</a:t>
               </a:r>
               <a:r>
-                <a:rPr kumimoji="0" lang="zh-TW" altLang="zh-TW" sz="1200" b="0" i="0" u="none" strike="noStrike" cap="none" normalizeH="0" baseline="0">
+                <a:rPr kumimoji="0" lang="zh-TW" altLang="zh-TW" sz="1100" b="0" i="0" u="none" strike="noStrike" cap="none" normalizeH="0" baseline="0">
                   <a:ln>
                     <a:noFill/>
                   </a:ln>
@@ -27953,10 +30229,93 @@
                   <a:latin typeface="+mj-lt"/>
                   <a:cs typeface="JetBrains Mono" panose="02000009000000000000" pitchFamily="49" charset="0"/>
                 </a:rPr>
-                <a:t>, r = n - </a:t>
-              </a:r>
-              <a:r>
-                <a:rPr kumimoji="0" lang="zh-TW" altLang="zh-TW" sz="1200" b="0" i="0" u="none" strike="noStrike" cap="none" normalizeH="0" baseline="0">
+                <a:t>; </a:t>
+              </a:r>
+              <a:r>
+                <a:rPr kumimoji="0" lang="zh-TW" altLang="zh-TW" sz="1100" b="0" i="0" u="none" strike="noStrike" cap="none" normalizeH="0" baseline="0">
+                  <a:ln>
+                    <a:noFill/>
+                  </a:ln>
+                  <a:solidFill>
+                    <a:srgbClr val="7A7E85"/>
+                  </a:solidFill>
+                  <a:effectLst/>
+                  <a:latin typeface="+mj-lt"/>
+                  <a:cs typeface="JetBrains Mono" panose="02000009000000000000" pitchFamily="49" charset="0"/>
+                </a:rPr>
+                <a:t>// </a:t>
+              </a:r>
+              <a:r>
+                <a:rPr kumimoji="0" lang="zh-TW" altLang="zh-TW" sz="1100" b="0" i="0" u="none" strike="noStrike" cap="none" normalizeH="0" baseline="0">
+                  <a:ln>
+                    <a:noFill/>
+                  </a:ln>
+                  <a:solidFill>
+                    <a:srgbClr val="7A7E85"/>
+                  </a:solidFill>
+                  <a:effectLst/>
+                  <a:latin typeface="+mj-lt"/>
+                  <a:cs typeface="Courier New" panose="02070309020205020404" pitchFamily="49" charset="0"/>
+                </a:rPr>
+                <a:t>左邊界，目標的最小可能索引值</a:t>
+              </a:r>
+              <a:br>
+                <a:rPr kumimoji="0" lang="zh-TW" altLang="zh-TW" sz="1100" b="0" i="0" u="none" strike="noStrike" cap="none" normalizeH="0" baseline="0">
+                  <a:ln>
+                    <a:noFill/>
+                  </a:ln>
+                  <a:solidFill>
+                    <a:srgbClr val="7A7E85"/>
+                  </a:solidFill>
+                  <a:effectLst/>
+                  <a:latin typeface="+mj-lt"/>
+                  <a:cs typeface="Courier New" panose="02070309020205020404" pitchFamily="49" charset="0"/>
+                </a:rPr>
+              </a:br>
+              <a:r>
+                <a:rPr kumimoji="0" lang="zh-TW" altLang="zh-TW" sz="1100" b="0" i="0" u="none" strike="noStrike" cap="none" normalizeH="0" baseline="0">
+                  <a:ln>
+                    <a:noFill/>
+                  </a:ln>
+                  <a:solidFill>
+                    <a:srgbClr val="7A7E85"/>
+                  </a:solidFill>
+                  <a:effectLst/>
+                  <a:latin typeface="+mj-lt"/>
+                  <a:cs typeface="Courier New" panose="02070309020205020404" pitchFamily="49" charset="0"/>
+                </a:rPr>
+                <a:t>        </a:t>
+              </a:r>
+              <a:r>
+                <a:rPr kumimoji="0" lang="zh-TW" altLang="zh-TW" sz="1100" b="0" i="0" u="none" strike="noStrike" cap="none" normalizeH="0" baseline="0">
+                  <a:ln>
+                    <a:noFill/>
+                  </a:ln>
+                  <a:solidFill>
+                    <a:srgbClr val="CF8E6D"/>
+                  </a:solidFill>
+                  <a:effectLst/>
+                  <a:latin typeface="+mj-lt"/>
+                  <a:cs typeface="JetBrains Mono" panose="02000009000000000000" pitchFamily="49" charset="0"/>
+                </a:rPr>
+                <a:t>int </a:t>
+              </a:r>
+              <a:r>
+                <a:rPr kumimoji="0" lang="zh-TW" altLang="zh-TW" sz="1100" b="0" i="0" u="none" strike="noStrike" cap="none" normalizeH="0" baseline="0">
+                  <a:ln>
+                    <a:noFill/>
+                  </a:ln>
+                  <a:solidFill>
+                    <a:srgbClr val="BCBEC4"/>
+                  </a:solidFill>
+                  <a:effectLst/>
+                  <a:latin typeface="+mj-lt"/>
+                  <a:cs typeface="JetBrains Mono" panose="02000009000000000000" pitchFamily="49" charset="0"/>
+                </a:rPr>
+                <a:t>r = n - </a:t>
+              </a:r>
+              <a:r>
+                <a:rPr kumimoji="0" lang="zh-TW" altLang="zh-TW" sz="1100" b="0" i="0" u="none" strike="noStrike" cap="none" normalizeH="0" baseline="0">
                   <a:ln>
                     <a:noFill/>
                   </a:ln>
@@ -27970,7 +30329,7 @@
                 <a:t>1</a:t>
               </a:r>
               <a:r>
-                <a:rPr kumimoji="0" lang="zh-TW" altLang="zh-TW" sz="1200" b="0" i="0" u="none" strike="noStrike" cap="none" normalizeH="0" baseline="0">
+                <a:rPr kumimoji="0" lang="zh-TW" altLang="zh-TW" sz="1100" b="0" i="0" u="none" strike="noStrike" cap="none" normalizeH="0" baseline="0">
                   <a:ln>
                     <a:noFill/>
                   </a:ln>
@@ -27981,10 +30340,397 @@
                   <a:latin typeface="+mj-lt"/>
                   <a:cs typeface="JetBrains Mono" panose="02000009000000000000" pitchFamily="49" charset="0"/>
                 </a:rPr>
+                <a:t>; </a:t>
+              </a:r>
+              <a:r>
+                <a:rPr kumimoji="0" lang="zh-TW" altLang="zh-TW" sz="1100" b="0" i="0" u="none" strike="noStrike" cap="none" normalizeH="0" baseline="0">
+                  <a:ln>
+                    <a:noFill/>
+                  </a:ln>
+                  <a:solidFill>
+                    <a:srgbClr val="7A7E85"/>
+                  </a:solidFill>
+                  <a:effectLst/>
+                  <a:latin typeface="+mj-lt"/>
+                  <a:cs typeface="JetBrains Mono" panose="02000009000000000000" pitchFamily="49" charset="0"/>
+                </a:rPr>
+                <a:t>// </a:t>
+              </a:r>
+              <a:r>
+                <a:rPr kumimoji="0" lang="zh-TW" altLang="zh-TW" sz="1100" b="0" i="0" u="none" strike="noStrike" cap="none" normalizeH="0" baseline="0">
+                  <a:ln>
+                    <a:noFill/>
+                  </a:ln>
+                  <a:solidFill>
+                    <a:srgbClr val="7A7E85"/>
+                  </a:solidFill>
+                  <a:effectLst/>
+                  <a:latin typeface="+mj-lt"/>
+                  <a:cs typeface="Courier New" panose="02070309020205020404" pitchFamily="49" charset="0"/>
+                </a:rPr>
+                <a:t>右邊界，目標的最大可能索引值</a:t>
+              </a:r>
+              <a:br>
+                <a:rPr kumimoji="0" lang="zh-TW" altLang="zh-TW" sz="1100" b="0" i="0" u="none" strike="noStrike" cap="none" normalizeH="0" baseline="0">
+                  <a:ln>
+                    <a:noFill/>
+                  </a:ln>
+                  <a:solidFill>
+                    <a:srgbClr val="7A7E85"/>
+                  </a:solidFill>
+                  <a:effectLst/>
+                  <a:latin typeface="+mj-lt"/>
+                  <a:cs typeface="Courier New" panose="02070309020205020404" pitchFamily="49" charset="0"/>
+                </a:rPr>
+              </a:br>
+              <a:r>
+                <a:rPr kumimoji="0" lang="zh-TW" altLang="zh-TW" sz="1100" b="0" i="0" u="none" strike="noStrike" cap="none" normalizeH="0" baseline="0">
+                  <a:ln>
+                    <a:noFill/>
+                  </a:ln>
+                  <a:solidFill>
+                    <a:srgbClr val="7A7E85"/>
+                  </a:solidFill>
+                  <a:effectLst/>
+                  <a:latin typeface="+mj-lt"/>
+                  <a:cs typeface="Courier New" panose="02070309020205020404" pitchFamily="49" charset="0"/>
+                </a:rPr>
+                <a:t>        </a:t>
+              </a:r>
+              <a:r>
+                <a:rPr kumimoji="0" lang="zh-TW" altLang="zh-TW" sz="1100" b="0" i="0" u="none" strike="noStrike" cap="none" normalizeH="0" baseline="0">
+                  <a:ln>
+                    <a:noFill/>
+                  </a:ln>
+                  <a:solidFill>
+                    <a:srgbClr val="CF8E6D"/>
+                  </a:solidFill>
+                  <a:effectLst/>
+                  <a:latin typeface="+mj-lt"/>
+                  <a:cs typeface="JetBrains Mono" panose="02000009000000000000" pitchFamily="49" charset="0"/>
+                </a:rPr>
+                <a:t>while </a:t>
+              </a:r>
+              <a:r>
+                <a:rPr kumimoji="0" lang="zh-TW" altLang="zh-TW" sz="1100" b="0" i="0" u="none" strike="noStrike" cap="none" normalizeH="0" baseline="0">
+                  <a:ln>
+                    <a:noFill/>
+                  </a:ln>
+                  <a:solidFill>
+                    <a:srgbClr val="BCBEC4"/>
+                  </a:solidFill>
+                  <a:effectLst/>
+                  <a:latin typeface="+mj-lt"/>
+                  <a:cs typeface="JetBrains Mono" panose="02000009000000000000" pitchFamily="49" charset="0"/>
+                </a:rPr>
+                <a:t>(l &lt;= r) {</a:t>
+              </a:r>
+              <a:br>
+                <a:rPr kumimoji="0" lang="zh-TW" altLang="zh-TW" sz="1100" b="0" i="0" u="none" strike="noStrike" cap="none" normalizeH="0" baseline="0">
+                  <a:ln>
+                    <a:noFill/>
+                  </a:ln>
+                  <a:solidFill>
+                    <a:srgbClr val="BCBEC4"/>
+                  </a:solidFill>
+                  <a:effectLst/>
+                  <a:latin typeface="+mj-lt"/>
+                  <a:cs typeface="JetBrains Mono" panose="02000009000000000000" pitchFamily="49" charset="0"/>
+                </a:rPr>
+              </a:br>
+              <a:r>
+                <a:rPr kumimoji="0" lang="zh-TW" altLang="zh-TW" sz="1100" b="0" i="0" u="none" strike="noStrike" cap="none" normalizeH="0" baseline="0">
+                  <a:ln>
+                    <a:noFill/>
+                  </a:ln>
+                  <a:solidFill>
+                    <a:srgbClr val="BCBEC4"/>
+                  </a:solidFill>
+                  <a:effectLst/>
+                  <a:latin typeface="+mj-lt"/>
+                  <a:cs typeface="JetBrains Mono" panose="02000009000000000000" pitchFamily="49" charset="0"/>
+                </a:rPr>
+                <a:t>            </a:t>
+              </a:r>
+              <a:r>
+                <a:rPr kumimoji="0" lang="zh-TW" altLang="zh-TW" sz="1100" b="0" i="0" u="none" strike="noStrike" cap="none" normalizeH="0" baseline="0">
+                  <a:ln>
+                    <a:noFill/>
+                  </a:ln>
+                  <a:solidFill>
+                    <a:srgbClr val="CF8E6D"/>
+                  </a:solidFill>
+                  <a:effectLst/>
+                  <a:latin typeface="+mj-lt"/>
+                  <a:cs typeface="JetBrains Mono" panose="02000009000000000000" pitchFamily="49" charset="0"/>
+                </a:rPr>
+                <a:t>int </a:t>
+              </a:r>
+              <a:r>
+                <a:rPr kumimoji="0" lang="zh-TW" altLang="zh-TW" sz="1100" b="0" i="0" u="none" strike="noStrike" cap="none" normalizeH="0" baseline="0">
+                  <a:ln>
+                    <a:noFill/>
+                  </a:ln>
+                  <a:solidFill>
+                    <a:srgbClr val="BCBEC4"/>
+                  </a:solidFill>
+                  <a:effectLst/>
+                  <a:latin typeface="+mj-lt"/>
+                  <a:cs typeface="JetBrains Mono" panose="02000009000000000000" pitchFamily="49" charset="0"/>
+                </a:rPr>
+                <a:t>mid = (l + r) / </a:t>
+              </a:r>
+              <a:r>
+                <a:rPr kumimoji="0" lang="zh-TW" altLang="zh-TW" sz="1100" b="0" i="0" u="none" strike="noStrike" cap="none" normalizeH="0" baseline="0">
+                  <a:ln>
+                    <a:noFill/>
+                  </a:ln>
+                  <a:solidFill>
+                    <a:srgbClr val="2AACB8"/>
+                  </a:solidFill>
+                  <a:effectLst/>
+                  <a:latin typeface="+mj-lt"/>
+                  <a:cs typeface="JetBrains Mono" panose="02000009000000000000" pitchFamily="49" charset="0"/>
+                </a:rPr>
+                <a:t>2</a:t>
+              </a:r>
+              <a:r>
+                <a:rPr kumimoji="0" lang="zh-TW" altLang="zh-TW" sz="1100" b="0" i="0" u="none" strike="noStrike" cap="none" normalizeH="0" baseline="0">
+                  <a:ln>
+                    <a:noFill/>
+                  </a:ln>
+                  <a:solidFill>
+                    <a:srgbClr val="BCBEC4"/>
+                  </a:solidFill>
+                  <a:effectLst/>
+                  <a:latin typeface="+mj-lt"/>
+                  <a:cs typeface="JetBrains Mono" panose="02000009000000000000" pitchFamily="49" charset="0"/>
+                </a:rPr>
+                <a:t>; </a:t>
+              </a:r>
+              <a:r>
+                <a:rPr kumimoji="0" lang="zh-TW" altLang="zh-TW" sz="1100" b="0" i="0" u="none" strike="noStrike" cap="none" normalizeH="0" baseline="0">
+                  <a:ln>
+                    <a:noFill/>
+                  </a:ln>
+                  <a:solidFill>
+                    <a:srgbClr val="7A7E85"/>
+                  </a:solidFill>
+                  <a:effectLst/>
+                  <a:latin typeface="+mj-lt"/>
+                  <a:cs typeface="JetBrains Mono" panose="02000009000000000000" pitchFamily="49" charset="0"/>
+                </a:rPr>
+                <a:t>// </a:t>
+              </a:r>
+              <a:r>
+                <a:rPr kumimoji="0" lang="zh-TW" altLang="zh-TW" sz="1100" b="0" i="0" u="none" strike="noStrike" cap="none" normalizeH="0" baseline="0">
+                  <a:ln>
+                    <a:noFill/>
+                  </a:ln>
+                  <a:solidFill>
+                    <a:srgbClr val="7A7E85"/>
+                  </a:solidFill>
+                  <a:effectLst/>
+                  <a:latin typeface="+mj-lt"/>
+                  <a:cs typeface="Courier New" panose="02070309020205020404" pitchFamily="49" charset="0"/>
+                </a:rPr>
+                <a:t>取中間的資料</a:t>
+              </a:r>
+              <a:br>
+                <a:rPr kumimoji="0" lang="zh-TW" altLang="zh-TW" sz="1100" b="0" i="0" u="none" strike="noStrike" cap="none" normalizeH="0" baseline="0">
+                  <a:ln>
+                    <a:noFill/>
+                  </a:ln>
+                  <a:solidFill>
+                    <a:srgbClr val="7A7E85"/>
+                  </a:solidFill>
+                  <a:effectLst/>
+                  <a:latin typeface="+mj-lt"/>
+                  <a:cs typeface="Courier New" panose="02070309020205020404" pitchFamily="49" charset="0"/>
+                </a:rPr>
+              </a:br>
+              <a:r>
+                <a:rPr kumimoji="0" lang="zh-TW" altLang="zh-TW" sz="1100" b="0" i="0" u="none" strike="noStrike" cap="none" normalizeH="0" baseline="0">
+                  <a:ln>
+                    <a:noFill/>
+                  </a:ln>
+                  <a:solidFill>
+                    <a:srgbClr val="7A7E85"/>
+                  </a:solidFill>
+                  <a:effectLst/>
+                  <a:latin typeface="+mj-lt"/>
+                  <a:cs typeface="Courier New" panose="02070309020205020404" pitchFamily="49" charset="0"/>
+                </a:rPr>
+                <a:t>            </a:t>
+              </a:r>
+              <a:r>
+                <a:rPr kumimoji="0" lang="zh-TW" altLang="zh-TW" sz="1100" b="0" i="0" u="none" strike="noStrike" cap="none" normalizeH="0" baseline="0">
+                  <a:ln>
+                    <a:noFill/>
+                  </a:ln>
+                  <a:solidFill>
+                    <a:srgbClr val="CF8E6D"/>
+                  </a:solidFill>
+                  <a:effectLst/>
+                  <a:latin typeface="+mj-lt"/>
+                  <a:cs typeface="JetBrains Mono" panose="02000009000000000000" pitchFamily="49" charset="0"/>
+                </a:rPr>
+                <a:t>if </a:t>
+              </a:r>
+              <a:r>
+                <a:rPr kumimoji="0" lang="zh-TW" altLang="zh-TW" sz="1100" b="0" i="0" u="none" strike="noStrike" cap="none" normalizeH="0" baseline="0">
+                  <a:ln>
+                    <a:noFill/>
+                  </a:ln>
+                  <a:solidFill>
+                    <a:srgbClr val="BCBEC4"/>
+                  </a:solidFill>
+                  <a:effectLst/>
+                  <a:latin typeface="+mj-lt"/>
+                  <a:cs typeface="JetBrains Mono" panose="02000009000000000000" pitchFamily="49" charset="0"/>
+                </a:rPr>
+                <a:t>(arr[mid] == target) {</a:t>
+              </a:r>
+              <a:br>
+                <a:rPr kumimoji="0" lang="zh-TW" altLang="zh-TW" sz="1100" b="0" i="0" u="none" strike="noStrike" cap="none" normalizeH="0" baseline="0">
+                  <a:ln>
+                    <a:noFill/>
+                  </a:ln>
+                  <a:solidFill>
+                    <a:srgbClr val="BCBEC4"/>
+                  </a:solidFill>
+                  <a:effectLst/>
+                  <a:latin typeface="+mj-lt"/>
+                  <a:cs typeface="JetBrains Mono" panose="02000009000000000000" pitchFamily="49" charset="0"/>
+                </a:rPr>
+              </a:br>
+              <a:r>
+                <a:rPr kumimoji="0" lang="zh-TW" altLang="zh-TW" sz="1100" b="0" i="0" u="none" strike="noStrike" cap="none" normalizeH="0" baseline="0">
+                  <a:ln>
+                    <a:noFill/>
+                  </a:ln>
+                  <a:solidFill>
+                    <a:srgbClr val="BCBEC4"/>
+                  </a:solidFill>
+                  <a:effectLst/>
+                  <a:latin typeface="+mj-lt"/>
+                  <a:cs typeface="JetBrains Mono" panose="02000009000000000000" pitchFamily="49" charset="0"/>
+                </a:rPr>
+                <a:t>                System.</a:t>
+              </a:r>
+              <a:r>
+                <a:rPr kumimoji="0" lang="zh-TW" altLang="zh-TW" sz="1100" b="0" i="1" u="none" strike="noStrike" cap="none" normalizeH="0" baseline="0">
+                  <a:ln>
+                    <a:noFill/>
+                  </a:ln>
+                  <a:solidFill>
+                    <a:srgbClr val="C77DBB"/>
+                  </a:solidFill>
+                  <a:effectLst/>
+                  <a:latin typeface="+mj-lt"/>
+                  <a:cs typeface="JetBrains Mono" panose="02000009000000000000" pitchFamily="49" charset="0"/>
+                </a:rPr>
+                <a:t>out</a:t>
+              </a:r>
+              <a:r>
+                <a:rPr kumimoji="0" lang="zh-TW" altLang="zh-TW" sz="1100" b="0" i="0" u="none" strike="noStrike" cap="none" normalizeH="0" baseline="0">
+                  <a:ln>
+                    <a:noFill/>
+                  </a:ln>
+                  <a:solidFill>
+                    <a:srgbClr val="BCBEC4"/>
+                  </a:solidFill>
+                  <a:effectLst/>
+                  <a:latin typeface="+mj-lt"/>
+                  <a:cs typeface="JetBrains Mono" panose="02000009000000000000" pitchFamily="49" charset="0"/>
+                </a:rPr>
+                <a:t>.println(</a:t>
+              </a:r>
+              <a:r>
+                <a:rPr kumimoji="0" lang="zh-TW" altLang="zh-TW" sz="1100" b="0" i="0" u="none" strike="noStrike" cap="none" normalizeH="0" baseline="0">
+                  <a:ln>
+                    <a:noFill/>
+                  </a:ln>
+                  <a:solidFill>
+                    <a:srgbClr val="6AAB73"/>
+                  </a:solidFill>
+                  <a:effectLst/>
+                  <a:latin typeface="+mj-lt"/>
+                  <a:cs typeface="JetBrains Mono" panose="02000009000000000000" pitchFamily="49" charset="0"/>
+                </a:rPr>
+                <a:t>"Target Index: " </a:t>
+              </a:r>
+              <a:r>
+                <a:rPr kumimoji="0" lang="zh-TW" altLang="zh-TW" sz="1100" b="0" i="0" u="none" strike="noStrike" cap="none" normalizeH="0" baseline="0">
+                  <a:ln>
+                    <a:noFill/>
+                  </a:ln>
+                  <a:solidFill>
+                    <a:srgbClr val="BCBEC4"/>
+                  </a:solidFill>
+                  <a:effectLst/>
+                  <a:latin typeface="+mj-lt"/>
+                  <a:cs typeface="JetBrains Mono" panose="02000009000000000000" pitchFamily="49" charset="0"/>
+                </a:rPr>
+                <a:t>+ mid);</a:t>
+              </a:r>
+              <a:br>
+                <a:rPr kumimoji="0" lang="zh-TW" altLang="zh-TW" sz="1100" b="0" i="0" u="none" strike="noStrike" cap="none" normalizeH="0" baseline="0">
+                  <a:ln>
+                    <a:noFill/>
+                  </a:ln>
+                  <a:solidFill>
+                    <a:srgbClr val="BCBEC4"/>
+                  </a:solidFill>
+                  <a:effectLst/>
+                  <a:latin typeface="+mj-lt"/>
+                  <a:cs typeface="JetBrains Mono" panose="02000009000000000000" pitchFamily="49" charset="0"/>
+                </a:rPr>
+              </a:br>
+              <a:r>
+                <a:rPr kumimoji="0" lang="zh-TW" altLang="zh-TW" sz="1100" b="0" i="0" u="none" strike="noStrike" cap="none" normalizeH="0" baseline="0">
+                  <a:ln>
+                    <a:noFill/>
+                  </a:ln>
+                  <a:solidFill>
+                    <a:srgbClr val="BCBEC4"/>
+                  </a:solidFill>
+                  <a:effectLst/>
+                  <a:latin typeface="+mj-lt"/>
+                  <a:cs typeface="JetBrains Mono" panose="02000009000000000000" pitchFamily="49" charset="0"/>
+                </a:rPr>
+                <a:t>                </a:t>
+              </a:r>
+              <a:r>
+                <a:rPr kumimoji="0" lang="zh-TW" altLang="zh-TW" sz="1100" b="0" i="0" u="none" strike="noStrike" cap="none" normalizeH="0" baseline="0">
+                  <a:ln>
+                    <a:noFill/>
+                  </a:ln>
+                  <a:solidFill>
+                    <a:srgbClr val="CF8E6D"/>
+                  </a:solidFill>
+                  <a:effectLst/>
+                  <a:latin typeface="+mj-lt"/>
+                  <a:cs typeface="JetBrains Mono" panose="02000009000000000000" pitchFamily="49" charset="0"/>
+                </a:rPr>
+                <a:t>return</a:t>
+              </a:r>
+              <a:r>
+                <a:rPr kumimoji="0" lang="zh-TW" altLang="zh-TW" sz="1100" b="0" i="0" u="none" strike="noStrike" cap="none" normalizeH="0" baseline="0">
+                  <a:ln>
+                    <a:noFill/>
+                  </a:ln>
+                  <a:solidFill>
+                    <a:srgbClr val="BCBEC4"/>
+                  </a:solidFill>
+                  <a:effectLst/>
+                  <a:latin typeface="+mj-lt"/>
+                  <a:cs typeface="JetBrains Mono" panose="02000009000000000000" pitchFamily="49" charset="0"/>
+                </a:rPr>
                 <a:t>;</a:t>
               </a:r>
               <a:br>
-                <a:rPr kumimoji="0" lang="zh-TW" altLang="zh-TW" sz="1200" b="0" i="0" u="none" strike="noStrike" cap="none" normalizeH="0" baseline="0">
+                <a:rPr kumimoji="0" lang="zh-TW" altLang="zh-TW" sz="1100" b="0" i="0" u="none" strike="noStrike" cap="none" normalizeH="0" baseline="0">
                   <a:ln>
                     <a:noFill/>
                   </a:ln>
@@ -27997,7 +30743,7 @@
                 </a:rPr>
               </a:br>
               <a:r>
-                <a:rPr kumimoji="0" lang="zh-TW" altLang="zh-TW" sz="1200" b="0" i="0" u="none" strike="noStrike" cap="none" normalizeH="0" baseline="0">
+                <a:rPr kumimoji="0" lang="zh-TW" altLang="zh-TW" sz="1100" b="0" i="0" u="none" strike="noStrike" cap="none" normalizeH="0" baseline="0">
                   <a:ln>
                     <a:noFill/>
                   </a:ln>
@@ -28008,24 +30754,368 @@
                   <a:latin typeface="+mj-lt"/>
                   <a:cs typeface="JetBrains Mono" panose="02000009000000000000" pitchFamily="49" charset="0"/>
                 </a:rPr>
+                <a:t>            }</a:t>
+              </a:r>
+              <a:br>
+                <a:rPr kumimoji="0" lang="zh-TW" altLang="zh-TW" sz="1100" b="0" i="0" u="none" strike="noStrike" cap="none" normalizeH="0" baseline="0">
+                  <a:ln>
+                    <a:noFill/>
+                  </a:ln>
+                  <a:solidFill>
+                    <a:srgbClr val="BCBEC4"/>
+                  </a:solidFill>
+                  <a:effectLst/>
+                  <a:latin typeface="+mj-lt"/>
+                  <a:cs typeface="JetBrains Mono" panose="02000009000000000000" pitchFamily="49" charset="0"/>
+                </a:rPr>
+              </a:br>
+              <a:r>
+                <a:rPr kumimoji="0" lang="zh-TW" altLang="zh-TW" sz="1100" b="0" i="0" u="none" strike="noStrike" cap="none" normalizeH="0" baseline="0">
+                  <a:ln>
+                    <a:noFill/>
+                  </a:ln>
+                  <a:solidFill>
+                    <a:srgbClr val="BCBEC4"/>
+                  </a:solidFill>
+                  <a:effectLst/>
+                  <a:latin typeface="+mj-lt"/>
+                  <a:cs typeface="JetBrains Mono" panose="02000009000000000000" pitchFamily="49" charset="0"/>
+                </a:rPr>
+                <a:t>            </a:t>
+              </a:r>
+              <a:r>
+                <a:rPr kumimoji="0" lang="zh-TW" altLang="zh-TW" sz="1100" b="0" i="0" u="none" strike="noStrike" cap="none" normalizeH="0" baseline="0">
+                  <a:ln>
+                    <a:noFill/>
+                  </a:ln>
+                  <a:solidFill>
+                    <a:srgbClr val="CF8E6D"/>
+                  </a:solidFill>
+                  <a:effectLst/>
+                  <a:latin typeface="+mj-lt"/>
+                  <a:cs typeface="JetBrains Mono" panose="02000009000000000000" pitchFamily="49" charset="0"/>
+                </a:rPr>
+                <a:t>if </a:t>
+              </a:r>
+              <a:r>
+                <a:rPr kumimoji="0" lang="zh-TW" altLang="zh-TW" sz="1100" b="0" i="0" u="none" strike="noStrike" cap="none" normalizeH="0" baseline="0">
+                  <a:ln>
+                    <a:noFill/>
+                  </a:ln>
+                  <a:solidFill>
+                    <a:srgbClr val="BCBEC4"/>
+                  </a:solidFill>
+                  <a:effectLst/>
+                  <a:latin typeface="+mj-lt"/>
+                  <a:cs typeface="JetBrains Mono" panose="02000009000000000000" pitchFamily="49" charset="0"/>
+                </a:rPr>
+                <a:t>(arr[mid] &gt; target) r = mid - </a:t>
+              </a:r>
+              <a:r>
+                <a:rPr kumimoji="0" lang="zh-TW" altLang="zh-TW" sz="1100" b="0" i="0" u="none" strike="noStrike" cap="none" normalizeH="0" baseline="0">
+                  <a:ln>
+                    <a:noFill/>
+                  </a:ln>
+                  <a:solidFill>
+                    <a:srgbClr val="2AACB8"/>
+                  </a:solidFill>
+                  <a:effectLst/>
+                  <a:latin typeface="+mj-lt"/>
+                  <a:cs typeface="JetBrains Mono" panose="02000009000000000000" pitchFamily="49" charset="0"/>
+                </a:rPr>
+                <a:t>1</a:t>
+              </a:r>
+              <a:r>
+                <a:rPr kumimoji="0" lang="zh-TW" altLang="zh-TW" sz="1100" b="0" i="0" u="none" strike="noStrike" cap="none" normalizeH="0" baseline="0">
+                  <a:ln>
+                    <a:noFill/>
+                  </a:ln>
+                  <a:solidFill>
+                    <a:srgbClr val="BCBEC4"/>
+                  </a:solidFill>
+                  <a:effectLst/>
+                  <a:latin typeface="+mj-lt"/>
+                  <a:cs typeface="JetBrains Mono" panose="02000009000000000000" pitchFamily="49" charset="0"/>
+                </a:rPr>
+                <a:t>;</a:t>
+              </a:r>
+              <a:br>
+                <a:rPr kumimoji="0" lang="zh-TW" altLang="zh-TW" sz="1100" b="0" i="0" u="none" strike="noStrike" cap="none" normalizeH="0" baseline="0">
+                  <a:ln>
+                    <a:noFill/>
+                  </a:ln>
+                  <a:solidFill>
+                    <a:srgbClr val="BCBEC4"/>
+                  </a:solidFill>
+                  <a:effectLst/>
+                  <a:latin typeface="+mj-lt"/>
+                  <a:cs typeface="JetBrains Mono" panose="02000009000000000000" pitchFamily="49" charset="0"/>
+                </a:rPr>
+              </a:br>
+              <a:r>
+                <a:rPr kumimoji="0" lang="zh-TW" altLang="zh-TW" sz="1100" b="0" i="0" u="none" strike="noStrike" cap="none" normalizeH="0" baseline="0">
+                  <a:ln>
+                    <a:noFill/>
+                  </a:ln>
+                  <a:solidFill>
+                    <a:srgbClr val="BCBEC4"/>
+                  </a:solidFill>
+                  <a:effectLst/>
+                  <a:latin typeface="+mj-lt"/>
+                  <a:cs typeface="JetBrains Mono" panose="02000009000000000000" pitchFamily="49" charset="0"/>
+                </a:rPr>
+                <a:t>            </a:t>
+              </a:r>
+              <a:r>
+                <a:rPr kumimoji="0" lang="zh-TW" altLang="zh-TW" sz="1100" b="0" i="0" u="none" strike="noStrike" cap="none" normalizeH="0" baseline="0">
+                  <a:ln>
+                    <a:noFill/>
+                  </a:ln>
+                  <a:solidFill>
+                    <a:srgbClr val="CF8E6D"/>
+                  </a:solidFill>
+                  <a:effectLst/>
+                  <a:latin typeface="+mj-lt"/>
+                  <a:cs typeface="JetBrains Mono" panose="02000009000000000000" pitchFamily="49" charset="0"/>
+                </a:rPr>
+                <a:t>else </a:t>
+              </a:r>
+              <a:r>
+                <a:rPr kumimoji="0" lang="zh-TW" altLang="zh-TW" sz="1100" b="0" i="0" u="none" strike="noStrike" cap="none" normalizeH="0" baseline="0">
+                  <a:ln>
+                    <a:noFill/>
+                  </a:ln>
+                  <a:solidFill>
+                    <a:srgbClr val="BCBEC4"/>
+                  </a:solidFill>
+                  <a:effectLst/>
+                  <a:latin typeface="+mj-lt"/>
+                  <a:cs typeface="JetBrains Mono" panose="02000009000000000000" pitchFamily="49" charset="0"/>
+                </a:rPr>
+                <a:t>l = mid + </a:t>
+              </a:r>
+              <a:r>
+                <a:rPr kumimoji="0" lang="zh-TW" altLang="zh-TW" sz="1100" b="0" i="0" u="none" strike="noStrike" cap="none" normalizeH="0" baseline="0">
+                  <a:ln>
+                    <a:noFill/>
+                  </a:ln>
+                  <a:solidFill>
+                    <a:srgbClr val="2AACB8"/>
+                  </a:solidFill>
+                  <a:effectLst/>
+                  <a:latin typeface="+mj-lt"/>
+                  <a:cs typeface="JetBrains Mono" panose="02000009000000000000" pitchFamily="49" charset="0"/>
+                </a:rPr>
+                <a:t>1</a:t>
+              </a:r>
+              <a:r>
+                <a:rPr kumimoji="0" lang="zh-TW" altLang="zh-TW" sz="1100" b="0" i="0" u="none" strike="noStrike" cap="none" normalizeH="0" baseline="0">
+                  <a:ln>
+                    <a:noFill/>
+                  </a:ln>
+                  <a:solidFill>
+                    <a:srgbClr val="BCBEC4"/>
+                  </a:solidFill>
+                  <a:effectLst/>
+                  <a:latin typeface="+mj-lt"/>
+                  <a:cs typeface="JetBrains Mono" panose="02000009000000000000" pitchFamily="49" charset="0"/>
+                </a:rPr>
+                <a:t>;</a:t>
+              </a:r>
+              <a:br>
+                <a:rPr kumimoji="0" lang="zh-TW" altLang="zh-TW" sz="1100" b="0" i="0" u="none" strike="noStrike" cap="none" normalizeH="0" baseline="0">
+                  <a:ln>
+                    <a:noFill/>
+                  </a:ln>
+                  <a:solidFill>
+                    <a:srgbClr val="BCBEC4"/>
+                  </a:solidFill>
+                  <a:effectLst/>
+                  <a:latin typeface="+mj-lt"/>
+                  <a:cs typeface="JetBrains Mono" panose="02000009000000000000" pitchFamily="49" charset="0"/>
+                </a:rPr>
+              </a:br>
+              <a:r>
+                <a:rPr kumimoji="0" lang="zh-TW" altLang="zh-TW" sz="1100" b="0" i="0" u="none" strike="noStrike" cap="none" normalizeH="0" baseline="0">
+                  <a:ln>
+                    <a:noFill/>
+                  </a:ln>
+                  <a:solidFill>
+                    <a:srgbClr val="BCBEC4"/>
+                  </a:solidFill>
+                  <a:effectLst/>
+                  <a:latin typeface="+mj-lt"/>
+                  <a:cs typeface="JetBrains Mono" panose="02000009000000000000" pitchFamily="49" charset="0"/>
+                </a:rPr>
+                <a:t>        }</a:t>
+              </a:r>
+              <a:br>
+                <a:rPr kumimoji="0" lang="zh-TW" altLang="zh-TW" sz="1100" b="0" i="0" u="none" strike="noStrike" cap="none" normalizeH="0" baseline="0">
+                  <a:ln>
+                    <a:noFill/>
+                  </a:ln>
+                  <a:solidFill>
+                    <a:srgbClr val="BCBEC4"/>
+                  </a:solidFill>
+                  <a:effectLst/>
+                  <a:latin typeface="+mj-lt"/>
+                  <a:cs typeface="JetBrains Mono" panose="02000009000000000000" pitchFamily="49" charset="0"/>
+                </a:rPr>
+              </a:br>
+              <a:r>
+                <a:rPr kumimoji="0" lang="zh-TW" altLang="zh-TW" sz="1100" b="0" i="0" u="none" strike="noStrike" cap="none" normalizeH="0" baseline="0">
+                  <a:ln>
+                    <a:noFill/>
+                  </a:ln>
+                  <a:solidFill>
+                    <a:srgbClr val="BCBEC4"/>
+                  </a:solidFill>
+                  <a:effectLst/>
+                  <a:latin typeface="+mj-lt"/>
+                  <a:cs typeface="JetBrains Mono" panose="02000009000000000000" pitchFamily="49" charset="0"/>
+                </a:rPr>
+                <a:t>        System.</a:t>
+              </a:r>
+              <a:r>
+                <a:rPr kumimoji="0" lang="zh-TW" altLang="zh-TW" sz="1100" b="0" i="1" u="none" strike="noStrike" cap="none" normalizeH="0" baseline="0">
+                  <a:ln>
+                    <a:noFill/>
+                  </a:ln>
+                  <a:solidFill>
+                    <a:srgbClr val="C77DBB"/>
+                  </a:solidFill>
+                  <a:effectLst/>
+                  <a:latin typeface="+mj-lt"/>
+                  <a:cs typeface="JetBrains Mono" panose="02000009000000000000" pitchFamily="49" charset="0"/>
+                </a:rPr>
+                <a:t>out</a:t>
+              </a:r>
+              <a:r>
+                <a:rPr kumimoji="0" lang="zh-TW" altLang="zh-TW" sz="1100" b="0" i="0" u="none" strike="noStrike" cap="none" normalizeH="0" baseline="0">
+                  <a:ln>
+                    <a:noFill/>
+                  </a:ln>
+                  <a:solidFill>
+                    <a:srgbClr val="BCBEC4"/>
+                  </a:solidFill>
+                  <a:effectLst/>
+                  <a:latin typeface="+mj-lt"/>
+                  <a:cs typeface="JetBrains Mono" panose="02000009000000000000" pitchFamily="49" charset="0"/>
+                </a:rPr>
+                <a:t>.println(</a:t>
+              </a:r>
+              <a:r>
+                <a:rPr kumimoji="0" lang="zh-TW" altLang="zh-TW" sz="1100" b="0" i="0" u="none" strike="noStrike" cap="none" normalizeH="0" baseline="0">
+                  <a:ln>
+                    <a:noFill/>
+                  </a:ln>
+                  <a:solidFill>
+                    <a:srgbClr val="6AAB73"/>
+                  </a:solidFill>
+                  <a:effectLst/>
+                  <a:latin typeface="+mj-lt"/>
+                  <a:cs typeface="JetBrains Mono" panose="02000009000000000000" pitchFamily="49" charset="0"/>
+                </a:rPr>
+                <a:t>"Target Insert Index: " </a:t>
+              </a:r>
+              <a:r>
+                <a:rPr kumimoji="0" lang="zh-TW" altLang="zh-TW" sz="1100" b="0" i="0" u="none" strike="noStrike" cap="none" normalizeH="0" baseline="0">
+                  <a:ln>
+                    <a:noFill/>
+                  </a:ln>
+                  <a:solidFill>
+                    <a:srgbClr val="BCBEC4"/>
+                  </a:solidFill>
+                  <a:effectLst/>
+                  <a:latin typeface="+mj-lt"/>
+                  <a:cs typeface="JetBrains Mono" panose="02000009000000000000" pitchFamily="49" charset="0"/>
+                </a:rPr>
+                <a:t>+ l);</a:t>
+              </a:r>
+              <a:br>
+                <a:rPr kumimoji="0" lang="zh-TW" altLang="zh-TW" sz="1100" b="0" i="0" u="none" strike="noStrike" cap="none" normalizeH="0" baseline="0">
+                  <a:ln>
+                    <a:noFill/>
+                  </a:ln>
+                  <a:solidFill>
+                    <a:srgbClr val="BCBEC4"/>
+                  </a:solidFill>
+                  <a:effectLst/>
+                  <a:latin typeface="+mj-lt"/>
+                  <a:cs typeface="JetBrains Mono" panose="02000009000000000000" pitchFamily="49" charset="0"/>
+                </a:rPr>
+              </a:br>
+              <a:r>
+                <a:rPr kumimoji="0" lang="zh-TW" altLang="zh-TW" sz="1100" b="0" i="0" u="none" strike="noStrike" cap="none" normalizeH="0" baseline="0">
+                  <a:ln>
+                    <a:noFill/>
+                  </a:ln>
+                  <a:solidFill>
+                    <a:srgbClr val="BCBEC4"/>
+                  </a:solidFill>
+                  <a:effectLst/>
+                  <a:latin typeface="+mj-lt"/>
+                  <a:cs typeface="JetBrains Mono" panose="02000009000000000000" pitchFamily="49" charset="0"/>
+                </a:rPr>
                 <a:t>        </a:t>
               </a:r>
               <a:r>
-                <a:rPr kumimoji="0" lang="zh-TW" altLang="zh-TW" sz="1200" b="0" i="0" u="none" strike="noStrike" cap="none" normalizeH="0" baseline="0">
-                  <a:ln>
-                    <a:noFill/>
-                  </a:ln>
-                  <a:solidFill>
-                    <a:srgbClr val="CF8E6D"/>
-                  </a:solidFill>
-                  <a:effectLst/>
-                  <a:latin typeface="+mj-lt"/>
-                  <a:cs typeface="JetBrains Mono" panose="02000009000000000000" pitchFamily="49" charset="0"/>
-                </a:rPr>
-                <a:t>while </a:t>
-              </a:r>
-              <a:r>
-                <a:rPr kumimoji="0" lang="zh-TW" altLang="zh-TW" sz="1200" b="0" i="0" u="none" strike="noStrike" cap="none" normalizeH="0" baseline="0">
+                <a:rPr kumimoji="0" lang="zh-TW" altLang="zh-TW" sz="1100" b="0" i="0" u="none" strike="noStrike" cap="none" normalizeH="0" baseline="0">
+                  <a:ln>
+                    <a:noFill/>
+                  </a:ln>
+                  <a:solidFill>
+                    <a:srgbClr val="7A7E85"/>
+                  </a:solidFill>
+                  <a:effectLst/>
+                  <a:latin typeface="+mj-lt"/>
+                  <a:cs typeface="JetBrains Mono" panose="02000009000000000000" pitchFamily="49" charset="0"/>
+                </a:rPr>
+                <a:t>// </a:t>
+              </a:r>
+              <a:r>
+                <a:rPr kumimoji="0" lang="zh-TW" altLang="zh-TW" sz="1100" b="0" i="0" u="none" strike="noStrike" cap="none" normalizeH="0" baseline="0">
+                  <a:ln>
+                    <a:noFill/>
+                  </a:ln>
+                  <a:solidFill>
+                    <a:srgbClr val="7A7E85"/>
+                  </a:solidFill>
+                  <a:effectLst/>
+                  <a:latin typeface="+mj-lt"/>
+                  <a:cs typeface="Courier New" panose="02070309020205020404" pitchFamily="49" charset="0"/>
+                </a:rPr>
+                <a:t>資料應插入的索引值即為左邊界</a:t>
+              </a:r>
+              <a:br>
+                <a:rPr kumimoji="0" lang="zh-TW" altLang="zh-TW" sz="1100" b="0" i="0" u="none" strike="noStrike" cap="none" normalizeH="0" baseline="0">
+                  <a:ln>
+                    <a:noFill/>
+                  </a:ln>
+                  <a:solidFill>
+                    <a:srgbClr val="7A7E85"/>
+                  </a:solidFill>
+                  <a:effectLst/>
+                  <a:latin typeface="+mj-lt"/>
+                  <a:cs typeface="Courier New" panose="02070309020205020404" pitchFamily="49" charset="0"/>
+                </a:rPr>
+              </a:br>
+              <a:r>
+                <a:rPr kumimoji="0" lang="zh-TW" altLang="zh-TW" sz="1100" b="0" i="0" u="none" strike="noStrike" cap="none" normalizeH="0" baseline="0">
+                  <a:ln>
+                    <a:noFill/>
+                  </a:ln>
+                  <a:solidFill>
+                    <a:srgbClr val="7A7E85"/>
+                  </a:solidFill>
+                  <a:effectLst/>
+                  <a:latin typeface="+mj-lt"/>
+                  <a:cs typeface="Courier New" panose="02070309020205020404" pitchFamily="49" charset="0"/>
+                </a:rPr>
+                <a:t>    </a:t>
+              </a:r>
+              <a:r>
+                <a:rPr kumimoji="0" lang="zh-TW" altLang="zh-TW" sz="1100" b="0" i="0" u="none" strike="noStrike" cap="none" normalizeH="0" baseline="0">
                   <a:ln>
                     <a:noFill/>
                   </a:ln>
@@ -28036,10 +31126,10 @@
                   <a:latin typeface="+mj-lt"/>
                   <a:cs typeface="JetBrains Mono" panose="02000009000000000000" pitchFamily="49" charset="0"/>
                 </a:rPr>
-                <a:t>(l &lt;= r) {</a:t>
+                <a:t>}</a:t>
               </a:r>
               <a:br>
-                <a:rPr kumimoji="0" lang="zh-TW" altLang="zh-TW" sz="1200" b="0" i="0" u="none" strike="noStrike" cap="none" normalizeH="0" baseline="0">
+                <a:rPr kumimoji="0" lang="zh-TW" altLang="zh-TW" sz="1100" b="0" i="0" u="none" strike="noStrike" cap="none" normalizeH="0" baseline="0">
                   <a:ln>
                     <a:noFill/>
                   </a:ln>
@@ -28052,7 +31142,7 @@
                 </a:rPr>
               </a:br>
               <a:r>
-                <a:rPr kumimoji="0" lang="zh-TW" altLang="zh-TW" sz="1200" b="0" i="0" u="none" strike="noStrike" cap="none" normalizeH="0" baseline="0">
+                <a:rPr kumimoji="0" lang="zh-TW" altLang="zh-TW" sz="1100" b="0" i="0" u="none" strike="noStrike" cap="none" normalizeH="0" baseline="0">
                   <a:ln>
                     <a:noFill/>
                   </a:ln>
@@ -28063,643 +31153,9 @@
                   <a:latin typeface="+mj-lt"/>
                   <a:cs typeface="JetBrains Mono" panose="02000009000000000000" pitchFamily="49" charset="0"/>
                 </a:rPr>
-                <a:t>            </a:t>
-              </a:r>
-              <a:r>
-                <a:rPr kumimoji="0" lang="zh-TW" altLang="zh-TW" sz="1200" b="0" i="0" u="none" strike="noStrike" cap="none" normalizeH="0" baseline="0">
-                  <a:ln>
-                    <a:noFill/>
-                  </a:ln>
-                  <a:solidFill>
-                    <a:srgbClr val="CF8E6D"/>
-                  </a:solidFill>
-                  <a:effectLst/>
-                  <a:latin typeface="+mj-lt"/>
-                  <a:cs typeface="JetBrains Mono" panose="02000009000000000000" pitchFamily="49" charset="0"/>
-                </a:rPr>
-                <a:t>int </a:t>
-              </a:r>
-              <a:r>
-                <a:rPr kumimoji="0" lang="zh-TW" altLang="zh-TW" sz="1200" b="0" i="0" u="none" strike="noStrike" cap="none" normalizeH="0" baseline="0">
-                  <a:ln>
-                    <a:noFill/>
-                  </a:ln>
-                  <a:solidFill>
-                    <a:srgbClr val="BCBEC4"/>
-                  </a:solidFill>
-                  <a:effectLst/>
-                  <a:latin typeface="+mj-lt"/>
-                  <a:cs typeface="JetBrains Mono" panose="02000009000000000000" pitchFamily="49" charset="0"/>
-                </a:rPr>
-                <a:t>mid = (l + r) / </a:t>
-              </a:r>
-              <a:r>
-                <a:rPr kumimoji="0" lang="zh-TW" altLang="zh-TW" sz="1200" b="0" i="0" u="none" strike="noStrike" cap="none" normalizeH="0" baseline="0">
-                  <a:ln>
-                    <a:noFill/>
-                  </a:ln>
-                  <a:solidFill>
-                    <a:srgbClr val="2AACB8"/>
-                  </a:solidFill>
-                  <a:effectLst/>
-                  <a:latin typeface="+mj-lt"/>
-                  <a:cs typeface="JetBrains Mono" panose="02000009000000000000" pitchFamily="49" charset="0"/>
-                </a:rPr>
-                <a:t>2</a:t>
-              </a:r>
-              <a:r>
-                <a:rPr kumimoji="0" lang="zh-TW" altLang="zh-TW" sz="1200" b="0" i="0" u="none" strike="noStrike" cap="none" normalizeH="0" baseline="0">
-                  <a:ln>
-                    <a:noFill/>
-                  </a:ln>
-                  <a:solidFill>
-                    <a:srgbClr val="BCBEC4"/>
-                  </a:solidFill>
-                  <a:effectLst/>
-                  <a:latin typeface="+mj-lt"/>
-                  <a:cs typeface="JetBrains Mono" panose="02000009000000000000" pitchFamily="49" charset="0"/>
-                </a:rPr>
-                <a:t>;</a:t>
-              </a:r>
-              <a:br>
-                <a:rPr kumimoji="0" lang="zh-TW" altLang="zh-TW" sz="1200" b="0" i="0" u="none" strike="noStrike" cap="none" normalizeH="0" baseline="0">
-                  <a:ln>
-                    <a:noFill/>
-                  </a:ln>
-                  <a:solidFill>
-                    <a:srgbClr val="BCBEC4"/>
-                  </a:solidFill>
-                  <a:effectLst/>
-                  <a:latin typeface="+mj-lt"/>
-                  <a:cs typeface="JetBrains Mono" panose="02000009000000000000" pitchFamily="49" charset="0"/>
-                </a:rPr>
-              </a:br>
-              <a:r>
-                <a:rPr kumimoji="0" lang="zh-TW" altLang="zh-TW" sz="1200" b="0" i="0" u="none" strike="noStrike" cap="none" normalizeH="0" baseline="0">
-                  <a:ln>
-                    <a:noFill/>
-                  </a:ln>
-                  <a:solidFill>
-                    <a:srgbClr val="BCBEC4"/>
-                  </a:solidFill>
-                  <a:effectLst/>
-                  <a:latin typeface="+mj-lt"/>
-                  <a:cs typeface="JetBrains Mono" panose="02000009000000000000" pitchFamily="49" charset="0"/>
-                </a:rPr>
-                <a:t>            </a:t>
-              </a:r>
-              <a:r>
-                <a:rPr kumimoji="0" lang="zh-TW" altLang="zh-TW" sz="1200" b="0" i="0" u="none" strike="noStrike" cap="none" normalizeH="0" baseline="0">
-                  <a:ln>
-                    <a:noFill/>
-                  </a:ln>
-                  <a:solidFill>
-                    <a:srgbClr val="CF8E6D"/>
-                  </a:solidFill>
-                  <a:effectLst/>
-                  <a:latin typeface="+mj-lt"/>
-                  <a:cs typeface="JetBrains Mono" panose="02000009000000000000" pitchFamily="49" charset="0"/>
-                </a:rPr>
-                <a:t>if </a:t>
-              </a:r>
-              <a:r>
-                <a:rPr kumimoji="0" lang="zh-TW" altLang="zh-TW" sz="1200" b="0" i="0" u="none" strike="noStrike" cap="none" normalizeH="0" baseline="0">
-                  <a:ln>
-                    <a:noFill/>
-                  </a:ln>
-                  <a:solidFill>
-                    <a:srgbClr val="BCBEC4"/>
-                  </a:solidFill>
-                  <a:effectLst/>
-                  <a:latin typeface="+mj-lt"/>
-                  <a:cs typeface="JetBrains Mono" panose="02000009000000000000" pitchFamily="49" charset="0"/>
-                </a:rPr>
-                <a:t>(arr[mid] == target) {</a:t>
-              </a:r>
-              <a:br>
-                <a:rPr kumimoji="0" lang="zh-TW" altLang="zh-TW" sz="1200" b="0" i="0" u="none" strike="noStrike" cap="none" normalizeH="0" baseline="0">
-                  <a:ln>
-                    <a:noFill/>
-                  </a:ln>
-                  <a:solidFill>
-                    <a:srgbClr val="BCBEC4"/>
-                  </a:solidFill>
-                  <a:effectLst/>
-                  <a:latin typeface="+mj-lt"/>
-                  <a:cs typeface="JetBrains Mono" panose="02000009000000000000" pitchFamily="49" charset="0"/>
-                </a:rPr>
-              </a:br>
-              <a:r>
-                <a:rPr kumimoji="0" lang="zh-TW" altLang="zh-TW" sz="1200" b="0" i="0" u="none" strike="noStrike" cap="none" normalizeH="0" baseline="0">
-                  <a:ln>
-                    <a:noFill/>
-                  </a:ln>
-                  <a:solidFill>
-                    <a:srgbClr val="BCBEC4"/>
-                  </a:solidFill>
-                  <a:effectLst/>
-                  <a:latin typeface="+mj-lt"/>
-                  <a:cs typeface="JetBrains Mono" panose="02000009000000000000" pitchFamily="49" charset="0"/>
-                </a:rPr>
-                <a:t>                System.</a:t>
-              </a:r>
-              <a:r>
-                <a:rPr kumimoji="0" lang="zh-TW" altLang="zh-TW" sz="1200" b="0" i="1" u="none" strike="noStrike" cap="none" normalizeH="0" baseline="0">
-                  <a:ln>
-                    <a:noFill/>
-                  </a:ln>
-                  <a:solidFill>
-                    <a:srgbClr val="C77DBB"/>
-                  </a:solidFill>
-                  <a:effectLst/>
-                  <a:latin typeface="+mj-lt"/>
-                  <a:cs typeface="JetBrains Mono" panose="02000009000000000000" pitchFamily="49" charset="0"/>
-                </a:rPr>
-                <a:t>out</a:t>
-              </a:r>
-              <a:r>
-                <a:rPr kumimoji="0" lang="zh-TW" altLang="zh-TW" sz="1200" b="0" i="0" u="none" strike="noStrike" cap="none" normalizeH="0" baseline="0">
-                  <a:ln>
-                    <a:noFill/>
-                  </a:ln>
-                  <a:solidFill>
-                    <a:srgbClr val="BCBEC4"/>
-                  </a:solidFill>
-                  <a:effectLst/>
-                  <a:latin typeface="+mj-lt"/>
-                  <a:cs typeface="JetBrains Mono" panose="02000009000000000000" pitchFamily="49" charset="0"/>
-                </a:rPr>
-                <a:t>.println(mid + </a:t>
-              </a:r>
-              <a:r>
-                <a:rPr kumimoji="0" lang="zh-TW" altLang="zh-TW" sz="1200" b="0" i="0" u="none" strike="noStrike" cap="none" normalizeH="0" baseline="0">
-                  <a:ln>
-                    <a:noFill/>
-                  </a:ln>
-                  <a:solidFill>
-                    <a:srgbClr val="2AACB8"/>
-                  </a:solidFill>
-                  <a:effectLst/>
-                  <a:latin typeface="+mj-lt"/>
-                  <a:cs typeface="JetBrains Mono" panose="02000009000000000000" pitchFamily="49" charset="0"/>
-                </a:rPr>
-                <a:t>1</a:t>
-              </a:r>
-              <a:r>
-                <a:rPr kumimoji="0" lang="zh-TW" altLang="zh-TW" sz="1200" b="0" i="0" u="none" strike="noStrike" cap="none" normalizeH="0" baseline="0">
-                  <a:ln>
-                    <a:noFill/>
-                  </a:ln>
-                  <a:solidFill>
-                    <a:srgbClr val="BCBEC4"/>
-                  </a:solidFill>
-                  <a:effectLst/>
-                  <a:latin typeface="+mj-lt"/>
-                  <a:cs typeface="JetBrains Mono" panose="02000009000000000000" pitchFamily="49" charset="0"/>
-                </a:rPr>
-                <a:t>);</a:t>
-              </a:r>
-              <a:br>
-                <a:rPr kumimoji="0" lang="zh-TW" altLang="zh-TW" sz="1200" b="0" i="0" u="none" strike="noStrike" cap="none" normalizeH="0" baseline="0">
-                  <a:ln>
-                    <a:noFill/>
-                  </a:ln>
-                  <a:solidFill>
-                    <a:srgbClr val="BCBEC4"/>
-                  </a:solidFill>
-                  <a:effectLst/>
-                  <a:latin typeface="+mj-lt"/>
-                  <a:cs typeface="JetBrains Mono" panose="02000009000000000000" pitchFamily="49" charset="0"/>
-                </a:rPr>
-              </a:br>
-              <a:r>
-                <a:rPr kumimoji="0" lang="zh-TW" altLang="zh-TW" sz="1200" b="0" i="0" u="none" strike="noStrike" cap="none" normalizeH="0" baseline="0">
-                  <a:ln>
-                    <a:noFill/>
-                  </a:ln>
-                  <a:solidFill>
-                    <a:srgbClr val="BCBEC4"/>
-                  </a:solidFill>
-                  <a:effectLst/>
-                  <a:latin typeface="+mj-lt"/>
-                  <a:cs typeface="JetBrains Mono" panose="02000009000000000000" pitchFamily="49" charset="0"/>
-                </a:rPr>
-                <a:t>                </a:t>
-              </a:r>
-              <a:r>
-                <a:rPr kumimoji="0" lang="zh-TW" altLang="zh-TW" sz="1200" b="0" i="0" u="none" strike="noStrike" cap="none" normalizeH="0" baseline="0">
-                  <a:ln>
-                    <a:noFill/>
-                  </a:ln>
-                  <a:solidFill>
-                    <a:srgbClr val="CF8E6D"/>
-                  </a:solidFill>
-                  <a:effectLst/>
-                  <a:latin typeface="+mj-lt"/>
-                  <a:cs typeface="JetBrains Mono" panose="02000009000000000000" pitchFamily="49" charset="0"/>
-                </a:rPr>
-                <a:t>return</a:t>
-              </a:r>
-              <a:r>
-                <a:rPr kumimoji="0" lang="zh-TW" altLang="zh-TW" sz="1200" b="0" i="0" u="none" strike="noStrike" cap="none" normalizeH="0" baseline="0">
-                  <a:ln>
-                    <a:noFill/>
-                  </a:ln>
-                  <a:solidFill>
-                    <a:srgbClr val="BCBEC4"/>
-                  </a:solidFill>
-                  <a:effectLst/>
-                  <a:latin typeface="+mj-lt"/>
-                  <a:cs typeface="JetBrains Mono" panose="02000009000000000000" pitchFamily="49" charset="0"/>
-                </a:rPr>
-                <a:t>;</a:t>
-              </a:r>
-              <a:br>
-                <a:rPr kumimoji="0" lang="zh-TW" altLang="zh-TW" sz="1200" b="0" i="0" u="none" strike="noStrike" cap="none" normalizeH="0" baseline="0">
-                  <a:ln>
-                    <a:noFill/>
-                  </a:ln>
-                  <a:solidFill>
-                    <a:srgbClr val="BCBEC4"/>
-                  </a:solidFill>
-                  <a:effectLst/>
-                  <a:latin typeface="+mj-lt"/>
-                  <a:cs typeface="JetBrains Mono" panose="02000009000000000000" pitchFamily="49" charset="0"/>
-                </a:rPr>
-              </a:br>
-              <a:r>
-                <a:rPr kumimoji="0" lang="zh-TW" altLang="zh-TW" sz="1200" b="0" i="0" u="none" strike="noStrike" cap="none" normalizeH="0" baseline="0">
-                  <a:ln>
-                    <a:noFill/>
-                  </a:ln>
-                  <a:solidFill>
-                    <a:srgbClr val="BCBEC4"/>
-                  </a:solidFill>
-                  <a:effectLst/>
-                  <a:latin typeface="+mj-lt"/>
-                  <a:cs typeface="JetBrains Mono" panose="02000009000000000000" pitchFamily="49" charset="0"/>
-                </a:rPr>
-                <a:t>            }</a:t>
-              </a:r>
-              <a:br>
-                <a:rPr kumimoji="0" lang="zh-TW" altLang="zh-TW" sz="1200" b="0" i="0" u="none" strike="noStrike" cap="none" normalizeH="0" baseline="0">
-                  <a:ln>
-                    <a:noFill/>
-                  </a:ln>
-                  <a:solidFill>
-                    <a:srgbClr val="BCBEC4"/>
-                  </a:solidFill>
-                  <a:effectLst/>
-                  <a:latin typeface="+mj-lt"/>
-                  <a:cs typeface="JetBrains Mono" panose="02000009000000000000" pitchFamily="49" charset="0"/>
-                </a:rPr>
-              </a:br>
-              <a:r>
-                <a:rPr kumimoji="0" lang="zh-TW" altLang="zh-TW" sz="1200" b="0" i="0" u="none" strike="noStrike" cap="none" normalizeH="0" baseline="0">
-                  <a:ln>
-                    <a:noFill/>
-                  </a:ln>
-                  <a:solidFill>
-                    <a:srgbClr val="BCBEC4"/>
-                  </a:solidFill>
-                  <a:effectLst/>
-                  <a:latin typeface="+mj-lt"/>
-                  <a:cs typeface="JetBrains Mono" panose="02000009000000000000" pitchFamily="49" charset="0"/>
-                </a:rPr>
-                <a:t>            </a:t>
-              </a:r>
-              <a:r>
-                <a:rPr kumimoji="0" lang="zh-TW" altLang="zh-TW" sz="1200" b="0" i="0" u="none" strike="noStrike" cap="none" normalizeH="0" baseline="0">
-                  <a:ln>
-                    <a:noFill/>
-                  </a:ln>
-                  <a:solidFill>
-                    <a:srgbClr val="CF8E6D"/>
-                  </a:solidFill>
-                  <a:effectLst/>
-                  <a:latin typeface="+mj-lt"/>
-                  <a:cs typeface="JetBrains Mono" panose="02000009000000000000" pitchFamily="49" charset="0"/>
-                </a:rPr>
-                <a:t>if </a:t>
-              </a:r>
-              <a:r>
-                <a:rPr kumimoji="0" lang="zh-TW" altLang="zh-TW" sz="1200" b="0" i="0" u="none" strike="noStrike" cap="none" normalizeH="0" baseline="0">
-                  <a:ln>
-                    <a:noFill/>
-                  </a:ln>
-                  <a:solidFill>
-                    <a:srgbClr val="BCBEC4"/>
-                  </a:solidFill>
-                  <a:effectLst/>
-                  <a:latin typeface="+mj-lt"/>
-                  <a:cs typeface="JetBrains Mono" panose="02000009000000000000" pitchFamily="49" charset="0"/>
-                </a:rPr>
-                <a:t>(arr[mid] &gt; target) r = mid - </a:t>
-              </a:r>
-              <a:r>
-                <a:rPr kumimoji="0" lang="zh-TW" altLang="zh-TW" sz="1200" b="0" i="0" u="none" strike="noStrike" cap="none" normalizeH="0" baseline="0">
-                  <a:ln>
-                    <a:noFill/>
-                  </a:ln>
-                  <a:solidFill>
-                    <a:srgbClr val="2AACB8"/>
-                  </a:solidFill>
-                  <a:effectLst/>
-                  <a:latin typeface="+mj-lt"/>
-                  <a:cs typeface="JetBrains Mono" panose="02000009000000000000" pitchFamily="49" charset="0"/>
-                </a:rPr>
-                <a:t>1</a:t>
-              </a:r>
-              <a:r>
-                <a:rPr kumimoji="0" lang="zh-TW" altLang="zh-TW" sz="1200" b="0" i="0" u="none" strike="noStrike" cap="none" normalizeH="0" baseline="0">
-                  <a:ln>
-                    <a:noFill/>
-                  </a:ln>
-                  <a:solidFill>
-                    <a:srgbClr val="BCBEC4"/>
-                  </a:solidFill>
-                  <a:effectLst/>
-                  <a:latin typeface="+mj-lt"/>
-                  <a:cs typeface="JetBrains Mono" panose="02000009000000000000" pitchFamily="49" charset="0"/>
-                </a:rPr>
-                <a:t>;</a:t>
-              </a:r>
-              <a:br>
-                <a:rPr kumimoji="0" lang="zh-TW" altLang="zh-TW" sz="1200" b="0" i="0" u="none" strike="noStrike" cap="none" normalizeH="0" baseline="0">
-                  <a:ln>
-                    <a:noFill/>
-                  </a:ln>
-                  <a:solidFill>
-                    <a:srgbClr val="BCBEC4"/>
-                  </a:solidFill>
-                  <a:effectLst/>
-                  <a:latin typeface="+mj-lt"/>
-                  <a:cs typeface="JetBrains Mono" panose="02000009000000000000" pitchFamily="49" charset="0"/>
-                </a:rPr>
-              </a:br>
-              <a:r>
-                <a:rPr kumimoji="0" lang="zh-TW" altLang="zh-TW" sz="1200" b="0" i="0" u="none" strike="noStrike" cap="none" normalizeH="0" baseline="0">
-                  <a:ln>
-                    <a:noFill/>
-                  </a:ln>
-                  <a:solidFill>
-                    <a:srgbClr val="BCBEC4"/>
-                  </a:solidFill>
-                  <a:effectLst/>
-                  <a:latin typeface="+mj-lt"/>
-                  <a:cs typeface="JetBrains Mono" panose="02000009000000000000" pitchFamily="49" charset="0"/>
-                </a:rPr>
-                <a:t>            </a:t>
-              </a:r>
-              <a:r>
-                <a:rPr kumimoji="0" lang="zh-TW" altLang="zh-TW" sz="1200" b="0" i="0" u="none" strike="noStrike" cap="none" normalizeH="0" baseline="0">
-                  <a:ln>
-                    <a:noFill/>
-                  </a:ln>
-                  <a:solidFill>
-                    <a:srgbClr val="CF8E6D"/>
-                  </a:solidFill>
-                  <a:effectLst/>
-                  <a:latin typeface="+mj-lt"/>
-                  <a:cs typeface="JetBrains Mono" panose="02000009000000000000" pitchFamily="49" charset="0"/>
-                </a:rPr>
-                <a:t>else </a:t>
-              </a:r>
-              <a:r>
-                <a:rPr kumimoji="0" lang="zh-TW" altLang="zh-TW" sz="1200" b="0" i="0" u="none" strike="noStrike" cap="none" normalizeH="0" baseline="0">
-                  <a:ln>
-                    <a:noFill/>
-                  </a:ln>
-                  <a:solidFill>
-                    <a:srgbClr val="BCBEC4"/>
-                  </a:solidFill>
-                  <a:effectLst/>
-                  <a:latin typeface="+mj-lt"/>
-                  <a:cs typeface="JetBrains Mono" panose="02000009000000000000" pitchFamily="49" charset="0"/>
-                </a:rPr>
-                <a:t>l = mid + </a:t>
-              </a:r>
-              <a:r>
-                <a:rPr kumimoji="0" lang="zh-TW" altLang="zh-TW" sz="1200" b="0" i="0" u="none" strike="noStrike" cap="none" normalizeH="0" baseline="0">
-                  <a:ln>
-                    <a:noFill/>
-                  </a:ln>
-                  <a:solidFill>
-                    <a:srgbClr val="2AACB8"/>
-                  </a:solidFill>
-                  <a:effectLst/>
-                  <a:latin typeface="+mj-lt"/>
-                  <a:cs typeface="JetBrains Mono" panose="02000009000000000000" pitchFamily="49" charset="0"/>
-                </a:rPr>
-                <a:t>1</a:t>
-              </a:r>
-              <a:r>
-                <a:rPr kumimoji="0" lang="zh-TW" altLang="zh-TW" sz="1200" b="0" i="0" u="none" strike="noStrike" cap="none" normalizeH="0" baseline="0">
-                  <a:ln>
-                    <a:noFill/>
-                  </a:ln>
-                  <a:solidFill>
-                    <a:srgbClr val="BCBEC4"/>
-                  </a:solidFill>
-                  <a:effectLst/>
-                  <a:latin typeface="+mj-lt"/>
-                  <a:cs typeface="JetBrains Mono" panose="02000009000000000000" pitchFamily="49" charset="0"/>
-                </a:rPr>
-                <a:t>;</a:t>
-              </a:r>
-              <a:br>
-                <a:rPr kumimoji="0" lang="zh-TW" altLang="zh-TW" sz="1200" b="0" i="0" u="none" strike="noStrike" cap="none" normalizeH="0" baseline="0">
-                  <a:ln>
-                    <a:noFill/>
-                  </a:ln>
-                  <a:solidFill>
-                    <a:srgbClr val="BCBEC4"/>
-                  </a:solidFill>
-                  <a:effectLst/>
-                  <a:latin typeface="+mj-lt"/>
-                  <a:cs typeface="JetBrains Mono" panose="02000009000000000000" pitchFamily="49" charset="0"/>
-                </a:rPr>
-              </a:br>
-              <a:r>
-                <a:rPr kumimoji="0" lang="zh-TW" altLang="zh-TW" sz="1200" b="0" i="0" u="none" strike="noStrike" cap="none" normalizeH="0" baseline="0">
-                  <a:ln>
-                    <a:noFill/>
-                  </a:ln>
-                  <a:solidFill>
-                    <a:srgbClr val="BCBEC4"/>
-                  </a:solidFill>
-                  <a:effectLst/>
-                  <a:latin typeface="+mj-lt"/>
-                  <a:cs typeface="JetBrains Mono" panose="02000009000000000000" pitchFamily="49" charset="0"/>
-                </a:rPr>
-                <a:t>        }</a:t>
-              </a:r>
-              <a:br>
-                <a:rPr kumimoji="0" lang="zh-TW" altLang="zh-TW" sz="1200" b="0" i="0" u="none" strike="noStrike" cap="none" normalizeH="0" baseline="0">
-                  <a:ln>
-                    <a:noFill/>
-                  </a:ln>
-                  <a:solidFill>
-                    <a:srgbClr val="BCBEC4"/>
-                  </a:solidFill>
-                  <a:effectLst/>
-                  <a:latin typeface="+mj-lt"/>
-                  <a:cs typeface="JetBrains Mono" panose="02000009000000000000" pitchFamily="49" charset="0"/>
-                </a:rPr>
-              </a:br>
-              <a:r>
-                <a:rPr kumimoji="0" lang="zh-TW" altLang="zh-TW" sz="1200" b="0" i="0" u="none" strike="noStrike" cap="none" normalizeH="0" baseline="0">
-                  <a:ln>
-                    <a:noFill/>
-                  </a:ln>
-                  <a:solidFill>
-                    <a:srgbClr val="BCBEC4"/>
-                  </a:solidFill>
-                  <a:effectLst/>
-                  <a:latin typeface="+mj-lt"/>
-                  <a:cs typeface="JetBrains Mono" panose="02000009000000000000" pitchFamily="49" charset="0"/>
-                </a:rPr>
-                <a:t>        System.</a:t>
-              </a:r>
-              <a:r>
-                <a:rPr kumimoji="0" lang="zh-TW" altLang="zh-TW" sz="1200" b="0" i="1" u="none" strike="noStrike" cap="none" normalizeH="0" baseline="0">
-                  <a:ln>
-                    <a:noFill/>
-                  </a:ln>
-                  <a:solidFill>
-                    <a:srgbClr val="C77DBB"/>
-                  </a:solidFill>
-                  <a:effectLst/>
-                  <a:latin typeface="+mj-lt"/>
-                  <a:cs typeface="JetBrains Mono" panose="02000009000000000000" pitchFamily="49" charset="0"/>
-                </a:rPr>
-                <a:t>out</a:t>
-              </a:r>
-              <a:r>
-                <a:rPr kumimoji="0" lang="zh-TW" altLang="zh-TW" sz="1200" b="0" i="0" u="none" strike="noStrike" cap="none" normalizeH="0" baseline="0">
-                  <a:ln>
-                    <a:noFill/>
-                  </a:ln>
-                  <a:solidFill>
-                    <a:srgbClr val="BCBEC4"/>
-                  </a:solidFill>
-                  <a:effectLst/>
-                  <a:latin typeface="+mj-lt"/>
-                  <a:cs typeface="JetBrains Mono" panose="02000009000000000000" pitchFamily="49" charset="0"/>
-                </a:rPr>
-                <a:t>.println(</a:t>
-              </a:r>
-              <a:r>
-                <a:rPr kumimoji="0" lang="zh-TW" altLang="zh-TW" sz="1200" b="0" i="0" u="none" strike="noStrike" cap="none" normalizeH="0" baseline="0">
-                  <a:ln>
-                    <a:noFill/>
-                  </a:ln>
-                  <a:solidFill>
-                    <a:srgbClr val="6AAB73"/>
-                  </a:solidFill>
-                  <a:effectLst/>
-                  <a:latin typeface="+mj-lt"/>
-                  <a:cs typeface="JetBrains Mono" panose="02000009000000000000" pitchFamily="49" charset="0"/>
-                </a:rPr>
-                <a:t>"Nearest Position: " </a:t>
-              </a:r>
-              <a:r>
-                <a:rPr kumimoji="0" lang="zh-TW" altLang="zh-TW" sz="1200" b="0" i="0" u="none" strike="noStrike" cap="none" normalizeH="0" baseline="0">
-                  <a:ln>
-                    <a:noFill/>
-                  </a:ln>
-                  <a:solidFill>
-                    <a:srgbClr val="BCBEC4"/>
-                  </a:solidFill>
-                  <a:effectLst/>
-                  <a:latin typeface="+mj-lt"/>
-                  <a:cs typeface="JetBrains Mono" panose="02000009000000000000" pitchFamily="49" charset="0"/>
-                </a:rPr>
-                <a:t>+ (l + </a:t>
-              </a:r>
-              <a:r>
-                <a:rPr kumimoji="0" lang="zh-TW" altLang="zh-TW" sz="1200" b="0" i="0" u="none" strike="noStrike" cap="none" normalizeH="0" baseline="0">
-                  <a:ln>
-                    <a:noFill/>
-                  </a:ln>
-                  <a:solidFill>
-                    <a:srgbClr val="2AACB8"/>
-                  </a:solidFill>
-                  <a:effectLst/>
-                  <a:latin typeface="+mj-lt"/>
-                  <a:cs typeface="JetBrains Mono" panose="02000009000000000000" pitchFamily="49" charset="0"/>
-                </a:rPr>
-                <a:t>1</a:t>
-              </a:r>
-              <a:r>
-                <a:rPr kumimoji="0" lang="zh-TW" altLang="zh-TW" sz="1200" b="0" i="0" u="none" strike="noStrike" cap="none" normalizeH="0" baseline="0">
-                  <a:ln>
-                    <a:noFill/>
-                  </a:ln>
-                  <a:solidFill>
-                    <a:srgbClr val="BCBEC4"/>
-                  </a:solidFill>
-                  <a:effectLst/>
-                  <a:latin typeface="+mj-lt"/>
-                  <a:cs typeface="JetBrains Mono" panose="02000009000000000000" pitchFamily="49" charset="0"/>
-                </a:rPr>
-                <a:t>));</a:t>
-              </a:r>
-              <a:br>
-                <a:rPr kumimoji="0" lang="zh-TW" altLang="zh-TW" sz="1200" b="0" i="0" u="none" strike="noStrike" cap="none" normalizeH="0" baseline="0">
-                  <a:ln>
-                    <a:noFill/>
-                  </a:ln>
-                  <a:solidFill>
-                    <a:srgbClr val="BCBEC4"/>
-                  </a:solidFill>
-                  <a:effectLst/>
-                  <a:latin typeface="+mj-lt"/>
-                  <a:cs typeface="JetBrains Mono" panose="02000009000000000000" pitchFamily="49" charset="0"/>
-                </a:rPr>
-              </a:br>
-              <a:r>
-                <a:rPr kumimoji="0" lang="zh-TW" altLang="zh-TW" sz="1200" b="0" i="0" u="none" strike="noStrike" cap="none" normalizeH="0" baseline="0">
-                  <a:ln>
-                    <a:noFill/>
-                  </a:ln>
-                  <a:solidFill>
-                    <a:srgbClr val="BCBEC4"/>
-                  </a:solidFill>
-                  <a:effectLst/>
-                  <a:latin typeface="+mj-lt"/>
-                  <a:cs typeface="JetBrains Mono" panose="02000009000000000000" pitchFamily="49" charset="0"/>
-                </a:rPr>
-                <a:t>    }</a:t>
-              </a:r>
-              <a:br>
-                <a:rPr kumimoji="0" lang="zh-TW" altLang="zh-TW" sz="1200" b="0" i="0" u="none" strike="noStrike" cap="none" normalizeH="0" baseline="0">
-                  <a:ln>
-                    <a:noFill/>
-                  </a:ln>
-                  <a:solidFill>
-                    <a:srgbClr val="BCBEC4"/>
-                  </a:solidFill>
-                  <a:effectLst/>
-                  <a:latin typeface="+mj-lt"/>
-                  <a:cs typeface="JetBrains Mono" panose="02000009000000000000" pitchFamily="49" charset="0"/>
-                </a:rPr>
-              </a:br>
-              <a:r>
-                <a:rPr kumimoji="0" lang="zh-TW" altLang="zh-TW" sz="1200" b="0" i="0" u="none" strike="noStrike" cap="none" normalizeH="0" baseline="0">
-                  <a:ln>
-                    <a:noFill/>
-                  </a:ln>
-                  <a:solidFill>
-                    <a:srgbClr val="BCBEC4"/>
-                  </a:solidFill>
-                  <a:effectLst/>
-                  <a:latin typeface="+mj-lt"/>
-                  <a:cs typeface="JetBrains Mono" panose="02000009000000000000" pitchFamily="49" charset="0"/>
-                </a:rPr>
                 <a:t>}</a:t>
               </a:r>
-              <a:endParaRPr kumimoji="0" lang="zh-TW" altLang="zh-TW" sz="1600" b="0" i="0" u="none" strike="noStrike" cap="none" normalizeH="0" baseline="0">
+              <a:endParaRPr kumimoji="0" lang="zh-TW" altLang="zh-TW" sz="1400" b="0" i="0" u="none" strike="noStrike" cap="none" normalizeH="0" baseline="0">
                 <a:ln>
                   <a:noFill/>
                 </a:ln>
@@ -28726,7 +31182,7 @@
           </p:nvSpPr>
           <p:spPr>
             <a:xfrm>
-              <a:off x="6697176" y="6151999"/>
+              <a:off x="6331019" y="6151999"/>
               <a:ext cx="633507" cy="338554"/>
             </a:xfrm>
             <a:prstGeom prst="rect">
@@ -28785,7 +31241,7 @@
           </p:blipFill>
           <p:spPr>
             <a:xfrm>
-              <a:off x="6791783" y="2150903"/>
+              <a:off x="6425626" y="2155952"/>
               <a:ext cx="538900" cy="527184"/>
             </a:xfrm>
             <a:prstGeom prst="rect">
@@ -28810,7 +31266,7 @@
 </p:sld>
 </file>
 
-<file path=ppt/slides/slide22.xml><?xml version="1.0" encoding="utf-8"?>
+<file path=ppt/slides/slide23.xml><?xml version="1.0" encoding="utf-8"?>
 <p:sld xmlns:a="http://schemas.openxmlformats.org/drawingml/2006/main" xmlns:r="http://schemas.openxmlformats.org/officeDocument/2006/relationships" xmlns:p="http://schemas.openxmlformats.org/presentationml/2006/main">
   <p:cSld>
     <p:spTree>
@@ -33755,7 +36211,12 @@
             <p:ph idx="1"/>
           </p:nvPr>
         </p:nvSpPr>
-        <p:spPr/>
+        <p:spPr>
+          <a:xfrm>
+            <a:off x="838200" y="2148635"/>
+            <a:ext cx="10515600" cy="3705318"/>
+          </a:xfrm>
+        </p:spPr>
         <p:txBody>
           <a:bodyPr/>
           <a:lstStyle/>
@@ -33831,7 +36292,7 @@
               <a:t>x</a:t>
             </a:r>
             <a:r>
-              <a:rPr lang="en-US" altLang="zh-TW" i="1" baseline="-25000">
+              <a:rPr lang="en-US" altLang="zh-TW" baseline="-25000">
                 <a:solidFill>
                   <a:srgbClr val="92D050"/>
                 </a:solidFill>
@@ -34908,7 +37369,12 @@
             <p:ph idx="1"/>
           </p:nvPr>
         </p:nvSpPr>
-        <p:spPr/>
+        <p:spPr>
+          <a:xfrm>
+            <a:off x="838200" y="2184494"/>
+            <a:ext cx="10515600" cy="3633600"/>
+          </a:xfrm>
+        </p:spPr>
         <p:txBody>
           <a:bodyPr/>
           <a:lstStyle/>
@@ -35018,7 +37484,7 @@
               <a:t>x</a:t>
             </a:r>
             <a:r>
-              <a:rPr lang="en-US" altLang="zh-TW" i="1" baseline="-25000">
+              <a:rPr lang="en-US" altLang="zh-TW" baseline="-25000">
                 <a:solidFill>
                   <a:srgbClr val="92D050"/>
                 </a:solidFill>
@@ -36828,7 +39294,7 @@
                   <a:srgbClr val="00B0F0"/>
                 </a:solidFill>
               </a:rPr>
-              <a:t>(Time Complexity)</a:t>
+              <a:t>(time complexity)</a:t>
             </a:r>
           </a:p>
           <a:p>
@@ -36973,7 +39439,7 @@
             <a:r>
               <a:rPr lang="en-US" altLang="zh-TW">
                 <a:solidFill>
-                  <a:srgbClr val="00B0F0"/>
+                  <a:srgbClr val="92D050"/>
                 </a:solidFill>
                 <a:latin typeface="Times New Roman" panose="02020603050405020304" pitchFamily="18" charset="0"/>
                 <a:cs typeface="Times New Roman" panose="02020603050405020304" pitchFamily="18" charset="0"/>
@@ -37005,7 +39471,7 @@
             <a:r>
               <a:rPr lang="en-US" altLang="zh-TW">
                 <a:solidFill>
-                  <a:srgbClr val="00B0F0"/>
+                  <a:srgbClr val="92D050"/>
                 </a:solidFill>
                 <a:latin typeface="Times New Roman" panose="02020603050405020304" pitchFamily="18" charset="0"/>
                 <a:cs typeface="Times New Roman" panose="02020603050405020304" pitchFamily="18" charset="0"/>
@@ -37015,7 +39481,7 @@
             <a:r>
               <a:rPr lang="en-US" altLang="zh-TW" i="1">
                 <a:solidFill>
-                  <a:srgbClr val="00B0F0"/>
+                  <a:srgbClr val="92D050"/>
                 </a:solidFill>
                 <a:latin typeface="Times New Roman" panose="02020603050405020304" pitchFamily="18" charset="0"/>
                 <a:cs typeface="Times New Roman" panose="02020603050405020304" pitchFamily="18" charset="0"/>
@@ -37025,7 +39491,7 @@
             <a:r>
               <a:rPr lang="en-US" altLang="zh-TW">
                 <a:solidFill>
-                  <a:srgbClr val="00B0F0"/>
+                  <a:srgbClr val="92D050"/>
                 </a:solidFill>
                 <a:latin typeface="Times New Roman" panose="02020603050405020304" pitchFamily="18" charset="0"/>
                 <a:cs typeface="Times New Roman" panose="02020603050405020304" pitchFamily="18" charset="0"/>
@@ -37034,7 +39500,7 @@
             </a:r>
             <a:endParaRPr lang="en-US" altLang="zh-TW">
               <a:solidFill>
-                <a:srgbClr val="00B0F0"/>
+                <a:srgbClr val="92D050"/>
               </a:solidFill>
             </a:endParaRPr>
           </a:p>
@@ -37060,17 +39526,64 @@
             <a:r>
               <a:rPr lang="en-US" altLang="zh-TW">
                 <a:solidFill>
+                  <a:srgbClr val="92D050"/>
+                </a:solidFill>
+                <a:latin typeface="Times New Roman" panose="02020603050405020304" pitchFamily="18" charset="0"/>
+                <a:cs typeface="Times New Roman" panose="02020603050405020304" pitchFamily="18" charset="0"/>
+              </a:rPr>
+              <a:t>O(</a:t>
+            </a:r>
+            <a:r>
+              <a:rPr lang="en-US" altLang="zh-TW" i="1">
+                <a:solidFill>
+                  <a:srgbClr val="92D050"/>
+                </a:solidFill>
+                <a:latin typeface="Times New Roman" panose="02020603050405020304" pitchFamily="18" charset="0"/>
+                <a:cs typeface="Times New Roman" panose="02020603050405020304" pitchFamily="18" charset="0"/>
+              </a:rPr>
+              <a:t>n</a:t>
+            </a:r>
+            <a:r>
+              <a:rPr lang="en-US" altLang="zh-TW">
+                <a:solidFill>
+                  <a:srgbClr val="92D050"/>
+                </a:solidFill>
+                <a:latin typeface="Times New Roman" panose="02020603050405020304" pitchFamily="18" charset="0"/>
+                <a:cs typeface="Times New Roman" panose="02020603050405020304" pitchFamily="18" charset="0"/>
+              </a:rPr>
+              <a:t>)</a:t>
+            </a:r>
+            <a:r>
+              <a:rPr lang="zh-TW" altLang="en-US">
+                <a:latin typeface="Times New Roman" panose="02020603050405020304" pitchFamily="18" charset="0"/>
+                <a:cs typeface="Times New Roman" panose="02020603050405020304" pitchFamily="18" charset="0"/>
+              </a:rPr>
+              <a:t>、</a:t>
+            </a:r>
+            <a:r>
+              <a:rPr lang="zh-TW" altLang="en-US">
+                <a:solidFill>
                   <a:srgbClr val="00B0F0"/>
                 </a:solidFill>
                 <a:latin typeface="Times New Roman" panose="02020603050405020304" pitchFamily="18" charset="0"/>
                 <a:cs typeface="Times New Roman" panose="02020603050405020304" pitchFamily="18" charset="0"/>
               </a:rPr>
+              <a:t>二次時間 </a:t>
+            </a:r>
+            <a:r>
+              <a:rPr lang="en-US" altLang="zh-TW">
+                <a:solidFill>
+                  <a:srgbClr val="92D050"/>
+                </a:solidFill>
+                <a:latin typeface="Times New Roman" panose="02020603050405020304" pitchFamily="18" charset="0"/>
+                <a:cs typeface="Times New Roman" panose="02020603050405020304" pitchFamily="18" charset="0"/>
+              </a:rPr>
               <a:t>O(</a:t>
             </a:r>
             <a:r>
               <a:rPr lang="en-US" altLang="zh-TW" i="1">
                 <a:solidFill>
-                  <a:srgbClr val="00B0F0"/>
+                  <a:srgbClr val="92D050"/>
                 </a:solidFill>
                 <a:latin typeface="Times New Roman" panose="02020603050405020304" pitchFamily="18" charset="0"/>
                 <a:cs typeface="Times New Roman" panose="02020603050405020304" pitchFamily="18" charset="0"/>
@@ -37078,66 +39591,19 @@
               <a:t>n</a:t>
             </a:r>
             <a:r>
+              <a:rPr lang="en-US" altLang="zh-TW" baseline="30000">
+                <a:solidFill>
+                  <a:srgbClr val="92D050"/>
+                </a:solidFill>
+                <a:latin typeface="Times New Roman" panose="02020603050405020304" pitchFamily="18" charset="0"/>
+                <a:cs typeface="Times New Roman" panose="02020603050405020304" pitchFamily="18" charset="0"/>
+              </a:rPr>
+              <a:t>2</a:t>
+            </a:r>
+            <a:r>
               <a:rPr lang="en-US" altLang="zh-TW">
                 <a:solidFill>
-                  <a:srgbClr val="00B0F0"/>
-                </a:solidFill>
-                <a:latin typeface="Times New Roman" panose="02020603050405020304" pitchFamily="18" charset="0"/>
-                <a:cs typeface="Times New Roman" panose="02020603050405020304" pitchFamily="18" charset="0"/>
-              </a:rPr>
-              <a:t>)</a:t>
-            </a:r>
-            <a:r>
-              <a:rPr lang="zh-TW" altLang="en-US">
-                <a:latin typeface="Times New Roman" panose="02020603050405020304" pitchFamily="18" charset="0"/>
-                <a:cs typeface="Times New Roman" panose="02020603050405020304" pitchFamily="18" charset="0"/>
-              </a:rPr>
-              <a:t>、</a:t>
-            </a:r>
-            <a:r>
-              <a:rPr lang="zh-TW" altLang="en-US">
-                <a:solidFill>
-                  <a:srgbClr val="00B0F0"/>
-                </a:solidFill>
-                <a:latin typeface="Times New Roman" panose="02020603050405020304" pitchFamily="18" charset="0"/>
-                <a:cs typeface="Times New Roman" panose="02020603050405020304" pitchFamily="18" charset="0"/>
-              </a:rPr>
-              <a:t>二次時間 </a:t>
-            </a:r>
-            <a:r>
-              <a:rPr lang="en-US" altLang="zh-TW">
-                <a:solidFill>
-                  <a:srgbClr val="00B0F0"/>
-                </a:solidFill>
-                <a:latin typeface="Times New Roman" panose="02020603050405020304" pitchFamily="18" charset="0"/>
-                <a:cs typeface="Times New Roman" panose="02020603050405020304" pitchFamily="18" charset="0"/>
-              </a:rPr>
-              <a:t>O(</a:t>
-            </a:r>
-            <a:r>
-              <a:rPr lang="en-US" altLang="zh-TW" i="1">
-                <a:solidFill>
-                  <a:srgbClr val="00B0F0"/>
-                </a:solidFill>
-                <a:latin typeface="Times New Roman" panose="02020603050405020304" pitchFamily="18" charset="0"/>
-                <a:cs typeface="Times New Roman" panose="02020603050405020304" pitchFamily="18" charset="0"/>
-              </a:rPr>
-              <a:t>n</a:t>
-            </a:r>
-            <a:r>
-              <a:rPr lang="en-US" altLang="zh-TW" i="1" baseline="30000">
-                <a:solidFill>
-                  <a:srgbClr val="00B0F0"/>
-                </a:solidFill>
-                <a:latin typeface="Times New Roman" panose="02020603050405020304" pitchFamily="18" charset="0"/>
-                <a:cs typeface="Times New Roman" panose="02020603050405020304" pitchFamily="18" charset="0"/>
-              </a:rPr>
-              <a:t>2</a:t>
-            </a:r>
-            <a:r>
-              <a:rPr lang="en-US" altLang="zh-TW">
-                <a:solidFill>
-                  <a:srgbClr val="00B0F0"/>
+                  <a:srgbClr val="92D050"/>
                 </a:solidFill>
                 <a:latin typeface="Times New Roman" panose="02020603050405020304" pitchFamily="18" charset="0"/>
                 <a:cs typeface="Times New Roman" panose="02020603050405020304" pitchFamily="18" charset="0"/>
@@ -37159,7 +39625,7 @@
             <a:r>
               <a:rPr lang="en-US" altLang="zh-TW">
                 <a:solidFill>
-                  <a:srgbClr val="00B0F0"/>
+                  <a:srgbClr val="92D050"/>
                 </a:solidFill>
                 <a:latin typeface="Times New Roman" panose="02020603050405020304" pitchFamily="18" charset="0"/>
                 <a:cs typeface="Times New Roman" panose="02020603050405020304" pitchFamily="18" charset="0"/>
@@ -37169,7 +39635,7 @@
             <a:r>
               <a:rPr lang="en-US" altLang="zh-TW" i="1">
                 <a:solidFill>
-                  <a:srgbClr val="00B0F0"/>
+                  <a:srgbClr val="92D050"/>
                 </a:solidFill>
                 <a:latin typeface="Times New Roman" panose="02020603050405020304" pitchFamily="18" charset="0"/>
                 <a:cs typeface="Times New Roman" panose="02020603050405020304" pitchFamily="18" charset="0"/>
@@ -37179,7 +39645,7 @@
             <a:r>
               <a:rPr lang="en-US" altLang="zh-TW">
                 <a:solidFill>
-                  <a:srgbClr val="00B0F0"/>
+                  <a:srgbClr val="92D050"/>
                 </a:solidFill>
                 <a:latin typeface="Times New Roman" panose="02020603050405020304" pitchFamily="18" charset="0"/>
                 <a:cs typeface="Times New Roman" panose="02020603050405020304" pitchFamily="18" charset="0"/>
@@ -37189,7 +39655,7 @@
             <a:r>
               <a:rPr lang="en-US" altLang="zh-TW" i="1">
                 <a:solidFill>
-                  <a:srgbClr val="00B0F0"/>
+                  <a:srgbClr val="92D050"/>
                 </a:solidFill>
                 <a:latin typeface="Times New Roman" panose="02020603050405020304" pitchFamily="18" charset="0"/>
                 <a:cs typeface="Times New Roman" panose="02020603050405020304" pitchFamily="18" charset="0"/>
@@ -37199,7 +39665,7 @@
             <a:r>
               <a:rPr lang="en-US" altLang="zh-TW">
                 <a:solidFill>
-                  <a:srgbClr val="00B0F0"/>
+                  <a:srgbClr val="92D050"/>
                 </a:solidFill>
                 <a:latin typeface="Times New Roman" panose="02020603050405020304" pitchFamily="18" charset="0"/>
                 <a:cs typeface="Times New Roman" panose="02020603050405020304" pitchFamily="18" charset="0"/>
@@ -37421,7 +39887,7 @@
                   <a:srgbClr val="00B0F0"/>
                 </a:solidFill>
               </a:rPr>
-              <a:t>(Space Complexity)</a:t>
+              <a:t>(space complexity)</a:t>
             </a:r>
           </a:p>
           <a:p>
@@ -37538,7 +40004,7 @@
             <a:r>
               <a:rPr lang="en-US" altLang="zh-TW">
                 <a:solidFill>
-                  <a:srgbClr val="00B0F0"/>
+                  <a:srgbClr val="92D050"/>
                 </a:solidFill>
                 <a:latin typeface="Times New Roman" panose="02020603050405020304" pitchFamily="18" charset="0"/>
                 <a:cs typeface="Times New Roman" panose="02020603050405020304" pitchFamily="18" charset="0"/>
@@ -37552,7 +40018,7 @@
             <a:r>
               <a:rPr lang="en-US" altLang="zh-TW">
                 <a:solidFill>
-                  <a:srgbClr val="00B0F0"/>
+                  <a:srgbClr val="92D050"/>
                 </a:solidFill>
                 <a:latin typeface="Times New Roman" panose="02020603050405020304" pitchFamily="18" charset="0"/>
                 <a:cs typeface="Times New Roman" panose="02020603050405020304" pitchFamily="18" charset="0"/>
@@ -37562,7 +40028,7 @@
             <a:r>
               <a:rPr lang="en-US" altLang="zh-TW" i="1">
                 <a:solidFill>
-                  <a:srgbClr val="00B0F0"/>
+                  <a:srgbClr val="92D050"/>
                 </a:solidFill>
                 <a:latin typeface="Times New Roman" panose="02020603050405020304" pitchFamily="18" charset="0"/>
                 <a:cs typeface="Times New Roman" panose="02020603050405020304" pitchFamily="18" charset="0"/>
@@ -37572,7 +40038,7 @@
             <a:r>
               <a:rPr lang="en-US" altLang="zh-TW">
                 <a:solidFill>
-                  <a:srgbClr val="00B0F0"/>
+                  <a:srgbClr val="92D050"/>
                 </a:solidFill>
                 <a:latin typeface="Times New Roman" panose="02020603050405020304" pitchFamily="18" charset="0"/>
                 <a:cs typeface="Times New Roman" panose="02020603050405020304" pitchFamily="18" charset="0"/>
@@ -37589,7 +40055,7 @@
             <a:r>
               <a:rPr lang="en-US" altLang="zh-TW">
                 <a:solidFill>
-                  <a:srgbClr val="00B0F0"/>
+                  <a:srgbClr val="92D050"/>
                 </a:solidFill>
                 <a:latin typeface="Times New Roman" panose="02020603050405020304" pitchFamily="18" charset="0"/>
                 <a:cs typeface="Times New Roman" panose="02020603050405020304" pitchFamily="18" charset="0"/>
@@ -37599,7 +40065,7 @@
             <a:r>
               <a:rPr lang="en-US" altLang="zh-TW" i="1">
                 <a:solidFill>
-                  <a:srgbClr val="00B0F0"/>
+                  <a:srgbClr val="92D050"/>
                 </a:solidFill>
                 <a:latin typeface="Times New Roman" panose="02020603050405020304" pitchFamily="18" charset="0"/>
                 <a:cs typeface="Times New Roman" panose="02020603050405020304" pitchFamily="18" charset="0"/>
@@ -37609,7 +40075,7 @@
             <a:r>
               <a:rPr lang="en-US" altLang="zh-TW">
                 <a:solidFill>
-                  <a:srgbClr val="00B0F0"/>
+                  <a:srgbClr val="92D050"/>
                 </a:solidFill>
                 <a:latin typeface="Times New Roman" panose="02020603050405020304" pitchFamily="18" charset="0"/>
                 <a:cs typeface="Times New Roman" panose="02020603050405020304" pitchFamily="18" charset="0"/>
@@ -37626,7 +40092,7 @@
             <a:r>
               <a:rPr lang="en-US" altLang="zh-TW">
                 <a:solidFill>
-                  <a:srgbClr val="00B0F0"/>
+                  <a:srgbClr val="92D050"/>
                 </a:solidFill>
                 <a:latin typeface="Times New Roman" panose="02020603050405020304" pitchFamily="18" charset="0"/>
                 <a:cs typeface="Times New Roman" panose="02020603050405020304" pitchFamily="18" charset="0"/>
@@ -37636,7 +40102,7 @@
             <a:r>
               <a:rPr lang="en-US" altLang="zh-TW" i="1">
                 <a:solidFill>
-                  <a:srgbClr val="00B0F0"/>
+                  <a:srgbClr val="92D050"/>
                 </a:solidFill>
                 <a:latin typeface="Times New Roman" panose="02020603050405020304" pitchFamily="18" charset="0"/>
                 <a:cs typeface="Times New Roman" panose="02020603050405020304" pitchFamily="18" charset="0"/>
@@ -37644,9 +40110,9 @@
               <a:t>n</a:t>
             </a:r>
             <a:r>
-              <a:rPr lang="en-US" altLang="zh-TW" i="1" baseline="30000">
-                <a:solidFill>
-                  <a:srgbClr val="00B0F0"/>
+              <a:rPr lang="en-US" altLang="zh-TW" baseline="30000">
+                <a:solidFill>
+                  <a:srgbClr val="92D050"/>
                 </a:solidFill>
                 <a:latin typeface="Times New Roman" panose="02020603050405020304" pitchFamily="18" charset="0"/>
                 <a:cs typeface="Times New Roman" panose="02020603050405020304" pitchFamily="18" charset="0"/>
@@ -37656,7 +40122,7 @@
             <a:r>
               <a:rPr lang="en-US" altLang="zh-TW">
                 <a:solidFill>
-                  <a:srgbClr val="00B0F0"/>
+                  <a:srgbClr val="92D050"/>
                 </a:solidFill>
                 <a:latin typeface="Times New Roman" panose="02020603050405020304" pitchFamily="18" charset="0"/>
                 <a:cs typeface="Times New Roman" panose="02020603050405020304" pitchFamily="18" charset="0"/>
@@ -37673,7 +40139,7 @@
             <a:r>
               <a:rPr lang="en-US" altLang="zh-TW">
                 <a:solidFill>
-                  <a:srgbClr val="00B0F0"/>
+                  <a:srgbClr val="92D050"/>
                 </a:solidFill>
                 <a:latin typeface="Times New Roman" panose="02020603050405020304" pitchFamily="18" charset="0"/>
                 <a:cs typeface="Times New Roman" panose="02020603050405020304" pitchFamily="18" charset="0"/>
@@ -37683,7 +40149,7 @@
             <a:r>
               <a:rPr lang="en-US" altLang="zh-TW" i="1">
                 <a:solidFill>
-                  <a:srgbClr val="00B0F0"/>
+                  <a:srgbClr val="92D050"/>
                 </a:solidFill>
                 <a:latin typeface="Times New Roman" panose="02020603050405020304" pitchFamily="18" charset="0"/>
                 <a:cs typeface="Times New Roman" panose="02020603050405020304" pitchFamily="18" charset="0"/>
@@ -37693,7 +40159,7 @@
             <a:r>
               <a:rPr lang="en-US" altLang="zh-TW">
                 <a:solidFill>
-                  <a:srgbClr val="00B0F0"/>
+                  <a:srgbClr val="92D050"/>
                 </a:solidFill>
                 <a:latin typeface="Times New Roman" panose="02020603050405020304" pitchFamily="18" charset="0"/>
                 <a:cs typeface="Times New Roman" panose="02020603050405020304" pitchFamily="18" charset="0"/>
@@ -37703,7 +40169,7 @@
             <a:r>
               <a:rPr lang="en-US" altLang="zh-TW" i="1">
                 <a:solidFill>
-                  <a:srgbClr val="00B0F0"/>
+                  <a:srgbClr val="92D050"/>
                 </a:solidFill>
                 <a:latin typeface="Times New Roman" panose="02020603050405020304" pitchFamily="18" charset="0"/>
                 <a:cs typeface="Times New Roman" panose="02020603050405020304" pitchFamily="18" charset="0"/>
@@ -37713,7 +40179,7 @@
             <a:r>
               <a:rPr lang="en-US" altLang="zh-TW">
                 <a:solidFill>
-                  <a:srgbClr val="00B0F0"/>
+                  <a:srgbClr val="92D050"/>
                 </a:solidFill>
                 <a:latin typeface="Times New Roman" panose="02020603050405020304" pitchFamily="18" charset="0"/>
                 <a:cs typeface="Times New Roman" panose="02020603050405020304" pitchFamily="18" charset="0"/>
@@ -37906,14 +40372,55 @@
           <a:p>
             <a:r>
               <a:rPr lang="zh-TW" altLang="en-US"/>
-              <a:t>對於多個值，想要找尋最大、最小值</a:t>
+              <a:t>對於多個值，想要找尋最大值、最小值</a:t>
             </a:r>
             <a:endParaRPr lang="en-US" altLang="zh-TW"/>
           </a:p>
           <a:p>
             <a:r>
               <a:rPr lang="zh-TW" altLang="en-US"/>
-              <a:t>除了對資料排序外，也可利用以下方法：</a:t>
+              <a:t>除了對資料排序外，也可利用以下方法，時間複雜度為</a:t>
+            </a:r>
+            <a:r>
+              <a:rPr lang="zh-TW" altLang="en-US">
+                <a:latin typeface="Times New Roman" panose="02020603050405020304" pitchFamily="18" charset="0"/>
+                <a:cs typeface="Times New Roman" panose="02020603050405020304" pitchFamily="18" charset="0"/>
+              </a:rPr>
+              <a:t> </a:t>
+            </a:r>
+            <a:r>
+              <a:rPr lang="en-US" altLang="zh-TW">
+                <a:solidFill>
+                  <a:srgbClr val="92D050"/>
+                </a:solidFill>
+                <a:latin typeface="Times New Roman" panose="02020603050405020304" pitchFamily="18" charset="0"/>
+                <a:cs typeface="Times New Roman" panose="02020603050405020304" pitchFamily="18" charset="0"/>
+              </a:rPr>
+              <a:t>O(</a:t>
+            </a:r>
+            <a:r>
+              <a:rPr lang="en-US" altLang="zh-TW" i="1">
+                <a:solidFill>
+                  <a:srgbClr val="92D050"/>
+                </a:solidFill>
+                <a:latin typeface="Times New Roman" panose="02020603050405020304" pitchFamily="18" charset="0"/>
+                <a:cs typeface="Times New Roman" panose="02020603050405020304" pitchFamily="18" charset="0"/>
+              </a:rPr>
+              <a:t>n</a:t>
+            </a:r>
+            <a:r>
+              <a:rPr lang="en-US" altLang="zh-TW">
+                <a:solidFill>
+                  <a:srgbClr val="92D050"/>
+                </a:solidFill>
+                <a:latin typeface="Times New Roman" panose="02020603050405020304" pitchFamily="18" charset="0"/>
+                <a:cs typeface="Times New Roman" panose="02020603050405020304" pitchFamily="18" charset="0"/>
+              </a:rPr>
+              <a:t>)</a:t>
+            </a:r>
+            <a:r>
+              <a:rPr lang="zh-TW" altLang="en-US"/>
+              <a:t>：</a:t>
             </a:r>
             <a:endParaRPr lang="en-US" altLang="zh-TW"/>
           </a:p>
